--- a/200 드론 멘토링 자율 비행 이론 V1.1.pptx
+++ b/200 드론 멘토링 자율 비행 이론 V1.1.pptx
@@ -15464,7 +15464,7 @@
         </p:spPr>
         <p:txBody>
           <a:bodyPr>
-            <a:normAutofit fontScale="70000" lnSpcReduction="20000"/>
+            <a:normAutofit fontScale="55000" lnSpcReduction="20000"/>
           </a:bodyPr>
           <a:lstStyle/>
           <a:p>
@@ -15582,6 +15582,25 @@
             </a:r>
             <a:r>
               <a:rPr lang="ko-KR" altLang="en-US" dirty="0"/>
+              <a:t>월 모터 동력기 최초 이륙 비행</a:t>
+            </a:r>
+            <a:endParaRPr lang="en-US" altLang="ko-KR" dirty="0"/>
+          </a:p>
+          <a:p>
+            <a:r>
+              <a:rPr lang="en-US" altLang="ko-KR" dirty="0"/>
+              <a:t>2019</a:t>
+            </a:r>
+            <a:r>
+              <a:rPr lang="ko-KR" altLang="en-US" dirty="0"/>
+              <a:t>년 </a:t>
+            </a:r>
+            <a:r>
+              <a:rPr lang="en-US" altLang="ko-KR" dirty="0"/>
+              <a:t>6</a:t>
+            </a:r>
+            <a:r>
+              <a:rPr lang="ko-KR" altLang="en-US" dirty="0"/>
               <a:t>월 비밥</a:t>
             </a:r>
             <a:r>
@@ -15609,7 +15628,7 @@
             </a:r>
             <a:r>
               <a:rPr lang="ko-KR" altLang="en-US" dirty="0"/>
-              <a:t>월 스위스 취리히 </a:t>
+              <a:t>월 취리히 </a:t>
             </a:r>
             <a:r>
               <a:rPr lang="en-US" altLang="ko-KR" dirty="0"/>
@@ -15767,7 +15786,7 @@
           <p:nvPr/>
         </p:nvPicPr>
         <p:blipFill>
-          <a:blip r:embed="rId2"/>
+          <a:blip r:embed="rId3"/>
           <a:stretch>
             <a:fillRect/>
           </a:stretch>
@@ -15797,7 +15816,7 @@
           <p:nvPr/>
         </p:nvPicPr>
         <p:blipFill>
-          <a:blip r:embed="rId3" cstate="print">
+          <a:blip r:embed="rId4" cstate="print">
             <a:extLst>
               <a:ext uri="{28A0092B-C50C-407E-A947-70E740481C1C}">
                 <a14:useLocalDpi xmlns:a14="http://schemas.microsoft.com/office/drawing/2010/main" val="0"/>
@@ -15844,7 +15863,7 @@
           <p:nvPr/>
         </p:nvPicPr>
         <p:blipFill>
-          <a:blip r:embed="rId4"/>
+          <a:blip r:embed="rId5"/>
           <a:stretch>
             <a:fillRect/>
           </a:stretch>
@@ -15874,7 +15893,7 @@
           <p:nvPr/>
         </p:nvPicPr>
         <p:blipFill>
-          <a:blip r:embed="rId5"/>
+          <a:blip r:embed="rId6"/>
           <a:stretch>
             <a:fillRect/>
           </a:stretch>
@@ -15883,6 +15902,39 @@
           <a:xfrm>
             <a:off x="7530112" y="4144310"/>
             <a:ext cx="1496441" cy="1995255"/>
+          </a:xfrm>
+          <a:prstGeom prst="rect">
+            <a:avLst/>
+          </a:prstGeom>
+        </p:spPr>
+      </p:pic>
+      <p:pic>
+        <p:nvPicPr>
+          <p:cNvPr id="8" name="Online Media 7" title="Academy R2 ￫ﾪﾨ￭ﾘﾕ ￫ﾹﾄ￭ﾖﾉ￪ﾸﾰ With Motor">
+            <a:hlinkClick r:id="" action="ppaction://media"/>
+            <a:extLst>
+              <a:ext uri="{FF2B5EF4-FFF2-40B4-BE49-F238E27FC236}">
+                <a16:creationId xmlns:a16="http://schemas.microsoft.com/office/drawing/2014/main" id="{47F95C07-DF80-443B-A298-C093FBADDF16}"/>
+              </a:ext>
+            </a:extLst>
+          </p:cNvPr>
+          <p:cNvPicPr>
+            <a:picLocks noRot="1" noChangeAspect="1"/>
+          </p:cNvPicPr>
+          <p:nvPr>
+            <a:videoFile r:link="rId1"/>
+          </p:nvPr>
+        </p:nvPicPr>
+        <p:blipFill>
+          <a:blip r:embed="rId7"/>
+          <a:stretch>
+            <a:fillRect/>
+          </a:stretch>
+        </p:blipFill>
+        <p:spPr>
+          <a:xfrm>
+            <a:off x="5446496" y="1389264"/>
+            <a:ext cx="4167231" cy="2344068"/>
           </a:xfrm>
           <a:prstGeom prst="rect">
             <a:avLst/>
@@ -15899,6 +15951,141 @@
   <p:clrMapOvr>
     <a:masterClrMapping/>
   </p:clrMapOvr>
+  <p:timing>
+    <p:tnLst>
+      <p:par>
+        <p:cTn id="1" dur="indefinite" restart="never" nodeType="tmRoot">
+          <p:childTnLst>
+            <p:seq concurrent="1" nextAc="seek">
+              <p:cTn id="2" dur="indefinite" nodeType="mainSeq">
+                <p:childTnLst>
+                  <p:par>
+                    <p:cTn id="3" fill="hold">
+                      <p:stCondLst>
+                        <p:cond delay="indefinite"/>
+                      </p:stCondLst>
+                      <p:childTnLst>
+                        <p:par>
+                          <p:cTn id="4" fill="hold">
+                            <p:stCondLst>
+                              <p:cond delay="0"/>
+                            </p:stCondLst>
+                            <p:childTnLst>
+                              <p:par>
+                                <p:cTn id="5" presetID="1" presetClass="mediacall" presetSubtype="0" fill="hold" nodeType="clickEffect">
+                                  <p:stCondLst>
+                                    <p:cond delay="0"/>
+                                  </p:stCondLst>
+                                  <p:childTnLst>
+                                    <p:cmd type="call" cmd="playFrom(0.0)">
+                                      <p:cBhvr>
+                                        <p:cTn id="6" dur="1" fill="hold"/>
+                                        <p:tgtEl>
+                                          <p:spTgt spid="8"/>
+                                        </p:tgtEl>
+                                      </p:cBhvr>
+                                    </p:cmd>
+                                  </p:childTnLst>
+                                </p:cTn>
+                              </p:par>
+                            </p:childTnLst>
+                          </p:cTn>
+                        </p:par>
+                      </p:childTnLst>
+                    </p:cTn>
+                  </p:par>
+                </p:childTnLst>
+              </p:cTn>
+              <p:prevCondLst>
+                <p:cond evt="onPrev" delay="0">
+                  <p:tgtEl>
+                    <p:sldTgt/>
+                  </p:tgtEl>
+                </p:cond>
+              </p:prevCondLst>
+              <p:nextCondLst>
+                <p:cond evt="onNext" delay="0">
+                  <p:tgtEl>
+                    <p:sldTgt/>
+                  </p:tgtEl>
+                </p:cond>
+              </p:nextCondLst>
+            </p:seq>
+            <p:video>
+              <p:cMediaNode vol="80000">
+                <p:cTn id="7" fill="hold" display="0">
+                  <p:stCondLst>
+                    <p:cond delay="indefinite"/>
+                  </p:stCondLst>
+                </p:cTn>
+                <p:tgtEl>
+                  <p:spTgt spid="8"/>
+                </p:tgtEl>
+              </p:cMediaNode>
+            </p:video>
+            <p:seq concurrent="1" nextAc="seek">
+              <p:cTn id="8" restart="whenNotActive" fill="hold" evtFilter="cancelBubble" nodeType="interactiveSeq">
+                <p:stCondLst>
+                  <p:cond evt="onClick" delay="0">
+                    <p:tgtEl>
+                      <p:spTgt spid="8"/>
+                    </p:tgtEl>
+                  </p:cond>
+                </p:stCondLst>
+                <p:endSync evt="end" delay="0">
+                  <p:rtn val="all"/>
+                </p:endSync>
+                <p:childTnLst>
+                  <p:par>
+                    <p:cTn id="9" fill="hold">
+                      <p:stCondLst>
+                        <p:cond delay="0"/>
+                      </p:stCondLst>
+                      <p:childTnLst>
+                        <p:par>
+                          <p:cTn id="10" fill="hold">
+                            <p:stCondLst>
+                              <p:cond delay="0"/>
+                            </p:stCondLst>
+                            <p:childTnLst>
+                              <p:par>
+                                <p:cTn id="11" presetID="2" presetClass="mediacall" presetSubtype="0" fill="hold" nodeType="clickEffect">
+                                  <p:stCondLst>
+                                    <p:cond delay="0"/>
+                                  </p:stCondLst>
+                                  <p:childTnLst>
+                                    <p:cmd type="call" cmd="togglePause">
+                                      <p:cBhvr>
+                                        <p:cTn id="12" dur="1" fill="hold"/>
+                                        <p:tgtEl>
+                                          <p:spTgt spid="8"/>
+                                        </p:tgtEl>
+                                      </p:cBhvr>
+                                    </p:cmd>
+                                  </p:childTnLst>
+                                </p:cTn>
+                              </p:par>
+                            </p:childTnLst>
+                          </p:cTn>
+                        </p:par>
+                      </p:childTnLst>
+                    </p:cTn>
+                  </p:par>
+                </p:childTnLst>
+              </p:cTn>
+              <p:nextCondLst>
+                <p:cond evt="onClick" delay="0">
+                  <p:tgtEl>
+                    <p:spTgt spid="8"/>
+                  </p:tgtEl>
+                </p:cond>
+              </p:nextCondLst>
+            </p:seq>
+          </p:childTnLst>
+        </p:cTn>
+      </p:par>
+    </p:tnLst>
+  </p:timing>
 </p:sld>
 </file>
 

--- a/200 드론 멘토링 자율 비행 이론 V1.1.pptx
+++ b/200 드론 멘토링 자율 비행 이론 V1.1.pptx
@@ -12466,11 +12466,13 @@
         <p:spPr>
           <a:xfrm>
             <a:off x="681038" y="1255271"/>
-            <a:ext cx="8543925" cy="1236259"/>
+            <a:ext cx="8543925" cy="1861190"/>
           </a:xfrm>
         </p:spPr>
         <p:txBody>
-          <a:bodyPr/>
+          <a:bodyPr>
+            <a:normAutofit fontScale="92500" lnSpcReduction="10000"/>
+          </a:bodyPr>
           <a:lstStyle/>
           <a:p>
             <a:r>
@@ -12482,7 +12484,20 @@
           <a:p>
             <a:r>
               <a:rPr lang="ko-KR" altLang="en-US" dirty="0"/>
-              <a:t>제작 비용의 최소화</a:t>
+              <a:t>인명 손실 및 비용의 최소화</a:t>
+            </a:r>
+            <a:endParaRPr lang="en-US" altLang="ko-KR" dirty="0"/>
+          </a:p>
+          <a:p>
+            <a:endParaRPr lang="en-US" dirty="0"/>
+          </a:p>
+          <a:p>
+            <a:pPr lvl="1"/>
+            <a:r>
+              <a:rPr lang="en-US" sz="1900" dirty="0">
+                <a:hlinkClick r:id="rId2"/>
+              </a:rPr>
+              <a:t>https://drive.google.com/file/d/1w0DyqinzyB9HViMZWOb9z8JcHjLWj_TJ/view</a:t>
             </a:r>
             <a:endParaRPr lang="en-US" dirty="0"/>
           </a:p>
@@ -12587,6 +12602,37 @@
           </a:p>
         </p:txBody>
       </p:sp>
+      <p:pic>
+        <p:nvPicPr>
+          <p:cNvPr id="7" name="Picture 6">
+            <a:hlinkClick r:id="rId2"/>
+            <a:extLst>
+              <a:ext uri="{FF2B5EF4-FFF2-40B4-BE49-F238E27FC236}">
+                <a16:creationId xmlns:a16="http://schemas.microsoft.com/office/drawing/2014/main" id="{7FE53565-EEAB-4F6F-AB80-1EA73C3B05E0}"/>
+              </a:ext>
+            </a:extLst>
+          </p:cNvPr>
+          <p:cNvPicPr>
+            <a:picLocks noChangeAspect="1"/>
+          </p:cNvPicPr>
+          <p:nvPr/>
+        </p:nvPicPr>
+        <p:blipFill>
+          <a:blip r:embed="rId3"/>
+          <a:stretch>
+            <a:fillRect/>
+          </a:stretch>
+        </p:blipFill>
+        <p:spPr>
+          <a:xfrm>
+            <a:off x="1346433" y="3116461"/>
+            <a:ext cx="7213134" cy="3008198"/>
+          </a:xfrm>
+          <a:prstGeom prst="rect">
+            <a:avLst/>
+          </a:prstGeom>
+        </p:spPr>
+      </p:pic>
     </p:spTree>
     <p:extLst>
       <p:ext uri="{BB962C8B-B14F-4D97-AF65-F5344CB8AC3E}">

--- a/200 드론 멘토링 자율 비행 이론 V1.1.pptx
+++ b/200 드론 멘토링 자율 비행 이론 V1.1.pptx
@@ -5,7 +5,7 @@
     <p:sldMasterId id="2147483660" r:id="rId1"/>
   </p:sldMasterIdLst>
   <p:notesMasterIdLst>
-    <p:notesMasterId r:id="rId19"/>
+    <p:notesMasterId r:id="rId20"/>
   </p:notesMasterIdLst>
   <p:sldIdLst>
     <p:sldId id="256" r:id="rId2"/>
@@ -21,10 +21,11 @@
     <p:sldId id="263" r:id="rId12"/>
     <p:sldId id="268" r:id="rId13"/>
     <p:sldId id="277" r:id="rId14"/>
-    <p:sldId id="259" r:id="rId15"/>
-    <p:sldId id="265" r:id="rId16"/>
-    <p:sldId id="266" r:id="rId17"/>
-    <p:sldId id="267" r:id="rId18"/>
+    <p:sldId id="265" r:id="rId15"/>
+    <p:sldId id="278" r:id="rId16"/>
+    <p:sldId id="259" r:id="rId17"/>
+    <p:sldId id="266" r:id="rId18"/>
+    <p:sldId id="267" r:id="rId19"/>
   </p:sldIdLst>
   <p:sldSz cx="9906000" cy="6858000" type="A4"/>
   <p:notesSz cx="6858000" cy="9144000"/>
@@ -12673,32 +12674,99 @@
             <p:ph type="title"/>
           </p:nvPr>
         </p:nvSpPr>
-        <p:spPr>
-          <a:xfrm>
-            <a:off x="681038" y="2343397"/>
-            <a:ext cx="8543925" cy="1325563"/>
-          </a:xfrm>
-        </p:spPr>
+        <p:spPr/>
         <p:txBody>
           <a:bodyPr/>
           <a:lstStyle/>
           <a:p>
-            <a:pPr algn="ctr"/>
-            <a:r>
-              <a:rPr lang="ko-KR" altLang="en-US" dirty="0"/>
-              <a:t>끝</a:t>
-            </a:r>
-            <a:r>
-              <a:rPr lang="en-US" altLang="ko-KR" dirty="0"/>
-              <a:t>.</a:t>
-            </a:r>
-            <a:endParaRPr lang="en-US" dirty="0"/>
+            <a:r>
+              <a:rPr lang="ko-KR" altLang="en-US"/>
+              <a:t>드론 수학</a:t>
+            </a:r>
+            <a:endParaRPr lang="en-US"/>
           </a:p>
         </p:txBody>
       </p:sp>
       <p:sp>
         <p:nvSpPr>
-          <p:cNvPr id="5" name="슬라이드 번호 개체 틀 4"/>
+          <p:cNvPr id="3" name="텍스트 개체 틀 2"/>
+          <p:cNvSpPr>
+            <a:spLocks noGrp="1"/>
+          </p:cNvSpPr>
+          <p:nvPr>
+            <p:ph type="body" idx="1"/>
+          </p:nvPr>
+        </p:nvSpPr>
+        <p:spPr/>
+        <p:txBody>
+          <a:bodyPr/>
+          <a:lstStyle/>
+          <a:p>
+            <a:endParaRPr lang="en-US"/>
+          </a:p>
+        </p:txBody>
+      </p:sp>
+      <p:sp>
+        <p:nvSpPr>
+          <p:cNvPr id="4" name="날짜 개체 틀 3"/>
+          <p:cNvSpPr>
+            <a:spLocks noGrp="1"/>
+          </p:cNvSpPr>
+          <p:nvPr>
+            <p:ph type="dt" sz="half" idx="10"/>
+          </p:nvPr>
+        </p:nvSpPr>
+        <p:spPr/>
+        <p:txBody>
+          <a:bodyPr/>
+          <a:lstStyle/>
+          <a:p>
+            <a:fld id="{4CC14437-CE76-4CAA-B57D-74630AAA1A81}" type="datetime1">
+              <a:rPr lang="ko-KR" altLang="en-US" smtClean="0"/>
+              <a:t>2019-07-08</a:t>
+            </a:fld>
+            <a:endParaRPr lang="en-US"/>
+          </a:p>
+        </p:txBody>
+      </p:sp>
+      <p:sp>
+        <p:nvSpPr>
+          <p:cNvPr id="5" name="바닥글 개체 틀 4"/>
+          <p:cNvSpPr>
+            <a:spLocks noGrp="1"/>
+          </p:cNvSpPr>
+          <p:nvPr>
+            <p:ph type="ftr" sz="quarter" idx="11"/>
+          </p:nvPr>
+        </p:nvSpPr>
+        <p:spPr/>
+        <p:txBody>
+          <a:bodyPr/>
+          <a:lstStyle/>
+          <a:p>
+            <a:r>
+              <a:rPr lang="ko-KR" altLang="en-US"/>
+              <a:t>드론 멘토링 </a:t>
+            </a:r>
+            <a:r>
+              <a:rPr lang="en-US" altLang="ko-KR"/>
+              <a:t>(2019</a:t>
+            </a:r>
+            <a:r>
+              <a:rPr lang="ko-KR" altLang="en-US"/>
+              <a:t>년 여름</a:t>
+            </a:r>
+            <a:r>
+              <a:rPr lang="en-US" altLang="ko-KR"/>
+              <a:t>)</a:t>
+            </a:r>
+            <a:endParaRPr lang="en-US"/>
+          </a:p>
+        </p:txBody>
+      </p:sp>
+      <p:sp>
+        <p:nvSpPr>
+          <p:cNvPr id="6" name="슬라이드 번호 개체 틀 5"/>
           <p:cNvSpPr>
             <a:spLocks noGrp="1"/>
           </p:cNvSpPr>
@@ -12719,86 +12787,16 @@
           </a:p>
         </p:txBody>
       </p:sp>
-      <p:sp>
-        <p:nvSpPr>
-          <p:cNvPr id="6" name="날짜 개체 틀 5"/>
-          <p:cNvSpPr>
-            <a:spLocks noGrp="1"/>
-          </p:cNvSpPr>
-          <p:nvPr>
-            <p:ph type="dt" sz="half" idx="10"/>
-          </p:nvPr>
-        </p:nvSpPr>
-        <p:spPr/>
-        <p:txBody>
-          <a:bodyPr/>
-          <a:lstStyle/>
-          <a:p>
-            <a:fld id="{6B29AF39-0B45-4EC4-A5E8-3B3BED10E749}" type="datetime1">
-              <a:rPr lang="ko-KR" altLang="en-US" smtClean="0"/>
-              <a:t>2019-07-08</a:t>
-            </a:fld>
-            <a:endParaRPr lang="en-US"/>
-          </a:p>
-        </p:txBody>
-      </p:sp>
-      <p:sp>
-        <p:nvSpPr>
-          <p:cNvPr id="3" name="바닥글 개체 틀 2"/>
-          <p:cNvSpPr>
-            <a:spLocks noGrp="1"/>
-          </p:cNvSpPr>
-          <p:nvPr>
-            <p:ph type="ftr" sz="quarter" idx="11"/>
-          </p:nvPr>
-        </p:nvSpPr>
-        <p:spPr/>
-        <p:txBody>
-          <a:bodyPr/>
-          <a:lstStyle/>
-          <a:p>
-            <a:r>
-              <a:rPr lang="ko-KR" altLang="en-US"/>
-              <a:t>드론 멘토링 </a:t>
-            </a:r>
-            <a:r>
-              <a:rPr lang="en-US" altLang="ko-KR"/>
-              <a:t>(2019</a:t>
-            </a:r>
-            <a:r>
-              <a:rPr lang="ko-KR" altLang="en-US"/>
-              <a:t>년 여름</a:t>
-            </a:r>
-            <a:r>
-              <a:rPr lang="en-US" altLang="ko-KR"/>
-              <a:t>)</a:t>
-            </a:r>
-            <a:endParaRPr lang="en-US"/>
-          </a:p>
-        </p:txBody>
-      </p:sp>
     </p:spTree>
     <p:extLst>
       <p:ext uri="{BB962C8B-B14F-4D97-AF65-F5344CB8AC3E}">
-        <p14:creationId xmlns:p14="http://schemas.microsoft.com/office/powerpoint/2010/main" val="781218299"/>
+        <p14:creationId xmlns:p14="http://schemas.microsoft.com/office/powerpoint/2010/main" val="4079990666"/>
       </p:ext>
     </p:extLst>
   </p:cSld>
   <p:clrMapOvr>
     <a:masterClrMapping/>
   </p:clrMapOvr>
-  <mc:AlternateContent xmlns:mc="http://schemas.openxmlformats.org/markup-compatibility/2006" xmlns:p15="http://schemas.microsoft.com/office/powerpoint/2012/main">
-    <mc:Choice Requires="p15">
-      <p:transition xmlns:p14="http://schemas.microsoft.com/office/powerpoint/2010/main" spd="slow" p14:dur="1250">
-        <p15:prstTrans prst="pageCurlDouble"/>
-      </p:transition>
-    </mc:Choice>
-    <mc:Fallback xmlns="">
-      <p:transition spd="slow">
-        <p:fade/>
-      </p:transition>
-    </mc:Fallback>
-  </mc:AlternateContent>
 </p:sld>
 </file>
 
@@ -12821,7 +12819,13 @@
       </p:grpSpPr>
       <p:sp>
         <p:nvSpPr>
-          <p:cNvPr id="2" name="제목 1"/>
+          <p:cNvPr id="2" name="Title 1">
+            <a:extLst>
+              <a:ext uri="{FF2B5EF4-FFF2-40B4-BE49-F238E27FC236}">
+                <a16:creationId xmlns:a16="http://schemas.microsoft.com/office/drawing/2014/main" id="{CD7725E1-694A-4505-A0E7-D7081BA33F46}"/>
+              </a:ext>
+            </a:extLst>
+          </p:cNvPr>
           <p:cNvSpPr>
             <a:spLocks noGrp="1"/>
           </p:cNvSpPr>
@@ -12835,35 +12839,65 @@
           <a:lstStyle/>
           <a:p>
             <a:r>
-              <a:rPr lang="ko-KR" altLang="en-US"/>
-              <a:t>드론 수학</a:t>
-            </a:r>
-            <a:endParaRPr lang="en-US"/>
+              <a:rPr lang="ko-KR" altLang="en-US" dirty="0"/>
+              <a:t>수학의 정의</a:t>
+            </a:r>
+            <a:endParaRPr lang="en-US" dirty="0"/>
           </a:p>
         </p:txBody>
       </p:sp>
       <p:sp>
         <p:nvSpPr>
-          <p:cNvPr id="3" name="텍스트 개체 틀 2"/>
+          <p:cNvPr id="3" name="Content Placeholder 2">
+            <a:extLst>
+              <a:ext uri="{FF2B5EF4-FFF2-40B4-BE49-F238E27FC236}">
+                <a16:creationId xmlns:a16="http://schemas.microsoft.com/office/drawing/2014/main" id="{AAE85060-3AEA-4EDE-B0B7-BDB95F1A4C38}"/>
+              </a:ext>
+            </a:extLst>
+          </p:cNvPr>
           <p:cNvSpPr>
             <a:spLocks noGrp="1"/>
           </p:cNvSpPr>
           <p:nvPr>
-            <p:ph type="body" idx="1"/>
+            <p:ph idx="1"/>
           </p:nvPr>
         </p:nvSpPr>
-        <p:spPr/>
+        <p:spPr>
+          <a:xfrm>
+            <a:off x="681038" y="1255271"/>
+            <a:ext cx="8543925" cy="1588597"/>
+          </a:xfrm>
+        </p:spPr>
         <p:txBody>
           <a:bodyPr/>
           <a:lstStyle/>
           <a:p>
-            <a:endParaRPr lang="en-US"/>
+            <a:r>
+              <a:rPr lang="en-US" dirty="0"/>
+              <a:t>A picture is worth a thousand words.</a:t>
+            </a:r>
+          </a:p>
+          <a:p>
+            <a:r>
+              <a:rPr lang="en-US"/>
+              <a:t>A symbol </a:t>
+            </a:r>
+            <a:r>
+              <a:rPr lang="en-US" dirty="0"/>
+              <a:t>is worth a thousand words.</a:t>
+            </a:r>
           </a:p>
         </p:txBody>
       </p:sp>
       <p:sp>
         <p:nvSpPr>
-          <p:cNvPr id="4" name="날짜 개체 틀 3"/>
+          <p:cNvPr id="4" name="Date Placeholder 3">
+            <a:extLst>
+              <a:ext uri="{FF2B5EF4-FFF2-40B4-BE49-F238E27FC236}">
+                <a16:creationId xmlns:a16="http://schemas.microsoft.com/office/drawing/2014/main" id="{A20A5097-5215-4503-B73D-4588C0AA8007}"/>
+              </a:ext>
+            </a:extLst>
+          </p:cNvPr>
           <p:cNvSpPr>
             <a:spLocks noGrp="1"/>
           </p:cNvSpPr>
@@ -12876,7 +12910,7 @@
           <a:bodyPr/>
           <a:lstStyle/>
           <a:p>
-            <a:fld id="{4CC14437-CE76-4CAA-B57D-74630AAA1A81}" type="datetime1">
+            <a:fld id="{BE0357B1-0FDD-482C-A9DC-A4587093D4A9}" type="datetime1">
               <a:rPr lang="ko-KR" altLang="en-US" smtClean="0"/>
               <a:t>2019-07-08</a:t>
             </a:fld>
@@ -12886,7 +12920,13 @@
       </p:sp>
       <p:sp>
         <p:nvSpPr>
-          <p:cNvPr id="5" name="바닥글 개체 틀 4"/>
+          <p:cNvPr id="5" name="Footer Placeholder 4">
+            <a:extLst>
+              <a:ext uri="{FF2B5EF4-FFF2-40B4-BE49-F238E27FC236}">
+                <a16:creationId xmlns:a16="http://schemas.microsoft.com/office/drawing/2014/main" id="{EE271743-72E2-4911-B1D0-3C484628D09E}"/>
+              </a:ext>
+            </a:extLst>
+          </p:cNvPr>
           <p:cNvSpPr>
             <a:spLocks noGrp="1"/>
           </p:cNvSpPr>
@@ -12921,7 +12961,13 @@
       </p:sp>
       <p:sp>
         <p:nvSpPr>
-          <p:cNvPr id="6" name="슬라이드 번호 개체 틀 5"/>
+          <p:cNvPr id="6" name="Slide Number Placeholder 5">
+            <a:extLst>
+              <a:ext uri="{FF2B5EF4-FFF2-40B4-BE49-F238E27FC236}">
+                <a16:creationId xmlns:a16="http://schemas.microsoft.com/office/drawing/2014/main" id="{8135A7BE-4335-4F54-A76B-F024B0C97673}"/>
+              </a:ext>
+            </a:extLst>
+          </p:cNvPr>
           <p:cNvSpPr>
             <a:spLocks noGrp="1"/>
           </p:cNvSpPr>
@@ -12942,10 +12988,119 @@
           </a:p>
         </p:txBody>
       </p:sp>
+      <p:grpSp>
+        <p:nvGrpSpPr>
+          <p:cNvPr id="8" name="Group 7">
+            <a:extLst>
+              <a:ext uri="{FF2B5EF4-FFF2-40B4-BE49-F238E27FC236}">
+                <a16:creationId xmlns:a16="http://schemas.microsoft.com/office/drawing/2014/main" id="{8A94F98F-32EB-4C1A-AD33-6E8779D0F98A}"/>
+              </a:ext>
+            </a:extLst>
+          </p:cNvPr>
+          <p:cNvGrpSpPr/>
+          <p:nvPr/>
+        </p:nvGrpSpPr>
+        <p:grpSpPr>
+          <a:xfrm>
+            <a:off x="6357668" y="2594512"/>
+            <a:ext cx="2978441" cy="3798492"/>
+            <a:chOff x="6046210" y="2291842"/>
+            <a:chExt cx="3255393" cy="4129080"/>
+          </a:xfrm>
+        </p:grpSpPr>
+        <p:pic>
+          <p:nvPicPr>
+            <p:cNvPr id="1026" name="Picture 2" descr="https://upload.wikimedia.org/wikipedia/en/0/0b/1913_Piqua_Ohio_Advertisement_-_One_Look_Is_Worth_a_Thousand_Words.jpg">
+              <a:extLst>
+                <a:ext uri="{FF2B5EF4-FFF2-40B4-BE49-F238E27FC236}">
+                  <a16:creationId xmlns:a16="http://schemas.microsoft.com/office/drawing/2014/main" id="{1DDFAB92-BB49-46CF-8CC5-17A247BB1AC2}"/>
+                </a:ext>
+              </a:extLst>
+            </p:cNvPr>
+            <p:cNvPicPr>
+              <a:picLocks noChangeAspect="1" noChangeArrowheads="1"/>
+            </p:cNvPicPr>
+            <p:nvPr/>
+          </p:nvPicPr>
+          <p:blipFill>
+            <a:blip r:embed="rId2">
+              <a:extLst>
+                <a:ext uri="{28A0092B-C50C-407E-A947-70E740481C1C}">
+                  <a14:useLocalDpi xmlns:a14="http://schemas.microsoft.com/office/drawing/2010/main" val="0"/>
+                </a:ext>
+              </a:extLst>
+            </a:blip>
+            <a:srcRect/>
+            <a:stretch>
+              <a:fillRect/>
+            </a:stretch>
+          </p:blipFill>
+          <p:spPr bwMode="auto">
+            <a:xfrm>
+              <a:off x="6046210" y="2291842"/>
+              <a:ext cx="3255393" cy="3790526"/>
+            </a:xfrm>
+            <a:prstGeom prst="rect">
+              <a:avLst/>
+            </a:prstGeom>
+            <a:noFill/>
+            <a:extLst>
+              <a:ext uri="{909E8E84-426E-40DD-AFC4-6F175D3DCCD1}">
+                <a14:hiddenFill xmlns:a14="http://schemas.microsoft.com/office/drawing/2010/main">
+                  <a:solidFill>
+                    <a:srgbClr val="FFFFFF"/>
+                  </a:solidFill>
+                </a14:hiddenFill>
+              </a:ext>
+            </a:extLst>
+          </p:spPr>
+        </p:pic>
+        <p:sp>
+          <p:nvSpPr>
+            <p:cNvPr id="7" name="Rectangle 6">
+              <a:extLst>
+                <a:ext uri="{FF2B5EF4-FFF2-40B4-BE49-F238E27FC236}">
+                  <a16:creationId xmlns:a16="http://schemas.microsoft.com/office/drawing/2014/main" id="{1F9BA38A-726A-44A9-8FF4-E66127E84F76}"/>
+                </a:ext>
+              </a:extLst>
+            </p:cNvPr>
+            <p:cNvSpPr/>
+            <p:nvPr/>
+          </p:nvSpPr>
+          <p:spPr>
+            <a:xfrm>
+              <a:off x="6150892" y="6082368"/>
+              <a:ext cx="3046027" cy="338554"/>
+            </a:xfrm>
+            <a:prstGeom prst="rect">
+              <a:avLst/>
+            </a:prstGeom>
+          </p:spPr>
+          <p:txBody>
+            <a:bodyPr wrap="none">
+              <a:spAutoFit/>
+            </a:bodyPr>
+            <a:lstStyle/>
+            <a:p>
+              <a:pPr algn="ctr"/>
+              <a:r>
+                <a:rPr lang="en-US" sz="1600" dirty="0">
+                  <a:solidFill>
+                    <a:srgbClr val="222222"/>
+                  </a:solidFill>
+                  <a:latin typeface="Arial" panose="020B0604020202020204" pitchFamily="34" charset="0"/>
+                </a:rPr>
+                <a:t>1913 newspaper advertisement</a:t>
+              </a:r>
+              <a:endParaRPr lang="en-US" sz="1600" dirty="0"/>
+            </a:p>
+          </p:txBody>
+        </p:sp>
+      </p:grpSp>
     </p:spTree>
     <p:extLst>
       <p:ext uri="{BB962C8B-B14F-4D97-AF65-F5344CB8AC3E}">
-        <p14:creationId xmlns:p14="http://schemas.microsoft.com/office/powerpoint/2010/main" val="4079990666"/>
+        <p14:creationId xmlns:p14="http://schemas.microsoft.com/office/powerpoint/2010/main" val="1461165185"/>
       </p:ext>
     </p:extLst>
   </p:cSld>
@@ -12982,27 +13137,37 @@
             <p:ph type="title"/>
           </p:nvPr>
         </p:nvSpPr>
-        <p:spPr/>
+        <p:spPr>
+          <a:xfrm>
+            <a:off x="681038" y="2343397"/>
+            <a:ext cx="8543925" cy="1325563"/>
+          </a:xfrm>
+        </p:spPr>
         <p:txBody>
           <a:bodyPr/>
           <a:lstStyle/>
           <a:p>
-            <a:r>
-              <a:rPr lang="ko-KR" altLang="en-US"/>
-              <a:t>드론 물리학</a:t>
-            </a:r>
-            <a:endParaRPr lang="en-US"/>
+            <a:pPr algn="ctr"/>
+            <a:r>
+              <a:rPr lang="ko-KR" altLang="en-US" dirty="0"/>
+              <a:t>끝</a:t>
+            </a:r>
+            <a:r>
+              <a:rPr lang="en-US" altLang="ko-KR" dirty="0"/>
+              <a:t>.</a:t>
+            </a:r>
+            <a:endParaRPr lang="en-US" dirty="0"/>
           </a:p>
         </p:txBody>
       </p:sp>
       <p:sp>
         <p:nvSpPr>
-          <p:cNvPr id="3" name="텍스트 개체 틀 2"/>
+          <p:cNvPr id="5" name="슬라이드 번호 개체 틀 4"/>
           <p:cNvSpPr>
             <a:spLocks noGrp="1"/>
           </p:cNvSpPr>
           <p:nvPr>
-            <p:ph type="body" idx="1"/>
+            <p:ph type="sldNum" sz="quarter" idx="12"/>
           </p:nvPr>
         </p:nvSpPr>
         <p:spPr/>
@@ -13010,13 +13175,17 @@
           <a:bodyPr/>
           <a:lstStyle/>
           <a:p>
+            <a:fld id="{AA0EB1BB-D2B3-481B-A5E1-F093F8D3CD29}" type="slidenum">
+              <a:rPr lang="en-US" smtClean="0"/>
+              <a:t>16</a:t>
+            </a:fld>
             <a:endParaRPr lang="en-US"/>
           </a:p>
         </p:txBody>
       </p:sp>
       <p:sp>
         <p:nvSpPr>
-          <p:cNvPr id="4" name="날짜 개체 틀 3"/>
+          <p:cNvPr id="6" name="날짜 개체 틀 5"/>
           <p:cNvSpPr>
             <a:spLocks noGrp="1"/>
           </p:cNvSpPr>
@@ -13029,7 +13198,7 @@
           <a:bodyPr/>
           <a:lstStyle/>
           <a:p>
-            <a:fld id="{4CC14437-CE76-4CAA-B57D-74630AAA1A81}" type="datetime1">
+            <a:fld id="{6B29AF39-0B45-4EC4-A5E8-3B3BED10E749}" type="datetime1">
               <a:rPr lang="ko-KR" altLang="en-US" smtClean="0"/>
               <a:t>2019-07-08</a:t>
             </a:fld>
@@ -13039,7 +13208,7 @@
       </p:sp>
       <p:sp>
         <p:nvSpPr>
-          <p:cNvPr id="5" name="바닥글 개체 틀 4"/>
+          <p:cNvPr id="3" name="바닥글 개체 틀 2"/>
           <p:cNvSpPr>
             <a:spLocks noGrp="1"/>
           </p:cNvSpPr>
@@ -13072,39 +13241,28 @@
           </a:p>
         </p:txBody>
       </p:sp>
-      <p:sp>
-        <p:nvSpPr>
-          <p:cNvPr id="6" name="슬라이드 번호 개체 틀 5"/>
-          <p:cNvSpPr>
-            <a:spLocks noGrp="1"/>
-          </p:cNvSpPr>
-          <p:nvPr>
-            <p:ph type="sldNum" sz="quarter" idx="12"/>
-          </p:nvPr>
-        </p:nvSpPr>
-        <p:spPr/>
-        <p:txBody>
-          <a:bodyPr/>
-          <a:lstStyle/>
-          <a:p>
-            <a:fld id="{AA0EB1BB-D2B3-481B-A5E1-F093F8D3CD29}" type="slidenum">
-              <a:rPr lang="en-US" smtClean="0"/>
-              <a:t>16</a:t>
-            </a:fld>
-            <a:endParaRPr lang="en-US"/>
-          </a:p>
-        </p:txBody>
-      </p:sp>
     </p:spTree>
     <p:extLst>
       <p:ext uri="{BB962C8B-B14F-4D97-AF65-F5344CB8AC3E}">
-        <p14:creationId xmlns:p14="http://schemas.microsoft.com/office/powerpoint/2010/main" val="3781277454"/>
+        <p14:creationId xmlns:p14="http://schemas.microsoft.com/office/powerpoint/2010/main" val="781218299"/>
       </p:ext>
     </p:extLst>
   </p:cSld>
   <p:clrMapOvr>
     <a:masterClrMapping/>
   </p:clrMapOvr>
+  <mc:AlternateContent xmlns:mc="http://schemas.openxmlformats.org/markup-compatibility/2006" xmlns:p15="http://schemas.microsoft.com/office/powerpoint/2012/main">
+    <mc:Choice Requires="p15">
+      <p:transition xmlns:p14="http://schemas.microsoft.com/office/powerpoint/2010/main" spd="slow" p14:dur="1250">
+        <p15:prstTrans prst="pageCurlDouble"/>
+      </p:transition>
+    </mc:Choice>
+    <mc:Fallback xmlns="">
+      <p:transition spd="slow">
+        <p:fade/>
+      </p:transition>
+    </mc:Fallback>
+  </mc:AlternateContent>
 </p:sld>
 </file>
 
@@ -13142,7 +13300,7 @@
           <a:p>
             <a:r>
               <a:rPr lang="ko-KR" altLang="en-US"/>
-              <a:t>드론 항공 역학</a:t>
+              <a:t>드론 물리학</a:t>
             </a:r>
             <a:endParaRPr lang="en-US"/>
           </a:p>
@@ -13243,6 +13401,159 @@
             <a:fld id="{AA0EB1BB-D2B3-481B-A5E1-F093F8D3CD29}" type="slidenum">
               <a:rPr lang="en-US" smtClean="0"/>
               <a:t>17</a:t>
+            </a:fld>
+            <a:endParaRPr lang="en-US"/>
+          </a:p>
+        </p:txBody>
+      </p:sp>
+    </p:spTree>
+    <p:extLst>
+      <p:ext uri="{BB962C8B-B14F-4D97-AF65-F5344CB8AC3E}">
+        <p14:creationId xmlns:p14="http://schemas.microsoft.com/office/powerpoint/2010/main" val="3781277454"/>
+      </p:ext>
+    </p:extLst>
+  </p:cSld>
+  <p:clrMapOvr>
+    <a:masterClrMapping/>
+  </p:clrMapOvr>
+</p:sld>
+</file>
+
+<file path=ppt/slides/slide18.xml><?xml version="1.0" encoding="utf-8"?>
+<p:sld xmlns:a="http://schemas.openxmlformats.org/drawingml/2006/main" xmlns:r="http://schemas.openxmlformats.org/officeDocument/2006/relationships" xmlns:p="http://schemas.openxmlformats.org/presentationml/2006/main">
+  <p:cSld>
+    <p:spTree>
+      <p:nvGrpSpPr>
+        <p:cNvPr id="1" name=""/>
+        <p:cNvGrpSpPr/>
+        <p:nvPr/>
+      </p:nvGrpSpPr>
+      <p:grpSpPr>
+        <a:xfrm>
+          <a:off x="0" y="0"/>
+          <a:ext cx="0" cy="0"/>
+          <a:chOff x="0" y="0"/>
+          <a:chExt cx="0" cy="0"/>
+        </a:xfrm>
+      </p:grpSpPr>
+      <p:sp>
+        <p:nvSpPr>
+          <p:cNvPr id="2" name="제목 1"/>
+          <p:cNvSpPr>
+            <a:spLocks noGrp="1"/>
+          </p:cNvSpPr>
+          <p:nvPr>
+            <p:ph type="title"/>
+          </p:nvPr>
+        </p:nvSpPr>
+        <p:spPr/>
+        <p:txBody>
+          <a:bodyPr/>
+          <a:lstStyle/>
+          <a:p>
+            <a:r>
+              <a:rPr lang="ko-KR" altLang="en-US"/>
+              <a:t>드론 항공 역학</a:t>
+            </a:r>
+            <a:endParaRPr lang="en-US"/>
+          </a:p>
+        </p:txBody>
+      </p:sp>
+      <p:sp>
+        <p:nvSpPr>
+          <p:cNvPr id="3" name="텍스트 개체 틀 2"/>
+          <p:cNvSpPr>
+            <a:spLocks noGrp="1"/>
+          </p:cNvSpPr>
+          <p:nvPr>
+            <p:ph type="body" idx="1"/>
+          </p:nvPr>
+        </p:nvSpPr>
+        <p:spPr/>
+        <p:txBody>
+          <a:bodyPr/>
+          <a:lstStyle/>
+          <a:p>
+            <a:endParaRPr lang="en-US"/>
+          </a:p>
+        </p:txBody>
+      </p:sp>
+      <p:sp>
+        <p:nvSpPr>
+          <p:cNvPr id="4" name="날짜 개체 틀 3"/>
+          <p:cNvSpPr>
+            <a:spLocks noGrp="1"/>
+          </p:cNvSpPr>
+          <p:nvPr>
+            <p:ph type="dt" sz="half" idx="10"/>
+          </p:nvPr>
+        </p:nvSpPr>
+        <p:spPr/>
+        <p:txBody>
+          <a:bodyPr/>
+          <a:lstStyle/>
+          <a:p>
+            <a:fld id="{4CC14437-CE76-4CAA-B57D-74630AAA1A81}" type="datetime1">
+              <a:rPr lang="ko-KR" altLang="en-US" smtClean="0"/>
+              <a:t>2019-07-08</a:t>
+            </a:fld>
+            <a:endParaRPr lang="en-US"/>
+          </a:p>
+        </p:txBody>
+      </p:sp>
+      <p:sp>
+        <p:nvSpPr>
+          <p:cNvPr id="5" name="바닥글 개체 틀 4"/>
+          <p:cNvSpPr>
+            <a:spLocks noGrp="1"/>
+          </p:cNvSpPr>
+          <p:nvPr>
+            <p:ph type="ftr" sz="quarter" idx="11"/>
+          </p:nvPr>
+        </p:nvSpPr>
+        <p:spPr/>
+        <p:txBody>
+          <a:bodyPr/>
+          <a:lstStyle/>
+          <a:p>
+            <a:r>
+              <a:rPr lang="ko-KR" altLang="en-US"/>
+              <a:t>드론 멘토링 </a:t>
+            </a:r>
+            <a:r>
+              <a:rPr lang="en-US" altLang="ko-KR"/>
+              <a:t>(2019</a:t>
+            </a:r>
+            <a:r>
+              <a:rPr lang="ko-KR" altLang="en-US"/>
+              <a:t>년 여름</a:t>
+            </a:r>
+            <a:r>
+              <a:rPr lang="en-US" altLang="ko-KR"/>
+              <a:t>)</a:t>
+            </a:r>
+            <a:endParaRPr lang="en-US"/>
+          </a:p>
+        </p:txBody>
+      </p:sp>
+      <p:sp>
+        <p:nvSpPr>
+          <p:cNvPr id="6" name="슬라이드 번호 개체 틀 5"/>
+          <p:cNvSpPr>
+            <a:spLocks noGrp="1"/>
+          </p:cNvSpPr>
+          <p:nvPr>
+            <p:ph type="sldNum" sz="quarter" idx="12"/>
+          </p:nvPr>
+        </p:nvSpPr>
+        <p:spPr/>
+        <p:txBody>
+          <a:bodyPr/>
+          <a:lstStyle/>
+          <a:p>
+            <a:fld id="{AA0EB1BB-D2B3-481B-A5E1-F093F8D3CD29}" type="slidenum">
+              <a:rPr lang="en-US" smtClean="0"/>
+              <a:t>18</a:t>
             </a:fld>
             <a:endParaRPr lang="en-US"/>
           </a:p>

--- a/200 드론 멘토링 자율 비행 이론 V1.1.pptx
+++ b/200 드론 멘토링 자율 비행 이론 V1.1.pptx
@@ -7980,7 +7980,7 @@
           <a:p>
             <a:fld id="{60456C2F-1F67-44A5-80B0-9C3A6CA33C82}" type="datetimeFigureOut">
               <a:rPr lang="en-US" smtClean="0"/>
-              <a:t>7/8/2019</a:t>
+              <a:t>7/11/2019</a:t>
             </a:fld>
             <a:endParaRPr lang="en-US"/>
           </a:p>
@@ -8379,7 +8379,7 @@
           <a:p>
             <a:fld id="{319B1230-C6B6-4309-80C9-CAB93D465649}" type="datetime1">
               <a:rPr lang="ko-KR" altLang="en-US" smtClean="0"/>
-              <a:t>2019-07-08</a:t>
+              <a:t>2019-07-11</a:t>
             </a:fld>
             <a:endParaRPr lang="en-US"/>
           </a:p>
@@ -8490,7 +8490,7 @@
           <a:p>
             <a:fld id="{924A5E96-5228-467F-80D0-2ECBCC17D15E}" type="datetime1">
               <a:rPr lang="ko-KR" altLang="en-US" smtClean="0"/>
-              <a:t>2019-07-08</a:t>
+              <a:t>2019-07-11</a:t>
             </a:fld>
             <a:endParaRPr lang="en-US"/>
           </a:p>
@@ -8676,7 +8676,7 @@
           <a:p>
             <a:fld id="{BE0357B1-0FDD-482C-A9DC-A4587093D4A9}" type="datetime1">
               <a:rPr lang="ko-KR" altLang="en-US" smtClean="0"/>
-              <a:t>2019-07-08</a:t>
+              <a:t>2019-07-11</a:t>
             </a:fld>
             <a:endParaRPr lang="en-US"/>
           </a:p>
@@ -8939,7 +8939,7 @@
           <a:p>
             <a:fld id="{0D94B2E5-B4C8-4FE9-8181-FA32C14418EE}" type="datetime1">
               <a:rPr lang="ko-KR" altLang="en-US" smtClean="0"/>
-              <a:t>2019-07-08</a:t>
+              <a:t>2019-07-11</a:t>
             </a:fld>
             <a:endParaRPr lang="en-US"/>
           </a:p>
@@ -9267,7 +9267,7 @@
           <a:p>
             <a:fld id="{8F5C8F60-763C-4F84-8F24-DD737445852F}" type="datetime1">
               <a:rPr lang="ko-KR" altLang="en-US" smtClean="0"/>
-              <a:t>2019-07-08</a:t>
+              <a:t>2019-07-11</a:t>
             </a:fld>
             <a:endParaRPr lang="en-US"/>
           </a:p>
@@ -9615,7 +9615,7 @@
           <a:p>
             <a:fld id="{4CC14437-CE76-4CAA-B57D-74630AAA1A81}" type="datetime1">
               <a:rPr lang="ko-KR" altLang="en-US" smtClean="0"/>
-              <a:t>2019-07-08</a:t>
+              <a:t>2019-07-11</a:t>
             </a:fld>
             <a:endParaRPr lang="en-US"/>
           </a:p>
@@ -9906,7 +9906,7 @@
           <a:p>
             <a:fld id="{834AA384-6E8E-4FED-B7E7-E5A1E24200AC}" type="datetime1">
               <a:rPr lang="ko-KR" altLang="en-US" smtClean="0"/>
-              <a:t>2019-07-08</a:t>
+              <a:t>2019-07-11</a:t>
             </a:fld>
             <a:endParaRPr lang="en-US"/>
           </a:p>
@@ -10234,7 +10234,7 @@
           <a:p>
             <a:fld id="{7917DF62-74E6-4230-B273-D0D3CCDE7E84}" type="datetime1">
               <a:rPr lang="ko-KR" altLang="en-US" smtClean="0"/>
-              <a:t>2019-07-08</a:t>
+              <a:t>2019-07-11</a:t>
             </a:fld>
             <a:endParaRPr lang="en-US"/>
           </a:p>
@@ -10660,7 +10660,7 @@
           <a:p>
             <a:fld id="{6B67E599-38F1-4810-B40C-4564238E6F55}" type="datetime1">
               <a:rPr lang="ko-KR" altLang="en-US" smtClean="0"/>
-              <a:t>2019-07-08</a:t>
+              <a:t>2019-07-11</a:t>
             </a:fld>
             <a:endParaRPr lang="en-US"/>
           </a:p>
@@ -10794,7 +10794,7 @@
           <a:p>
             <a:fld id="{FED29414-8F33-4E3F-A952-9544504CA7EE}" type="datetime1">
               <a:rPr lang="ko-KR" altLang="en-US" smtClean="0"/>
-              <a:t>2019-07-08</a:t>
+              <a:t>2019-07-11</a:t>
             </a:fld>
             <a:endParaRPr lang="en-US"/>
           </a:p>
@@ -11073,7 +11073,7 @@
           <a:p>
             <a:fld id="{2605756E-71AC-4422-8513-6CA67E389392}" type="datetime1">
               <a:rPr lang="ko-KR" altLang="en-US" smtClean="0"/>
-              <a:t>2019-07-08</a:t>
+              <a:t>2019-07-11</a:t>
             </a:fld>
             <a:endParaRPr lang="en-US"/>
           </a:p>
@@ -11846,7 +11846,7 @@
           <a:p>
             <a:fld id="{BE0357B1-0FDD-482C-A9DC-A4587093D4A9}" type="datetime1">
               <a:rPr lang="ko-KR" altLang="en-US" smtClean="0"/>
-              <a:t>2019-07-08</a:t>
+              <a:t>2019-07-11</a:t>
             </a:fld>
             <a:endParaRPr lang="en-US"/>
           </a:p>
@@ -12054,7 +12054,7 @@
           <a:p>
             <a:fld id="{BE0357B1-0FDD-482C-A9DC-A4587093D4A9}" type="datetime1">
               <a:rPr lang="ko-KR" altLang="en-US" smtClean="0"/>
-              <a:t>2019-07-08</a:t>
+              <a:t>2019-07-11</a:t>
             </a:fld>
             <a:endParaRPr lang="en-US"/>
           </a:p>
@@ -12254,7 +12254,7 @@
           <a:p>
             <a:fld id="{BE0357B1-0FDD-482C-A9DC-A4587093D4A9}" type="datetime1">
               <a:rPr lang="ko-KR" altLang="en-US" smtClean="0"/>
-              <a:t>2019-07-08</a:t>
+              <a:t>2019-07-11</a:t>
             </a:fld>
             <a:endParaRPr lang="en-US"/>
           </a:p>
@@ -12467,12 +12467,12 @@
         <p:spPr>
           <a:xfrm>
             <a:off x="681038" y="1255271"/>
-            <a:ext cx="8543925" cy="1861190"/>
+            <a:ext cx="8543925" cy="1294982"/>
           </a:xfrm>
         </p:spPr>
         <p:txBody>
           <a:bodyPr>
-            <a:normAutofit fontScale="92500" lnSpcReduction="10000"/>
+            <a:normAutofit/>
           </a:bodyPr>
           <a:lstStyle/>
           <a:p>
@@ -12485,20 +12485,7 @@
           <a:p>
             <a:r>
               <a:rPr lang="ko-KR" altLang="en-US" dirty="0"/>
-              <a:t>인명 손실 및 비용의 최소화</a:t>
-            </a:r>
-            <a:endParaRPr lang="en-US" altLang="ko-KR" dirty="0"/>
-          </a:p>
-          <a:p>
-            <a:endParaRPr lang="en-US" dirty="0"/>
-          </a:p>
-          <a:p>
-            <a:pPr lvl="1"/>
-            <a:r>
-              <a:rPr lang="en-US" sz="1900" dirty="0">
-                <a:hlinkClick r:id="rId2"/>
-              </a:rPr>
-              <a:t>https://drive.google.com/file/d/1w0DyqinzyB9HViMZWOb9z8JcHjLWj_TJ/view</a:t>
+              <a:t>비용의 최소화</a:t>
             </a:r>
             <a:endParaRPr lang="en-US" dirty="0"/>
           </a:p>
@@ -12527,7 +12514,7 @@
           <a:p>
             <a:fld id="{BE0357B1-0FDD-482C-A9DC-A4587093D4A9}" type="datetime1">
               <a:rPr lang="ko-KR" altLang="en-US" smtClean="0"/>
-              <a:t>2019-07-08</a:t>
+              <a:t>2019-07-11</a:t>
             </a:fld>
             <a:endParaRPr lang="en-US"/>
           </a:p>
@@ -12605,18 +12592,20 @@
       </p:sp>
       <p:pic>
         <p:nvPicPr>
-          <p:cNvPr id="7" name="Picture 6">
-            <a:hlinkClick r:id="rId2"/>
+          <p:cNvPr id="8" name="Online Media 7" title="￬ﾝﾴ￫ﾡﾠ ￭ﾕﾙ￬ﾊﾵ ￭ﾕﾄ￬ﾚﾔ￬ﾄﾱ">
+            <a:hlinkClick r:id="" action="ppaction://media"/>
             <a:extLst>
               <a:ext uri="{FF2B5EF4-FFF2-40B4-BE49-F238E27FC236}">
-                <a16:creationId xmlns:a16="http://schemas.microsoft.com/office/drawing/2014/main" id="{7FE53565-EEAB-4F6F-AB80-1EA73C3B05E0}"/>
+                <a16:creationId xmlns:a16="http://schemas.microsoft.com/office/drawing/2014/main" id="{6D6031E1-62EE-4D70-A3D2-2567F287899B}"/>
               </a:ext>
             </a:extLst>
           </p:cNvPr>
           <p:cNvPicPr>
-            <a:picLocks noChangeAspect="1"/>
+            <a:picLocks noRot="1" noChangeAspect="1"/>
           </p:cNvPicPr>
-          <p:nvPr/>
+          <p:nvPr>
+            <a:videoFile r:link="rId1"/>
+          </p:nvPr>
         </p:nvPicPr>
         <p:blipFill>
           <a:blip r:embed="rId3"/>
@@ -12626,8 +12615,8 @@
         </p:blipFill>
         <p:spPr>
           <a:xfrm>
-            <a:off x="1346433" y="3116461"/>
-            <a:ext cx="7213134" cy="3008198"/>
+            <a:off x="1600200" y="2504587"/>
+            <a:ext cx="6705600" cy="3771900"/>
           </a:xfrm>
           <a:prstGeom prst="rect">
             <a:avLst/>
@@ -12644,6 +12633,141 @@
   <p:clrMapOvr>
     <a:masterClrMapping/>
   </p:clrMapOvr>
+  <p:timing>
+    <p:tnLst>
+      <p:par>
+        <p:cTn id="1" dur="indefinite" restart="never" nodeType="tmRoot">
+          <p:childTnLst>
+            <p:seq concurrent="1" nextAc="seek">
+              <p:cTn id="2" dur="indefinite" nodeType="mainSeq">
+                <p:childTnLst>
+                  <p:par>
+                    <p:cTn id="3" fill="hold">
+                      <p:stCondLst>
+                        <p:cond delay="indefinite"/>
+                      </p:stCondLst>
+                      <p:childTnLst>
+                        <p:par>
+                          <p:cTn id="4" fill="hold">
+                            <p:stCondLst>
+                              <p:cond delay="0"/>
+                            </p:stCondLst>
+                            <p:childTnLst>
+                              <p:par>
+                                <p:cTn id="5" presetID="1" presetClass="mediacall" presetSubtype="0" fill="hold" nodeType="clickEffect">
+                                  <p:stCondLst>
+                                    <p:cond delay="0"/>
+                                  </p:stCondLst>
+                                  <p:childTnLst>
+                                    <p:cmd type="call" cmd="playFrom(0.0)">
+                                      <p:cBhvr>
+                                        <p:cTn id="6" dur="1" fill="hold"/>
+                                        <p:tgtEl>
+                                          <p:spTgt spid="8"/>
+                                        </p:tgtEl>
+                                      </p:cBhvr>
+                                    </p:cmd>
+                                  </p:childTnLst>
+                                </p:cTn>
+                              </p:par>
+                            </p:childTnLst>
+                          </p:cTn>
+                        </p:par>
+                      </p:childTnLst>
+                    </p:cTn>
+                  </p:par>
+                </p:childTnLst>
+              </p:cTn>
+              <p:prevCondLst>
+                <p:cond evt="onPrev" delay="0">
+                  <p:tgtEl>
+                    <p:sldTgt/>
+                  </p:tgtEl>
+                </p:cond>
+              </p:prevCondLst>
+              <p:nextCondLst>
+                <p:cond evt="onNext" delay="0">
+                  <p:tgtEl>
+                    <p:sldTgt/>
+                  </p:tgtEl>
+                </p:cond>
+              </p:nextCondLst>
+            </p:seq>
+            <p:video>
+              <p:cMediaNode vol="80000">
+                <p:cTn id="7" fill="hold" display="0">
+                  <p:stCondLst>
+                    <p:cond delay="indefinite"/>
+                  </p:stCondLst>
+                </p:cTn>
+                <p:tgtEl>
+                  <p:spTgt spid="8"/>
+                </p:tgtEl>
+              </p:cMediaNode>
+            </p:video>
+            <p:seq concurrent="1" nextAc="seek">
+              <p:cTn id="8" restart="whenNotActive" fill="hold" evtFilter="cancelBubble" nodeType="interactiveSeq">
+                <p:stCondLst>
+                  <p:cond evt="onClick" delay="0">
+                    <p:tgtEl>
+                      <p:spTgt spid="8"/>
+                    </p:tgtEl>
+                  </p:cond>
+                </p:stCondLst>
+                <p:endSync evt="end" delay="0">
+                  <p:rtn val="all"/>
+                </p:endSync>
+                <p:childTnLst>
+                  <p:par>
+                    <p:cTn id="9" fill="hold">
+                      <p:stCondLst>
+                        <p:cond delay="0"/>
+                      </p:stCondLst>
+                      <p:childTnLst>
+                        <p:par>
+                          <p:cTn id="10" fill="hold">
+                            <p:stCondLst>
+                              <p:cond delay="0"/>
+                            </p:stCondLst>
+                            <p:childTnLst>
+                              <p:par>
+                                <p:cTn id="11" presetID="2" presetClass="mediacall" presetSubtype="0" fill="hold" nodeType="clickEffect">
+                                  <p:stCondLst>
+                                    <p:cond delay="0"/>
+                                  </p:stCondLst>
+                                  <p:childTnLst>
+                                    <p:cmd type="call" cmd="togglePause">
+                                      <p:cBhvr>
+                                        <p:cTn id="12" dur="1" fill="hold"/>
+                                        <p:tgtEl>
+                                          <p:spTgt spid="8"/>
+                                        </p:tgtEl>
+                                      </p:cBhvr>
+                                    </p:cmd>
+                                  </p:childTnLst>
+                                </p:cTn>
+                              </p:par>
+                            </p:childTnLst>
+                          </p:cTn>
+                        </p:par>
+                      </p:childTnLst>
+                    </p:cTn>
+                  </p:par>
+                </p:childTnLst>
+              </p:cTn>
+              <p:nextCondLst>
+                <p:cond evt="onClick" delay="0">
+                  <p:tgtEl>
+                    <p:spTgt spid="8"/>
+                  </p:tgtEl>
+                </p:cond>
+              </p:nextCondLst>
+            </p:seq>
+          </p:childTnLst>
+        </p:cTn>
+      </p:par>
+    </p:tnLst>
+  </p:timing>
 </p:sld>
 </file>
 
@@ -12723,7 +12847,7 @@
           <a:p>
             <a:fld id="{4CC14437-CE76-4CAA-B57D-74630AAA1A81}" type="datetime1">
               <a:rPr lang="ko-KR" altLang="en-US" smtClean="0"/>
-              <a:t>2019-07-08</a:t>
+              <a:t>2019-07-11</a:t>
             </a:fld>
             <a:endParaRPr lang="en-US"/>
           </a:p>
@@ -12865,26 +12989,60 @@
         <p:spPr>
           <a:xfrm>
             <a:off x="681038" y="1255271"/>
-            <a:ext cx="8543925" cy="1588597"/>
+            <a:ext cx="8543925" cy="2173729"/>
           </a:xfrm>
         </p:spPr>
         <p:txBody>
-          <a:bodyPr/>
+          <a:bodyPr>
+            <a:normAutofit/>
+          </a:bodyPr>
           <a:lstStyle/>
           <a:p>
             <a:r>
+              <a:rPr lang="ko-KR" altLang="en-US" dirty="0"/>
+              <a:t>수학은 언어이다</a:t>
+            </a:r>
+            <a:r>
+              <a:rPr lang="en-US" altLang="ko-KR" dirty="0"/>
+              <a:t>.</a:t>
+            </a:r>
+          </a:p>
+          <a:p>
+            <a:pPr lvl="1"/>
+            <a:r>
+              <a:rPr lang="ko-KR" altLang="en-US" dirty="0"/>
+              <a:t>수학은 과학</a:t>
+            </a:r>
+            <a:r>
+              <a:rPr lang="en-US" altLang="ko-KR" dirty="0"/>
+              <a:t> </a:t>
+            </a:r>
+            <a:r>
+              <a:rPr lang="ko-KR" altLang="en-US" dirty="0"/>
+              <a:t>및 공학용 언어이다</a:t>
+            </a:r>
+            <a:r>
+              <a:rPr lang="en-US" altLang="ko-KR" dirty="0"/>
+              <a:t>.</a:t>
+            </a:r>
+          </a:p>
+          <a:p>
+            <a:pPr lvl="1"/>
+            <a:r>
+              <a:rPr lang="ko-KR" altLang="en-US" dirty="0"/>
+              <a:t>수학은 피라미드형 언어이다</a:t>
+            </a:r>
+            <a:r>
+              <a:rPr lang="en-US" altLang="ko-KR" dirty="0"/>
+              <a:t>.</a:t>
+            </a:r>
+            <a:endParaRPr lang="en-US" dirty="0"/>
+          </a:p>
+          <a:p>
+            <a:pPr lvl="2"/>
+            <a:r>
               <a:rPr lang="en-US" dirty="0"/>
-              <a:t>A picture is worth a thousand words.</a:t>
-            </a:r>
-          </a:p>
-          <a:p>
-            <a:r>
-              <a:rPr lang="en-US"/>
-              <a:t>A symbol </a:t>
-            </a:r>
-            <a:r>
-              <a:rPr lang="en-US" dirty="0"/>
-              <a:t>is worth a thousand words.</a:t>
+              <a:t>A symbol is worth a thousand words.</a:t>
             </a:r>
           </a:p>
         </p:txBody>
@@ -12912,7 +13070,7 @@
           <a:p>
             <a:fld id="{BE0357B1-0FDD-482C-A9DC-A4587093D4A9}" type="datetime1">
               <a:rPr lang="ko-KR" altLang="en-US" smtClean="0"/>
-              <a:t>2019-07-08</a:t>
+              <a:t>2019-07-11</a:t>
             </a:fld>
             <a:endParaRPr lang="en-US"/>
           </a:p>
@@ -13002,10 +13160,10 @@
         </p:nvGrpSpPr>
         <p:grpSpPr>
           <a:xfrm>
-            <a:off x="6357668" y="2594512"/>
-            <a:ext cx="2978441" cy="3798492"/>
-            <a:chOff x="6046210" y="2291842"/>
-            <a:chExt cx="3255393" cy="4129080"/>
+            <a:off x="6835997" y="3596729"/>
+            <a:ext cx="2257669" cy="2703352"/>
+            <a:chOff x="6014720" y="2291842"/>
+            <a:chExt cx="3318372" cy="4166356"/>
           </a:xfrm>
         </p:grpSpPr>
         <p:pic>
@@ -13069,8 +13227,8 @@
           </p:nvSpPr>
           <p:spPr>
             <a:xfrm>
-              <a:off x="6150892" y="6082368"/>
-              <a:ext cx="3046027" cy="338554"/>
+              <a:off x="6014720" y="6082368"/>
+              <a:ext cx="3318372" cy="375830"/>
             </a:xfrm>
             <a:prstGeom prst="rect">
               <a:avLst/>
@@ -13084,15 +13242,19 @@
             <a:p>
               <a:pPr algn="ctr"/>
               <a:r>
-                <a:rPr lang="en-US" sz="1600" dirty="0">
+                <a:rPr lang="en-US" sz="1400" b="1" dirty="0">
                   <a:solidFill>
-                    <a:srgbClr val="222222"/>
+                    <a:schemeClr val="accent6"/>
                   </a:solidFill>
                   <a:latin typeface="Arial" panose="020B0604020202020204" pitchFamily="34" charset="0"/>
                 </a:rPr>
                 <a:t>1913 newspaper advertisement</a:t>
               </a:r>
-              <a:endParaRPr lang="en-US" sz="1600" dirty="0"/>
+              <a:endParaRPr lang="en-US" sz="1400" b="1" dirty="0">
+                <a:solidFill>
+                  <a:schemeClr val="accent6"/>
+                </a:solidFill>
+              </a:endParaRPr>
             </a:p>
           </p:txBody>
         </p:sp>
@@ -13200,7 +13362,7 @@
           <a:p>
             <a:fld id="{6B29AF39-0B45-4EC4-A5E8-3B3BED10E749}" type="datetime1">
               <a:rPr lang="ko-KR" altLang="en-US" smtClean="0"/>
-              <a:t>2019-07-08</a:t>
+              <a:t>2019-07-11</a:t>
             </a:fld>
             <a:endParaRPr lang="en-US"/>
           </a:p>
@@ -13342,7 +13504,7 @@
           <a:p>
             <a:fld id="{4CC14437-CE76-4CAA-B57D-74630AAA1A81}" type="datetime1">
               <a:rPr lang="ko-KR" altLang="en-US" smtClean="0"/>
-              <a:t>2019-07-08</a:t>
+              <a:t>2019-07-11</a:t>
             </a:fld>
             <a:endParaRPr lang="en-US"/>
           </a:p>
@@ -13495,7 +13657,7 @@
           <a:p>
             <a:fld id="{4CC14437-CE76-4CAA-B57D-74630AAA1A81}" type="datetime1">
               <a:rPr lang="ko-KR" altLang="en-US" smtClean="0"/>
-              <a:t>2019-07-08</a:t>
+              <a:t>2019-07-11</a:t>
             </a:fld>
             <a:endParaRPr lang="en-US"/>
           </a:p>
@@ -13697,7 +13859,7 @@
           <a:p>
             <a:fld id="{4CC14437-CE76-4CAA-B57D-74630AAA1A81}" type="datetime1">
               <a:rPr lang="ko-KR" altLang="en-US" smtClean="0"/>
-              <a:t>2019-07-08</a:t>
+              <a:t>2019-07-11</a:t>
             </a:fld>
             <a:endParaRPr lang="en-US"/>
           </a:p>
@@ -13972,7 +14134,7 @@
           <a:p>
             <a:fld id="{BE0357B1-0FDD-482C-A9DC-A4587093D4A9}" type="datetime1">
               <a:rPr lang="ko-KR" altLang="en-US" smtClean="0"/>
-              <a:t>2019-07-08</a:t>
+              <a:t>2019-07-11</a:t>
             </a:fld>
             <a:endParaRPr lang="en-US"/>
           </a:p>
@@ -14342,7 +14504,7 @@
           <a:p>
             <a:fld id="{BE0357B1-0FDD-482C-A9DC-A4587093D4A9}" type="datetime1">
               <a:rPr lang="ko-KR" altLang="en-US" smtClean="0"/>
-              <a:t>2019-07-08</a:t>
+              <a:t>2019-07-11</a:t>
             </a:fld>
             <a:endParaRPr lang="en-US"/>
           </a:p>
@@ -14707,7 +14869,7 @@
           <a:p>
             <a:fld id="{BE0357B1-0FDD-482C-A9DC-A4587093D4A9}" type="datetime1">
               <a:rPr lang="ko-KR" altLang="en-US" smtClean="0"/>
-              <a:t>2019-07-08</a:t>
+              <a:t>2019-07-11</a:t>
             </a:fld>
             <a:endParaRPr lang="en-US"/>
           </a:p>
@@ -15072,7 +15234,7 @@
           <a:p>
             <a:fld id="{BE0357B1-0FDD-482C-A9DC-A4587093D4A9}" type="datetime1">
               <a:rPr lang="ko-KR" altLang="en-US" smtClean="0"/>
-              <a:t>2019-07-08</a:t>
+              <a:t>2019-07-11</a:t>
             </a:fld>
             <a:endParaRPr lang="en-US"/>
           </a:p>
@@ -15402,7 +15564,7 @@
           <a:p>
             <a:fld id="{BE0357B1-0FDD-482C-A9DC-A4587093D4A9}" type="datetime1">
               <a:rPr lang="ko-KR" altLang="en-US" smtClean="0"/>
-              <a:t>2019-07-08</a:t>
+              <a:t>2019-07-11</a:t>
             </a:fld>
             <a:endParaRPr lang="en-US"/>
           </a:p>
@@ -15613,7 +15775,7 @@
           <a:p>
             <a:fld id="{BE0357B1-0FDD-482C-A9DC-A4587093D4A9}" type="datetime1">
               <a:rPr lang="ko-KR" altLang="en-US" smtClean="0"/>
-              <a:t>2019-07-08</a:t>
+              <a:t>2019-07-11</a:t>
             </a:fld>
             <a:endParaRPr lang="en-US"/>
           </a:p>
@@ -16052,7 +16214,7 @@
           <a:p>
             <a:fld id="{BE0357B1-0FDD-482C-A9DC-A4587093D4A9}" type="datetime1">
               <a:rPr lang="ko-KR" altLang="en-US" smtClean="0"/>
-              <a:t>2019-07-08</a:t>
+              <a:t>2019-07-11</a:t>
             </a:fld>
             <a:endParaRPr lang="en-US"/>
           </a:p>

--- a/200 드론 멘토링 자율 비행 이론 V1.1.pptx
+++ b/200 드론 멘토링 자율 비행 이론 V1.1.pptx
@@ -5,7 +5,7 @@
     <p:sldMasterId id="2147483660" r:id="rId1"/>
   </p:sldMasterIdLst>
   <p:notesMasterIdLst>
-    <p:notesMasterId r:id="rId20"/>
+    <p:notesMasterId r:id="rId34"/>
   </p:notesMasterIdLst>
   <p:sldIdLst>
     <p:sldId id="256" r:id="rId2"/>
@@ -23,9 +23,23 @@
     <p:sldId id="277" r:id="rId14"/>
     <p:sldId id="265" r:id="rId15"/>
     <p:sldId id="278" r:id="rId16"/>
-    <p:sldId id="259" r:id="rId17"/>
-    <p:sldId id="266" r:id="rId18"/>
-    <p:sldId id="267" r:id="rId19"/>
+    <p:sldId id="285" r:id="rId17"/>
+    <p:sldId id="284" r:id="rId18"/>
+    <p:sldId id="283" r:id="rId19"/>
+    <p:sldId id="291" r:id="rId20"/>
+    <p:sldId id="290" r:id="rId21"/>
+    <p:sldId id="292" r:id="rId22"/>
+    <p:sldId id="279" r:id="rId23"/>
+    <p:sldId id="287" r:id="rId24"/>
+    <p:sldId id="281" r:id="rId25"/>
+    <p:sldId id="282" r:id="rId26"/>
+    <p:sldId id="286" r:id="rId27"/>
+    <p:sldId id="289" r:id="rId28"/>
+    <p:sldId id="280" r:id="rId29"/>
+    <p:sldId id="259" r:id="rId30"/>
+    <p:sldId id="266" r:id="rId31"/>
+    <p:sldId id="267" r:id="rId32"/>
+    <p:sldId id="288" r:id="rId33"/>
   </p:sldIdLst>
   <p:sldSz cx="9906000" cy="6858000" type="A4"/>
   <p:notesSz cx="6858000" cy="9144000"/>
@@ -7980,7 +7994,7 @@
           <a:p>
             <a:fld id="{60456C2F-1F67-44A5-80B0-9C3A6CA33C82}" type="datetimeFigureOut">
               <a:rPr lang="en-US" smtClean="0"/>
-              <a:t>7/11/2019</a:t>
+              <a:t>7/13/2019</a:t>
             </a:fld>
             <a:endParaRPr lang="en-US"/>
           </a:p>
@@ -8379,7 +8393,7 @@
           <a:p>
             <a:fld id="{319B1230-C6B6-4309-80C9-CAB93D465649}" type="datetime1">
               <a:rPr lang="ko-KR" altLang="en-US" smtClean="0"/>
-              <a:t>2019-07-11</a:t>
+              <a:t>2019-07-13</a:t>
             </a:fld>
             <a:endParaRPr lang="en-US"/>
           </a:p>
@@ -8457,6 +8471,188 @@
 </file>
 
 <file path=ppt/slideLayouts/slideLayout10.xml><?xml version="1.0" encoding="utf-8"?>
+<p:sldLayout xmlns:a="http://schemas.openxmlformats.org/drawingml/2006/main" xmlns:r="http://schemas.openxmlformats.org/officeDocument/2006/relationships" xmlns:p="http://schemas.openxmlformats.org/presentationml/2006/main" type="titleOnly" preserve="1">
+  <p:cSld name="제목만">
+    <p:spTree>
+      <p:nvGrpSpPr>
+        <p:cNvPr id="1" name=""/>
+        <p:cNvGrpSpPr/>
+        <p:nvPr/>
+      </p:nvGrpSpPr>
+      <p:grpSpPr>
+        <a:xfrm>
+          <a:off x="0" y="0"/>
+          <a:ext cx="0" cy="0"/>
+          <a:chOff x="0" y="0"/>
+          <a:chExt cx="0" cy="0"/>
+        </a:xfrm>
+      </p:grpSpPr>
+      <p:sp>
+        <p:nvSpPr>
+          <p:cNvPr id="2" name="Title 1"/>
+          <p:cNvSpPr>
+            <a:spLocks noGrp="1"/>
+          </p:cNvSpPr>
+          <p:nvPr>
+            <p:ph type="title"/>
+          </p:nvPr>
+        </p:nvSpPr>
+        <p:spPr/>
+        <p:txBody>
+          <a:bodyPr/>
+          <a:lstStyle/>
+          <a:p>
+            <a:r>
+              <a:rPr lang="ko-KR" altLang="en-US"/>
+              <a:t>마스터 제목 스타일 편집</a:t>
+            </a:r>
+            <a:endParaRPr lang="en-US" dirty="0"/>
+          </a:p>
+        </p:txBody>
+      </p:sp>
+      <p:sp>
+        <p:nvSpPr>
+          <p:cNvPr id="3" name="Date Placeholder 2"/>
+          <p:cNvSpPr>
+            <a:spLocks noGrp="1"/>
+          </p:cNvSpPr>
+          <p:nvPr>
+            <p:ph type="dt" sz="half" idx="10"/>
+          </p:nvPr>
+        </p:nvSpPr>
+        <p:spPr/>
+        <p:txBody>
+          <a:bodyPr/>
+          <a:lstStyle/>
+          <a:p>
+            <a:fld id="{FED29414-8F33-4E3F-A952-9544504CA7EE}" type="datetime1">
+              <a:rPr lang="ko-KR" altLang="en-US" smtClean="0"/>
+              <a:t>2019-07-13</a:t>
+            </a:fld>
+            <a:endParaRPr lang="en-US"/>
+          </a:p>
+        </p:txBody>
+      </p:sp>
+      <p:sp>
+        <p:nvSpPr>
+          <p:cNvPr id="4" name="Footer Placeholder 3"/>
+          <p:cNvSpPr>
+            <a:spLocks noGrp="1"/>
+          </p:cNvSpPr>
+          <p:nvPr>
+            <p:ph type="ftr" sz="quarter" idx="11"/>
+          </p:nvPr>
+        </p:nvSpPr>
+        <p:spPr>
+          <a:xfrm>
+            <a:off x="4070838" y="6356352"/>
+            <a:ext cx="2022231" cy="365125"/>
+          </a:xfrm>
+        </p:spPr>
+        <p:txBody>
+          <a:bodyPr/>
+          <a:lstStyle/>
+          <a:p>
+            <a:r>
+              <a:rPr lang="ko-KR" altLang="en-US"/>
+              <a:t>드론 멘토링 </a:t>
+            </a:r>
+            <a:r>
+              <a:rPr lang="en-US" altLang="ko-KR"/>
+              <a:t>(2019</a:t>
+            </a:r>
+            <a:r>
+              <a:rPr lang="ko-KR" altLang="en-US"/>
+              <a:t>년 여름</a:t>
+            </a:r>
+            <a:r>
+              <a:rPr lang="en-US" altLang="ko-KR"/>
+              <a:t>)</a:t>
+            </a:r>
+            <a:endParaRPr lang="en-US"/>
+          </a:p>
+        </p:txBody>
+      </p:sp>
+      <p:sp>
+        <p:nvSpPr>
+          <p:cNvPr id="5" name="Slide Number Placeholder 4"/>
+          <p:cNvSpPr>
+            <a:spLocks noGrp="1"/>
+          </p:cNvSpPr>
+          <p:nvPr>
+            <p:ph type="sldNum" sz="quarter" idx="12"/>
+          </p:nvPr>
+        </p:nvSpPr>
+        <p:spPr/>
+        <p:txBody>
+          <a:bodyPr/>
+          <a:lstStyle/>
+          <a:p>
+            <a:fld id="{AA0EB1BB-D2B3-481B-A5E1-F093F8D3CD29}" type="slidenum">
+              <a:rPr lang="en-US" smtClean="0"/>
+              <a:t>‹#›</a:t>
+            </a:fld>
+            <a:endParaRPr lang="en-US"/>
+          </a:p>
+        </p:txBody>
+      </p:sp>
+      <p:cxnSp>
+        <p:nvCxnSpPr>
+          <p:cNvPr id="6" name="Straight Connector 5">
+            <a:extLst>
+              <a:ext uri="{FF2B5EF4-FFF2-40B4-BE49-F238E27FC236}">
+                <a16:creationId xmlns:a16="http://schemas.microsoft.com/office/drawing/2014/main" id="{518D6A25-815E-4725-BD14-51ED8BC9BD9F}"/>
+              </a:ext>
+            </a:extLst>
+          </p:cNvPr>
+          <p:cNvCxnSpPr>
+            <a:cxnSpLocks/>
+          </p:cNvCxnSpPr>
+          <p:nvPr userDrawn="1"/>
+        </p:nvCxnSpPr>
+        <p:spPr>
+          <a:xfrm>
+            <a:off x="681038" y="1087542"/>
+            <a:ext cx="8543925" cy="0"/>
+          </a:xfrm>
+          <a:prstGeom prst="line">
+            <a:avLst/>
+          </a:prstGeom>
+          <a:ln w="25400">
+            <a:solidFill>
+              <a:srgbClr val="D24726"/>
+            </a:solidFill>
+          </a:ln>
+        </p:spPr>
+        <p:style>
+          <a:lnRef idx="1">
+            <a:schemeClr val="accent1"/>
+          </a:lnRef>
+          <a:fillRef idx="0">
+            <a:schemeClr val="accent1"/>
+          </a:fillRef>
+          <a:effectRef idx="0">
+            <a:schemeClr val="accent1"/>
+          </a:effectRef>
+          <a:fontRef idx="minor">
+            <a:schemeClr val="tx1"/>
+          </a:fontRef>
+        </p:style>
+      </p:cxnSp>
+    </p:spTree>
+    <p:extLst>
+      <p:ext uri="{BB962C8B-B14F-4D97-AF65-F5344CB8AC3E}">
+        <p14:creationId xmlns:p14="http://schemas.microsoft.com/office/powerpoint/2010/main" val="1290498925"/>
+      </p:ext>
+    </p:extLst>
+  </p:cSld>
+  <p:clrMapOvr>
+    <a:masterClrMapping/>
+  </p:clrMapOvr>
+</p:sldLayout>
+</file>
+
+<file path=ppt/slideLayouts/slideLayout11.xml><?xml version="1.0" encoding="utf-8"?>
 <p:sldLayout xmlns:a="http://schemas.openxmlformats.org/drawingml/2006/main" xmlns:r="http://schemas.openxmlformats.org/officeDocument/2006/relationships" xmlns:p="http://schemas.openxmlformats.org/presentationml/2006/main" type="blank" preserve="1">
   <p:cSld name="빈 화면">
     <p:spTree>
@@ -8490,7 +8686,7 @@
           <a:p>
             <a:fld id="{924A5E96-5228-467F-80D0-2ECBCC17D15E}" type="datetime1">
               <a:rPr lang="ko-KR" altLang="en-US" smtClean="0"/>
-              <a:t>2019-07-11</a:t>
+              <a:t>2019-07-13</a:t>
             </a:fld>
             <a:endParaRPr lang="en-US"/>
           </a:p>
@@ -8676,7 +8872,7 @@
           <a:p>
             <a:fld id="{BE0357B1-0FDD-482C-A9DC-A4587093D4A9}" type="datetime1">
               <a:rPr lang="ko-KR" altLang="en-US" smtClean="0"/>
-              <a:t>2019-07-11</a:t>
+              <a:t>2019-07-13</a:t>
             </a:fld>
             <a:endParaRPr lang="en-US"/>
           </a:p>
@@ -8939,7 +9135,7 @@
           <a:p>
             <a:fld id="{0D94B2E5-B4C8-4FE9-8181-FA32C14418EE}" type="datetime1">
               <a:rPr lang="ko-KR" altLang="en-US" smtClean="0"/>
-              <a:t>2019-07-11</a:t>
+              <a:t>2019-07-13</a:t>
             </a:fld>
             <a:endParaRPr lang="en-US"/>
           </a:p>
@@ -9267,7 +9463,7 @@
           <a:p>
             <a:fld id="{8F5C8F60-763C-4F84-8F24-DD737445852F}" type="datetime1">
               <a:rPr lang="ko-KR" altLang="en-US" smtClean="0"/>
-              <a:t>2019-07-11</a:t>
+              <a:t>2019-07-13</a:t>
             </a:fld>
             <a:endParaRPr lang="en-US"/>
           </a:p>
@@ -9615,7 +9811,7 @@
           <a:p>
             <a:fld id="{4CC14437-CE76-4CAA-B57D-74630AAA1A81}" type="datetime1">
               <a:rPr lang="ko-KR" altLang="en-US" smtClean="0"/>
-              <a:t>2019-07-11</a:t>
+              <a:t>2019-07-13</a:t>
             </a:fld>
             <a:endParaRPr lang="en-US"/>
           </a:p>
@@ -9736,6 +9932,359 @@
 </file>
 
 <file path=ppt/slideLayouts/slideLayout6.xml><?xml version="1.0" encoding="utf-8"?>
+<p:sldLayout xmlns:a="http://schemas.openxmlformats.org/drawingml/2006/main" xmlns:r="http://schemas.openxmlformats.org/officeDocument/2006/relationships" xmlns:p="http://schemas.openxmlformats.org/presentationml/2006/main" type="secHead" preserve="1">
+  <p:cSld name="1_구역 머리글">
+    <p:spTree>
+      <p:nvGrpSpPr>
+        <p:cNvPr id="1" name=""/>
+        <p:cNvGrpSpPr/>
+        <p:nvPr/>
+      </p:nvGrpSpPr>
+      <p:grpSpPr>
+        <a:xfrm>
+          <a:off x="0" y="0"/>
+          <a:ext cx="0" cy="0"/>
+          <a:chOff x="0" y="0"/>
+          <a:chExt cx="0" cy="0"/>
+        </a:xfrm>
+      </p:grpSpPr>
+      <p:sp>
+        <p:nvSpPr>
+          <p:cNvPr id="8" name="Rectangle 7">
+            <a:extLst>
+              <a:ext uri="{FF2B5EF4-FFF2-40B4-BE49-F238E27FC236}">
+                <a16:creationId xmlns:a16="http://schemas.microsoft.com/office/drawing/2014/main" id="{1D9AC6EF-5236-4735-98AC-8902DEB1A217}"/>
+              </a:ext>
+            </a:extLst>
+          </p:cNvPr>
+          <p:cNvSpPr/>
+          <p:nvPr userDrawn="1"/>
+        </p:nvSpPr>
+        <p:spPr bwMode="blackWhite">
+          <a:xfrm>
+            <a:off x="207147" y="262785"/>
+            <a:ext cx="9491707" cy="6379555"/>
+          </a:xfrm>
+          <a:prstGeom prst="rect">
+            <a:avLst/>
+          </a:prstGeom>
+          <a:solidFill>
+            <a:schemeClr val="accent6">
+              <a:lumMod val="75000"/>
+            </a:schemeClr>
+          </a:solidFill>
+          <a:ln/>
+        </p:spPr>
+        <p:style>
+          <a:lnRef idx="0">
+            <a:schemeClr val="accent1"/>
+          </a:lnRef>
+          <a:fillRef idx="3">
+            <a:schemeClr val="accent1"/>
+          </a:fillRef>
+          <a:effectRef idx="3">
+            <a:schemeClr val="accent1"/>
+          </a:effectRef>
+          <a:fontRef idx="minor">
+            <a:schemeClr val="lt1"/>
+          </a:fontRef>
+        </p:style>
+        <p:txBody>
+          <a:bodyPr rtlCol="0" anchor="ctr"/>
+          <a:lstStyle/>
+          <a:p>
+            <a:pPr algn="ctr"/>
+            <a:endParaRPr lang="en-US" sz="1463"/>
+          </a:p>
+        </p:txBody>
+      </p:sp>
+      <p:sp>
+        <p:nvSpPr>
+          <p:cNvPr id="2" name="Title 1"/>
+          <p:cNvSpPr>
+            <a:spLocks noGrp="1"/>
+          </p:cNvSpPr>
+          <p:nvPr>
+            <p:ph type="title"/>
+          </p:nvPr>
+        </p:nvSpPr>
+        <p:spPr>
+          <a:xfrm>
+            <a:off x="675879" y="1986577"/>
+            <a:ext cx="8543925" cy="1058627"/>
+          </a:xfrm>
+        </p:spPr>
+        <p:txBody>
+          <a:bodyPr anchor="ctr"/>
+          <a:lstStyle>
+            <a:lvl1pPr algn="ctr">
+              <a:defRPr sz="6000"/>
+            </a:lvl1pPr>
+          </a:lstStyle>
+          <a:p>
+            <a:r>
+              <a:rPr lang="ko-KR" altLang="en-US"/>
+              <a:t>마스터 제목 스타일 편집</a:t>
+            </a:r>
+            <a:endParaRPr lang="en-US" dirty="0"/>
+          </a:p>
+        </p:txBody>
+      </p:sp>
+      <p:sp>
+        <p:nvSpPr>
+          <p:cNvPr id="3" name="Text Placeholder 2"/>
+          <p:cNvSpPr>
+            <a:spLocks noGrp="1"/>
+          </p:cNvSpPr>
+          <p:nvPr>
+            <p:ph type="body" idx="1"/>
+          </p:nvPr>
+        </p:nvSpPr>
+        <p:spPr>
+          <a:xfrm>
+            <a:off x="675879" y="3171039"/>
+            <a:ext cx="8543925" cy="2918613"/>
+          </a:xfrm>
+        </p:spPr>
+        <p:txBody>
+          <a:bodyPr anchor="ctr"/>
+          <a:lstStyle>
+            <a:lvl1pPr marL="0" indent="0" algn="ctr">
+              <a:buNone/>
+              <a:defRPr sz="2400">
+                <a:solidFill>
+                  <a:schemeClr val="tx1"/>
+                </a:solidFill>
+              </a:defRPr>
+            </a:lvl1pPr>
+            <a:lvl2pPr marL="457200" indent="0">
+              <a:buNone/>
+              <a:defRPr sz="2000">
+                <a:solidFill>
+                  <a:schemeClr val="tx1">
+                    <a:tint val="75000"/>
+                  </a:schemeClr>
+                </a:solidFill>
+              </a:defRPr>
+            </a:lvl2pPr>
+            <a:lvl3pPr marL="914400" indent="0">
+              <a:buNone/>
+              <a:defRPr sz="1800">
+                <a:solidFill>
+                  <a:schemeClr val="tx1">
+                    <a:tint val="75000"/>
+                  </a:schemeClr>
+                </a:solidFill>
+              </a:defRPr>
+            </a:lvl3pPr>
+            <a:lvl4pPr marL="1371600" indent="0">
+              <a:buNone/>
+              <a:defRPr sz="1600">
+                <a:solidFill>
+                  <a:schemeClr val="tx1">
+                    <a:tint val="75000"/>
+                  </a:schemeClr>
+                </a:solidFill>
+              </a:defRPr>
+            </a:lvl4pPr>
+            <a:lvl5pPr marL="1828800" indent="0">
+              <a:buNone/>
+              <a:defRPr sz="1600">
+                <a:solidFill>
+                  <a:schemeClr val="tx1">
+                    <a:tint val="75000"/>
+                  </a:schemeClr>
+                </a:solidFill>
+              </a:defRPr>
+            </a:lvl5pPr>
+            <a:lvl6pPr marL="2286000" indent="0">
+              <a:buNone/>
+              <a:defRPr sz="1600">
+                <a:solidFill>
+                  <a:schemeClr val="tx1">
+                    <a:tint val="75000"/>
+                  </a:schemeClr>
+                </a:solidFill>
+              </a:defRPr>
+            </a:lvl6pPr>
+            <a:lvl7pPr marL="2743200" indent="0">
+              <a:buNone/>
+              <a:defRPr sz="1600">
+                <a:solidFill>
+                  <a:schemeClr val="tx1">
+                    <a:tint val="75000"/>
+                  </a:schemeClr>
+                </a:solidFill>
+              </a:defRPr>
+            </a:lvl7pPr>
+            <a:lvl8pPr marL="3200400" indent="0">
+              <a:buNone/>
+              <a:defRPr sz="1600">
+                <a:solidFill>
+                  <a:schemeClr val="tx1">
+                    <a:tint val="75000"/>
+                  </a:schemeClr>
+                </a:solidFill>
+              </a:defRPr>
+            </a:lvl8pPr>
+            <a:lvl9pPr marL="3657600" indent="0">
+              <a:buNone/>
+              <a:defRPr sz="1600">
+                <a:solidFill>
+                  <a:schemeClr val="tx1">
+                    <a:tint val="75000"/>
+                  </a:schemeClr>
+                </a:solidFill>
+              </a:defRPr>
+            </a:lvl9pPr>
+          </a:lstStyle>
+          <a:p>
+            <a:pPr lvl="0"/>
+            <a:r>
+              <a:rPr lang="ko-KR" altLang="en-US"/>
+              <a:t>마스터 텍스트 스타일 편집</a:t>
+            </a:r>
+          </a:p>
+        </p:txBody>
+      </p:sp>
+      <p:sp>
+        <p:nvSpPr>
+          <p:cNvPr id="4" name="Date Placeholder 3"/>
+          <p:cNvSpPr>
+            <a:spLocks noGrp="1"/>
+          </p:cNvSpPr>
+          <p:nvPr>
+            <p:ph type="dt" sz="half" idx="10"/>
+          </p:nvPr>
+        </p:nvSpPr>
+        <p:spPr/>
+        <p:txBody>
+          <a:bodyPr/>
+          <a:lstStyle/>
+          <a:p>
+            <a:fld id="{4CC14437-CE76-4CAA-B57D-74630AAA1A81}" type="datetime1">
+              <a:rPr lang="ko-KR" altLang="en-US" smtClean="0"/>
+              <a:t>2019-07-13</a:t>
+            </a:fld>
+            <a:endParaRPr lang="en-US"/>
+          </a:p>
+        </p:txBody>
+      </p:sp>
+      <p:sp>
+        <p:nvSpPr>
+          <p:cNvPr id="5" name="Footer Placeholder 4"/>
+          <p:cNvSpPr>
+            <a:spLocks noGrp="1"/>
+          </p:cNvSpPr>
+          <p:nvPr>
+            <p:ph type="ftr" sz="quarter" idx="11"/>
+          </p:nvPr>
+        </p:nvSpPr>
+        <p:spPr/>
+        <p:txBody>
+          <a:bodyPr/>
+          <a:lstStyle/>
+          <a:p>
+            <a:r>
+              <a:rPr lang="ko-KR" altLang="en-US"/>
+              <a:t>드론 멘토링 </a:t>
+            </a:r>
+            <a:r>
+              <a:rPr lang="en-US" altLang="ko-KR"/>
+              <a:t>(2019</a:t>
+            </a:r>
+            <a:r>
+              <a:rPr lang="ko-KR" altLang="en-US"/>
+              <a:t>년 여름</a:t>
+            </a:r>
+            <a:r>
+              <a:rPr lang="en-US" altLang="ko-KR"/>
+              <a:t>)</a:t>
+            </a:r>
+            <a:endParaRPr lang="en-US"/>
+          </a:p>
+        </p:txBody>
+      </p:sp>
+      <p:sp>
+        <p:nvSpPr>
+          <p:cNvPr id="6" name="Slide Number Placeholder 5"/>
+          <p:cNvSpPr>
+            <a:spLocks noGrp="1"/>
+          </p:cNvSpPr>
+          <p:nvPr>
+            <p:ph type="sldNum" sz="quarter" idx="12"/>
+          </p:nvPr>
+        </p:nvSpPr>
+        <p:spPr/>
+        <p:txBody>
+          <a:bodyPr/>
+          <a:lstStyle/>
+          <a:p>
+            <a:fld id="{AA0EB1BB-D2B3-481B-A5E1-F093F8D3CD29}" type="slidenum">
+              <a:rPr lang="en-US" smtClean="0"/>
+              <a:t>‹#›</a:t>
+            </a:fld>
+            <a:endParaRPr lang="en-US"/>
+          </a:p>
+        </p:txBody>
+      </p:sp>
+      <p:cxnSp>
+        <p:nvCxnSpPr>
+          <p:cNvPr id="7" name="Straight Connector 6">
+            <a:extLst>
+              <a:ext uri="{FF2B5EF4-FFF2-40B4-BE49-F238E27FC236}">
+                <a16:creationId xmlns:a16="http://schemas.microsoft.com/office/drawing/2014/main" id="{9B5A1020-C5BA-46DA-ADE9-6F967CF0AABE}"/>
+              </a:ext>
+            </a:extLst>
+          </p:cNvPr>
+          <p:cNvCxnSpPr>
+            <a:cxnSpLocks/>
+          </p:cNvCxnSpPr>
+          <p:nvPr userDrawn="1"/>
+        </p:nvCxnSpPr>
+        <p:spPr>
+          <a:xfrm>
+            <a:off x="675879" y="3045204"/>
+            <a:ext cx="8543925" cy="0"/>
+          </a:xfrm>
+          <a:prstGeom prst="line">
+            <a:avLst/>
+          </a:prstGeom>
+          <a:ln w="25400">
+            <a:solidFill>
+              <a:srgbClr val="D24726"/>
+            </a:solidFill>
+          </a:ln>
+        </p:spPr>
+        <p:style>
+          <a:lnRef idx="1">
+            <a:schemeClr val="accent1"/>
+          </a:lnRef>
+          <a:fillRef idx="0">
+            <a:schemeClr val="accent1"/>
+          </a:fillRef>
+          <a:effectRef idx="0">
+            <a:schemeClr val="accent1"/>
+          </a:effectRef>
+          <a:fontRef idx="minor">
+            <a:schemeClr val="tx1"/>
+          </a:fontRef>
+        </p:style>
+      </p:cxnSp>
+    </p:spTree>
+    <p:extLst>
+      <p:ext uri="{BB962C8B-B14F-4D97-AF65-F5344CB8AC3E}">
+        <p14:creationId xmlns:p14="http://schemas.microsoft.com/office/powerpoint/2010/main" val="1812048905"/>
+      </p:ext>
+    </p:extLst>
+  </p:cSld>
+  <p:clrMapOvr>
+    <a:masterClrMapping/>
+  </p:clrMapOvr>
+</p:sldLayout>
+</file>
+
+<file path=ppt/slideLayouts/slideLayout7.xml><?xml version="1.0" encoding="utf-8"?>
 <p:sldLayout xmlns:a="http://schemas.openxmlformats.org/drawingml/2006/main" xmlns:r="http://schemas.openxmlformats.org/officeDocument/2006/relationships" xmlns:p="http://schemas.openxmlformats.org/presentationml/2006/main" type="twoObj" preserve="1">
   <p:cSld name="콘텐츠 2개">
     <p:spTree>
@@ -9906,7 +10455,7 @@
           <a:p>
             <a:fld id="{834AA384-6E8E-4FED-B7E7-E5A1E24200AC}" type="datetime1">
               <a:rPr lang="ko-KR" altLang="en-US" smtClean="0"/>
-              <a:t>2019-07-11</a:t>
+              <a:t>2019-07-13</a:t>
             </a:fld>
             <a:endParaRPr lang="en-US"/>
           </a:p>
@@ -10026,7 +10575,7 @@
 </p:sldLayout>
 </file>
 
-<file path=ppt/slideLayouts/slideLayout7.xml><?xml version="1.0" encoding="utf-8"?>
+<file path=ppt/slideLayouts/slideLayout8.xml><?xml version="1.0" encoding="utf-8"?>
 <p:sldLayout xmlns:a="http://schemas.openxmlformats.org/drawingml/2006/main" xmlns:r="http://schemas.openxmlformats.org/officeDocument/2006/relationships" xmlns:p="http://schemas.openxmlformats.org/presentationml/2006/main" type="twoObj" preserve="1">
   <p:cSld name="1_콘텐츠 2개">
     <p:spTree>
@@ -10234,7 +10783,7 @@
           <a:p>
             <a:fld id="{7917DF62-74E6-4230-B273-D0D3CCDE7E84}" type="datetime1">
               <a:rPr lang="ko-KR" altLang="en-US" smtClean="0"/>
-              <a:t>2019-07-11</a:t>
+              <a:t>2019-07-13</a:t>
             </a:fld>
             <a:endParaRPr lang="en-US"/>
           </a:p>
@@ -10354,7 +10903,7 @@
 </p:sldLayout>
 </file>
 
-<file path=ppt/slideLayouts/slideLayout8.xml><?xml version="1.0" encoding="utf-8"?>
+<file path=ppt/slideLayouts/slideLayout9.xml><?xml version="1.0" encoding="utf-8"?>
 <p:sldLayout xmlns:a="http://schemas.openxmlformats.org/drawingml/2006/main" xmlns:r="http://schemas.openxmlformats.org/officeDocument/2006/relationships" xmlns:p="http://schemas.openxmlformats.org/presentationml/2006/main" type="twoTxTwoObj" preserve="1">
   <p:cSld name="비교">
     <p:spTree>
@@ -10660,7 +11209,7 @@
           <a:p>
             <a:fld id="{6B67E599-38F1-4810-B40C-4564238E6F55}" type="datetime1">
               <a:rPr lang="ko-KR" altLang="en-US" smtClean="0"/>
-              <a:t>2019-07-11</a:t>
+              <a:t>2019-07-13</a:t>
             </a:fld>
             <a:endParaRPr lang="en-US"/>
           </a:p>
@@ -10728,188 +11277,6 @@
     <p:extLst>
       <p:ext uri="{BB962C8B-B14F-4D97-AF65-F5344CB8AC3E}">
         <p14:creationId xmlns:p14="http://schemas.microsoft.com/office/powerpoint/2010/main" val="2327252372"/>
-      </p:ext>
-    </p:extLst>
-  </p:cSld>
-  <p:clrMapOvr>
-    <a:masterClrMapping/>
-  </p:clrMapOvr>
-</p:sldLayout>
-</file>
-
-<file path=ppt/slideLayouts/slideLayout9.xml><?xml version="1.0" encoding="utf-8"?>
-<p:sldLayout xmlns:a="http://schemas.openxmlformats.org/drawingml/2006/main" xmlns:r="http://schemas.openxmlformats.org/officeDocument/2006/relationships" xmlns:p="http://schemas.openxmlformats.org/presentationml/2006/main" type="titleOnly" preserve="1">
-  <p:cSld name="제목만">
-    <p:spTree>
-      <p:nvGrpSpPr>
-        <p:cNvPr id="1" name=""/>
-        <p:cNvGrpSpPr/>
-        <p:nvPr/>
-      </p:nvGrpSpPr>
-      <p:grpSpPr>
-        <a:xfrm>
-          <a:off x="0" y="0"/>
-          <a:ext cx="0" cy="0"/>
-          <a:chOff x="0" y="0"/>
-          <a:chExt cx="0" cy="0"/>
-        </a:xfrm>
-      </p:grpSpPr>
-      <p:sp>
-        <p:nvSpPr>
-          <p:cNvPr id="2" name="Title 1"/>
-          <p:cNvSpPr>
-            <a:spLocks noGrp="1"/>
-          </p:cNvSpPr>
-          <p:nvPr>
-            <p:ph type="title"/>
-          </p:nvPr>
-        </p:nvSpPr>
-        <p:spPr/>
-        <p:txBody>
-          <a:bodyPr/>
-          <a:lstStyle/>
-          <a:p>
-            <a:r>
-              <a:rPr lang="ko-KR" altLang="en-US"/>
-              <a:t>마스터 제목 스타일 편집</a:t>
-            </a:r>
-            <a:endParaRPr lang="en-US" dirty="0"/>
-          </a:p>
-        </p:txBody>
-      </p:sp>
-      <p:sp>
-        <p:nvSpPr>
-          <p:cNvPr id="3" name="Date Placeholder 2"/>
-          <p:cNvSpPr>
-            <a:spLocks noGrp="1"/>
-          </p:cNvSpPr>
-          <p:nvPr>
-            <p:ph type="dt" sz="half" idx="10"/>
-          </p:nvPr>
-        </p:nvSpPr>
-        <p:spPr/>
-        <p:txBody>
-          <a:bodyPr/>
-          <a:lstStyle/>
-          <a:p>
-            <a:fld id="{FED29414-8F33-4E3F-A952-9544504CA7EE}" type="datetime1">
-              <a:rPr lang="ko-KR" altLang="en-US" smtClean="0"/>
-              <a:t>2019-07-11</a:t>
-            </a:fld>
-            <a:endParaRPr lang="en-US"/>
-          </a:p>
-        </p:txBody>
-      </p:sp>
-      <p:sp>
-        <p:nvSpPr>
-          <p:cNvPr id="4" name="Footer Placeholder 3"/>
-          <p:cNvSpPr>
-            <a:spLocks noGrp="1"/>
-          </p:cNvSpPr>
-          <p:nvPr>
-            <p:ph type="ftr" sz="quarter" idx="11"/>
-          </p:nvPr>
-        </p:nvSpPr>
-        <p:spPr>
-          <a:xfrm>
-            <a:off x="4070838" y="6356352"/>
-            <a:ext cx="2022231" cy="365125"/>
-          </a:xfrm>
-        </p:spPr>
-        <p:txBody>
-          <a:bodyPr/>
-          <a:lstStyle/>
-          <a:p>
-            <a:r>
-              <a:rPr lang="ko-KR" altLang="en-US"/>
-              <a:t>드론 멘토링 </a:t>
-            </a:r>
-            <a:r>
-              <a:rPr lang="en-US" altLang="ko-KR"/>
-              <a:t>(2019</a:t>
-            </a:r>
-            <a:r>
-              <a:rPr lang="ko-KR" altLang="en-US"/>
-              <a:t>년 여름</a:t>
-            </a:r>
-            <a:r>
-              <a:rPr lang="en-US" altLang="ko-KR"/>
-              <a:t>)</a:t>
-            </a:r>
-            <a:endParaRPr lang="en-US"/>
-          </a:p>
-        </p:txBody>
-      </p:sp>
-      <p:sp>
-        <p:nvSpPr>
-          <p:cNvPr id="5" name="Slide Number Placeholder 4"/>
-          <p:cNvSpPr>
-            <a:spLocks noGrp="1"/>
-          </p:cNvSpPr>
-          <p:nvPr>
-            <p:ph type="sldNum" sz="quarter" idx="12"/>
-          </p:nvPr>
-        </p:nvSpPr>
-        <p:spPr/>
-        <p:txBody>
-          <a:bodyPr/>
-          <a:lstStyle/>
-          <a:p>
-            <a:fld id="{AA0EB1BB-D2B3-481B-A5E1-F093F8D3CD29}" type="slidenum">
-              <a:rPr lang="en-US" smtClean="0"/>
-              <a:t>‹#›</a:t>
-            </a:fld>
-            <a:endParaRPr lang="en-US"/>
-          </a:p>
-        </p:txBody>
-      </p:sp>
-      <p:cxnSp>
-        <p:nvCxnSpPr>
-          <p:cNvPr id="6" name="Straight Connector 5">
-            <a:extLst>
-              <a:ext uri="{FF2B5EF4-FFF2-40B4-BE49-F238E27FC236}">
-                <a16:creationId xmlns:a16="http://schemas.microsoft.com/office/drawing/2014/main" id="{518D6A25-815E-4725-BD14-51ED8BC9BD9F}"/>
-              </a:ext>
-            </a:extLst>
-          </p:cNvPr>
-          <p:cNvCxnSpPr>
-            <a:cxnSpLocks/>
-          </p:cNvCxnSpPr>
-          <p:nvPr userDrawn="1"/>
-        </p:nvCxnSpPr>
-        <p:spPr>
-          <a:xfrm>
-            <a:off x="681038" y="1087542"/>
-            <a:ext cx="8543925" cy="0"/>
-          </a:xfrm>
-          <a:prstGeom prst="line">
-            <a:avLst/>
-          </a:prstGeom>
-          <a:ln w="25400">
-            <a:solidFill>
-              <a:srgbClr val="D24726"/>
-            </a:solidFill>
-          </a:ln>
-        </p:spPr>
-        <p:style>
-          <a:lnRef idx="1">
-            <a:schemeClr val="accent1"/>
-          </a:lnRef>
-          <a:fillRef idx="0">
-            <a:schemeClr val="accent1"/>
-          </a:fillRef>
-          <a:effectRef idx="0">
-            <a:schemeClr val="accent1"/>
-          </a:effectRef>
-          <a:fontRef idx="minor">
-            <a:schemeClr val="tx1"/>
-          </a:fontRef>
-        </p:style>
-      </p:cxnSp>
-    </p:spTree>
-    <p:extLst>
-      <p:ext uri="{BB962C8B-B14F-4D97-AF65-F5344CB8AC3E}">
-        <p14:creationId xmlns:p14="http://schemas.microsoft.com/office/powerpoint/2010/main" val="1290498925"/>
       </p:ext>
     </p:extLst>
   </p:cSld>
@@ -11073,7 +11440,7 @@
           <a:p>
             <a:fld id="{2605756E-71AC-4422-8513-6CA67E389392}" type="datetime1">
               <a:rPr lang="ko-KR" altLang="en-US" smtClean="0"/>
-              <a:t>2019-07-11</a:t>
+              <a:t>2019-07-13</a:t>
             </a:fld>
             <a:endParaRPr lang="en-US"/>
           </a:p>
@@ -11192,11 +11559,12 @@
     <p:sldLayoutId id="2147483675" r:id="rId3"/>
     <p:sldLayoutId id="2147483674" r:id="rId4"/>
     <p:sldLayoutId id="2147483663" r:id="rId5"/>
-    <p:sldLayoutId id="2147483664" r:id="rId6"/>
-    <p:sldLayoutId id="2147483673" r:id="rId7"/>
-    <p:sldLayoutId id="2147483665" r:id="rId8"/>
-    <p:sldLayoutId id="2147483666" r:id="rId9"/>
-    <p:sldLayoutId id="2147483667" r:id="rId10"/>
+    <p:sldLayoutId id="2147483676" r:id="rId6"/>
+    <p:sldLayoutId id="2147483664" r:id="rId7"/>
+    <p:sldLayoutId id="2147483673" r:id="rId8"/>
+    <p:sldLayoutId id="2147483665" r:id="rId9"/>
+    <p:sldLayoutId id="2147483666" r:id="rId10"/>
+    <p:sldLayoutId id="2147483667" r:id="rId11"/>
   </p:sldLayoutIdLst>
   <p:hf hdr="0"/>
   <p:txStyles>
@@ -11846,7 +12214,7 @@
           <a:p>
             <a:fld id="{BE0357B1-0FDD-482C-A9DC-A4587093D4A9}" type="datetime1">
               <a:rPr lang="ko-KR" altLang="en-US" smtClean="0"/>
-              <a:t>2019-07-11</a:t>
+              <a:t>2019-07-13</a:t>
             </a:fld>
             <a:endParaRPr lang="en-US"/>
           </a:p>
@@ -12054,7 +12422,7 @@
           <a:p>
             <a:fld id="{BE0357B1-0FDD-482C-A9DC-A4587093D4A9}" type="datetime1">
               <a:rPr lang="ko-KR" altLang="en-US" smtClean="0"/>
-              <a:t>2019-07-11</a:t>
+              <a:t>2019-07-13</a:t>
             </a:fld>
             <a:endParaRPr lang="en-US"/>
           </a:p>
@@ -12254,7 +12622,7 @@
           <a:p>
             <a:fld id="{BE0357B1-0FDD-482C-A9DC-A4587093D4A9}" type="datetime1">
               <a:rPr lang="ko-KR" altLang="en-US" smtClean="0"/>
-              <a:t>2019-07-11</a:t>
+              <a:t>2019-07-13</a:t>
             </a:fld>
             <a:endParaRPr lang="en-US"/>
           </a:p>
@@ -12514,7 +12882,7 @@
           <a:p>
             <a:fld id="{BE0357B1-0FDD-482C-A9DC-A4587093D4A9}" type="datetime1">
               <a:rPr lang="ko-KR" altLang="en-US" smtClean="0"/>
-              <a:t>2019-07-11</a:t>
+              <a:t>2019-07-13</a:t>
             </a:fld>
             <a:endParaRPr lang="en-US"/>
           </a:p>
@@ -12592,20 +12960,18 @@
       </p:sp>
       <p:pic>
         <p:nvPicPr>
-          <p:cNvPr id="8" name="Online Media 7" title="￬ﾝﾴ￫ﾡﾠ ￭ﾕﾙ￬ﾊﾵ ￭ﾕﾄ￬ﾚﾔ￬ﾄﾱ">
-            <a:hlinkClick r:id="" action="ppaction://media"/>
+          <p:cNvPr id="7" name="Picture 6">
+            <a:hlinkClick r:id="rId2"/>
             <a:extLst>
               <a:ext uri="{FF2B5EF4-FFF2-40B4-BE49-F238E27FC236}">
-                <a16:creationId xmlns:a16="http://schemas.microsoft.com/office/drawing/2014/main" id="{6D6031E1-62EE-4D70-A3D2-2567F287899B}"/>
+                <a16:creationId xmlns:a16="http://schemas.microsoft.com/office/drawing/2014/main" id="{027F3382-ECD9-49D5-BC08-5E934C58439F}"/>
               </a:ext>
             </a:extLst>
           </p:cNvPr>
           <p:cNvPicPr>
-            <a:picLocks noRot="1" noChangeAspect="1"/>
+            <a:picLocks noChangeAspect="1"/>
           </p:cNvPicPr>
-          <p:nvPr>
-            <a:videoFile r:link="rId1"/>
-          </p:nvPr>
+          <p:nvPr/>
         </p:nvPicPr>
         <p:blipFill>
           <a:blip r:embed="rId3"/>
@@ -12615,8 +12981,8 @@
         </p:blipFill>
         <p:spPr>
           <a:xfrm>
-            <a:off x="1600200" y="2504587"/>
-            <a:ext cx="6705600" cy="3771900"/>
+            <a:off x="1216403" y="2477554"/>
+            <a:ext cx="8135923" cy="3660387"/>
           </a:xfrm>
           <a:prstGeom prst="rect">
             <a:avLst/>
@@ -12633,141 +12999,6 @@
   <p:clrMapOvr>
     <a:masterClrMapping/>
   </p:clrMapOvr>
-  <p:timing>
-    <p:tnLst>
-      <p:par>
-        <p:cTn id="1" dur="indefinite" restart="never" nodeType="tmRoot">
-          <p:childTnLst>
-            <p:seq concurrent="1" nextAc="seek">
-              <p:cTn id="2" dur="indefinite" nodeType="mainSeq">
-                <p:childTnLst>
-                  <p:par>
-                    <p:cTn id="3" fill="hold">
-                      <p:stCondLst>
-                        <p:cond delay="indefinite"/>
-                      </p:stCondLst>
-                      <p:childTnLst>
-                        <p:par>
-                          <p:cTn id="4" fill="hold">
-                            <p:stCondLst>
-                              <p:cond delay="0"/>
-                            </p:stCondLst>
-                            <p:childTnLst>
-                              <p:par>
-                                <p:cTn id="5" presetID="1" presetClass="mediacall" presetSubtype="0" fill="hold" nodeType="clickEffect">
-                                  <p:stCondLst>
-                                    <p:cond delay="0"/>
-                                  </p:stCondLst>
-                                  <p:childTnLst>
-                                    <p:cmd type="call" cmd="playFrom(0.0)">
-                                      <p:cBhvr>
-                                        <p:cTn id="6" dur="1" fill="hold"/>
-                                        <p:tgtEl>
-                                          <p:spTgt spid="8"/>
-                                        </p:tgtEl>
-                                      </p:cBhvr>
-                                    </p:cmd>
-                                  </p:childTnLst>
-                                </p:cTn>
-                              </p:par>
-                            </p:childTnLst>
-                          </p:cTn>
-                        </p:par>
-                      </p:childTnLst>
-                    </p:cTn>
-                  </p:par>
-                </p:childTnLst>
-              </p:cTn>
-              <p:prevCondLst>
-                <p:cond evt="onPrev" delay="0">
-                  <p:tgtEl>
-                    <p:sldTgt/>
-                  </p:tgtEl>
-                </p:cond>
-              </p:prevCondLst>
-              <p:nextCondLst>
-                <p:cond evt="onNext" delay="0">
-                  <p:tgtEl>
-                    <p:sldTgt/>
-                  </p:tgtEl>
-                </p:cond>
-              </p:nextCondLst>
-            </p:seq>
-            <p:video>
-              <p:cMediaNode vol="80000">
-                <p:cTn id="7" fill="hold" display="0">
-                  <p:stCondLst>
-                    <p:cond delay="indefinite"/>
-                  </p:stCondLst>
-                </p:cTn>
-                <p:tgtEl>
-                  <p:spTgt spid="8"/>
-                </p:tgtEl>
-              </p:cMediaNode>
-            </p:video>
-            <p:seq concurrent="1" nextAc="seek">
-              <p:cTn id="8" restart="whenNotActive" fill="hold" evtFilter="cancelBubble" nodeType="interactiveSeq">
-                <p:stCondLst>
-                  <p:cond evt="onClick" delay="0">
-                    <p:tgtEl>
-                      <p:spTgt spid="8"/>
-                    </p:tgtEl>
-                  </p:cond>
-                </p:stCondLst>
-                <p:endSync evt="end" delay="0">
-                  <p:rtn val="all"/>
-                </p:endSync>
-                <p:childTnLst>
-                  <p:par>
-                    <p:cTn id="9" fill="hold">
-                      <p:stCondLst>
-                        <p:cond delay="0"/>
-                      </p:stCondLst>
-                      <p:childTnLst>
-                        <p:par>
-                          <p:cTn id="10" fill="hold">
-                            <p:stCondLst>
-                              <p:cond delay="0"/>
-                            </p:stCondLst>
-                            <p:childTnLst>
-                              <p:par>
-                                <p:cTn id="11" presetID="2" presetClass="mediacall" presetSubtype="0" fill="hold" nodeType="clickEffect">
-                                  <p:stCondLst>
-                                    <p:cond delay="0"/>
-                                  </p:stCondLst>
-                                  <p:childTnLst>
-                                    <p:cmd type="call" cmd="togglePause">
-                                      <p:cBhvr>
-                                        <p:cTn id="12" dur="1" fill="hold"/>
-                                        <p:tgtEl>
-                                          <p:spTgt spid="8"/>
-                                        </p:tgtEl>
-                                      </p:cBhvr>
-                                    </p:cmd>
-                                  </p:childTnLst>
-                                </p:cTn>
-                              </p:par>
-                            </p:childTnLst>
-                          </p:cTn>
-                        </p:par>
-                      </p:childTnLst>
-                    </p:cTn>
-                  </p:par>
-                </p:childTnLst>
-              </p:cTn>
-              <p:nextCondLst>
-                <p:cond evt="onClick" delay="0">
-                  <p:tgtEl>
-                    <p:spTgt spid="8"/>
-                  </p:tgtEl>
-                </p:cond>
-              </p:nextCondLst>
-            </p:seq>
-          </p:childTnLst>
-        </p:cTn>
-      </p:par>
-    </p:tnLst>
-  </p:timing>
 </p:sld>
 </file>
 
@@ -12823,10 +13054,83 @@
         </p:nvSpPr>
         <p:spPr/>
         <p:txBody>
-          <a:bodyPr/>
+          <a:bodyPr>
+            <a:normAutofit lnSpcReduction="10000"/>
+          </a:bodyPr>
           <a:lstStyle/>
           <a:p>
-            <a:endParaRPr lang="en-US"/>
+            <a:r>
+              <a:rPr lang="ko-KR" altLang="en-US" dirty="0"/>
+              <a:t>수학의 정의</a:t>
+            </a:r>
+            <a:endParaRPr lang="en-US" altLang="ko-KR" dirty="0"/>
+          </a:p>
+          <a:p>
+            <a:r>
+              <a:rPr lang="ko-KR" altLang="en-US" dirty="0"/>
+              <a:t>수학사 연표</a:t>
+            </a:r>
+            <a:endParaRPr lang="en-US" altLang="ko-KR" dirty="0"/>
+          </a:p>
+          <a:p>
+            <a:r>
+              <a:rPr lang="ko-KR" altLang="en-US" dirty="0"/>
+              <a:t>수학의 기호</a:t>
+            </a:r>
+            <a:endParaRPr lang="en-US" altLang="ko-KR" dirty="0"/>
+          </a:p>
+          <a:p>
+            <a:r>
+              <a:rPr lang="ko-KR" altLang="en-US" dirty="0"/>
+              <a:t>미분</a:t>
+            </a:r>
+            <a:r>
+              <a:rPr lang="en-US" altLang="ko-KR" dirty="0"/>
+              <a:t>, </a:t>
+            </a:r>
+            <a:r>
+              <a:rPr lang="ko-KR" altLang="en-US" dirty="0"/>
+              <a:t>적분</a:t>
+            </a:r>
+            <a:endParaRPr lang="en-US" altLang="ko-KR" dirty="0"/>
+          </a:p>
+          <a:p>
+            <a:r>
+              <a:rPr lang="ko-KR" altLang="en-US" dirty="0"/>
+              <a:t>집합</a:t>
+            </a:r>
+            <a:endParaRPr lang="en-US" altLang="ko-KR" dirty="0"/>
+          </a:p>
+          <a:p>
+            <a:r>
+              <a:rPr lang="ko-KR" altLang="en-US" dirty="0"/>
+              <a:t>스칼라</a:t>
+            </a:r>
+            <a:r>
+              <a:rPr lang="en-US" altLang="ko-KR" dirty="0"/>
+              <a:t>, </a:t>
+            </a:r>
+            <a:r>
+              <a:rPr lang="ko-KR" altLang="en-US" dirty="0"/>
+              <a:t>벡터</a:t>
+            </a:r>
+            <a:r>
+              <a:rPr lang="en-US" altLang="ko-KR" dirty="0"/>
+              <a:t>, </a:t>
+            </a:r>
+            <a:r>
+              <a:rPr lang="ko-KR" altLang="en-US" dirty="0"/>
+              <a:t>행렬</a:t>
+            </a:r>
+            <a:r>
+              <a:rPr lang="en-US" altLang="ko-KR" dirty="0"/>
+              <a:t>, </a:t>
+            </a:r>
+            <a:r>
+              <a:rPr lang="ko-KR" altLang="en-US" dirty="0"/>
+              <a:t>텐서</a:t>
+            </a:r>
+            <a:endParaRPr lang="en-US" dirty="0"/>
           </a:p>
         </p:txBody>
       </p:sp>
@@ -12847,7 +13151,7 @@
           <a:p>
             <a:fld id="{4CC14437-CE76-4CAA-B57D-74630AAA1A81}" type="datetime1">
               <a:rPr lang="ko-KR" altLang="en-US" smtClean="0"/>
-              <a:t>2019-07-11</a:t>
+              <a:t>2019-07-13</a:t>
             </a:fld>
             <a:endParaRPr lang="en-US"/>
           </a:p>
@@ -12989,61 +13293,182 @@
         <p:spPr>
           <a:xfrm>
             <a:off x="681038" y="1255271"/>
-            <a:ext cx="8543925" cy="2173729"/>
+            <a:ext cx="8543924" cy="3459342"/>
           </a:xfrm>
         </p:spPr>
         <p:txBody>
           <a:bodyPr>
-            <a:normAutofit/>
+            <a:noAutofit/>
           </a:bodyPr>
           <a:lstStyle/>
           <a:p>
-            <a:r>
-              <a:rPr lang="ko-KR" altLang="en-US" dirty="0"/>
+            <a:pPr>
+              <a:lnSpc>
+                <a:spcPct val="110000"/>
+              </a:lnSpc>
+            </a:pPr>
+            <a:r>
+              <a:rPr lang="ko-KR" altLang="en-US" sz="2000" dirty="0"/>
               <a:t>수학은 언어이다</a:t>
             </a:r>
             <a:r>
-              <a:rPr lang="en-US" altLang="ko-KR" dirty="0"/>
+              <a:rPr lang="en-US" altLang="ko-KR" sz="2000" dirty="0"/>
               <a:t>.</a:t>
             </a:r>
           </a:p>
           <a:p>
-            <a:pPr lvl="1"/>
-            <a:r>
-              <a:rPr lang="ko-KR" altLang="en-US" dirty="0"/>
-              <a:t>수학은 과학</a:t>
-            </a:r>
-            <a:r>
-              <a:rPr lang="en-US" altLang="ko-KR" dirty="0"/>
+            <a:pPr lvl="1">
+              <a:lnSpc>
+                <a:spcPct val="110000"/>
+              </a:lnSpc>
+            </a:pPr>
+            <a:r>
+              <a:rPr lang="ko-KR" altLang="en-US" sz="2000" dirty="0"/>
+              <a:t>수학은 전세계 표준의 과학</a:t>
+            </a:r>
+            <a:r>
+              <a:rPr lang="en-US" altLang="ko-KR" sz="2000" dirty="0"/>
               <a:t> </a:t>
             </a:r>
             <a:r>
-              <a:rPr lang="ko-KR" altLang="en-US" dirty="0"/>
+              <a:rPr lang="ko-KR" altLang="en-US" sz="2000" dirty="0"/>
               <a:t>및 공학용 언어이다</a:t>
             </a:r>
             <a:r>
-              <a:rPr lang="en-US" altLang="ko-KR" dirty="0"/>
+              <a:rPr lang="en-US" altLang="ko-KR" sz="2000" dirty="0"/>
               <a:t>.</a:t>
             </a:r>
           </a:p>
           <a:p>
-            <a:pPr lvl="1"/>
-            <a:r>
-              <a:rPr lang="ko-KR" altLang="en-US" dirty="0"/>
+            <a:pPr lvl="1">
+              <a:lnSpc>
+                <a:spcPct val="110000"/>
+              </a:lnSpc>
+            </a:pPr>
+            <a:r>
+              <a:rPr lang="ko-KR" altLang="en-US" sz="2000" dirty="0"/>
               <a:t>수학은 피라미드형 언어이다</a:t>
             </a:r>
             <a:r>
-              <a:rPr lang="en-US" altLang="ko-KR" dirty="0"/>
+              <a:rPr lang="en-US" altLang="ko-KR" sz="2000" dirty="0"/>
               <a:t>.</a:t>
             </a:r>
-            <a:endParaRPr lang="en-US" dirty="0"/>
-          </a:p>
-          <a:p>
-            <a:pPr lvl="2"/>
-            <a:r>
-              <a:rPr lang="en-US" dirty="0"/>
-              <a:t>A symbol is worth a thousand words.</a:t>
-            </a:r>
+          </a:p>
+          <a:p>
+            <a:pPr>
+              <a:lnSpc>
+                <a:spcPct val="110000"/>
+              </a:lnSpc>
+            </a:pPr>
+            <a:r>
+              <a:rPr lang="ko-KR" altLang="en-US" sz="2000" dirty="0"/>
+              <a:t>수학은 공리로 부터 출발한다</a:t>
+            </a:r>
+            <a:r>
+              <a:rPr lang="en-US" altLang="ko-KR" sz="2000" dirty="0"/>
+              <a:t>.</a:t>
+            </a:r>
+          </a:p>
+          <a:p>
+            <a:pPr lvl="1">
+              <a:lnSpc>
+                <a:spcPct val="110000"/>
+              </a:lnSpc>
+            </a:pPr>
+            <a:r>
+              <a:rPr lang="ko-KR" altLang="en-US" sz="2000" dirty="0"/>
+              <a:t>공리</a:t>
+            </a:r>
+            <a:r>
+              <a:rPr lang="en-US" altLang="ko-KR" sz="2000" dirty="0"/>
+              <a:t>(</a:t>
+            </a:r>
+            <a:r>
+              <a:rPr lang="ko-KR" altLang="en-US" sz="2000" dirty="0"/>
+              <a:t>公理</a:t>
+            </a:r>
+            <a:r>
+              <a:rPr lang="en-US" altLang="ko-KR" sz="2000" dirty="0"/>
+              <a:t>, axiom)</a:t>
+            </a:r>
+            <a:r>
+              <a:rPr lang="ko-KR" altLang="en-US" sz="2000" dirty="0"/>
+              <a:t>는 어떤 이론체계에서 가장 기초적인 근거가 되는 명제</a:t>
+            </a:r>
+            <a:r>
+              <a:rPr lang="en-US" altLang="ko-KR" sz="2000" dirty="0"/>
+              <a:t>(</a:t>
+            </a:r>
+            <a:r>
+              <a:rPr lang="ko-KR" altLang="en-US" sz="2000" dirty="0"/>
+              <a:t>命題</a:t>
+            </a:r>
+            <a:r>
+              <a:rPr lang="en-US" altLang="ko-KR" sz="2000" dirty="0"/>
+              <a:t>)</a:t>
+            </a:r>
+            <a:r>
+              <a:rPr lang="ko-KR" altLang="en-US" sz="2000" dirty="0"/>
+              <a:t>이다</a:t>
+            </a:r>
+            <a:r>
+              <a:rPr lang="en-US" altLang="ko-KR" sz="2000" dirty="0"/>
+              <a:t>.</a:t>
+            </a:r>
+          </a:p>
+          <a:p>
+            <a:pPr lvl="2">
+              <a:lnSpc>
+                <a:spcPct val="110000"/>
+              </a:lnSpc>
+            </a:pPr>
+            <a:r>
+              <a:rPr lang="ko-KR" altLang="en-US" sz="2000" dirty="0"/>
+              <a:t>지식이 참된 것이 되기 위해서는 근거가 필요하나 더 이상 증명되지 않는 명제가 공리이다</a:t>
+            </a:r>
+            <a:r>
+              <a:rPr lang="en-US" altLang="ko-KR" sz="2000" dirty="0"/>
+              <a:t>.</a:t>
+            </a:r>
+          </a:p>
+          <a:p>
+            <a:pPr lvl="1">
+              <a:lnSpc>
+                <a:spcPct val="110000"/>
+              </a:lnSpc>
+            </a:pPr>
+            <a:r>
+              <a:rPr lang="ko-KR" altLang="en-US" sz="2000" dirty="0"/>
+              <a:t>정리</a:t>
+            </a:r>
+            <a:r>
+              <a:rPr lang="en-US" altLang="ko-KR" sz="2000" dirty="0"/>
+              <a:t>(</a:t>
+            </a:r>
+            <a:r>
+              <a:rPr lang="ko-KR" altLang="en-US" sz="2000" dirty="0"/>
+              <a:t>定理</a:t>
+            </a:r>
+            <a:r>
+              <a:rPr lang="en-US" altLang="ko-KR" sz="2000" dirty="0"/>
+              <a:t>)</a:t>
+            </a:r>
+            <a:r>
+              <a:rPr lang="ko-KR" altLang="en-US" sz="2000" dirty="0"/>
+              <a:t>는 증명된 명제이다</a:t>
+            </a:r>
+            <a:r>
+              <a:rPr lang="en-US" altLang="ko-KR" sz="2000" dirty="0"/>
+              <a:t>.</a:t>
+            </a:r>
+          </a:p>
+          <a:p>
+            <a:pPr lvl="1">
+              <a:lnSpc>
+                <a:spcPct val="110000"/>
+              </a:lnSpc>
+            </a:pPr>
+            <a:endParaRPr lang="en-US" sz="2000" dirty="0"/>
           </a:p>
         </p:txBody>
       </p:sp>
@@ -13070,7 +13495,7 @@
           <a:p>
             <a:fld id="{BE0357B1-0FDD-482C-A9DC-A4587093D4A9}" type="datetime1">
               <a:rPr lang="ko-KR" altLang="en-US" smtClean="0"/>
-              <a:t>2019-07-11</a:t>
+              <a:t>2019-07-13</a:t>
             </a:fld>
             <a:endParaRPr lang="en-US"/>
           </a:p>
@@ -13146,12 +13571,1278 @@
           </a:p>
         </p:txBody>
       </p:sp>
+      <p:pic>
+        <p:nvPicPr>
+          <p:cNvPr id="16" name="Picture 15">
+            <a:extLst>
+              <a:ext uri="{FF2B5EF4-FFF2-40B4-BE49-F238E27FC236}">
+                <a16:creationId xmlns:a16="http://schemas.microsoft.com/office/drawing/2014/main" id="{263E69E6-135C-42E4-91C8-2E6E115DA98C}"/>
+              </a:ext>
+            </a:extLst>
+          </p:cNvPr>
+          <p:cNvPicPr>
+            <a:picLocks noChangeAspect="1"/>
+          </p:cNvPicPr>
+          <p:nvPr/>
+        </p:nvPicPr>
+        <p:blipFill>
+          <a:blip r:embed="rId2"/>
+          <a:stretch>
+            <a:fillRect/>
+          </a:stretch>
+        </p:blipFill>
+        <p:spPr>
+          <a:xfrm>
+            <a:off x="2794151" y="5018979"/>
+            <a:ext cx="4133139" cy="1033006"/>
+          </a:xfrm>
+          <a:prstGeom prst="rect">
+            <a:avLst/>
+          </a:prstGeom>
+        </p:spPr>
+      </p:pic>
+    </p:spTree>
+    <p:extLst>
+      <p:ext uri="{BB962C8B-B14F-4D97-AF65-F5344CB8AC3E}">
+        <p14:creationId xmlns:p14="http://schemas.microsoft.com/office/powerpoint/2010/main" val="1461165185"/>
+      </p:ext>
+    </p:extLst>
+  </p:cSld>
+  <p:clrMapOvr>
+    <a:masterClrMapping/>
+  </p:clrMapOvr>
+</p:sld>
+</file>
+
+<file path=ppt/slides/slide16.xml><?xml version="1.0" encoding="utf-8"?>
+<p:sld xmlns:a="http://schemas.openxmlformats.org/drawingml/2006/main" xmlns:r="http://schemas.openxmlformats.org/officeDocument/2006/relationships" xmlns:p="http://schemas.openxmlformats.org/presentationml/2006/main">
+  <p:cSld>
+    <p:spTree>
+      <p:nvGrpSpPr>
+        <p:cNvPr id="1" name=""/>
+        <p:cNvGrpSpPr/>
+        <p:nvPr/>
+      </p:nvGrpSpPr>
+      <p:grpSpPr>
+        <a:xfrm>
+          <a:off x="0" y="0"/>
+          <a:ext cx="0" cy="0"/>
+          <a:chOff x="0" y="0"/>
+          <a:chExt cx="0" cy="0"/>
+        </a:xfrm>
+      </p:grpSpPr>
+      <p:sp>
+        <p:nvSpPr>
+          <p:cNvPr id="2" name="Title 1">
+            <a:extLst>
+              <a:ext uri="{FF2B5EF4-FFF2-40B4-BE49-F238E27FC236}">
+                <a16:creationId xmlns:a16="http://schemas.microsoft.com/office/drawing/2014/main" id="{346F74AD-F4D3-4FAB-9EAF-BD35048D4C7B}"/>
+              </a:ext>
+            </a:extLst>
+          </p:cNvPr>
+          <p:cNvSpPr>
+            <a:spLocks noGrp="1"/>
+          </p:cNvSpPr>
+          <p:nvPr>
+            <p:ph type="title"/>
+          </p:nvPr>
+        </p:nvSpPr>
+        <p:spPr/>
+        <p:txBody>
+          <a:bodyPr/>
+          <a:lstStyle/>
+          <a:p>
+            <a:r>
+              <a:rPr lang="ko-KR" altLang="en-US" dirty="0"/>
+              <a:t>수학사 연표</a:t>
+            </a:r>
+            <a:endParaRPr lang="en-US" dirty="0"/>
+          </a:p>
+        </p:txBody>
+      </p:sp>
+      <p:sp>
+        <p:nvSpPr>
+          <p:cNvPr id="3" name="Content Placeholder 2">
+            <a:extLst>
+              <a:ext uri="{FF2B5EF4-FFF2-40B4-BE49-F238E27FC236}">
+                <a16:creationId xmlns:a16="http://schemas.microsoft.com/office/drawing/2014/main" id="{6EABB6B5-1B2B-47FD-AE9E-B380AE5B5CAE}"/>
+              </a:ext>
+            </a:extLst>
+          </p:cNvPr>
+          <p:cNvSpPr>
+            <a:spLocks noGrp="1"/>
+          </p:cNvSpPr>
+          <p:nvPr>
+            <p:ph sz="half" idx="1"/>
+          </p:nvPr>
+        </p:nvSpPr>
+        <p:spPr>
+          <a:xfrm>
+            <a:off x="681038" y="1087542"/>
+            <a:ext cx="4210050" cy="5089421"/>
+          </a:xfrm>
+        </p:spPr>
+        <p:txBody>
+          <a:bodyPr>
+            <a:noAutofit/>
+          </a:bodyPr>
+          <a:lstStyle/>
+          <a:p>
+            <a:pPr marL="285750" indent="-285750">
+              <a:buFont typeface="Arial" panose="020B0604020202020204" pitchFamily="34" charset="0"/>
+              <a:buChar char="•"/>
+            </a:pPr>
+            <a:endParaRPr lang="en-US" altLang="ko-KR" sz="1400" dirty="0"/>
+          </a:p>
+          <a:p>
+            <a:pPr marL="285750" indent="-285750">
+              <a:buFont typeface="Arial" panose="020B0604020202020204" pitchFamily="34" charset="0"/>
+              <a:buChar char="•"/>
+            </a:pPr>
+            <a:r>
+              <a:rPr lang="en-US" altLang="ko-KR" sz="1400" dirty="0"/>
+              <a:t>BC</a:t>
+            </a:r>
+            <a:r>
+              <a:rPr lang="ko-KR" altLang="en-US" sz="1400" dirty="0"/>
+              <a:t> </a:t>
+            </a:r>
+            <a:r>
+              <a:rPr lang="en-US" altLang="ko-KR" sz="1400" dirty="0"/>
+              <a:t>3000</a:t>
+            </a:r>
+            <a:r>
+              <a:rPr lang="ko-KR" altLang="en-US" sz="1400" dirty="0"/>
+              <a:t>년   이집트</a:t>
+            </a:r>
+            <a:r>
+              <a:rPr lang="en-US" altLang="ko-KR" sz="1400" dirty="0"/>
+              <a:t>, </a:t>
+            </a:r>
+            <a:r>
+              <a:rPr lang="ko-KR" altLang="en-US" sz="1400" dirty="0"/>
+              <a:t>십진법 사용</a:t>
+            </a:r>
+            <a:endParaRPr lang="en-US" altLang="ko-KR" sz="1400" dirty="0"/>
+          </a:p>
+          <a:p>
+            <a:pPr marL="285750" indent="-285750">
+              <a:buFont typeface="Arial" panose="020B0604020202020204" pitchFamily="34" charset="0"/>
+              <a:buChar char="•"/>
+            </a:pPr>
+            <a:r>
+              <a:rPr lang="en-US" altLang="ko-KR" sz="1400" dirty="0"/>
+              <a:t>BC</a:t>
+            </a:r>
+            <a:r>
+              <a:rPr lang="ko-KR" altLang="en-US" sz="1400" dirty="0"/>
+              <a:t>   </a:t>
+            </a:r>
+            <a:r>
+              <a:rPr lang="en-US" altLang="ko-KR" sz="1400" dirty="0"/>
+              <a:t>540</a:t>
+            </a:r>
+            <a:r>
+              <a:rPr lang="ko-KR" altLang="en-US" sz="1400" dirty="0"/>
+              <a:t>년  피타고라스 활동</a:t>
+            </a:r>
+            <a:r>
+              <a:rPr lang="en-US" altLang="ko-KR" sz="1400" dirty="0"/>
+              <a:t>.</a:t>
+            </a:r>
+          </a:p>
+          <a:p>
+            <a:pPr marL="285750" indent="-285750">
+              <a:buFont typeface="Arial" panose="020B0604020202020204" pitchFamily="34" charset="0"/>
+              <a:buChar char="•"/>
+            </a:pPr>
+            <a:r>
+              <a:rPr lang="en-US" altLang="ko-KR" sz="1400" dirty="0"/>
+              <a:t>BC</a:t>
+            </a:r>
+            <a:r>
+              <a:rPr lang="ko-KR" altLang="en-US" sz="1400" dirty="0"/>
+              <a:t>   </a:t>
+            </a:r>
+            <a:r>
+              <a:rPr lang="en-US" altLang="ko-KR" sz="1400" dirty="0"/>
+              <a:t>300</a:t>
+            </a:r>
+            <a:r>
+              <a:rPr lang="ko-KR" altLang="en-US" sz="1400" dirty="0"/>
+              <a:t>년   유클리드 기하학 체계 마련</a:t>
+            </a:r>
+            <a:endParaRPr lang="en-US" altLang="ko-KR" sz="1400" dirty="0"/>
+          </a:p>
+          <a:p>
+            <a:pPr marL="285750" indent="-285750">
+              <a:buFont typeface="Arial" panose="020B0604020202020204" pitchFamily="34" charset="0"/>
+              <a:buChar char="•"/>
+            </a:pPr>
+            <a:r>
+              <a:rPr lang="en-US" altLang="ko-KR" sz="1400" dirty="0"/>
+              <a:t>BC</a:t>
+            </a:r>
+            <a:r>
+              <a:rPr lang="ko-KR" altLang="en-US" sz="1400" dirty="0"/>
+              <a:t>   </a:t>
+            </a:r>
+            <a:r>
+              <a:rPr lang="en-US" altLang="ko-KR" sz="1400" dirty="0"/>
+              <a:t>250</a:t>
+            </a:r>
+            <a:r>
+              <a:rPr lang="ko-KR" altLang="en-US" sz="1400" dirty="0"/>
+              <a:t>년   아르키메데스</a:t>
+            </a:r>
+            <a:r>
+              <a:rPr lang="en-US" altLang="ko-KR" sz="1400" dirty="0"/>
+              <a:t>, </a:t>
+            </a:r>
+            <a:r>
+              <a:rPr lang="ko-KR" altLang="en-US" sz="1400" dirty="0"/>
+              <a:t>원주율 계산</a:t>
+            </a:r>
+          </a:p>
+          <a:p>
+            <a:pPr marL="285750" indent="-285750">
+              <a:buFont typeface="Arial" panose="020B0604020202020204" pitchFamily="34" charset="0"/>
+              <a:buChar char="•"/>
+            </a:pPr>
+            <a:r>
+              <a:rPr lang="en-US" altLang="ko-KR" sz="1400" dirty="0"/>
+              <a:t>300</a:t>
+            </a:r>
+            <a:r>
+              <a:rPr lang="ko-KR" altLang="en-US" sz="1400" dirty="0"/>
+              <a:t>년 경	디오판토스</a:t>
+            </a:r>
+            <a:r>
+              <a:rPr lang="en-US" altLang="ko-KR" sz="1400" dirty="0"/>
+              <a:t>, </a:t>
+            </a:r>
+            <a:r>
+              <a:rPr lang="ko-KR" altLang="en-US" sz="1400" dirty="0"/>
+              <a:t>대수학 창시</a:t>
+            </a:r>
+            <a:r>
+              <a:rPr lang="en-US" altLang="ko-KR" sz="1400" dirty="0"/>
+              <a:t>.</a:t>
+            </a:r>
+          </a:p>
+          <a:p>
+            <a:pPr marL="285750" indent="-285750">
+              <a:buFont typeface="Arial" panose="020B0604020202020204" pitchFamily="34" charset="0"/>
+              <a:buChar char="•"/>
+            </a:pPr>
+            <a:r>
+              <a:rPr lang="en-US" altLang="ko-KR" sz="1400" dirty="0"/>
+              <a:t>680</a:t>
+            </a:r>
+            <a:r>
+              <a:rPr lang="ko-KR" altLang="en-US" sz="1400" dirty="0"/>
+              <a:t>년 경	숫자 영</a:t>
+            </a:r>
+            <a:r>
+              <a:rPr lang="en-US" altLang="ko-KR" sz="1400" dirty="0"/>
+              <a:t>(0)</a:t>
+            </a:r>
+            <a:r>
+              <a:rPr lang="ko-KR" altLang="en-US" sz="1400" dirty="0"/>
+              <a:t>을 처음으로 사용</a:t>
+            </a:r>
+          </a:p>
+          <a:p>
+            <a:pPr marL="285750" indent="-285750">
+              <a:buFont typeface="Arial" panose="020B0604020202020204" pitchFamily="34" charset="0"/>
+              <a:buChar char="•"/>
+            </a:pPr>
+            <a:r>
+              <a:rPr lang="en-US" altLang="ko-KR" sz="1400" dirty="0"/>
+              <a:t>876</a:t>
+            </a:r>
+            <a:r>
+              <a:rPr lang="ko-KR" altLang="en-US" sz="1400" dirty="0"/>
+              <a:t>년 경	기호 </a:t>
+            </a:r>
+            <a:r>
+              <a:rPr lang="en-US" altLang="ko-KR" sz="1400" dirty="0"/>
+              <a:t>0, </a:t>
+            </a:r>
+            <a:r>
+              <a:rPr lang="ko-KR" altLang="en-US" sz="1400" dirty="0"/>
+              <a:t>인도에서 등장</a:t>
+            </a:r>
+          </a:p>
+          <a:p>
+            <a:pPr marL="285750" indent="-285750">
+              <a:buFont typeface="Arial" panose="020B0604020202020204" pitchFamily="34" charset="0"/>
+              <a:buChar char="•"/>
+            </a:pPr>
+            <a:r>
+              <a:rPr lang="en-US" altLang="ko-KR" sz="1400" dirty="0"/>
+              <a:t>1100</a:t>
+            </a:r>
+            <a:r>
+              <a:rPr lang="ko-KR" altLang="en-US" sz="1400" dirty="0"/>
+              <a:t>년 경   아라비아 숫자가 유럽에 전파</a:t>
+            </a:r>
+          </a:p>
+          <a:p>
+            <a:pPr marL="285750" indent="-285750">
+              <a:buFont typeface="Arial" panose="020B0604020202020204" pitchFamily="34" charset="0"/>
+              <a:buChar char="•"/>
+            </a:pPr>
+            <a:r>
+              <a:rPr lang="en-US" altLang="ko-KR" sz="1400" dirty="0"/>
+              <a:t>1150</a:t>
+            </a:r>
+            <a:r>
+              <a:rPr lang="ko-KR" altLang="en-US" sz="1400" dirty="0"/>
+              <a:t>년	바스카라</a:t>
+            </a:r>
+            <a:r>
+              <a:rPr lang="en-US" altLang="ko-KR" sz="1400" dirty="0"/>
+              <a:t>, </a:t>
+            </a:r>
+            <a:r>
+              <a:rPr lang="ko-KR" altLang="en-US" sz="1400" dirty="0"/>
+              <a:t>양수와 음수를 해설</a:t>
+            </a:r>
+          </a:p>
+          <a:p>
+            <a:pPr marL="285750" indent="-285750">
+              <a:buFont typeface="Arial" panose="020B0604020202020204" pitchFamily="34" charset="0"/>
+              <a:buChar char="•"/>
+            </a:pPr>
+            <a:r>
+              <a:rPr lang="en-US" altLang="ko-KR" sz="1400" dirty="0"/>
+              <a:t>1514</a:t>
+            </a:r>
+            <a:r>
+              <a:rPr lang="ko-KR" altLang="en-US" sz="1400" dirty="0"/>
+              <a:t>년	대수식에 처음으로 </a:t>
+            </a:r>
+            <a:r>
+              <a:rPr lang="en-US" altLang="ko-KR" sz="1400" dirty="0"/>
+              <a:t>'</a:t>
+            </a:r>
+            <a:r>
+              <a:rPr lang="ko-KR" altLang="en-US" sz="1400" dirty="0"/>
+              <a:t>＋</a:t>
+            </a:r>
+            <a:r>
+              <a:rPr lang="en-US" altLang="ko-KR" sz="1400" dirty="0"/>
+              <a:t>'</a:t>
+            </a:r>
+            <a:r>
+              <a:rPr lang="ko-KR" altLang="en-US" sz="1400" dirty="0"/>
+              <a:t>와 </a:t>
+            </a:r>
+            <a:r>
+              <a:rPr lang="en-US" altLang="ko-KR" sz="1400" dirty="0"/>
+              <a:t>'</a:t>
+            </a:r>
+            <a:r>
+              <a:rPr lang="ko-KR" altLang="en-US" sz="1400" dirty="0"/>
+              <a:t>－</a:t>
+            </a:r>
+            <a:r>
+              <a:rPr lang="en-US" altLang="ko-KR" sz="1400" dirty="0"/>
+              <a:t>'</a:t>
+            </a:r>
+            <a:r>
+              <a:rPr lang="ko-KR" altLang="en-US" sz="1400" dirty="0"/>
+              <a:t>기호 사용</a:t>
+            </a:r>
+          </a:p>
+          <a:p>
+            <a:pPr marL="285750" indent="-285750">
+              <a:buFont typeface="Arial" panose="020B0604020202020204" pitchFamily="34" charset="0"/>
+              <a:buChar char="•"/>
+            </a:pPr>
+            <a:r>
+              <a:rPr lang="en-US" altLang="ko-KR" sz="1400" dirty="0"/>
+              <a:t>1557</a:t>
+            </a:r>
+            <a:r>
+              <a:rPr lang="ko-KR" altLang="en-US" sz="1400" dirty="0"/>
+              <a:t>년	레코드</a:t>
+            </a:r>
+            <a:r>
+              <a:rPr lang="en-US" altLang="ko-KR" sz="1400" dirty="0"/>
+              <a:t>, </a:t>
+            </a:r>
+            <a:r>
+              <a:rPr lang="ko-KR" altLang="en-US" sz="1400" dirty="0"/>
+              <a:t>수학에 등호</a:t>
+            </a:r>
+            <a:r>
+              <a:rPr lang="en-US" altLang="ko-KR" sz="1400" dirty="0"/>
+              <a:t>(=)</a:t>
+            </a:r>
+            <a:r>
+              <a:rPr lang="ko-KR" altLang="en-US" sz="1400" dirty="0"/>
+              <a:t>를 도입</a:t>
+            </a:r>
+            <a:endParaRPr lang="en-US" sz="1400" dirty="0"/>
+          </a:p>
+        </p:txBody>
+      </p:sp>
+      <p:sp>
+        <p:nvSpPr>
+          <p:cNvPr id="8" name="Content Placeholder 7">
+            <a:extLst>
+              <a:ext uri="{FF2B5EF4-FFF2-40B4-BE49-F238E27FC236}">
+                <a16:creationId xmlns:a16="http://schemas.microsoft.com/office/drawing/2014/main" id="{503C68DB-5A84-4EB9-A062-EE7A4C63612D}"/>
+              </a:ext>
+            </a:extLst>
+          </p:cNvPr>
+          <p:cNvSpPr>
+            <a:spLocks noGrp="1"/>
+          </p:cNvSpPr>
+          <p:nvPr>
+            <p:ph sz="half" idx="2"/>
+          </p:nvPr>
+        </p:nvSpPr>
+        <p:spPr>
+          <a:xfrm>
+            <a:off x="5014912" y="1087542"/>
+            <a:ext cx="4775039" cy="5089421"/>
+          </a:xfrm>
+        </p:spPr>
+        <p:txBody>
+          <a:bodyPr>
+            <a:normAutofit/>
+          </a:bodyPr>
+          <a:lstStyle/>
+          <a:p>
+            <a:pPr marL="285750" indent="-285750">
+              <a:buFont typeface="Arial" panose="020B0604020202020204" pitchFamily="34" charset="0"/>
+              <a:buChar char="•"/>
+            </a:pPr>
+            <a:endParaRPr lang="ko-KR" altLang="en-US" sz="1400" dirty="0"/>
+          </a:p>
+          <a:p>
+            <a:pPr marL="285750" indent="-285750">
+              <a:buFont typeface="Arial" panose="020B0604020202020204" pitchFamily="34" charset="0"/>
+              <a:buChar char="•"/>
+            </a:pPr>
+            <a:r>
+              <a:rPr lang="en-US" altLang="ko-KR" sz="1400" dirty="0"/>
+              <a:t>1614</a:t>
+            </a:r>
+            <a:r>
+              <a:rPr lang="ko-KR" altLang="en-US" sz="1400" dirty="0"/>
+              <a:t>년   네이피어</a:t>
+            </a:r>
+            <a:r>
+              <a:rPr lang="en-US" altLang="ko-KR" sz="1400" dirty="0"/>
+              <a:t>, </a:t>
+            </a:r>
+            <a:r>
+              <a:rPr lang="ko-KR" altLang="en-US" sz="1400" dirty="0"/>
+              <a:t>로그 발견</a:t>
+            </a:r>
+          </a:p>
+          <a:p>
+            <a:pPr marL="285750" indent="-285750">
+              <a:buFont typeface="Arial" panose="020B0604020202020204" pitchFamily="34" charset="0"/>
+              <a:buChar char="•"/>
+            </a:pPr>
+            <a:r>
+              <a:rPr lang="en-US" altLang="ko-KR" sz="1400" dirty="0"/>
+              <a:t>1654</a:t>
+            </a:r>
+            <a:r>
+              <a:rPr lang="ko-KR" altLang="en-US" sz="1400" dirty="0"/>
+              <a:t>년   파스칼</a:t>
+            </a:r>
+            <a:r>
+              <a:rPr lang="en-US" altLang="ko-KR" sz="1400" dirty="0"/>
+              <a:t>, </a:t>
+            </a:r>
+            <a:r>
+              <a:rPr lang="ko-KR" altLang="en-US" sz="1400" dirty="0"/>
+              <a:t>페르마 확률론을 진전시킴</a:t>
+            </a:r>
+          </a:p>
+          <a:p>
+            <a:pPr marL="285750" indent="-285750">
+              <a:buFont typeface="Arial" panose="020B0604020202020204" pitchFamily="34" charset="0"/>
+              <a:buChar char="•"/>
+            </a:pPr>
+            <a:r>
+              <a:rPr lang="en-US" altLang="ko-KR" sz="1400" dirty="0"/>
+              <a:t>1669</a:t>
+            </a:r>
+            <a:r>
+              <a:rPr lang="ko-KR" altLang="en-US" sz="1400" dirty="0"/>
+              <a:t>년   뉴턴</a:t>
+            </a:r>
+            <a:r>
+              <a:rPr lang="en-US" altLang="ko-KR" sz="1400" dirty="0"/>
+              <a:t>, </a:t>
+            </a:r>
+            <a:r>
+              <a:rPr lang="ko-KR" altLang="en-US" sz="1400" dirty="0"/>
+              <a:t>미적분학 발견</a:t>
+            </a:r>
+          </a:p>
+          <a:p>
+            <a:pPr marL="285750" indent="-285750">
+              <a:buFont typeface="Arial" panose="020B0604020202020204" pitchFamily="34" charset="0"/>
+              <a:buChar char="•"/>
+            </a:pPr>
+            <a:r>
+              <a:rPr lang="en-US" altLang="ko-KR" sz="1400" dirty="0"/>
+              <a:t>1717</a:t>
+            </a:r>
+            <a:r>
+              <a:rPr lang="ko-KR" altLang="en-US" sz="1400" dirty="0"/>
+              <a:t>년   원주율의 값을 소수점 아래 </a:t>
+            </a:r>
+            <a:r>
+              <a:rPr lang="en-US" altLang="ko-KR" sz="1400" dirty="0"/>
+              <a:t>72</a:t>
+            </a:r>
+            <a:r>
+              <a:rPr lang="ko-KR" altLang="en-US" sz="1400" dirty="0"/>
+              <a:t>자리까지 구함</a:t>
+            </a:r>
+          </a:p>
+          <a:p>
+            <a:pPr marL="285750" indent="-285750">
+              <a:buFont typeface="Arial" panose="020B0604020202020204" pitchFamily="34" charset="0"/>
+              <a:buChar char="•"/>
+            </a:pPr>
+            <a:r>
+              <a:rPr lang="en-US" altLang="ko-KR" sz="1400" dirty="0"/>
+              <a:t>19</a:t>
+            </a:r>
+            <a:r>
+              <a:rPr lang="ko-KR" altLang="en-US" sz="1400" dirty="0"/>
+              <a:t>세기   가우스</a:t>
+            </a:r>
+            <a:r>
+              <a:rPr lang="en-US" altLang="ko-KR" sz="1400" dirty="0"/>
+              <a:t>, </a:t>
+            </a:r>
+            <a:r>
+              <a:rPr lang="ko-KR" altLang="en-US" sz="1400" dirty="0"/>
+              <a:t>비유클리드 기하학 개발</a:t>
+            </a:r>
+          </a:p>
+          <a:p>
+            <a:pPr marL="285750" indent="-285750">
+              <a:buFont typeface="Arial" panose="020B0604020202020204" pitchFamily="34" charset="0"/>
+              <a:buChar char="•"/>
+            </a:pPr>
+            <a:r>
+              <a:rPr lang="en-US" altLang="ko-KR" sz="1400" dirty="0"/>
+              <a:t>1811</a:t>
+            </a:r>
+            <a:r>
+              <a:rPr lang="ko-KR" altLang="en-US" sz="1400" dirty="0"/>
+              <a:t>년   푸리에</a:t>
+            </a:r>
+            <a:r>
+              <a:rPr lang="en-US" altLang="ko-KR" sz="1400" dirty="0"/>
+              <a:t>, </a:t>
+            </a:r>
+            <a:r>
+              <a:rPr lang="ko-KR" altLang="en-US" sz="1400" dirty="0"/>
+              <a:t>급수의 연구</a:t>
+            </a:r>
+          </a:p>
+          <a:p>
+            <a:pPr marL="285750" indent="-285750">
+              <a:buFont typeface="Arial" panose="020B0604020202020204" pitchFamily="34" charset="0"/>
+              <a:buChar char="•"/>
+            </a:pPr>
+            <a:r>
+              <a:rPr lang="en-US" altLang="ko-KR" sz="1400" dirty="0"/>
+              <a:t>19</a:t>
+            </a:r>
+            <a:r>
+              <a:rPr lang="ko-KR" altLang="en-US" sz="1400" dirty="0"/>
+              <a:t>세기   칸토어</a:t>
+            </a:r>
+            <a:r>
+              <a:rPr lang="en-US" altLang="ko-KR" sz="1400" dirty="0"/>
+              <a:t>, </a:t>
+            </a:r>
+            <a:r>
+              <a:rPr lang="ko-KR" altLang="en-US" sz="1400" dirty="0"/>
+              <a:t>집합론과 무한대에 관한 수학 이론 </a:t>
+            </a:r>
+          </a:p>
+          <a:p>
+            <a:pPr marL="285750" indent="-285750">
+              <a:buFont typeface="Arial" panose="020B0604020202020204" pitchFamily="34" charset="0"/>
+              <a:buChar char="•"/>
+            </a:pPr>
+            <a:r>
+              <a:rPr lang="en-US" altLang="ko-KR" sz="1400" dirty="0"/>
+              <a:t>1994</a:t>
+            </a:r>
+            <a:r>
+              <a:rPr lang="ko-KR" altLang="en-US" sz="1400" dirty="0"/>
+              <a:t>년   와일스</a:t>
+            </a:r>
+            <a:r>
+              <a:rPr lang="en-US" altLang="ko-KR" sz="1400" dirty="0"/>
+              <a:t>, </a:t>
+            </a:r>
+            <a:r>
+              <a:rPr lang="ko-KR" altLang="en-US" sz="1400" dirty="0"/>
+              <a:t>페르마의 마지막 정리 증명</a:t>
+            </a:r>
+          </a:p>
+          <a:p>
+            <a:pPr marL="285750" indent="-285750">
+              <a:buFont typeface="Arial" panose="020B0604020202020204" pitchFamily="34" charset="0"/>
+              <a:buChar char="•"/>
+            </a:pPr>
+            <a:r>
+              <a:rPr lang="en-US" altLang="ko-KR" sz="1400" dirty="0"/>
+              <a:t>2002</a:t>
+            </a:r>
+            <a:r>
+              <a:rPr lang="ko-KR" altLang="en-US" sz="1400" dirty="0"/>
+              <a:t>년   페렐만</a:t>
+            </a:r>
+            <a:r>
+              <a:rPr lang="en-US" altLang="ko-KR" sz="1400" dirty="0"/>
+              <a:t>, </a:t>
+            </a:r>
+            <a:r>
+              <a:rPr lang="ko-KR" altLang="en-US" sz="1400" dirty="0"/>
+              <a:t>푸앵카레 추측 증명</a:t>
+            </a:r>
+            <a:endParaRPr lang="en-US" sz="1400" dirty="0"/>
+          </a:p>
+        </p:txBody>
+      </p:sp>
+      <p:sp>
+        <p:nvSpPr>
+          <p:cNvPr id="4" name="Date Placeholder 3">
+            <a:extLst>
+              <a:ext uri="{FF2B5EF4-FFF2-40B4-BE49-F238E27FC236}">
+                <a16:creationId xmlns:a16="http://schemas.microsoft.com/office/drawing/2014/main" id="{AB668DB1-A3D8-4DD7-BF8B-C593F46A3F41}"/>
+              </a:ext>
+            </a:extLst>
+          </p:cNvPr>
+          <p:cNvSpPr>
+            <a:spLocks noGrp="1"/>
+          </p:cNvSpPr>
+          <p:nvPr>
+            <p:ph type="dt" sz="half" idx="10"/>
+          </p:nvPr>
+        </p:nvSpPr>
+        <p:spPr/>
+        <p:txBody>
+          <a:bodyPr/>
+          <a:lstStyle/>
+          <a:p>
+            <a:fld id="{BE0357B1-0FDD-482C-A9DC-A4587093D4A9}" type="datetime1">
+              <a:rPr lang="ko-KR" altLang="en-US" smtClean="0"/>
+              <a:t>2019-07-13</a:t>
+            </a:fld>
+            <a:endParaRPr lang="en-US"/>
+          </a:p>
+        </p:txBody>
+      </p:sp>
+      <p:sp>
+        <p:nvSpPr>
+          <p:cNvPr id="5" name="Footer Placeholder 4">
+            <a:extLst>
+              <a:ext uri="{FF2B5EF4-FFF2-40B4-BE49-F238E27FC236}">
+                <a16:creationId xmlns:a16="http://schemas.microsoft.com/office/drawing/2014/main" id="{0DE3D51C-5497-4D8A-B2D4-E18349C178FB}"/>
+              </a:ext>
+            </a:extLst>
+          </p:cNvPr>
+          <p:cNvSpPr>
+            <a:spLocks noGrp="1"/>
+          </p:cNvSpPr>
+          <p:nvPr>
+            <p:ph type="ftr" sz="quarter" idx="11"/>
+          </p:nvPr>
+        </p:nvSpPr>
+        <p:spPr/>
+        <p:txBody>
+          <a:bodyPr/>
+          <a:lstStyle/>
+          <a:p>
+            <a:r>
+              <a:rPr lang="ko-KR" altLang="en-US"/>
+              <a:t>드론 멘토링 </a:t>
+            </a:r>
+            <a:r>
+              <a:rPr lang="en-US" altLang="ko-KR"/>
+              <a:t>(2019</a:t>
+            </a:r>
+            <a:r>
+              <a:rPr lang="ko-KR" altLang="en-US"/>
+              <a:t>년 여름</a:t>
+            </a:r>
+            <a:r>
+              <a:rPr lang="en-US" altLang="ko-KR"/>
+              <a:t>)</a:t>
+            </a:r>
+            <a:endParaRPr lang="en-US"/>
+          </a:p>
+        </p:txBody>
+      </p:sp>
+      <p:sp>
+        <p:nvSpPr>
+          <p:cNvPr id="6" name="Slide Number Placeholder 5">
+            <a:extLst>
+              <a:ext uri="{FF2B5EF4-FFF2-40B4-BE49-F238E27FC236}">
+                <a16:creationId xmlns:a16="http://schemas.microsoft.com/office/drawing/2014/main" id="{3727E8F6-D1FA-4EED-AB18-CFD527728DE7}"/>
+              </a:ext>
+            </a:extLst>
+          </p:cNvPr>
+          <p:cNvSpPr>
+            <a:spLocks noGrp="1"/>
+          </p:cNvSpPr>
+          <p:nvPr>
+            <p:ph type="sldNum" sz="quarter" idx="12"/>
+          </p:nvPr>
+        </p:nvSpPr>
+        <p:spPr/>
+        <p:txBody>
+          <a:bodyPr/>
+          <a:lstStyle/>
+          <a:p>
+            <a:fld id="{AA0EB1BB-D2B3-481B-A5E1-F093F8D3CD29}" type="slidenum">
+              <a:rPr lang="en-US" smtClean="0"/>
+              <a:t>16</a:t>
+            </a:fld>
+            <a:endParaRPr lang="en-US"/>
+          </a:p>
+        </p:txBody>
+      </p:sp>
+    </p:spTree>
+    <p:extLst>
+      <p:ext uri="{BB962C8B-B14F-4D97-AF65-F5344CB8AC3E}">
+        <p14:creationId xmlns:p14="http://schemas.microsoft.com/office/powerpoint/2010/main" val="3457436128"/>
+      </p:ext>
+    </p:extLst>
+  </p:cSld>
+  <p:clrMapOvr>
+    <a:masterClrMapping/>
+  </p:clrMapOvr>
+</p:sld>
+</file>
+
+<file path=ppt/slides/slide17.xml><?xml version="1.0" encoding="utf-8"?>
+<p:sld xmlns:a="http://schemas.openxmlformats.org/drawingml/2006/main" xmlns:r="http://schemas.openxmlformats.org/officeDocument/2006/relationships" xmlns:p="http://schemas.openxmlformats.org/presentationml/2006/main">
+  <p:cSld>
+    <p:spTree>
+      <p:nvGrpSpPr>
+        <p:cNvPr id="1" name=""/>
+        <p:cNvGrpSpPr/>
+        <p:nvPr/>
+      </p:nvGrpSpPr>
+      <p:grpSpPr>
+        <a:xfrm>
+          <a:off x="0" y="0"/>
+          <a:ext cx="0" cy="0"/>
+          <a:chOff x="0" y="0"/>
+          <a:chExt cx="0" cy="0"/>
+        </a:xfrm>
+      </p:grpSpPr>
+      <p:sp>
+        <p:nvSpPr>
+          <p:cNvPr id="2" name="Title 1">
+            <a:extLst>
+              <a:ext uri="{FF2B5EF4-FFF2-40B4-BE49-F238E27FC236}">
+                <a16:creationId xmlns:a16="http://schemas.microsoft.com/office/drawing/2014/main" id="{C490FD8C-838A-41C3-B0A6-EFF83B73A2BF}"/>
+              </a:ext>
+            </a:extLst>
+          </p:cNvPr>
+          <p:cNvSpPr>
+            <a:spLocks noGrp="1"/>
+          </p:cNvSpPr>
+          <p:nvPr>
+            <p:ph type="title"/>
+          </p:nvPr>
+        </p:nvSpPr>
+        <p:spPr/>
+        <p:txBody>
+          <a:bodyPr/>
+          <a:lstStyle/>
+          <a:p>
+            <a:r>
+              <a:rPr lang="ko-KR" altLang="en-US" dirty="0"/>
+              <a:t>연습 문제</a:t>
+            </a:r>
+            <a:endParaRPr lang="en-US" dirty="0"/>
+          </a:p>
+        </p:txBody>
+      </p:sp>
+      <mc:AlternateContent xmlns:mc="http://schemas.openxmlformats.org/markup-compatibility/2006" xmlns:a14="http://schemas.microsoft.com/office/drawing/2010/main">
+        <mc:Choice Requires="a14">
+          <p:sp>
+            <p:nvSpPr>
+              <p:cNvPr id="3" name="Content Placeholder 2">
+                <a:extLst>
+                  <a:ext uri="{FF2B5EF4-FFF2-40B4-BE49-F238E27FC236}">
+                    <a16:creationId xmlns:a16="http://schemas.microsoft.com/office/drawing/2014/main" id="{7862FA36-719F-4AFF-8534-CD47F3DD9E2E}"/>
+                  </a:ext>
+                </a:extLst>
+              </p:cNvPr>
+              <p:cNvSpPr>
+                <a:spLocks noGrp="1"/>
+              </p:cNvSpPr>
+              <p:nvPr>
+                <p:ph idx="1"/>
+              </p:nvPr>
+            </p:nvSpPr>
+            <p:spPr>
+              <a:xfrm>
+                <a:off x="681038" y="1255271"/>
+                <a:ext cx="8543925" cy="1211092"/>
+              </a:xfrm>
+            </p:spPr>
+            <p:txBody>
+              <a:bodyPr/>
+              <a:lstStyle/>
+              <a:p>
+                <a:r>
+                  <a:rPr lang="ko-KR" altLang="en-US" dirty="0"/>
+                  <a:t>직각 삼각형의 면적이 밑변의 </a:t>
+                </a:r>
+                <a:r>
+                  <a:rPr lang="en-US" altLang="ko-KR" dirty="0"/>
+                  <a:t> </a:t>
+                </a:r>
+                <a14:m>
+                  <m:oMath xmlns:m="http://schemas.openxmlformats.org/officeDocument/2006/math">
+                    <m:r>
+                      <a:rPr lang="en-US" altLang="ko-KR" b="0" i="1" smtClean="0">
+                        <a:latin typeface="Cambria Math" panose="02040503050406030204" pitchFamily="18" charset="0"/>
+                      </a:rPr>
+                      <m:t>𝑎𝑐</m:t>
+                    </m:r>
+                    <m:r>
+                      <a:rPr lang="en-US" altLang="ko-KR" b="0" i="1" smtClean="0">
+                        <a:latin typeface="Cambria Math" panose="02040503050406030204" pitchFamily="18" charset="0"/>
+                      </a:rPr>
+                      <m:t>/2</m:t>
+                    </m:r>
+                  </m:oMath>
+                </a14:m>
+                <a:r>
+                  <a:rPr lang="ko-KR" altLang="en-US" dirty="0"/>
+                  <a:t> 임을 증명하세요</a:t>
+                </a:r>
+                <a:r>
+                  <a:rPr lang="en-US" altLang="ko-KR" dirty="0"/>
+                  <a:t>.</a:t>
+                </a:r>
+                <a:endParaRPr lang="en-US" dirty="0"/>
+              </a:p>
+            </p:txBody>
+          </p:sp>
+        </mc:Choice>
+        <mc:Fallback xmlns="">
+          <p:sp>
+            <p:nvSpPr>
+              <p:cNvPr id="3" name="Content Placeholder 2">
+                <a:extLst>
+                  <a:ext uri="{FF2B5EF4-FFF2-40B4-BE49-F238E27FC236}">
+                    <a16:creationId xmlns:a16="http://schemas.microsoft.com/office/drawing/2014/main" id="{7862FA36-719F-4AFF-8534-CD47F3DD9E2E}"/>
+                  </a:ext>
+                </a:extLst>
+              </p:cNvPr>
+              <p:cNvSpPr>
+                <a:spLocks noGrp="1" noRot="1" noChangeAspect="1" noMove="1" noResize="1" noEditPoints="1" noAdjustHandles="1" noChangeArrowheads="1" noChangeShapeType="1" noTextEdit="1"/>
+              </p:cNvSpPr>
+              <p:nvPr>
+                <p:ph idx="1"/>
+              </p:nvPr>
+            </p:nvSpPr>
+            <p:spPr>
+              <a:xfrm>
+                <a:off x="681038" y="1255271"/>
+                <a:ext cx="8543925" cy="1211092"/>
+              </a:xfrm>
+              <a:blipFill>
+                <a:blip r:embed="rId2"/>
+                <a:stretch>
+                  <a:fillRect l="-1285" t="-7035"/>
+                </a:stretch>
+              </a:blipFill>
+            </p:spPr>
+            <p:txBody>
+              <a:bodyPr/>
+              <a:lstStyle/>
+              <a:p>
+                <a:r>
+                  <a:rPr lang="en-US">
+                    <a:noFill/>
+                  </a:rPr>
+                  <a:t> </a:t>
+                </a:r>
+              </a:p>
+            </p:txBody>
+          </p:sp>
+        </mc:Fallback>
+      </mc:AlternateContent>
+      <p:sp>
+        <p:nvSpPr>
+          <p:cNvPr id="4" name="Date Placeholder 3">
+            <a:extLst>
+              <a:ext uri="{FF2B5EF4-FFF2-40B4-BE49-F238E27FC236}">
+                <a16:creationId xmlns:a16="http://schemas.microsoft.com/office/drawing/2014/main" id="{0DB1C21A-550E-40A0-ACD2-8A7AC95C5CA8}"/>
+              </a:ext>
+            </a:extLst>
+          </p:cNvPr>
+          <p:cNvSpPr>
+            <a:spLocks noGrp="1"/>
+          </p:cNvSpPr>
+          <p:nvPr>
+            <p:ph type="dt" sz="half" idx="10"/>
+          </p:nvPr>
+        </p:nvSpPr>
+        <p:spPr/>
+        <p:txBody>
+          <a:bodyPr/>
+          <a:lstStyle/>
+          <a:p>
+            <a:fld id="{BE0357B1-0FDD-482C-A9DC-A4587093D4A9}" type="datetime1">
+              <a:rPr lang="ko-KR" altLang="en-US" smtClean="0"/>
+              <a:t>2019-07-13</a:t>
+            </a:fld>
+            <a:endParaRPr lang="en-US"/>
+          </a:p>
+        </p:txBody>
+      </p:sp>
+      <p:sp>
+        <p:nvSpPr>
+          <p:cNvPr id="5" name="Footer Placeholder 4">
+            <a:extLst>
+              <a:ext uri="{FF2B5EF4-FFF2-40B4-BE49-F238E27FC236}">
+                <a16:creationId xmlns:a16="http://schemas.microsoft.com/office/drawing/2014/main" id="{BDA27E1E-FFA1-4CF1-8A5F-4ADCFC526D8A}"/>
+              </a:ext>
+            </a:extLst>
+          </p:cNvPr>
+          <p:cNvSpPr>
+            <a:spLocks noGrp="1"/>
+          </p:cNvSpPr>
+          <p:nvPr>
+            <p:ph type="ftr" sz="quarter" idx="11"/>
+          </p:nvPr>
+        </p:nvSpPr>
+        <p:spPr/>
+        <p:txBody>
+          <a:bodyPr/>
+          <a:lstStyle/>
+          <a:p>
+            <a:r>
+              <a:rPr lang="ko-KR" altLang="en-US"/>
+              <a:t>드론 멘토링 </a:t>
+            </a:r>
+            <a:r>
+              <a:rPr lang="en-US" altLang="ko-KR"/>
+              <a:t>(2019</a:t>
+            </a:r>
+            <a:r>
+              <a:rPr lang="ko-KR" altLang="en-US"/>
+              <a:t>년 여름</a:t>
+            </a:r>
+            <a:r>
+              <a:rPr lang="en-US" altLang="ko-KR"/>
+              <a:t>)</a:t>
+            </a:r>
+            <a:endParaRPr lang="en-US"/>
+          </a:p>
+        </p:txBody>
+      </p:sp>
+      <p:sp>
+        <p:nvSpPr>
+          <p:cNvPr id="6" name="Slide Number Placeholder 5">
+            <a:extLst>
+              <a:ext uri="{FF2B5EF4-FFF2-40B4-BE49-F238E27FC236}">
+                <a16:creationId xmlns:a16="http://schemas.microsoft.com/office/drawing/2014/main" id="{292AC0D1-6983-4B37-8BC6-F4ABE32F98CE}"/>
+              </a:ext>
+            </a:extLst>
+          </p:cNvPr>
+          <p:cNvSpPr>
+            <a:spLocks noGrp="1"/>
+          </p:cNvSpPr>
+          <p:nvPr>
+            <p:ph type="sldNum" sz="quarter" idx="12"/>
+          </p:nvPr>
+        </p:nvSpPr>
+        <p:spPr/>
+        <p:txBody>
+          <a:bodyPr/>
+          <a:lstStyle/>
+          <a:p>
+            <a:fld id="{AA0EB1BB-D2B3-481B-A5E1-F093F8D3CD29}" type="slidenum">
+              <a:rPr lang="en-US" smtClean="0"/>
+              <a:t>17</a:t>
+            </a:fld>
+            <a:endParaRPr lang="en-US"/>
+          </a:p>
+        </p:txBody>
+      </p:sp>
+      <p:pic>
+        <p:nvPicPr>
+          <p:cNvPr id="7" name="Picture 6">
+            <a:extLst>
+              <a:ext uri="{FF2B5EF4-FFF2-40B4-BE49-F238E27FC236}">
+                <a16:creationId xmlns:a16="http://schemas.microsoft.com/office/drawing/2014/main" id="{9562C003-8E26-49F8-B504-90C095335F08}"/>
+              </a:ext>
+            </a:extLst>
+          </p:cNvPr>
+          <p:cNvPicPr>
+            <a:picLocks noChangeAspect="1"/>
+          </p:cNvPicPr>
+          <p:nvPr/>
+        </p:nvPicPr>
+        <p:blipFill>
+          <a:blip r:embed="rId3"/>
+          <a:stretch>
+            <a:fillRect/>
+          </a:stretch>
+        </p:blipFill>
+        <p:spPr>
+          <a:xfrm>
+            <a:off x="3005414" y="2866547"/>
+            <a:ext cx="3619224" cy="2736182"/>
+          </a:xfrm>
+          <a:prstGeom prst="rect">
+            <a:avLst/>
+          </a:prstGeom>
+        </p:spPr>
+      </p:pic>
+    </p:spTree>
+    <p:extLst>
+      <p:ext uri="{BB962C8B-B14F-4D97-AF65-F5344CB8AC3E}">
+        <p14:creationId xmlns:p14="http://schemas.microsoft.com/office/powerpoint/2010/main" val="998754312"/>
+      </p:ext>
+    </p:extLst>
+  </p:cSld>
+  <p:clrMapOvr>
+    <a:masterClrMapping/>
+  </p:clrMapOvr>
+</p:sld>
+</file>
+
+<file path=ppt/slides/slide18.xml><?xml version="1.0" encoding="utf-8"?>
+<p:sld xmlns:a="http://schemas.openxmlformats.org/drawingml/2006/main" xmlns:r="http://schemas.openxmlformats.org/officeDocument/2006/relationships" xmlns:p="http://schemas.openxmlformats.org/presentationml/2006/main">
+  <p:cSld>
+    <p:spTree>
+      <p:nvGrpSpPr>
+        <p:cNvPr id="1" name=""/>
+        <p:cNvGrpSpPr/>
+        <p:nvPr/>
+      </p:nvGrpSpPr>
+      <p:grpSpPr>
+        <a:xfrm>
+          <a:off x="0" y="0"/>
+          <a:ext cx="0" cy="0"/>
+          <a:chOff x="0" y="0"/>
+          <a:chExt cx="0" cy="0"/>
+        </a:xfrm>
+      </p:grpSpPr>
+      <p:sp>
+        <p:nvSpPr>
+          <p:cNvPr id="2" name="Title 1">
+            <a:extLst>
+              <a:ext uri="{FF2B5EF4-FFF2-40B4-BE49-F238E27FC236}">
+                <a16:creationId xmlns:a16="http://schemas.microsoft.com/office/drawing/2014/main" id="{CD7725E1-694A-4505-A0E7-D7081BA33F46}"/>
+              </a:ext>
+            </a:extLst>
+          </p:cNvPr>
+          <p:cNvSpPr>
+            <a:spLocks noGrp="1"/>
+          </p:cNvSpPr>
+          <p:nvPr>
+            <p:ph type="title"/>
+          </p:nvPr>
+        </p:nvSpPr>
+        <p:spPr/>
+        <p:txBody>
+          <a:bodyPr/>
+          <a:lstStyle/>
+          <a:p>
+            <a:r>
+              <a:rPr lang="ko-KR" altLang="en-US" dirty="0"/>
+              <a:t>수학의 기호</a:t>
+            </a:r>
+            <a:endParaRPr lang="en-US" dirty="0"/>
+          </a:p>
+        </p:txBody>
+      </p:sp>
+      <p:sp>
+        <p:nvSpPr>
+          <p:cNvPr id="11" name="Content Placeholder 10">
+            <a:extLst>
+              <a:ext uri="{FF2B5EF4-FFF2-40B4-BE49-F238E27FC236}">
+                <a16:creationId xmlns:a16="http://schemas.microsoft.com/office/drawing/2014/main" id="{734C4112-0C62-425E-8DEC-5573C2048644}"/>
+              </a:ext>
+            </a:extLst>
+          </p:cNvPr>
+          <p:cNvSpPr>
+            <a:spLocks noGrp="1"/>
+          </p:cNvSpPr>
+          <p:nvPr>
+            <p:ph idx="1"/>
+          </p:nvPr>
+        </p:nvSpPr>
+        <p:spPr>
+          <a:xfrm>
+            <a:off x="681038" y="1255271"/>
+            <a:ext cx="8543925" cy="1276164"/>
+          </a:xfrm>
+        </p:spPr>
+        <p:txBody>
+          <a:bodyPr>
+            <a:normAutofit fontScale="92500" lnSpcReduction="20000"/>
+          </a:bodyPr>
+          <a:lstStyle/>
+          <a:p>
+            <a:r>
+              <a:rPr lang="ko-KR" altLang="en-US" dirty="0"/>
+              <a:t>수학은 피라미드형 언어이다</a:t>
+            </a:r>
+            <a:r>
+              <a:rPr lang="en-US" altLang="ko-KR" dirty="0"/>
+              <a:t>.</a:t>
+            </a:r>
+            <a:endParaRPr lang="en-US" dirty="0"/>
+          </a:p>
+          <a:p>
+            <a:pPr lvl="2"/>
+            <a:r>
+              <a:rPr lang="en-US" dirty="0"/>
+              <a:t>A symbol is worth a thousand words.</a:t>
+            </a:r>
+            <a:endParaRPr lang="en-US" altLang="ko-KR" dirty="0"/>
+          </a:p>
+          <a:p>
+            <a:r>
+              <a:rPr lang="ko-KR" altLang="en-US" dirty="0"/>
+              <a:t>수학의 기호는 이전 기호를 기반하여 정의된다</a:t>
+            </a:r>
+            <a:r>
+              <a:rPr lang="en-US" altLang="ko-KR" dirty="0"/>
+              <a:t>.</a:t>
+            </a:r>
+            <a:endParaRPr lang="en-US" dirty="0"/>
+          </a:p>
+        </p:txBody>
+      </p:sp>
+      <p:sp>
+        <p:nvSpPr>
+          <p:cNvPr id="4" name="Date Placeholder 3">
+            <a:extLst>
+              <a:ext uri="{FF2B5EF4-FFF2-40B4-BE49-F238E27FC236}">
+                <a16:creationId xmlns:a16="http://schemas.microsoft.com/office/drawing/2014/main" id="{A20A5097-5215-4503-B73D-4588C0AA8007}"/>
+              </a:ext>
+            </a:extLst>
+          </p:cNvPr>
+          <p:cNvSpPr>
+            <a:spLocks noGrp="1"/>
+          </p:cNvSpPr>
+          <p:nvPr>
+            <p:ph type="dt" sz="half" idx="10"/>
+          </p:nvPr>
+        </p:nvSpPr>
+        <p:spPr/>
+        <p:txBody>
+          <a:bodyPr/>
+          <a:lstStyle/>
+          <a:p>
+            <a:fld id="{BE0357B1-0FDD-482C-A9DC-A4587093D4A9}" type="datetime1">
+              <a:rPr lang="ko-KR" altLang="en-US" smtClean="0"/>
+              <a:t>2019-07-13</a:t>
+            </a:fld>
+            <a:endParaRPr lang="en-US"/>
+          </a:p>
+        </p:txBody>
+      </p:sp>
+      <p:sp>
+        <p:nvSpPr>
+          <p:cNvPr id="5" name="Footer Placeholder 4">
+            <a:extLst>
+              <a:ext uri="{FF2B5EF4-FFF2-40B4-BE49-F238E27FC236}">
+                <a16:creationId xmlns:a16="http://schemas.microsoft.com/office/drawing/2014/main" id="{EE271743-72E2-4911-B1D0-3C484628D09E}"/>
+              </a:ext>
+            </a:extLst>
+          </p:cNvPr>
+          <p:cNvSpPr>
+            <a:spLocks noGrp="1"/>
+          </p:cNvSpPr>
+          <p:nvPr>
+            <p:ph type="ftr" sz="quarter" idx="11"/>
+          </p:nvPr>
+        </p:nvSpPr>
+        <p:spPr/>
+        <p:txBody>
+          <a:bodyPr/>
+          <a:lstStyle/>
+          <a:p>
+            <a:r>
+              <a:rPr lang="ko-KR" altLang="en-US"/>
+              <a:t>드론 멘토링 </a:t>
+            </a:r>
+            <a:r>
+              <a:rPr lang="en-US" altLang="ko-KR"/>
+              <a:t>(2019</a:t>
+            </a:r>
+            <a:r>
+              <a:rPr lang="ko-KR" altLang="en-US"/>
+              <a:t>년 여름</a:t>
+            </a:r>
+            <a:r>
+              <a:rPr lang="en-US" altLang="ko-KR"/>
+              <a:t>)</a:t>
+            </a:r>
+            <a:endParaRPr lang="en-US"/>
+          </a:p>
+        </p:txBody>
+      </p:sp>
+      <p:sp>
+        <p:nvSpPr>
+          <p:cNvPr id="6" name="Slide Number Placeholder 5">
+            <a:extLst>
+              <a:ext uri="{FF2B5EF4-FFF2-40B4-BE49-F238E27FC236}">
+                <a16:creationId xmlns:a16="http://schemas.microsoft.com/office/drawing/2014/main" id="{8135A7BE-4335-4F54-A76B-F024B0C97673}"/>
+              </a:ext>
+            </a:extLst>
+          </p:cNvPr>
+          <p:cNvSpPr>
+            <a:spLocks noGrp="1"/>
+          </p:cNvSpPr>
+          <p:nvPr>
+            <p:ph type="sldNum" sz="quarter" idx="12"/>
+          </p:nvPr>
+        </p:nvSpPr>
+        <p:spPr/>
+        <p:txBody>
+          <a:bodyPr/>
+          <a:lstStyle/>
+          <a:p>
+            <a:fld id="{AA0EB1BB-D2B3-481B-A5E1-F093F8D3CD29}" type="slidenum">
+              <a:rPr lang="en-US" smtClean="0"/>
+              <a:t>18</a:t>
+            </a:fld>
+            <a:endParaRPr lang="en-US"/>
+          </a:p>
+        </p:txBody>
+      </p:sp>
       <p:grpSp>
         <p:nvGrpSpPr>
-          <p:cNvPr id="8" name="Group 7">
+          <p:cNvPr id="16" name="Group 15">
             <a:extLst>
               <a:ext uri="{FF2B5EF4-FFF2-40B4-BE49-F238E27FC236}">
-                <a16:creationId xmlns:a16="http://schemas.microsoft.com/office/drawing/2014/main" id="{8A94F98F-32EB-4C1A-AD33-6E8779D0F98A}"/>
+                <a16:creationId xmlns:a16="http://schemas.microsoft.com/office/drawing/2014/main" id="{317B9464-330C-404E-9349-B32BB003347C}"/>
               </a:ext>
             </a:extLst>
           </p:cNvPr>
@@ -13160,18 +14851,18 @@
         </p:nvGrpSpPr>
         <p:grpSpPr>
           <a:xfrm>
-            <a:off x="6835997" y="3596729"/>
-            <a:ext cx="2257669" cy="2703352"/>
-            <a:chOff x="6014720" y="2291842"/>
-            <a:chExt cx="3318372" cy="4166356"/>
+            <a:off x="7631656" y="136523"/>
+            <a:ext cx="2069797" cy="1694689"/>
+            <a:chOff x="4866689" y="2291842"/>
+            <a:chExt cx="5614434" cy="4434868"/>
           </a:xfrm>
         </p:grpSpPr>
         <p:pic>
           <p:nvPicPr>
-            <p:cNvPr id="1026" name="Picture 2" descr="https://upload.wikimedia.org/wikipedia/en/0/0b/1913_Piqua_Ohio_Advertisement_-_One_Look_Is_Worth_a_Thousand_Words.jpg">
+            <p:cNvPr id="17" name="Picture 2" descr="https://upload.wikimedia.org/wikipedia/en/0/0b/1913_Piqua_Ohio_Advertisement_-_One_Look_Is_Worth_a_Thousand_Words.jpg">
               <a:extLst>
                 <a:ext uri="{FF2B5EF4-FFF2-40B4-BE49-F238E27FC236}">
-                  <a16:creationId xmlns:a16="http://schemas.microsoft.com/office/drawing/2014/main" id="{1DDFAB92-BB49-46CF-8CC5-17A247BB1AC2}"/>
+                  <a16:creationId xmlns:a16="http://schemas.microsoft.com/office/drawing/2014/main" id="{D91E09F0-0F2D-4462-87A7-22EB50FABC10}"/>
                 </a:ext>
               </a:extLst>
             </p:cNvPr>
@@ -13215,10 +14906,10 @@
         </p:pic>
         <p:sp>
           <p:nvSpPr>
-            <p:cNvPr id="7" name="Rectangle 6">
+            <p:cNvPr id="18" name="Rectangle 17">
               <a:extLst>
                 <a:ext uri="{FF2B5EF4-FFF2-40B4-BE49-F238E27FC236}">
-                  <a16:creationId xmlns:a16="http://schemas.microsoft.com/office/drawing/2014/main" id="{1F9BA38A-726A-44A9-8FF4-E66127E84F76}"/>
+                  <a16:creationId xmlns:a16="http://schemas.microsoft.com/office/drawing/2014/main" id="{555238B6-65E1-4B65-9D55-46F53DEFF4B8}"/>
                 </a:ext>
               </a:extLst>
             </p:cNvPr>
@@ -13227,8 +14918,8 @@
           </p:nvSpPr>
           <p:spPr>
             <a:xfrm>
-              <a:off x="6014720" y="6082368"/>
-              <a:ext cx="3318372" cy="375830"/>
+              <a:off x="4866689" y="6082369"/>
+              <a:ext cx="5614434" cy="644341"/>
             </a:xfrm>
             <a:prstGeom prst="rect">
               <a:avLst/>
@@ -13242,7 +14933,7 @@
             <a:p>
               <a:pPr algn="ctr"/>
               <a:r>
-                <a:rPr lang="en-US" sz="1400" b="1" dirty="0">
+                <a:rPr lang="en-US" sz="1000" b="1" dirty="0">
                   <a:solidFill>
                     <a:schemeClr val="accent6"/>
                   </a:solidFill>
@@ -13250,7 +14941,7 @@
                 </a:rPr>
                 <a:t>1913 newspaper advertisement</a:t>
               </a:r>
-              <a:endParaRPr lang="en-US" sz="1400" b="1" dirty="0">
+              <a:endParaRPr lang="en-US" sz="1000" b="1" dirty="0">
                 <a:solidFill>
                   <a:schemeClr val="accent6"/>
                 </a:solidFill>
@@ -13259,10 +14950,1491 @@
           </p:txBody>
         </p:sp>
       </p:grpSp>
+      <mc:AlternateContent xmlns:mc="http://schemas.openxmlformats.org/markup-compatibility/2006" xmlns:a14="http://schemas.microsoft.com/office/drawing/2010/main">
+        <mc:Choice Requires="a14">
+          <p:sp>
+            <p:nvSpPr>
+              <p:cNvPr id="9" name="TextBox 8">
+                <a:extLst>
+                  <a:ext uri="{FF2B5EF4-FFF2-40B4-BE49-F238E27FC236}">
+                    <a16:creationId xmlns:a16="http://schemas.microsoft.com/office/drawing/2014/main" id="{3E13726E-E98A-49B8-9DBF-6F3ABD628F5F}"/>
+                  </a:ext>
+                </a:extLst>
+              </p:cNvPr>
+              <p:cNvSpPr txBox="1"/>
+              <p:nvPr/>
+            </p:nvSpPr>
+            <p:spPr>
+              <a:xfrm>
+                <a:off x="1216525" y="5581604"/>
+                <a:ext cx="227849" cy="241072"/>
+              </a:xfrm>
+              <a:prstGeom prst="rect">
+                <a:avLst/>
+              </a:prstGeom>
+              <a:noFill/>
+            </p:spPr>
+            <p:txBody>
+              <a:bodyPr wrap="none" lIns="0" tIns="0" rIns="0" bIns="0" rtlCol="0">
+                <a:spAutoFit/>
+              </a:bodyPr>
+              <a:lstStyle/>
+              <a:p>
+                <a:pPr/>
+                <a14:m>
+                  <m:oMathPara xmlns:m="http://schemas.openxmlformats.org/officeDocument/2006/math">
+                    <m:oMathParaPr>
+                      <m:jc m:val="centerGroup"/>
+                    </m:oMathParaPr>
+                    <m:oMath xmlns:m="http://schemas.openxmlformats.org/officeDocument/2006/math">
+                      <m:r>
+                        <a:rPr lang="en-US" b="0" i="1" smtClean="0">
+                          <a:latin typeface="Cambria Math" panose="02040503050406030204" pitchFamily="18" charset="0"/>
+                          <a:ea typeface="Cambria Math" panose="02040503050406030204" pitchFamily="18" charset="0"/>
+                        </a:rPr>
+                        <m:t>+</m:t>
+                      </m:r>
+                    </m:oMath>
+                  </m:oMathPara>
+                </a14:m>
+                <a:endParaRPr lang="en-US" dirty="0"/>
+              </a:p>
+            </p:txBody>
+          </p:sp>
+        </mc:Choice>
+        <mc:Fallback xmlns="">
+          <p:sp>
+            <p:nvSpPr>
+              <p:cNvPr id="9" name="TextBox 8">
+                <a:extLst>
+                  <a:ext uri="{FF2B5EF4-FFF2-40B4-BE49-F238E27FC236}">
+                    <a16:creationId xmlns:a16="http://schemas.microsoft.com/office/drawing/2014/main" id="{3E13726E-E98A-49B8-9DBF-6F3ABD628F5F}"/>
+                  </a:ext>
+                </a:extLst>
+              </p:cNvPr>
+              <p:cNvSpPr txBox="1">
+                <a:spLocks noRot="1" noChangeAspect="1" noMove="1" noResize="1" noEditPoints="1" noAdjustHandles="1" noChangeArrowheads="1" noChangeShapeType="1" noTextEdit="1"/>
+              </p:cNvSpPr>
+              <p:nvPr/>
+            </p:nvSpPr>
+            <p:spPr>
+              <a:xfrm>
+                <a:off x="1216525" y="5581604"/>
+                <a:ext cx="227849" cy="241072"/>
+              </a:xfrm>
+              <a:prstGeom prst="rect">
+                <a:avLst/>
+              </a:prstGeom>
+              <a:blipFill>
+                <a:blip r:embed="rId3"/>
+                <a:stretch>
+                  <a:fillRect l="-21622" r="-21622" b="-23077"/>
+                </a:stretch>
+              </a:blipFill>
+            </p:spPr>
+            <p:txBody>
+              <a:bodyPr/>
+              <a:lstStyle/>
+              <a:p>
+                <a:r>
+                  <a:rPr lang="en-US">
+                    <a:noFill/>
+                  </a:rPr>
+                  <a:t> </a:t>
+                </a:r>
+              </a:p>
+            </p:txBody>
+          </p:sp>
+        </mc:Fallback>
+      </mc:AlternateContent>
+      <mc:AlternateContent xmlns:mc="http://schemas.openxmlformats.org/markup-compatibility/2006" xmlns:a14="http://schemas.microsoft.com/office/drawing/2010/main">
+        <mc:Choice Requires="a14">
+          <p:sp>
+            <p:nvSpPr>
+              <p:cNvPr id="10" name="TextBox 9">
+                <a:extLst>
+                  <a:ext uri="{FF2B5EF4-FFF2-40B4-BE49-F238E27FC236}">
+                    <a16:creationId xmlns:a16="http://schemas.microsoft.com/office/drawing/2014/main" id="{E9099D18-807D-433E-A697-934F7510A132}"/>
+                  </a:ext>
+                </a:extLst>
+              </p:cNvPr>
+              <p:cNvSpPr txBox="1"/>
+              <p:nvPr/>
+            </p:nvSpPr>
+            <p:spPr>
+              <a:xfrm>
+                <a:off x="1737001" y="5154952"/>
+                <a:ext cx="219769" cy="241072"/>
+              </a:xfrm>
+              <a:prstGeom prst="rect">
+                <a:avLst/>
+              </a:prstGeom>
+              <a:noFill/>
+            </p:spPr>
+            <p:txBody>
+              <a:bodyPr wrap="none" lIns="0" tIns="0" rIns="0" bIns="0" rtlCol="0">
+                <a:spAutoFit/>
+              </a:bodyPr>
+              <a:lstStyle/>
+              <a:p>
+                <a:pPr/>
+                <a14:m>
+                  <m:oMathPara xmlns:m="http://schemas.openxmlformats.org/officeDocument/2006/math">
+                    <m:oMathParaPr>
+                      <m:jc m:val="centerGroup"/>
+                    </m:oMathParaPr>
+                    <m:oMath xmlns:m="http://schemas.openxmlformats.org/officeDocument/2006/math">
+                      <m:r>
+                        <a:rPr lang="en-US" i="1" smtClean="0">
+                          <a:latin typeface="Cambria Math" panose="02040503050406030204" pitchFamily="18" charset="0"/>
+                          <a:ea typeface="Cambria Math" panose="02040503050406030204" pitchFamily="18" charset="0"/>
+                        </a:rPr>
+                        <m:t>×</m:t>
+                      </m:r>
+                    </m:oMath>
+                  </m:oMathPara>
+                </a14:m>
+                <a:endParaRPr lang="en-US" dirty="0"/>
+              </a:p>
+            </p:txBody>
+          </p:sp>
+        </mc:Choice>
+        <mc:Fallback xmlns="">
+          <p:sp>
+            <p:nvSpPr>
+              <p:cNvPr id="10" name="TextBox 9">
+                <a:extLst>
+                  <a:ext uri="{FF2B5EF4-FFF2-40B4-BE49-F238E27FC236}">
+                    <a16:creationId xmlns:a16="http://schemas.microsoft.com/office/drawing/2014/main" id="{E9099D18-807D-433E-A697-934F7510A132}"/>
+                  </a:ext>
+                </a:extLst>
+              </p:cNvPr>
+              <p:cNvSpPr txBox="1">
+                <a:spLocks noRot="1" noChangeAspect="1" noMove="1" noResize="1" noEditPoints="1" noAdjustHandles="1" noChangeArrowheads="1" noChangeShapeType="1" noTextEdit="1"/>
+              </p:cNvSpPr>
+              <p:nvPr/>
+            </p:nvSpPr>
+            <p:spPr>
+              <a:xfrm>
+                <a:off x="1737001" y="5154952"/>
+                <a:ext cx="219769" cy="241072"/>
+              </a:xfrm>
+              <a:prstGeom prst="rect">
+                <a:avLst/>
+              </a:prstGeom>
+              <a:blipFill>
+                <a:blip r:embed="rId4"/>
+                <a:stretch>
+                  <a:fillRect l="-16667" r="-19444" b="-17949"/>
+                </a:stretch>
+              </a:blipFill>
+            </p:spPr>
+            <p:txBody>
+              <a:bodyPr/>
+              <a:lstStyle/>
+              <a:p>
+                <a:r>
+                  <a:rPr lang="en-US">
+                    <a:noFill/>
+                  </a:rPr>
+                  <a:t> </a:t>
+                </a:r>
+              </a:p>
+            </p:txBody>
+          </p:sp>
+        </mc:Fallback>
+      </mc:AlternateContent>
+      <mc:AlternateContent xmlns:mc="http://schemas.openxmlformats.org/markup-compatibility/2006" xmlns:a14="http://schemas.microsoft.com/office/drawing/2010/main">
+        <mc:Choice Requires="a14">
+          <p:sp>
+            <p:nvSpPr>
+              <p:cNvPr id="12" name="TextBox 11">
+                <a:extLst>
+                  <a:ext uri="{FF2B5EF4-FFF2-40B4-BE49-F238E27FC236}">
+                    <a16:creationId xmlns:a16="http://schemas.microsoft.com/office/drawing/2014/main" id="{9C932FBD-CA54-4486-A6F1-CE5843A360FE}"/>
+                  </a:ext>
+                </a:extLst>
+              </p:cNvPr>
+              <p:cNvSpPr txBox="1"/>
+              <p:nvPr/>
+            </p:nvSpPr>
+            <p:spPr>
+              <a:xfrm>
+                <a:off x="3916567" y="3989207"/>
+                <a:ext cx="186870" cy="241072"/>
+              </a:xfrm>
+              <a:prstGeom prst="rect">
+                <a:avLst/>
+              </a:prstGeom>
+              <a:noFill/>
+            </p:spPr>
+            <p:txBody>
+              <a:bodyPr wrap="none" lIns="0" tIns="0" rIns="0" bIns="0" rtlCol="0">
+                <a:spAutoFit/>
+              </a:bodyPr>
+              <a:lstStyle/>
+              <a:p>
+                <a:pPr/>
+                <a14:m>
+                  <m:oMathPara xmlns:m="http://schemas.openxmlformats.org/officeDocument/2006/math">
+                    <m:oMathParaPr>
+                      <m:jc m:val="centerGroup"/>
+                    </m:oMathParaPr>
+                    <m:oMath xmlns:m="http://schemas.openxmlformats.org/officeDocument/2006/math">
+                      <m:r>
+                        <a:rPr lang="en-US" i="1" smtClean="0">
+                          <a:latin typeface="Cambria Math" panose="02040503050406030204" pitchFamily="18" charset="0"/>
+                          <a:ea typeface="Cambria Math" panose="02040503050406030204" pitchFamily="18" charset="0"/>
+                        </a:rPr>
+                        <m:t>𝛿</m:t>
+                      </m:r>
+                    </m:oMath>
+                  </m:oMathPara>
+                </a14:m>
+                <a:endParaRPr lang="en-US" dirty="0"/>
+              </a:p>
+            </p:txBody>
+          </p:sp>
+        </mc:Choice>
+        <mc:Fallback xmlns="">
+          <p:sp>
+            <p:nvSpPr>
+              <p:cNvPr id="12" name="TextBox 11">
+                <a:extLst>
+                  <a:ext uri="{FF2B5EF4-FFF2-40B4-BE49-F238E27FC236}">
+                    <a16:creationId xmlns:a16="http://schemas.microsoft.com/office/drawing/2014/main" id="{9C932FBD-CA54-4486-A6F1-CE5843A360FE}"/>
+                  </a:ext>
+                </a:extLst>
+              </p:cNvPr>
+              <p:cNvSpPr txBox="1">
+                <a:spLocks noRot="1" noChangeAspect="1" noMove="1" noResize="1" noEditPoints="1" noAdjustHandles="1" noChangeArrowheads="1" noChangeShapeType="1" noTextEdit="1"/>
+              </p:cNvSpPr>
+              <p:nvPr/>
+            </p:nvSpPr>
+            <p:spPr>
+              <a:xfrm>
+                <a:off x="3916567" y="3989207"/>
+                <a:ext cx="186870" cy="241072"/>
+              </a:xfrm>
+              <a:prstGeom prst="rect">
+                <a:avLst/>
+              </a:prstGeom>
+              <a:blipFill>
+                <a:blip r:embed="rId5"/>
+                <a:stretch>
+                  <a:fillRect l="-32258" r="-22581" b="-22500"/>
+                </a:stretch>
+              </a:blipFill>
+            </p:spPr>
+            <p:txBody>
+              <a:bodyPr/>
+              <a:lstStyle/>
+              <a:p>
+                <a:r>
+                  <a:rPr lang="en-US">
+                    <a:noFill/>
+                  </a:rPr>
+                  <a:t> </a:t>
+                </a:r>
+              </a:p>
+            </p:txBody>
+          </p:sp>
+        </mc:Fallback>
+      </mc:AlternateContent>
+      <mc:AlternateContent xmlns:mc="http://schemas.openxmlformats.org/markup-compatibility/2006" xmlns:a14="http://schemas.microsoft.com/office/drawing/2010/main">
+        <mc:Choice Requires="a14">
+          <p:sp>
+            <p:nvSpPr>
+              <p:cNvPr id="13" name="TextBox 12">
+                <a:extLst>
+                  <a:ext uri="{FF2B5EF4-FFF2-40B4-BE49-F238E27FC236}">
+                    <a16:creationId xmlns:a16="http://schemas.microsoft.com/office/drawing/2014/main" id="{0422C799-E35B-45E2-96D9-2231124496D2}"/>
+                  </a:ext>
+                </a:extLst>
+              </p:cNvPr>
+              <p:cNvSpPr txBox="1"/>
+              <p:nvPr/>
+            </p:nvSpPr>
+            <p:spPr>
+              <a:xfrm>
+                <a:off x="1120020" y="4444727"/>
+                <a:ext cx="420860" cy="389231"/>
+              </a:xfrm>
+              <a:prstGeom prst="rect">
+                <a:avLst/>
+              </a:prstGeom>
+              <a:noFill/>
+            </p:spPr>
+            <p:txBody>
+              <a:bodyPr wrap="square" lIns="0" tIns="0" rIns="0" bIns="0" rtlCol="0">
+                <a:spAutoFit/>
+              </a:bodyPr>
+              <a:lstStyle/>
+              <a:p>
+                <a:pPr/>
+                <a14:m>
+                  <m:oMathPara xmlns:m="http://schemas.openxmlformats.org/officeDocument/2006/math">
+                    <m:oMathParaPr>
+                      <m:jc m:val="centerGroup"/>
+                    </m:oMathParaPr>
+                    <m:oMath xmlns:m="http://schemas.openxmlformats.org/officeDocument/2006/math">
+                      <m:nary>
+                        <m:naryPr>
+                          <m:chr m:val="∑"/>
+                          <m:subHide m:val="on"/>
+                          <m:supHide m:val="on"/>
+                          <m:ctrlPr>
+                            <a:rPr lang="en-US" sz="1200" i="1" smtClean="0">
+                              <a:latin typeface="Cambria Math" panose="02040503050406030204" pitchFamily="18" charset="0"/>
+                            </a:rPr>
+                          </m:ctrlPr>
+                        </m:naryPr>
+                        <m:sub/>
+                        <m:sup/>
+                        <m:e>
+                          <m:r>
+                            <a:rPr lang="en-US" sz="1200" b="0" i="1" smtClean="0">
+                              <a:latin typeface="Cambria Math" panose="02040503050406030204" pitchFamily="18" charset="0"/>
+                            </a:rPr>
+                            <m:t> </m:t>
+                          </m:r>
+                        </m:e>
+                      </m:nary>
+                    </m:oMath>
+                  </m:oMathPara>
+                </a14:m>
+                <a:endParaRPr lang="en-US" sz="1200" dirty="0"/>
+              </a:p>
+            </p:txBody>
+          </p:sp>
+        </mc:Choice>
+        <mc:Fallback xmlns="">
+          <p:sp>
+            <p:nvSpPr>
+              <p:cNvPr id="13" name="TextBox 12">
+                <a:extLst>
+                  <a:ext uri="{FF2B5EF4-FFF2-40B4-BE49-F238E27FC236}">
+                    <a16:creationId xmlns:a16="http://schemas.microsoft.com/office/drawing/2014/main" id="{0422C799-E35B-45E2-96D9-2231124496D2}"/>
+                  </a:ext>
+                </a:extLst>
+              </p:cNvPr>
+              <p:cNvSpPr txBox="1">
+                <a:spLocks noRot="1" noChangeAspect="1" noMove="1" noResize="1" noEditPoints="1" noAdjustHandles="1" noChangeArrowheads="1" noChangeShapeType="1" noTextEdit="1"/>
+              </p:cNvSpPr>
+              <p:nvPr/>
+            </p:nvSpPr>
+            <p:spPr>
+              <a:xfrm>
+                <a:off x="1120020" y="4444727"/>
+                <a:ext cx="420860" cy="389231"/>
+              </a:xfrm>
+              <a:prstGeom prst="rect">
+                <a:avLst/>
+              </a:prstGeom>
+              <a:blipFill>
+                <a:blip r:embed="rId6"/>
+                <a:stretch>
+                  <a:fillRect l="-121739" t="-171875" r="-157971" b="-254688"/>
+                </a:stretch>
+              </a:blipFill>
+            </p:spPr>
+            <p:txBody>
+              <a:bodyPr/>
+              <a:lstStyle/>
+              <a:p>
+                <a:r>
+                  <a:rPr lang="en-US">
+                    <a:noFill/>
+                  </a:rPr>
+                  <a:t> </a:t>
+                </a:r>
+              </a:p>
+            </p:txBody>
+          </p:sp>
+        </mc:Fallback>
+      </mc:AlternateContent>
+      <mc:AlternateContent xmlns:mc="http://schemas.openxmlformats.org/markup-compatibility/2006" xmlns:a14="http://schemas.microsoft.com/office/drawing/2010/main">
+        <mc:Choice Requires="a14">
+          <p:sp>
+            <p:nvSpPr>
+              <p:cNvPr id="14" name="TextBox 13">
+                <a:extLst>
+                  <a:ext uri="{FF2B5EF4-FFF2-40B4-BE49-F238E27FC236}">
+                    <a16:creationId xmlns:a16="http://schemas.microsoft.com/office/drawing/2014/main" id="{4FE19F5C-8CEC-46EA-BD79-F7A924BE653B}"/>
+                  </a:ext>
+                </a:extLst>
+              </p:cNvPr>
+              <p:cNvSpPr txBox="1"/>
+              <p:nvPr/>
+            </p:nvSpPr>
+            <p:spPr>
+              <a:xfrm>
+                <a:off x="2961096" y="2966313"/>
+                <a:ext cx="331530" cy="632313"/>
+              </a:xfrm>
+              <a:prstGeom prst="rect">
+                <a:avLst/>
+              </a:prstGeom>
+              <a:noFill/>
+            </p:spPr>
+            <p:txBody>
+              <a:bodyPr wrap="none" lIns="0" tIns="0" rIns="0" bIns="0" rtlCol="0">
+                <a:spAutoFit/>
+              </a:bodyPr>
+              <a:lstStyle/>
+              <a:p>
+                <a:pPr/>
+                <a14:m>
+                  <m:oMathPara xmlns:m="http://schemas.openxmlformats.org/officeDocument/2006/math">
+                    <m:oMathParaPr>
+                      <m:jc m:val="centerGroup"/>
+                    </m:oMathParaPr>
+                    <m:oMath xmlns:m="http://schemas.openxmlformats.org/officeDocument/2006/math">
+                      <m:nary>
+                        <m:naryPr>
+                          <m:limLoc m:val="undOvr"/>
+                          <m:subHide m:val="on"/>
+                          <m:supHide m:val="on"/>
+                          <m:ctrlPr>
+                            <a:rPr lang="en-US" i="1" smtClean="0">
+                              <a:latin typeface="Cambria Math" panose="02040503050406030204" pitchFamily="18" charset="0"/>
+                            </a:rPr>
+                          </m:ctrlPr>
+                        </m:naryPr>
+                        <m:sub/>
+                        <m:sup/>
+                        <m:e>
+                          <m:r>
+                            <a:rPr lang="en-US" b="0" i="1" smtClean="0">
+                              <a:latin typeface="Cambria Math" panose="02040503050406030204" pitchFamily="18" charset="0"/>
+                            </a:rPr>
+                            <m:t> </m:t>
+                          </m:r>
+                        </m:e>
+                      </m:nary>
+                    </m:oMath>
+                  </m:oMathPara>
+                </a14:m>
+                <a:endParaRPr lang="en-US" dirty="0"/>
+              </a:p>
+            </p:txBody>
+          </p:sp>
+        </mc:Choice>
+        <mc:Fallback xmlns="">
+          <p:sp>
+            <p:nvSpPr>
+              <p:cNvPr id="14" name="TextBox 13">
+                <a:extLst>
+                  <a:ext uri="{FF2B5EF4-FFF2-40B4-BE49-F238E27FC236}">
+                    <a16:creationId xmlns:a16="http://schemas.microsoft.com/office/drawing/2014/main" id="{4FE19F5C-8CEC-46EA-BD79-F7A924BE653B}"/>
+                  </a:ext>
+                </a:extLst>
+              </p:cNvPr>
+              <p:cNvSpPr txBox="1">
+                <a:spLocks noRot="1" noChangeAspect="1" noMove="1" noResize="1" noEditPoints="1" noAdjustHandles="1" noChangeArrowheads="1" noChangeShapeType="1" noTextEdit="1"/>
+              </p:cNvSpPr>
+              <p:nvPr/>
+            </p:nvSpPr>
+            <p:spPr>
+              <a:xfrm>
+                <a:off x="2961096" y="2966313"/>
+                <a:ext cx="331530" cy="632313"/>
+              </a:xfrm>
+              <a:prstGeom prst="rect">
+                <a:avLst/>
+              </a:prstGeom>
+              <a:blipFill>
+                <a:blip r:embed="rId7"/>
+                <a:stretch>
+                  <a:fillRect/>
+                </a:stretch>
+              </a:blipFill>
+            </p:spPr>
+            <p:txBody>
+              <a:bodyPr/>
+              <a:lstStyle/>
+              <a:p>
+                <a:r>
+                  <a:rPr lang="en-US">
+                    <a:noFill/>
+                  </a:rPr>
+                  <a:t> </a:t>
+                </a:r>
+              </a:p>
+            </p:txBody>
+          </p:sp>
+        </mc:Fallback>
+      </mc:AlternateContent>
+      <mc:AlternateContent xmlns:mc="http://schemas.openxmlformats.org/markup-compatibility/2006" xmlns:a14="http://schemas.microsoft.com/office/drawing/2010/main">
+        <mc:Choice Requires="a14">
+          <p:sp>
+            <p:nvSpPr>
+              <p:cNvPr id="15" name="TextBox 14">
+                <a:extLst>
+                  <a:ext uri="{FF2B5EF4-FFF2-40B4-BE49-F238E27FC236}">
+                    <a16:creationId xmlns:a16="http://schemas.microsoft.com/office/drawing/2014/main" id="{3B25DBAA-3842-420A-8E41-0589E347902A}"/>
+                  </a:ext>
+                </a:extLst>
+              </p:cNvPr>
+              <p:cNvSpPr txBox="1"/>
+              <p:nvPr/>
+            </p:nvSpPr>
+            <p:spPr>
+              <a:xfrm>
+                <a:off x="4625801" y="4412890"/>
+                <a:ext cx="327199" cy="452904"/>
+              </a:xfrm>
+              <a:prstGeom prst="rect">
+                <a:avLst/>
+              </a:prstGeom>
+              <a:noFill/>
+            </p:spPr>
+            <p:txBody>
+              <a:bodyPr wrap="none" lIns="0" tIns="0" rIns="0" bIns="0" rtlCol="0">
+                <a:spAutoFit/>
+              </a:bodyPr>
+              <a:lstStyle/>
+              <a:p>
+                <a:pPr/>
+                <a14:m>
+                  <m:oMathPara xmlns:m="http://schemas.openxmlformats.org/officeDocument/2006/math">
+                    <m:oMathParaPr>
+                      <m:jc m:val="centerGroup"/>
+                    </m:oMathParaPr>
+                    <m:oMath xmlns:m="http://schemas.openxmlformats.org/officeDocument/2006/math">
+                      <m:f>
+                        <m:fPr>
+                          <m:ctrlPr>
+                            <a:rPr lang="en-US" i="1" smtClean="0">
+                              <a:latin typeface="Cambria Math" panose="02040503050406030204" pitchFamily="18" charset="0"/>
+                            </a:rPr>
+                          </m:ctrlPr>
+                        </m:fPr>
+                        <m:num>
+                          <m:r>
+                            <m:rPr>
+                              <m:sty m:val="p"/>
+                            </m:rPr>
+                            <a:rPr lang="el-GR" i="0" smtClean="0">
+                              <a:latin typeface="Cambria Math" panose="02040503050406030204" pitchFamily="18" charset="0"/>
+                            </a:rPr>
+                            <m:t>Δ</m:t>
+                          </m:r>
+                          <m:r>
+                            <a:rPr lang="en-US" i="1" smtClean="0">
+                              <a:latin typeface="Cambria Math" panose="02040503050406030204" pitchFamily="18" charset="0"/>
+                            </a:rPr>
+                            <m:t>𝑦</m:t>
+                          </m:r>
+                        </m:num>
+                        <m:den>
+                          <m:r>
+                            <m:rPr>
+                              <m:sty m:val="p"/>
+                            </m:rPr>
+                            <a:rPr lang="el-GR" i="0" smtClean="0">
+                              <a:latin typeface="Cambria Math" panose="02040503050406030204" pitchFamily="18" charset="0"/>
+                            </a:rPr>
+                            <m:t>Δ</m:t>
+                          </m:r>
+                          <m:r>
+                            <a:rPr lang="en-US" i="1" smtClean="0">
+                              <a:latin typeface="Cambria Math" panose="02040503050406030204" pitchFamily="18" charset="0"/>
+                            </a:rPr>
+                            <m:t>𝑥</m:t>
+                          </m:r>
+                        </m:den>
+                      </m:f>
+                    </m:oMath>
+                  </m:oMathPara>
+                </a14:m>
+                <a:endParaRPr lang="en-US" dirty="0"/>
+              </a:p>
+            </p:txBody>
+          </p:sp>
+        </mc:Choice>
+        <mc:Fallback xmlns="">
+          <p:sp>
+            <p:nvSpPr>
+              <p:cNvPr id="15" name="TextBox 14">
+                <a:extLst>
+                  <a:ext uri="{FF2B5EF4-FFF2-40B4-BE49-F238E27FC236}">
+                    <a16:creationId xmlns:a16="http://schemas.microsoft.com/office/drawing/2014/main" id="{3B25DBAA-3842-420A-8E41-0589E347902A}"/>
+                  </a:ext>
+                </a:extLst>
+              </p:cNvPr>
+              <p:cNvSpPr txBox="1">
+                <a:spLocks noRot="1" noChangeAspect="1" noMove="1" noResize="1" noEditPoints="1" noAdjustHandles="1" noChangeArrowheads="1" noChangeShapeType="1" noTextEdit="1"/>
+              </p:cNvSpPr>
+              <p:nvPr/>
+            </p:nvSpPr>
+            <p:spPr>
+              <a:xfrm>
+                <a:off x="4625801" y="4412890"/>
+                <a:ext cx="327199" cy="452904"/>
+              </a:xfrm>
+              <a:prstGeom prst="rect">
+                <a:avLst/>
+              </a:prstGeom>
+              <a:blipFill>
+                <a:blip r:embed="rId8"/>
+                <a:stretch>
+                  <a:fillRect b="-14865"/>
+                </a:stretch>
+              </a:blipFill>
+            </p:spPr>
+            <p:txBody>
+              <a:bodyPr/>
+              <a:lstStyle/>
+              <a:p>
+                <a:r>
+                  <a:rPr lang="en-US">
+                    <a:noFill/>
+                  </a:rPr>
+                  <a:t> </a:t>
+                </a:r>
+              </a:p>
+            </p:txBody>
+          </p:sp>
+        </mc:Fallback>
+      </mc:AlternateContent>
+      <mc:AlternateContent xmlns:mc="http://schemas.openxmlformats.org/markup-compatibility/2006" xmlns:a14="http://schemas.microsoft.com/office/drawing/2010/main">
+        <mc:Choice Requires="a14">
+          <p:sp>
+            <p:nvSpPr>
+              <p:cNvPr id="19" name="TextBox 18">
+                <a:extLst>
+                  <a:ext uri="{FF2B5EF4-FFF2-40B4-BE49-F238E27FC236}">
+                    <a16:creationId xmlns:a16="http://schemas.microsoft.com/office/drawing/2014/main" id="{4D2570A5-C8D3-4D79-819E-65CFAF27F1C4}"/>
+                  </a:ext>
+                </a:extLst>
+              </p:cNvPr>
+              <p:cNvSpPr txBox="1"/>
+              <p:nvPr/>
+            </p:nvSpPr>
+            <p:spPr>
+              <a:xfrm>
+                <a:off x="4539888" y="3012213"/>
+                <a:ext cx="322352" cy="457703"/>
+              </a:xfrm>
+              <a:prstGeom prst="rect">
+                <a:avLst/>
+              </a:prstGeom>
+              <a:noFill/>
+            </p:spPr>
+            <p:txBody>
+              <a:bodyPr wrap="none" lIns="0" tIns="0" rIns="0" bIns="0" rtlCol="0">
+                <a:spAutoFit/>
+              </a:bodyPr>
+              <a:lstStyle/>
+              <a:p>
+                <a:pPr/>
+                <a14:m>
+                  <m:oMathPara xmlns:m="http://schemas.openxmlformats.org/officeDocument/2006/math">
+                    <m:oMathParaPr>
+                      <m:jc m:val="centerGroup"/>
+                    </m:oMathParaPr>
+                    <m:oMath xmlns:m="http://schemas.openxmlformats.org/officeDocument/2006/math">
+                      <m:f>
+                        <m:fPr>
+                          <m:ctrlPr>
+                            <a:rPr lang="en-US" i="1" smtClean="0">
+                              <a:latin typeface="Cambria Math" panose="02040503050406030204" pitchFamily="18" charset="0"/>
+                            </a:rPr>
+                          </m:ctrlPr>
+                        </m:fPr>
+                        <m:num>
+                          <m:r>
+                            <a:rPr lang="en-US" i="1" smtClean="0">
+                              <a:latin typeface="Cambria Math" panose="02040503050406030204" pitchFamily="18" charset="0"/>
+                            </a:rPr>
+                            <m:t>𝑑𝑦</m:t>
+                          </m:r>
+                        </m:num>
+                        <m:den>
+                          <m:r>
+                            <a:rPr lang="en-US" i="1" smtClean="0">
+                              <a:latin typeface="Cambria Math" panose="02040503050406030204" pitchFamily="18" charset="0"/>
+                            </a:rPr>
+                            <m:t>𝑑𝑥</m:t>
+                          </m:r>
+                        </m:den>
+                      </m:f>
+                    </m:oMath>
+                  </m:oMathPara>
+                </a14:m>
+                <a:endParaRPr lang="en-US" dirty="0"/>
+              </a:p>
+            </p:txBody>
+          </p:sp>
+        </mc:Choice>
+        <mc:Fallback xmlns="">
+          <p:sp>
+            <p:nvSpPr>
+              <p:cNvPr id="19" name="TextBox 18">
+                <a:extLst>
+                  <a:ext uri="{FF2B5EF4-FFF2-40B4-BE49-F238E27FC236}">
+                    <a16:creationId xmlns:a16="http://schemas.microsoft.com/office/drawing/2014/main" id="{4D2570A5-C8D3-4D79-819E-65CFAF27F1C4}"/>
+                  </a:ext>
+                </a:extLst>
+              </p:cNvPr>
+              <p:cNvSpPr txBox="1">
+                <a:spLocks noRot="1" noChangeAspect="1" noMove="1" noResize="1" noEditPoints="1" noAdjustHandles="1" noChangeArrowheads="1" noChangeShapeType="1" noTextEdit="1"/>
+              </p:cNvSpPr>
+              <p:nvPr/>
+            </p:nvSpPr>
+            <p:spPr>
+              <a:xfrm>
+                <a:off x="4539888" y="3012213"/>
+                <a:ext cx="322352" cy="457703"/>
+              </a:xfrm>
+              <a:prstGeom prst="rect">
+                <a:avLst/>
+              </a:prstGeom>
+              <a:blipFill>
+                <a:blip r:embed="rId9"/>
+                <a:stretch>
+                  <a:fillRect b="-14667"/>
+                </a:stretch>
+              </a:blipFill>
+            </p:spPr>
+            <p:txBody>
+              <a:bodyPr/>
+              <a:lstStyle/>
+              <a:p>
+                <a:r>
+                  <a:rPr lang="en-US">
+                    <a:noFill/>
+                  </a:rPr>
+                  <a:t> </a:t>
+                </a:r>
+              </a:p>
+            </p:txBody>
+          </p:sp>
+        </mc:Fallback>
+      </mc:AlternateContent>
+      <mc:AlternateContent xmlns:mc="http://schemas.openxmlformats.org/markup-compatibility/2006" xmlns:a14="http://schemas.microsoft.com/office/drawing/2010/main">
+        <mc:Choice Requires="a14">
+          <p:sp>
+            <p:nvSpPr>
+              <p:cNvPr id="20" name="TextBox 19">
+                <a:extLst>
+                  <a:ext uri="{FF2B5EF4-FFF2-40B4-BE49-F238E27FC236}">
+                    <a16:creationId xmlns:a16="http://schemas.microsoft.com/office/drawing/2014/main" id="{AD8458E1-5F09-4777-A1E7-CC672131EE7D}"/>
+                  </a:ext>
+                </a:extLst>
+              </p:cNvPr>
+              <p:cNvSpPr txBox="1"/>
+              <p:nvPr/>
+            </p:nvSpPr>
+            <p:spPr>
+              <a:xfrm>
+                <a:off x="5268023" y="3027891"/>
+                <a:ext cx="317502" cy="458372"/>
+              </a:xfrm>
+              <a:prstGeom prst="rect">
+                <a:avLst/>
+              </a:prstGeom>
+              <a:noFill/>
+            </p:spPr>
+            <p:txBody>
+              <a:bodyPr wrap="none" lIns="0" tIns="0" rIns="0" bIns="0" rtlCol="0">
+                <a:spAutoFit/>
+              </a:bodyPr>
+              <a:lstStyle/>
+              <a:p>
+                <a:pPr/>
+                <a14:m>
+                  <m:oMathPara xmlns:m="http://schemas.openxmlformats.org/officeDocument/2006/math">
+                    <m:oMathParaPr>
+                      <m:jc m:val="centerGroup"/>
+                    </m:oMathParaPr>
+                    <m:oMath xmlns:m="http://schemas.openxmlformats.org/officeDocument/2006/math">
+                      <m:f>
+                        <m:fPr>
+                          <m:ctrlPr>
+                            <a:rPr lang="en-US" i="1" smtClean="0">
+                              <a:latin typeface="Cambria Math" panose="02040503050406030204" pitchFamily="18" charset="0"/>
+                            </a:rPr>
+                          </m:ctrlPr>
+                        </m:fPr>
+                        <m:num>
+                          <m:r>
+                            <a:rPr lang="en-US" i="1" smtClean="0">
+                              <a:latin typeface="Cambria Math" panose="02040503050406030204" pitchFamily="18" charset="0"/>
+                            </a:rPr>
+                            <m:t>𝜕</m:t>
+                          </m:r>
+                          <m:r>
+                            <a:rPr lang="en-US" i="1" smtClean="0">
+                              <a:latin typeface="Cambria Math" panose="02040503050406030204" pitchFamily="18" charset="0"/>
+                            </a:rPr>
+                            <m:t>𝑦</m:t>
+                          </m:r>
+                        </m:num>
+                        <m:den>
+                          <m:r>
+                            <a:rPr lang="en-US" i="1" smtClean="0">
+                              <a:latin typeface="Cambria Math" panose="02040503050406030204" pitchFamily="18" charset="0"/>
+                            </a:rPr>
+                            <m:t>𝜕</m:t>
+                          </m:r>
+                          <m:r>
+                            <a:rPr lang="en-US" i="1" smtClean="0">
+                              <a:latin typeface="Cambria Math" panose="02040503050406030204" pitchFamily="18" charset="0"/>
+                            </a:rPr>
+                            <m:t>𝑥</m:t>
+                          </m:r>
+                        </m:den>
+                      </m:f>
+                    </m:oMath>
+                  </m:oMathPara>
+                </a14:m>
+                <a:endParaRPr lang="en-US" dirty="0"/>
+              </a:p>
+            </p:txBody>
+          </p:sp>
+        </mc:Choice>
+        <mc:Fallback xmlns="">
+          <p:sp>
+            <p:nvSpPr>
+              <p:cNvPr id="20" name="TextBox 19">
+                <a:extLst>
+                  <a:ext uri="{FF2B5EF4-FFF2-40B4-BE49-F238E27FC236}">
+                    <a16:creationId xmlns:a16="http://schemas.microsoft.com/office/drawing/2014/main" id="{AD8458E1-5F09-4777-A1E7-CC672131EE7D}"/>
+                  </a:ext>
+                </a:extLst>
+              </p:cNvPr>
+              <p:cNvSpPr txBox="1">
+                <a:spLocks noRot="1" noChangeAspect="1" noMove="1" noResize="1" noEditPoints="1" noAdjustHandles="1" noChangeArrowheads="1" noChangeShapeType="1" noTextEdit="1"/>
+              </p:cNvSpPr>
+              <p:nvPr/>
+            </p:nvSpPr>
+            <p:spPr>
+              <a:xfrm>
+                <a:off x="5268023" y="3027891"/>
+                <a:ext cx="317502" cy="458372"/>
+              </a:xfrm>
+              <a:prstGeom prst="rect">
+                <a:avLst/>
+              </a:prstGeom>
+              <a:blipFill>
+                <a:blip r:embed="rId10"/>
+                <a:stretch>
+                  <a:fillRect b="-13333"/>
+                </a:stretch>
+              </a:blipFill>
+            </p:spPr>
+            <p:txBody>
+              <a:bodyPr/>
+              <a:lstStyle/>
+              <a:p>
+                <a:r>
+                  <a:rPr lang="en-US">
+                    <a:noFill/>
+                  </a:rPr>
+                  <a:t> </a:t>
+                </a:r>
+              </a:p>
+            </p:txBody>
+          </p:sp>
+        </mc:Fallback>
+      </mc:AlternateContent>
+      <mc:AlternateContent xmlns:mc="http://schemas.openxmlformats.org/markup-compatibility/2006" xmlns:a14="http://schemas.microsoft.com/office/drawing/2010/main">
+        <mc:Choice Requires="a14">
+          <p:sp>
+            <p:nvSpPr>
+              <p:cNvPr id="21" name="TextBox 20">
+                <a:extLst>
+                  <a:ext uri="{FF2B5EF4-FFF2-40B4-BE49-F238E27FC236}">
+                    <a16:creationId xmlns:a16="http://schemas.microsoft.com/office/drawing/2014/main" id="{7736A0C0-E114-4660-AA98-8AA314482DFC}"/>
+                  </a:ext>
+                </a:extLst>
+              </p:cNvPr>
+              <p:cNvSpPr txBox="1"/>
+              <p:nvPr/>
+            </p:nvSpPr>
+            <p:spPr>
+              <a:xfrm>
+                <a:off x="3893642" y="4652184"/>
+                <a:ext cx="192299" cy="241072"/>
+              </a:xfrm>
+              <a:prstGeom prst="rect">
+                <a:avLst/>
+              </a:prstGeom>
+              <a:noFill/>
+            </p:spPr>
+            <p:txBody>
+              <a:bodyPr wrap="none" lIns="0" tIns="0" rIns="0" bIns="0" rtlCol="0">
+                <a:spAutoFit/>
+              </a:bodyPr>
+              <a:lstStyle/>
+              <a:p>
+                <a:pPr/>
+                <a14:m>
+                  <m:oMathPara xmlns:m="http://schemas.openxmlformats.org/officeDocument/2006/math">
+                    <m:oMathParaPr>
+                      <m:jc m:val="centerGroup"/>
+                    </m:oMathParaPr>
+                    <m:oMath xmlns:m="http://schemas.openxmlformats.org/officeDocument/2006/math">
+                      <m:r>
+                        <a:rPr lang="en-US" i="1" smtClean="0">
+                          <a:latin typeface="Cambria Math" panose="02040503050406030204" pitchFamily="18" charset="0"/>
+                          <a:ea typeface="Cambria Math" panose="02040503050406030204" pitchFamily="18" charset="0"/>
+                        </a:rPr>
+                        <m:t>∆</m:t>
+                      </m:r>
+                    </m:oMath>
+                  </m:oMathPara>
+                </a14:m>
+                <a:endParaRPr lang="en-US" dirty="0"/>
+              </a:p>
+            </p:txBody>
+          </p:sp>
+        </mc:Choice>
+        <mc:Fallback xmlns="">
+          <p:sp>
+            <p:nvSpPr>
+              <p:cNvPr id="21" name="TextBox 20">
+                <a:extLst>
+                  <a:ext uri="{FF2B5EF4-FFF2-40B4-BE49-F238E27FC236}">
+                    <a16:creationId xmlns:a16="http://schemas.microsoft.com/office/drawing/2014/main" id="{7736A0C0-E114-4660-AA98-8AA314482DFC}"/>
+                  </a:ext>
+                </a:extLst>
+              </p:cNvPr>
+              <p:cNvSpPr txBox="1">
+                <a:spLocks noRot="1" noChangeAspect="1" noMove="1" noResize="1" noEditPoints="1" noAdjustHandles="1" noChangeArrowheads="1" noChangeShapeType="1" noTextEdit="1"/>
+              </p:cNvSpPr>
+              <p:nvPr/>
+            </p:nvSpPr>
+            <p:spPr>
+              <a:xfrm>
+                <a:off x="3893642" y="4652184"/>
+                <a:ext cx="192299" cy="241072"/>
+              </a:xfrm>
+              <a:prstGeom prst="rect">
+                <a:avLst/>
+              </a:prstGeom>
+              <a:blipFill>
+                <a:blip r:embed="rId11"/>
+                <a:stretch>
+                  <a:fillRect l="-29032" r="-32258" b="-22500"/>
+                </a:stretch>
+              </a:blipFill>
+            </p:spPr>
+            <p:txBody>
+              <a:bodyPr/>
+              <a:lstStyle/>
+              <a:p>
+                <a:r>
+                  <a:rPr lang="en-US">
+                    <a:noFill/>
+                  </a:rPr>
+                  <a:t> </a:t>
+                </a:r>
+              </a:p>
+            </p:txBody>
+          </p:sp>
+        </mc:Fallback>
+      </mc:AlternateContent>
+      <mc:AlternateContent xmlns:mc="http://schemas.openxmlformats.org/markup-compatibility/2006" xmlns:a14="http://schemas.microsoft.com/office/drawing/2010/main">
+        <mc:Choice Requires="a14">
+          <p:sp>
+            <p:nvSpPr>
+              <p:cNvPr id="23" name="TextBox 22">
+                <a:extLst>
+                  <a:ext uri="{FF2B5EF4-FFF2-40B4-BE49-F238E27FC236}">
+                    <a16:creationId xmlns:a16="http://schemas.microsoft.com/office/drawing/2014/main" id="{F04726C3-983D-4304-9955-F9A450C87C80}"/>
+                  </a:ext>
+                </a:extLst>
+              </p:cNvPr>
+              <p:cNvSpPr txBox="1"/>
+              <p:nvPr/>
+            </p:nvSpPr>
+            <p:spPr>
+              <a:xfrm>
+                <a:off x="3643824" y="2966313"/>
+                <a:ext cx="331530" cy="632313"/>
+              </a:xfrm>
+              <a:prstGeom prst="rect">
+                <a:avLst/>
+              </a:prstGeom>
+              <a:noFill/>
+            </p:spPr>
+            <p:txBody>
+              <a:bodyPr wrap="none" lIns="0" tIns="0" rIns="0" bIns="0" rtlCol="0">
+                <a:spAutoFit/>
+              </a:bodyPr>
+              <a:lstStyle/>
+              <a:p>
+                <a:pPr/>
+                <a14:m>
+                  <m:oMathPara xmlns:m="http://schemas.openxmlformats.org/officeDocument/2006/math">
+                    <m:oMathParaPr>
+                      <m:jc m:val="centerGroup"/>
+                    </m:oMathParaPr>
+                    <m:oMath xmlns:m="http://schemas.openxmlformats.org/officeDocument/2006/math">
+                      <m:nary>
+                        <m:naryPr>
+                          <m:chr m:val="∮"/>
+                          <m:limLoc m:val="undOvr"/>
+                          <m:subHide m:val="on"/>
+                          <m:supHide m:val="on"/>
+                          <m:ctrlPr>
+                            <a:rPr lang="en-US" i="1" smtClean="0">
+                              <a:latin typeface="Cambria Math" panose="02040503050406030204" pitchFamily="18" charset="0"/>
+                            </a:rPr>
+                          </m:ctrlPr>
+                        </m:naryPr>
+                        <m:sub/>
+                        <m:sup/>
+                        <m:e>
+                          <m:r>
+                            <a:rPr lang="en-US" b="0" i="1" smtClean="0">
+                              <a:latin typeface="Cambria Math" panose="02040503050406030204" pitchFamily="18" charset="0"/>
+                            </a:rPr>
+                            <m:t> </m:t>
+                          </m:r>
+                        </m:e>
+                      </m:nary>
+                    </m:oMath>
+                  </m:oMathPara>
+                </a14:m>
+                <a:endParaRPr lang="en-US" dirty="0"/>
+              </a:p>
+            </p:txBody>
+          </p:sp>
+        </mc:Choice>
+        <mc:Fallback xmlns="">
+          <p:sp>
+            <p:nvSpPr>
+              <p:cNvPr id="23" name="TextBox 22">
+                <a:extLst>
+                  <a:ext uri="{FF2B5EF4-FFF2-40B4-BE49-F238E27FC236}">
+                    <a16:creationId xmlns:a16="http://schemas.microsoft.com/office/drawing/2014/main" id="{F04726C3-983D-4304-9955-F9A450C87C80}"/>
+                  </a:ext>
+                </a:extLst>
+              </p:cNvPr>
+              <p:cNvSpPr txBox="1">
+                <a:spLocks noRot="1" noChangeAspect="1" noMove="1" noResize="1" noEditPoints="1" noAdjustHandles="1" noChangeArrowheads="1" noChangeShapeType="1" noTextEdit="1"/>
+              </p:cNvSpPr>
+              <p:nvPr/>
+            </p:nvSpPr>
+            <p:spPr>
+              <a:xfrm>
+                <a:off x="3643824" y="2966313"/>
+                <a:ext cx="331530" cy="632313"/>
+              </a:xfrm>
+              <a:prstGeom prst="rect">
+                <a:avLst/>
+              </a:prstGeom>
+              <a:blipFill>
+                <a:blip r:embed="rId12"/>
+                <a:stretch>
+                  <a:fillRect/>
+                </a:stretch>
+              </a:blipFill>
+            </p:spPr>
+            <p:txBody>
+              <a:bodyPr/>
+              <a:lstStyle/>
+              <a:p>
+                <a:r>
+                  <a:rPr lang="en-US">
+                    <a:noFill/>
+                  </a:rPr>
+                  <a:t> </a:t>
+                </a:r>
+              </a:p>
+            </p:txBody>
+          </p:sp>
+        </mc:Fallback>
+      </mc:AlternateContent>
+      <p:pic>
+        <p:nvPicPr>
+          <p:cNvPr id="29" name="Picture 28">
+            <a:extLst>
+              <a:ext uri="{FF2B5EF4-FFF2-40B4-BE49-F238E27FC236}">
+                <a16:creationId xmlns:a16="http://schemas.microsoft.com/office/drawing/2014/main" id="{4BAB9D2F-D68C-48CA-B1F3-EA1CE41455C8}"/>
+              </a:ext>
+            </a:extLst>
+          </p:cNvPr>
+          <p:cNvPicPr>
+            <a:picLocks noChangeAspect="1"/>
+          </p:cNvPicPr>
+          <p:nvPr/>
+        </p:nvPicPr>
+        <p:blipFill>
+          <a:blip r:embed="rId13"/>
+          <a:stretch>
+            <a:fillRect/>
+          </a:stretch>
+        </p:blipFill>
+        <p:spPr>
+          <a:xfrm>
+            <a:off x="6154909" y="3033459"/>
+            <a:ext cx="1987972" cy="579985"/>
+          </a:xfrm>
+          <a:prstGeom prst="rect">
+            <a:avLst/>
+          </a:prstGeom>
+        </p:spPr>
+      </p:pic>
+      <p:grpSp>
+        <p:nvGrpSpPr>
+          <p:cNvPr id="1027" name="Group 1026">
+            <a:extLst>
+              <a:ext uri="{FF2B5EF4-FFF2-40B4-BE49-F238E27FC236}">
+                <a16:creationId xmlns:a16="http://schemas.microsoft.com/office/drawing/2014/main" id="{372FE762-10B4-4A76-9375-29324EB43CAE}"/>
+              </a:ext>
+            </a:extLst>
+          </p:cNvPr>
+          <p:cNvGrpSpPr/>
+          <p:nvPr/>
+        </p:nvGrpSpPr>
+        <p:grpSpPr>
+          <a:xfrm>
+            <a:off x="6422368" y="4083117"/>
+            <a:ext cx="3153267" cy="700223"/>
+            <a:chOff x="4537583" y="3279680"/>
+            <a:chExt cx="3153267" cy="700223"/>
+          </a:xfrm>
+        </p:grpSpPr>
+        <p:pic>
+          <p:nvPicPr>
+            <p:cNvPr id="30" name="Picture 29">
+              <a:extLst>
+                <a:ext uri="{FF2B5EF4-FFF2-40B4-BE49-F238E27FC236}">
+                  <a16:creationId xmlns:a16="http://schemas.microsoft.com/office/drawing/2014/main" id="{2FFD8F6D-5FEA-4578-9D55-20C5265AD498}"/>
+                </a:ext>
+              </a:extLst>
+            </p:cNvPr>
+            <p:cNvPicPr>
+              <a:picLocks noChangeAspect="1"/>
+            </p:cNvPicPr>
+            <p:nvPr/>
+          </p:nvPicPr>
+          <p:blipFill>
+            <a:blip r:embed="rId14"/>
+            <a:stretch>
+              <a:fillRect/>
+            </a:stretch>
+          </p:blipFill>
+          <p:spPr>
+            <a:xfrm>
+              <a:off x="4537583" y="3409006"/>
+              <a:ext cx="1987972" cy="347140"/>
+            </a:xfrm>
+            <a:prstGeom prst="rect">
+              <a:avLst/>
+            </a:prstGeom>
+          </p:spPr>
+        </p:pic>
+        <p:pic>
+          <p:nvPicPr>
+            <p:cNvPr id="1025" name="Picture 1024">
+              <a:extLst>
+                <a:ext uri="{FF2B5EF4-FFF2-40B4-BE49-F238E27FC236}">
+                  <a16:creationId xmlns:a16="http://schemas.microsoft.com/office/drawing/2014/main" id="{8EF9BF40-DF72-43AC-8514-28A0CA411109}"/>
+                </a:ext>
+              </a:extLst>
+            </p:cNvPr>
+            <p:cNvPicPr>
+              <a:picLocks noChangeAspect="1"/>
+            </p:cNvPicPr>
+            <p:nvPr/>
+          </p:nvPicPr>
+          <p:blipFill>
+            <a:blip r:embed="rId15"/>
+            <a:stretch>
+              <a:fillRect/>
+            </a:stretch>
+          </p:blipFill>
+          <p:spPr>
+            <a:xfrm>
+              <a:off x="6574277" y="3279680"/>
+              <a:ext cx="1116573" cy="700223"/>
+            </a:xfrm>
+            <a:prstGeom prst="rect">
+              <a:avLst/>
+            </a:prstGeom>
+          </p:spPr>
+        </p:pic>
+      </p:grpSp>
+      <p:pic>
+        <p:nvPicPr>
+          <p:cNvPr id="1028" name="Picture 1027">
+            <a:extLst>
+              <a:ext uri="{FF2B5EF4-FFF2-40B4-BE49-F238E27FC236}">
+                <a16:creationId xmlns:a16="http://schemas.microsoft.com/office/drawing/2014/main" id="{D1AF5AFD-4741-4C73-BC8C-0F3264F2D68A}"/>
+              </a:ext>
+            </a:extLst>
+          </p:cNvPr>
+          <p:cNvPicPr>
+            <a:picLocks noChangeAspect="1"/>
+          </p:cNvPicPr>
+          <p:nvPr/>
+        </p:nvPicPr>
+        <p:blipFill>
+          <a:blip r:embed="rId16"/>
+          <a:stretch>
+            <a:fillRect/>
+          </a:stretch>
+        </p:blipFill>
+        <p:spPr>
+          <a:xfrm>
+            <a:off x="7148895" y="5152919"/>
+            <a:ext cx="2086266" cy="428685"/>
+          </a:xfrm>
+          <a:prstGeom prst="rect">
+            <a:avLst/>
+          </a:prstGeom>
+        </p:spPr>
+      </p:pic>
+      <mc:AlternateContent xmlns:mc="http://schemas.openxmlformats.org/markup-compatibility/2006" xmlns:a14="http://schemas.microsoft.com/office/drawing/2010/main">
+        <mc:Choice Requires="a14">
+          <p:sp>
+            <p:nvSpPr>
+              <p:cNvPr id="1030" name="TextBox 1029">
+                <a:extLst>
+                  <a:ext uri="{FF2B5EF4-FFF2-40B4-BE49-F238E27FC236}">
+                    <a16:creationId xmlns:a16="http://schemas.microsoft.com/office/drawing/2014/main" id="{97C1E370-86EB-4296-94FE-FE9F0E5C3003}"/>
+                  </a:ext>
+                </a:extLst>
+              </p:cNvPr>
+              <p:cNvSpPr txBox="1"/>
+              <p:nvPr/>
+            </p:nvSpPr>
+            <p:spPr>
+              <a:xfrm>
+                <a:off x="1737001" y="4242271"/>
+                <a:ext cx="1847301" cy="654475"/>
+              </a:xfrm>
+              <a:prstGeom prst="rect">
+                <a:avLst/>
+              </a:prstGeom>
+              <a:noFill/>
+            </p:spPr>
+            <p:txBody>
+              <a:bodyPr wrap="square" lIns="0" tIns="0" rIns="0" bIns="0" rtlCol="0">
+                <a:spAutoFit/>
+              </a:bodyPr>
+              <a:lstStyle/>
+              <a:p>
+                <a:pPr/>
+                <a14:m>
+                  <m:oMathPara xmlns:m="http://schemas.openxmlformats.org/officeDocument/2006/math">
+                    <m:oMathParaPr>
+                      <m:jc m:val="centerGroup"/>
+                    </m:oMathParaPr>
+                    <m:oMath xmlns:m="http://schemas.openxmlformats.org/officeDocument/2006/math">
+                      <m:func>
+                        <m:funcPr>
+                          <m:ctrlPr>
+                            <a:rPr lang="pt-BR" i="1" smtClean="0">
+                              <a:latin typeface="Cambria Math" panose="02040503050406030204" pitchFamily="18" charset="0"/>
+                            </a:rPr>
+                          </m:ctrlPr>
+                        </m:funcPr>
+                        <m:fName>
+                          <m:r>
+                            <a:rPr lang="en-US" b="0" i="1" smtClean="0">
+                              <a:latin typeface="Cambria Math" panose="02040503050406030204" pitchFamily="18" charset="0"/>
+                            </a:rPr>
+                            <m:t>𝑒</m:t>
+                          </m:r>
+                          <m:r>
+                            <a:rPr lang="en-US" b="0" i="1" smtClean="0">
+                              <a:latin typeface="Cambria Math" panose="02040503050406030204" pitchFamily="18" charset="0"/>
+                            </a:rPr>
+                            <m:t>=</m:t>
+                          </m:r>
+                          <m:limLow>
+                            <m:limLowPr>
+                              <m:ctrlPr>
+                                <a:rPr lang="pt-BR" i="1" smtClean="0">
+                                  <a:latin typeface="Cambria Math" panose="02040503050406030204" pitchFamily="18" charset="0"/>
+                                </a:rPr>
+                              </m:ctrlPr>
+                            </m:limLowPr>
+                            <m:e>
+                              <m:r>
+                                <m:rPr>
+                                  <m:sty m:val="p"/>
+                                </m:rPr>
+                                <a:rPr lang="pt-BR" i="0" smtClean="0">
+                                  <a:latin typeface="Cambria Math" panose="02040503050406030204" pitchFamily="18" charset="0"/>
+                                </a:rPr>
+                                <m:t>lim</m:t>
+                              </m:r>
+                            </m:e>
+                            <m:lim>
+                              <m:r>
+                                <a:rPr lang="pt-BR" i="1" smtClean="0">
+                                  <a:latin typeface="Cambria Math" panose="02040503050406030204" pitchFamily="18" charset="0"/>
+                                </a:rPr>
+                                <m:t>𝑛</m:t>
+                              </m:r>
+                              <m:r>
+                                <a:rPr lang="pt-BR" i="1" smtClean="0">
+                                  <a:latin typeface="Cambria Math" panose="02040503050406030204" pitchFamily="18" charset="0"/>
+                                </a:rPr>
+                                <m:t>→∞</m:t>
+                              </m:r>
+                            </m:lim>
+                          </m:limLow>
+                        </m:fName>
+                        <m:e>
+                          <m:sSup>
+                            <m:sSupPr>
+                              <m:ctrlPr>
+                                <a:rPr lang="pt-BR" i="1" smtClean="0">
+                                  <a:latin typeface="Cambria Math" panose="02040503050406030204" pitchFamily="18" charset="0"/>
+                                </a:rPr>
+                              </m:ctrlPr>
+                            </m:sSupPr>
+                            <m:e>
+                              <m:d>
+                                <m:dPr>
+                                  <m:ctrlPr>
+                                    <a:rPr lang="pt-BR" i="1" smtClean="0">
+                                      <a:latin typeface="Cambria Math" panose="02040503050406030204" pitchFamily="18" charset="0"/>
+                                    </a:rPr>
+                                  </m:ctrlPr>
+                                </m:dPr>
+                                <m:e>
+                                  <m:r>
+                                    <a:rPr lang="pt-BR" i="1" smtClean="0">
+                                      <a:latin typeface="Cambria Math" panose="02040503050406030204" pitchFamily="18" charset="0"/>
+                                    </a:rPr>
+                                    <m:t>1+</m:t>
+                                  </m:r>
+                                  <m:f>
+                                    <m:fPr>
+                                      <m:ctrlPr>
+                                        <a:rPr lang="pt-BR" i="1" smtClean="0">
+                                          <a:latin typeface="Cambria Math" panose="02040503050406030204" pitchFamily="18" charset="0"/>
+                                        </a:rPr>
+                                      </m:ctrlPr>
+                                    </m:fPr>
+                                    <m:num>
+                                      <m:r>
+                                        <a:rPr lang="pt-BR" i="1" smtClean="0">
+                                          <a:latin typeface="Cambria Math" panose="02040503050406030204" pitchFamily="18" charset="0"/>
+                                        </a:rPr>
+                                        <m:t>1</m:t>
+                                      </m:r>
+                                    </m:num>
+                                    <m:den>
+                                      <m:r>
+                                        <a:rPr lang="pt-BR" i="1" smtClean="0">
+                                          <a:latin typeface="Cambria Math" panose="02040503050406030204" pitchFamily="18" charset="0"/>
+                                        </a:rPr>
+                                        <m:t>𝑛</m:t>
+                                      </m:r>
+                                    </m:den>
+                                  </m:f>
+                                </m:e>
+                              </m:d>
+                            </m:e>
+                            <m:sup>
+                              <m:r>
+                                <a:rPr lang="pt-BR" i="1" smtClean="0">
+                                  <a:latin typeface="Cambria Math" panose="02040503050406030204" pitchFamily="18" charset="0"/>
+                                </a:rPr>
+                                <m:t>𝑛</m:t>
+                              </m:r>
+                            </m:sup>
+                          </m:sSup>
+                        </m:e>
+                      </m:func>
+                    </m:oMath>
+                  </m:oMathPara>
+                </a14:m>
+                <a:endParaRPr lang="en-US" dirty="0"/>
+              </a:p>
+            </p:txBody>
+          </p:sp>
+        </mc:Choice>
+        <mc:Fallback xmlns="">
+          <p:sp>
+            <p:nvSpPr>
+              <p:cNvPr id="1030" name="TextBox 1029">
+                <a:extLst>
+                  <a:ext uri="{FF2B5EF4-FFF2-40B4-BE49-F238E27FC236}">
+                    <a16:creationId xmlns:a16="http://schemas.microsoft.com/office/drawing/2014/main" id="{97C1E370-86EB-4296-94FE-FE9F0E5C3003}"/>
+                  </a:ext>
+                </a:extLst>
+              </p:cNvPr>
+              <p:cNvSpPr txBox="1">
+                <a:spLocks noRot="1" noChangeAspect="1" noMove="1" noResize="1" noEditPoints="1" noAdjustHandles="1" noChangeArrowheads="1" noChangeShapeType="1" noTextEdit="1"/>
+              </p:cNvSpPr>
+              <p:nvPr/>
+            </p:nvSpPr>
+            <p:spPr>
+              <a:xfrm>
+                <a:off x="1737001" y="4242271"/>
+                <a:ext cx="1847301" cy="654475"/>
+              </a:xfrm>
+              <a:prstGeom prst="rect">
+                <a:avLst/>
+              </a:prstGeom>
+              <a:blipFill>
+                <a:blip r:embed="rId17"/>
+                <a:stretch>
+                  <a:fillRect/>
+                </a:stretch>
+              </a:blipFill>
+            </p:spPr>
+            <p:txBody>
+              <a:bodyPr/>
+              <a:lstStyle/>
+              <a:p>
+                <a:r>
+                  <a:rPr lang="en-US">
+                    <a:noFill/>
+                  </a:rPr>
+                  <a:t> </a:t>
+                </a:r>
+              </a:p>
+            </p:txBody>
+          </p:sp>
+        </mc:Fallback>
+      </mc:AlternateContent>
+      <p:pic>
+        <p:nvPicPr>
+          <p:cNvPr id="1031" name="Picture 1030">
+            <a:extLst>
+              <a:ext uri="{FF2B5EF4-FFF2-40B4-BE49-F238E27FC236}">
+                <a16:creationId xmlns:a16="http://schemas.microsoft.com/office/drawing/2014/main" id="{4FC4F723-CE73-43AE-A76C-C9B92F7A9B11}"/>
+              </a:ext>
+            </a:extLst>
+          </p:cNvPr>
+          <p:cNvPicPr>
+            <a:picLocks noChangeAspect="1"/>
+          </p:cNvPicPr>
+          <p:nvPr/>
+        </p:nvPicPr>
+        <p:blipFill>
+          <a:blip r:embed="rId18"/>
+          <a:stretch>
+            <a:fillRect/>
+          </a:stretch>
+        </p:blipFill>
+        <p:spPr>
+          <a:xfrm>
+            <a:off x="1737001" y="3758525"/>
+            <a:ext cx="866232" cy="314474"/>
+          </a:xfrm>
+          <a:prstGeom prst="rect">
+            <a:avLst/>
+          </a:prstGeom>
+        </p:spPr>
+      </p:pic>
     </p:spTree>
     <p:extLst>
       <p:ext uri="{BB962C8B-B14F-4D97-AF65-F5344CB8AC3E}">
-        <p14:creationId xmlns:p14="http://schemas.microsoft.com/office/powerpoint/2010/main" val="1461165185"/>
+        <p14:creationId xmlns:p14="http://schemas.microsoft.com/office/powerpoint/2010/main" val="1039918813"/>
       </p:ext>
     </p:extLst>
   </p:cSld>
@@ -13272,7 +16444,7 @@
 </p:sld>
 </file>
 
-<file path=ppt/slides/slide16.xml><?xml version="1.0" encoding="utf-8"?>
+<file path=ppt/slides/slide19.xml><?xml version="1.0" encoding="utf-8"?>
 <p:sld xmlns:a="http://schemas.openxmlformats.org/drawingml/2006/main" xmlns:r="http://schemas.openxmlformats.org/officeDocument/2006/relationships" xmlns:p="http://schemas.openxmlformats.org/presentationml/2006/main">
   <p:cSld>
     <p:spTree>
@@ -13291,7 +16463,13 @@
       </p:grpSpPr>
       <p:sp>
         <p:nvSpPr>
-          <p:cNvPr id="2" name="제목 1"/>
+          <p:cNvPr id="2" name="Title 1">
+            <a:extLst>
+              <a:ext uri="{FF2B5EF4-FFF2-40B4-BE49-F238E27FC236}">
+                <a16:creationId xmlns:a16="http://schemas.microsoft.com/office/drawing/2014/main" id="{FE5F54B1-9BD2-41B0-8749-B0F6C1BB9103}"/>
+              </a:ext>
+            </a:extLst>
+          </p:cNvPr>
           <p:cNvSpPr>
             <a:spLocks noGrp="1"/>
           </p:cNvSpPr>
@@ -13299,24 +16477,22 @@
             <p:ph type="title"/>
           </p:nvPr>
         </p:nvSpPr>
-        <p:spPr>
-          <a:xfrm>
-            <a:off x="681038" y="2343397"/>
-            <a:ext cx="8543925" cy="1325563"/>
-          </a:xfrm>
-        </p:spPr>
+        <p:spPr/>
         <p:txBody>
           <a:bodyPr/>
           <a:lstStyle/>
           <a:p>
-            <a:pPr algn="ctr"/>
             <a:r>
               <a:rPr lang="ko-KR" altLang="en-US" dirty="0"/>
-              <a:t>끝</a:t>
+              <a:t>미분</a:t>
             </a:r>
             <a:r>
               <a:rPr lang="en-US" altLang="ko-KR" dirty="0"/>
-              <a:t>.</a:t>
+              <a:t>, </a:t>
+            </a:r>
+            <a:r>
+              <a:rPr lang="ko-KR" altLang="en-US" dirty="0"/>
+              <a:t>적분</a:t>
             </a:r>
             <a:endParaRPr lang="en-US" dirty="0"/>
           </a:p>
@@ -13324,7 +16500,119 @@
       </p:sp>
       <p:sp>
         <p:nvSpPr>
-          <p:cNvPr id="5" name="슬라이드 번호 개체 틀 4"/>
+          <p:cNvPr id="3" name="Text Placeholder 2">
+            <a:extLst>
+              <a:ext uri="{FF2B5EF4-FFF2-40B4-BE49-F238E27FC236}">
+                <a16:creationId xmlns:a16="http://schemas.microsoft.com/office/drawing/2014/main" id="{870A959A-D0A8-4050-BA46-545BE8DA3CFC}"/>
+              </a:ext>
+            </a:extLst>
+          </p:cNvPr>
+          <p:cNvSpPr>
+            <a:spLocks noGrp="1"/>
+          </p:cNvSpPr>
+          <p:nvPr>
+            <p:ph type="body" idx="1"/>
+          </p:nvPr>
+        </p:nvSpPr>
+        <p:spPr/>
+        <p:txBody>
+          <a:bodyPr/>
+          <a:lstStyle/>
+          <a:p>
+            <a:r>
+              <a:rPr lang="ko-KR" altLang="en-US" dirty="0"/>
+              <a:t>미분</a:t>
+            </a:r>
+            <a:endParaRPr lang="en-US" altLang="ko-KR" dirty="0"/>
+          </a:p>
+          <a:p>
+            <a:r>
+              <a:rPr lang="ko-KR" altLang="en-US" dirty="0"/>
+              <a:t>적분</a:t>
+            </a:r>
+            <a:endParaRPr lang="en-US" dirty="0"/>
+          </a:p>
+        </p:txBody>
+      </p:sp>
+      <p:sp>
+        <p:nvSpPr>
+          <p:cNvPr id="4" name="Date Placeholder 3">
+            <a:extLst>
+              <a:ext uri="{FF2B5EF4-FFF2-40B4-BE49-F238E27FC236}">
+                <a16:creationId xmlns:a16="http://schemas.microsoft.com/office/drawing/2014/main" id="{C3463396-7C42-4378-84F6-C9174834B13F}"/>
+              </a:ext>
+            </a:extLst>
+          </p:cNvPr>
+          <p:cNvSpPr>
+            <a:spLocks noGrp="1"/>
+          </p:cNvSpPr>
+          <p:nvPr>
+            <p:ph type="dt" sz="half" idx="10"/>
+          </p:nvPr>
+        </p:nvSpPr>
+        <p:spPr/>
+        <p:txBody>
+          <a:bodyPr/>
+          <a:lstStyle/>
+          <a:p>
+            <a:fld id="{4CC14437-CE76-4CAA-B57D-74630AAA1A81}" type="datetime1">
+              <a:rPr lang="ko-KR" altLang="en-US" smtClean="0"/>
+              <a:t>2019-07-13</a:t>
+            </a:fld>
+            <a:endParaRPr lang="en-US"/>
+          </a:p>
+        </p:txBody>
+      </p:sp>
+      <p:sp>
+        <p:nvSpPr>
+          <p:cNvPr id="5" name="Footer Placeholder 4">
+            <a:extLst>
+              <a:ext uri="{FF2B5EF4-FFF2-40B4-BE49-F238E27FC236}">
+                <a16:creationId xmlns:a16="http://schemas.microsoft.com/office/drawing/2014/main" id="{8C4E3CE4-38C5-4F87-A46F-AF661228BA06}"/>
+              </a:ext>
+            </a:extLst>
+          </p:cNvPr>
+          <p:cNvSpPr>
+            <a:spLocks noGrp="1"/>
+          </p:cNvSpPr>
+          <p:nvPr>
+            <p:ph type="ftr" sz="quarter" idx="11"/>
+          </p:nvPr>
+        </p:nvSpPr>
+        <p:spPr/>
+        <p:txBody>
+          <a:bodyPr/>
+          <a:lstStyle/>
+          <a:p>
+            <a:r>
+              <a:rPr lang="ko-KR" altLang="en-US"/>
+              <a:t>드론 멘토링 </a:t>
+            </a:r>
+            <a:r>
+              <a:rPr lang="en-US" altLang="ko-KR"/>
+              <a:t>(2019</a:t>
+            </a:r>
+            <a:r>
+              <a:rPr lang="ko-KR" altLang="en-US"/>
+              <a:t>년 여름</a:t>
+            </a:r>
+            <a:r>
+              <a:rPr lang="en-US" altLang="ko-KR"/>
+              <a:t>)</a:t>
+            </a:r>
+            <a:endParaRPr lang="en-US"/>
+          </a:p>
+        </p:txBody>
+      </p:sp>
+      <p:sp>
+        <p:nvSpPr>
+          <p:cNvPr id="6" name="Slide Number Placeholder 5">
+            <a:extLst>
+              <a:ext uri="{FF2B5EF4-FFF2-40B4-BE49-F238E27FC236}">
+                <a16:creationId xmlns:a16="http://schemas.microsoft.com/office/drawing/2014/main" id="{25E38A75-B140-4541-B35F-162C635B90C4}"/>
+              </a:ext>
+            </a:extLst>
+          </p:cNvPr>
           <p:cNvSpPr>
             <a:spLocks noGrp="1"/>
           </p:cNvSpPr>
@@ -13339,66 +16627,8 @@
           <a:p>
             <a:fld id="{AA0EB1BB-D2B3-481B-A5E1-F093F8D3CD29}" type="slidenum">
               <a:rPr lang="en-US" smtClean="0"/>
-              <a:t>16</a:t>
+              <a:t>19</a:t>
             </a:fld>
-            <a:endParaRPr lang="en-US"/>
-          </a:p>
-        </p:txBody>
-      </p:sp>
-      <p:sp>
-        <p:nvSpPr>
-          <p:cNvPr id="6" name="날짜 개체 틀 5"/>
-          <p:cNvSpPr>
-            <a:spLocks noGrp="1"/>
-          </p:cNvSpPr>
-          <p:nvPr>
-            <p:ph type="dt" sz="half" idx="10"/>
-          </p:nvPr>
-        </p:nvSpPr>
-        <p:spPr/>
-        <p:txBody>
-          <a:bodyPr/>
-          <a:lstStyle/>
-          <a:p>
-            <a:fld id="{6B29AF39-0B45-4EC4-A5E8-3B3BED10E749}" type="datetime1">
-              <a:rPr lang="ko-KR" altLang="en-US" smtClean="0"/>
-              <a:t>2019-07-11</a:t>
-            </a:fld>
-            <a:endParaRPr lang="en-US"/>
-          </a:p>
-        </p:txBody>
-      </p:sp>
-      <p:sp>
-        <p:nvSpPr>
-          <p:cNvPr id="3" name="바닥글 개체 틀 2"/>
-          <p:cNvSpPr>
-            <a:spLocks noGrp="1"/>
-          </p:cNvSpPr>
-          <p:nvPr>
-            <p:ph type="ftr" sz="quarter" idx="11"/>
-          </p:nvPr>
-        </p:nvSpPr>
-        <p:spPr/>
-        <p:txBody>
-          <a:bodyPr/>
-          <a:lstStyle/>
-          <a:p>
-            <a:r>
-              <a:rPr lang="ko-KR" altLang="en-US"/>
-              <a:t>드론 멘토링 </a:t>
-            </a:r>
-            <a:r>
-              <a:rPr lang="en-US" altLang="ko-KR"/>
-              <a:t>(2019</a:t>
-            </a:r>
-            <a:r>
-              <a:rPr lang="ko-KR" altLang="en-US"/>
-              <a:t>년 여름</a:t>
-            </a:r>
-            <a:r>
-              <a:rPr lang="en-US" altLang="ko-KR"/>
-              <a:t>)</a:t>
-            </a:r>
             <a:endParaRPr lang="en-US"/>
           </a:p>
         </p:txBody>
@@ -13406,325 +16636,7 @@
     </p:spTree>
     <p:extLst>
       <p:ext uri="{BB962C8B-B14F-4D97-AF65-F5344CB8AC3E}">
-        <p14:creationId xmlns:p14="http://schemas.microsoft.com/office/powerpoint/2010/main" val="781218299"/>
-      </p:ext>
-    </p:extLst>
-  </p:cSld>
-  <p:clrMapOvr>
-    <a:masterClrMapping/>
-  </p:clrMapOvr>
-  <mc:AlternateContent xmlns:mc="http://schemas.openxmlformats.org/markup-compatibility/2006" xmlns:p15="http://schemas.microsoft.com/office/powerpoint/2012/main">
-    <mc:Choice Requires="p15">
-      <p:transition xmlns:p14="http://schemas.microsoft.com/office/powerpoint/2010/main" spd="slow" p14:dur="1250">
-        <p15:prstTrans prst="pageCurlDouble"/>
-      </p:transition>
-    </mc:Choice>
-    <mc:Fallback xmlns="">
-      <p:transition spd="slow">
-        <p:fade/>
-      </p:transition>
-    </mc:Fallback>
-  </mc:AlternateContent>
-</p:sld>
-</file>
-
-<file path=ppt/slides/slide17.xml><?xml version="1.0" encoding="utf-8"?>
-<p:sld xmlns:a="http://schemas.openxmlformats.org/drawingml/2006/main" xmlns:r="http://schemas.openxmlformats.org/officeDocument/2006/relationships" xmlns:p="http://schemas.openxmlformats.org/presentationml/2006/main">
-  <p:cSld>
-    <p:spTree>
-      <p:nvGrpSpPr>
-        <p:cNvPr id="1" name=""/>
-        <p:cNvGrpSpPr/>
-        <p:nvPr/>
-      </p:nvGrpSpPr>
-      <p:grpSpPr>
-        <a:xfrm>
-          <a:off x="0" y="0"/>
-          <a:ext cx="0" cy="0"/>
-          <a:chOff x="0" y="0"/>
-          <a:chExt cx="0" cy="0"/>
-        </a:xfrm>
-      </p:grpSpPr>
-      <p:sp>
-        <p:nvSpPr>
-          <p:cNvPr id="2" name="제목 1"/>
-          <p:cNvSpPr>
-            <a:spLocks noGrp="1"/>
-          </p:cNvSpPr>
-          <p:nvPr>
-            <p:ph type="title"/>
-          </p:nvPr>
-        </p:nvSpPr>
-        <p:spPr/>
-        <p:txBody>
-          <a:bodyPr/>
-          <a:lstStyle/>
-          <a:p>
-            <a:r>
-              <a:rPr lang="ko-KR" altLang="en-US"/>
-              <a:t>드론 물리학</a:t>
-            </a:r>
-            <a:endParaRPr lang="en-US"/>
-          </a:p>
-        </p:txBody>
-      </p:sp>
-      <p:sp>
-        <p:nvSpPr>
-          <p:cNvPr id="3" name="텍스트 개체 틀 2"/>
-          <p:cNvSpPr>
-            <a:spLocks noGrp="1"/>
-          </p:cNvSpPr>
-          <p:nvPr>
-            <p:ph type="body" idx="1"/>
-          </p:nvPr>
-        </p:nvSpPr>
-        <p:spPr/>
-        <p:txBody>
-          <a:bodyPr/>
-          <a:lstStyle/>
-          <a:p>
-            <a:endParaRPr lang="en-US"/>
-          </a:p>
-        </p:txBody>
-      </p:sp>
-      <p:sp>
-        <p:nvSpPr>
-          <p:cNvPr id="4" name="날짜 개체 틀 3"/>
-          <p:cNvSpPr>
-            <a:spLocks noGrp="1"/>
-          </p:cNvSpPr>
-          <p:nvPr>
-            <p:ph type="dt" sz="half" idx="10"/>
-          </p:nvPr>
-        </p:nvSpPr>
-        <p:spPr/>
-        <p:txBody>
-          <a:bodyPr/>
-          <a:lstStyle/>
-          <a:p>
-            <a:fld id="{4CC14437-CE76-4CAA-B57D-74630AAA1A81}" type="datetime1">
-              <a:rPr lang="ko-KR" altLang="en-US" smtClean="0"/>
-              <a:t>2019-07-11</a:t>
-            </a:fld>
-            <a:endParaRPr lang="en-US"/>
-          </a:p>
-        </p:txBody>
-      </p:sp>
-      <p:sp>
-        <p:nvSpPr>
-          <p:cNvPr id="5" name="바닥글 개체 틀 4"/>
-          <p:cNvSpPr>
-            <a:spLocks noGrp="1"/>
-          </p:cNvSpPr>
-          <p:nvPr>
-            <p:ph type="ftr" sz="quarter" idx="11"/>
-          </p:nvPr>
-        </p:nvSpPr>
-        <p:spPr/>
-        <p:txBody>
-          <a:bodyPr/>
-          <a:lstStyle/>
-          <a:p>
-            <a:r>
-              <a:rPr lang="ko-KR" altLang="en-US"/>
-              <a:t>드론 멘토링 </a:t>
-            </a:r>
-            <a:r>
-              <a:rPr lang="en-US" altLang="ko-KR"/>
-              <a:t>(2019</a:t>
-            </a:r>
-            <a:r>
-              <a:rPr lang="ko-KR" altLang="en-US"/>
-              <a:t>년 여름</a:t>
-            </a:r>
-            <a:r>
-              <a:rPr lang="en-US" altLang="ko-KR"/>
-              <a:t>)</a:t>
-            </a:r>
-            <a:endParaRPr lang="en-US"/>
-          </a:p>
-        </p:txBody>
-      </p:sp>
-      <p:sp>
-        <p:nvSpPr>
-          <p:cNvPr id="6" name="슬라이드 번호 개체 틀 5"/>
-          <p:cNvSpPr>
-            <a:spLocks noGrp="1"/>
-          </p:cNvSpPr>
-          <p:nvPr>
-            <p:ph type="sldNum" sz="quarter" idx="12"/>
-          </p:nvPr>
-        </p:nvSpPr>
-        <p:spPr/>
-        <p:txBody>
-          <a:bodyPr/>
-          <a:lstStyle/>
-          <a:p>
-            <a:fld id="{AA0EB1BB-D2B3-481B-A5E1-F093F8D3CD29}" type="slidenum">
-              <a:rPr lang="en-US" smtClean="0"/>
-              <a:t>17</a:t>
-            </a:fld>
-            <a:endParaRPr lang="en-US"/>
-          </a:p>
-        </p:txBody>
-      </p:sp>
-    </p:spTree>
-    <p:extLst>
-      <p:ext uri="{BB962C8B-B14F-4D97-AF65-F5344CB8AC3E}">
-        <p14:creationId xmlns:p14="http://schemas.microsoft.com/office/powerpoint/2010/main" val="3781277454"/>
-      </p:ext>
-    </p:extLst>
-  </p:cSld>
-  <p:clrMapOvr>
-    <a:masterClrMapping/>
-  </p:clrMapOvr>
-</p:sld>
-</file>
-
-<file path=ppt/slides/slide18.xml><?xml version="1.0" encoding="utf-8"?>
-<p:sld xmlns:a="http://schemas.openxmlformats.org/drawingml/2006/main" xmlns:r="http://schemas.openxmlformats.org/officeDocument/2006/relationships" xmlns:p="http://schemas.openxmlformats.org/presentationml/2006/main">
-  <p:cSld>
-    <p:spTree>
-      <p:nvGrpSpPr>
-        <p:cNvPr id="1" name=""/>
-        <p:cNvGrpSpPr/>
-        <p:nvPr/>
-      </p:nvGrpSpPr>
-      <p:grpSpPr>
-        <a:xfrm>
-          <a:off x="0" y="0"/>
-          <a:ext cx="0" cy="0"/>
-          <a:chOff x="0" y="0"/>
-          <a:chExt cx="0" cy="0"/>
-        </a:xfrm>
-      </p:grpSpPr>
-      <p:sp>
-        <p:nvSpPr>
-          <p:cNvPr id="2" name="제목 1"/>
-          <p:cNvSpPr>
-            <a:spLocks noGrp="1"/>
-          </p:cNvSpPr>
-          <p:nvPr>
-            <p:ph type="title"/>
-          </p:nvPr>
-        </p:nvSpPr>
-        <p:spPr/>
-        <p:txBody>
-          <a:bodyPr/>
-          <a:lstStyle/>
-          <a:p>
-            <a:r>
-              <a:rPr lang="ko-KR" altLang="en-US"/>
-              <a:t>드론 항공 역학</a:t>
-            </a:r>
-            <a:endParaRPr lang="en-US"/>
-          </a:p>
-        </p:txBody>
-      </p:sp>
-      <p:sp>
-        <p:nvSpPr>
-          <p:cNvPr id="3" name="텍스트 개체 틀 2"/>
-          <p:cNvSpPr>
-            <a:spLocks noGrp="1"/>
-          </p:cNvSpPr>
-          <p:nvPr>
-            <p:ph type="body" idx="1"/>
-          </p:nvPr>
-        </p:nvSpPr>
-        <p:spPr/>
-        <p:txBody>
-          <a:bodyPr/>
-          <a:lstStyle/>
-          <a:p>
-            <a:endParaRPr lang="en-US"/>
-          </a:p>
-        </p:txBody>
-      </p:sp>
-      <p:sp>
-        <p:nvSpPr>
-          <p:cNvPr id="4" name="날짜 개체 틀 3"/>
-          <p:cNvSpPr>
-            <a:spLocks noGrp="1"/>
-          </p:cNvSpPr>
-          <p:nvPr>
-            <p:ph type="dt" sz="half" idx="10"/>
-          </p:nvPr>
-        </p:nvSpPr>
-        <p:spPr/>
-        <p:txBody>
-          <a:bodyPr/>
-          <a:lstStyle/>
-          <a:p>
-            <a:fld id="{4CC14437-CE76-4CAA-B57D-74630AAA1A81}" type="datetime1">
-              <a:rPr lang="ko-KR" altLang="en-US" smtClean="0"/>
-              <a:t>2019-07-11</a:t>
-            </a:fld>
-            <a:endParaRPr lang="en-US"/>
-          </a:p>
-        </p:txBody>
-      </p:sp>
-      <p:sp>
-        <p:nvSpPr>
-          <p:cNvPr id="5" name="바닥글 개체 틀 4"/>
-          <p:cNvSpPr>
-            <a:spLocks noGrp="1"/>
-          </p:cNvSpPr>
-          <p:nvPr>
-            <p:ph type="ftr" sz="quarter" idx="11"/>
-          </p:nvPr>
-        </p:nvSpPr>
-        <p:spPr/>
-        <p:txBody>
-          <a:bodyPr/>
-          <a:lstStyle/>
-          <a:p>
-            <a:r>
-              <a:rPr lang="ko-KR" altLang="en-US"/>
-              <a:t>드론 멘토링 </a:t>
-            </a:r>
-            <a:r>
-              <a:rPr lang="en-US" altLang="ko-KR"/>
-              <a:t>(2019</a:t>
-            </a:r>
-            <a:r>
-              <a:rPr lang="ko-KR" altLang="en-US"/>
-              <a:t>년 여름</a:t>
-            </a:r>
-            <a:r>
-              <a:rPr lang="en-US" altLang="ko-KR"/>
-              <a:t>)</a:t>
-            </a:r>
-            <a:endParaRPr lang="en-US"/>
-          </a:p>
-        </p:txBody>
-      </p:sp>
-      <p:sp>
-        <p:nvSpPr>
-          <p:cNvPr id="6" name="슬라이드 번호 개체 틀 5"/>
-          <p:cNvSpPr>
-            <a:spLocks noGrp="1"/>
-          </p:cNvSpPr>
-          <p:nvPr>
-            <p:ph type="sldNum" sz="quarter" idx="12"/>
-          </p:nvPr>
-        </p:nvSpPr>
-        <p:spPr/>
-        <p:txBody>
-          <a:bodyPr/>
-          <a:lstStyle/>
-          <a:p>
-            <a:fld id="{AA0EB1BB-D2B3-481B-A5E1-F093F8D3CD29}" type="slidenum">
-              <a:rPr lang="en-US" smtClean="0"/>
-              <a:t>18</a:t>
-            </a:fld>
-            <a:endParaRPr lang="en-US"/>
-          </a:p>
-        </p:txBody>
-      </p:sp>
-    </p:spTree>
-    <p:extLst>
-      <p:ext uri="{BB962C8B-B14F-4D97-AF65-F5344CB8AC3E}">
-        <p14:creationId xmlns:p14="http://schemas.microsoft.com/office/powerpoint/2010/main" val="2941434546"/>
+        <p14:creationId xmlns:p14="http://schemas.microsoft.com/office/powerpoint/2010/main" val="3488122469"/>
       </p:ext>
     </p:extLst>
   </p:cSld>
@@ -13859,7 +16771,7 @@
           <a:p>
             <a:fld id="{4CC14437-CE76-4CAA-B57D-74630AAA1A81}" type="datetime1">
               <a:rPr lang="ko-KR" altLang="en-US" smtClean="0"/>
-              <a:t>2019-07-11</a:t>
+              <a:t>2019-07-13</a:t>
             </a:fld>
             <a:endParaRPr lang="en-US"/>
           </a:p>
@@ -13945,6 +16857,3078 @@
   <p:clrMapOvr>
     <a:masterClrMapping/>
   </p:clrMapOvr>
+</p:sld>
+</file>
+
+<file path=ppt/slides/slide20.xml><?xml version="1.0" encoding="utf-8"?>
+<p:sld xmlns:a="http://schemas.openxmlformats.org/drawingml/2006/main" xmlns:r="http://schemas.openxmlformats.org/officeDocument/2006/relationships" xmlns:p="http://schemas.openxmlformats.org/presentationml/2006/main">
+  <p:cSld>
+    <p:spTree>
+      <p:nvGrpSpPr>
+        <p:cNvPr id="1" name=""/>
+        <p:cNvGrpSpPr/>
+        <p:nvPr/>
+      </p:nvGrpSpPr>
+      <p:grpSpPr>
+        <a:xfrm>
+          <a:off x="0" y="0"/>
+          <a:ext cx="0" cy="0"/>
+          <a:chOff x="0" y="0"/>
+          <a:chExt cx="0" cy="0"/>
+        </a:xfrm>
+      </p:grpSpPr>
+      <p:sp>
+        <p:nvSpPr>
+          <p:cNvPr id="2" name="Title 1">
+            <a:extLst>
+              <a:ext uri="{FF2B5EF4-FFF2-40B4-BE49-F238E27FC236}">
+                <a16:creationId xmlns:a16="http://schemas.microsoft.com/office/drawing/2014/main" id="{FD55E9A8-0828-424C-9011-2E8474AEC163}"/>
+              </a:ext>
+            </a:extLst>
+          </p:cNvPr>
+          <p:cNvSpPr>
+            <a:spLocks noGrp="1"/>
+          </p:cNvSpPr>
+          <p:nvPr>
+            <p:ph type="title"/>
+          </p:nvPr>
+        </p:nvSpPr>
+        <p:spPr/>
+        <p:txBody>
+          <a:bodyPr/>
+          <a:lstStyle/>
+          <a:p>
+            <a:r>
+              <a:rPr lang="ko-KR" altLang="en-US" dirty="0"/>
+              <a:t>미분</a:t>
+            </a:r>
+            <a:r>
+              <a:rPr lang="en-US" altLang="ko-KR" dirty="0"/>
+              <a:t>(Derivative)</a:t>
+            </a:r>
+            <a:endParaRPr lang="en-US" dirty="0"/>
+          </a:p>
+        </p:txBody>
+      </p:sp>
+      <p:sp>
+        <p:nvSpPr>
+          <p:cNvPr id="3" name="Content Placeholder 2">
+            <a:extLst>
+              <a:ext uri="{FF2B5EF4-FFF2-40B4-BE49-F238E27FC236}">
+                <a16:creationId xmlns:a16="http://schemas.microsoft.com/office/drawing/2014/main" id="{2BD7A997-4EF8-4CC8-A053-3EA7AEC0AEE3}"/>
+              </a:ext>
+            </a:extLst>
+          </p:cNvPr>
+          <p:cNvSpPr>
+            <a:spLocks noGrp="1"/>
+          </p:cNvSpPr>
+          <p:nvPr>
+            <p:ph idx="1"/>
+          </p:nvPr>
+        </p:nvSpPr>
+        <p:spPr>
+          <a:xfrm>
+            <a:off x="681038" y="1255271"/>
+            <a:ext cx="8543925" cy="883922"/>
+          </a:xfrm>
+        </p:spPr>
+        <p:txBody>
+          <a:bodyPr/>
+          <a:lstStyle/>
+          <a:p>
+            <a:r>
+              <a:rPr lang="ko-KR" altLang="en-US" dirty="0"/>
+              <a:t>미분은 함수의 순간 변화율이다</a:t>
+            </a:r>
+            <a:r>
+              <a:rPr lang="en-US" altLang="ko-KR" dirty="0"/>
+              <a:t>.</a:t>
+            </a:r>
+            <a:endParaRPr lang="en-US" dirty="0"/>
+          </a:p>
+        </p:txBody>
+      </p:sp>
+      <p:sp>
+        <p:nvSpPr>
+          <p:cNvPr id="4" name="Date Placeholder 3">
+            <a:extLst>
+              <a:ext uri="{FF2B5EF4-FFF2-40B4-BE49-F238E27FC236}">
+                <a16:creationId xmlns:a16="http://schemas.microsoft.com/office/drawing/2014/main" id="{C7D1F2E9-3D3C-4606-B5FC-5169F9EA02D3}"/>
+              </a:ext>
+            </a:extLst>
+          </p:cNvPr>
+          <p:cNvSpPr>
+            <a:spLocks noGrp="1"/>
+          </p:cNvSpPr>
+          <p:nvPr>
+            <p:ph type="dt" sz="half" idx="10"/>
+          </p:nvPr>
+        </p:nvSpPr>
+        <p:spPr/>
+        <p:txBody>
+          <a:bodyPr/>
+          <a:lstStyle/>
+          <a:p>
+            <a:fld id="{BE0357B1-0FDD-482C-A9DC-A4587093D4A9}" type="datetime1">
+              <a:rPr lang="ko-KR" altLang="en-US" smtClean="0"/>
+              <a:t>2019-07-13</a:t>
+            </a:fld>
+            <a:endParaRPr lang="en-US"/>
+          </a:p>
+        </p:txBody>
+      </p:sp>
+      <p:sp>
+        <p:nvSpPr>
+          <p:cNvPr id="5" name="Footer Placeholder 4">
+            <a:extLst>
+              <a:ext uri="{FF2B5EF4-FFF2-40B4-BE49-F238E27FC236}">
+                <a16:creationId xmlns:a16="http://schemas.microsoft.com/office/drawing/2014/main" id="{9E1679B7-4D62-49B1-83A5-12D4E38706C1}"/>
+              </a:ext>
+            </a:extLst>
+          </p:cNvPr>
+          <p:cNvSpPr>
+            <a:spLocks noGrp="1"/>
+          </p:cNvSpPr>
+          <p:nvPr>
+            <p:ph type="ftr" sz="quarter" idx="11"/>
+          </p:nvPr>
+        </p:nvSpPr>
+        <p:spPr/>
+        <p:txBody>
+          <a:bodyPr/>
+          <a:lstStyle/>
+          <a:p>
+            <a:r>
+              <a:rPr lang="ko-KR" altLang="en-US"/>
+              <a:t>드론 멘토링 </a:t>
+            </a:r>
+            <a:r>
+              <a:rPr lang="en-US" altLang="ko-KR"/>
+              <a:t>(2019</a:t>
+            </a:r>
+            <a:r>
+              <a:rPr lang="ko-KR" altLang="en-US"/>
+              <a:t>년 여름</a:t>
+            </a:r>
+            <a:r>
+              <a:rPr lang="en-US" altLang="ko-KR"/>
+              <a:t>)</a:t>
+            </a:r>
+            <a:endParaRPr lang="en-US"/>
+          </a:p>
+        </p:txBody>
+      </p:sp>
+      <p:sp>
+        <p:nvSpPr>
+          <p:cNvPr id="6" name="Slide Number Placeholder 5">
+            <a:extLst>
+              <a:ext uri="{FF2B5EF4-FFF2-40B4-BE49-F238E27FC236}">
+                <a16:creationId xmlns:a16="http://schemas.microsoft.com/office/drawing/2014/main" id="{6C5D42FA-0CD7-48A0-AF0F-BEC4AA34B15D}"/>
+              </a:ext>
+            </a:extLst>
+          </p:cNvPr>
+          <p:cNvSpPr>
+            <a:spLocks noGrp="1"/>
+          </p:cNvSpPr>
+          <p:nvPr>
+            <p:ph type="sldNum" sz="quarter" idx="12"/>
+          </p:nvPr>
+        </p:nvSpPr>
+        <p:spPr/>
+        <p:txBody>
+          <a:bodyPr/>
+          <a:lstStyle/>
+          <a:p>
+            <a:fld id="{AA0EB1BB-D2B3-481B-A5E1-F093F8D3CD29}" type="slidenum">
+              <a:rPr lang="en-US" smtClean="0"/>
+              <a:t>20</a:t>
+            </a:fld>
+            <a:endParaRPr lang="en-US"/>
+          </a:p>
+        </p:txBody>
+      </p:sp>
+      <p:pic>
+        <p:nvPicPr>
+          <p:cNvPr id="7" name="Picture 6">
+            <a:extLst>
+              <a:ext uri="{FF2B5EF4-FFF2-40B4-BE49-F238E27FC236}">
+                <a16:creationId xmlns:a16="http://schemas.microsoft.com/office/drawing/2014/main" id="{BD1580F0-6A42-490C-BE1B-C27B3D66BAFB}"/>
+              </a:ext>
+            </a:extLst>
+          </p:cNvPr>
+          <p:cNvPicPr>
+            <a:picLocks noChangeAspect="1"/>
+          </p:cNvPicPr>
+          <p:nvPr/>
+        </p:nvPicPr>
+        <p:blipFill>
+          <a:blip r:embed="rId2"/>
+          <a:stretch>
+            <a:fillRect/>
+          </a:stretch>
+        </p:blipFill>
+        <p:spPr>
+          <a:xfrm>
+            <a:off x="1896079" y="2233637"/>
+            <a:ext cx="5121787" cy="962484"/>
+          </a:xfrm>
+          <a:prstGeom prst="rect">
+            <a:avLst/>
+          </a:prstGeom>
+        </p:spPr>
+      </p:pic>
+      <p:pic>
+        <p:nvPicPr>
+          <p:cNvPr id="1028" name="Picture 4" descr="í ì ì´ ì ì ì ê°ê¹ìì§ë ê³¼ì ì ëíë¸ ì ëë©ì´ì+">
+            <a:extLst>
+              <a:ext uri="{FF2B5EF4-FFF2-40B4-BE49-F238E27FC236}">
+                <a16:creationId xmlns:a16="http://schemas.microsoft.com/office/drawing/2014/main" id="{1817959F-E3A4-4145-AE1A-85058AC4012C}"/>
+              </a:ext>
+            </a:extLst>
+          </p:cNvPr>
+          <p:cNvPicPr>
+            <a:picLocks noChangeAspect="1" noChangeArrowheads="1" noCrop="1"/>
+          </p:cNvPicPr>
+          <p:nvPr/>
+        </p:nvPicPr>
+        <p:blipFill>
+          <a:blip r:embed="rId3">
+            <a:extLst>
+              <a:ext uri="{28A0092B-C50C-407E-A947-70E740481C1C}">
+                <a14:useLocalDpi xmlns:a14="http://schemas.microsoft.com/office/drawing/2010/main" val="0"/>
+              </a:ext>
+            </a:extLst>
+          </a:blip>
+          <a:srcRect/>
+          <a:stretch>
+            <a:fillRect/>
+          </a:stretch>
+        </p:blipFill>
+        <p:spPr bwMode="auto">
+          <a:xfrm>
+            <a:off x="3006666" y="3661880"/>
+            <a:ext cx="3165556" cy="2489279"/>
+          </a:xfrm>
+          <a:prstGeom prst="rect">
+            <a:avLst/>
+          </a:prstGeom>
+          <a:noFill/>
+          <a:extLst>
+            <a:ext uri="{909E8E84-426E-40DD-AFC4-6F175D3DCCD1}">
+              <a14:hiddenFill xmlns:a14="http://schemas.microsoft.com/office/drawing/2010/main">
+                <a:solidFill>
+                  <a:srgbClr val="FFFFFF"/>
+                </a:solidFill>
+              </a14:hiddenFill>
+            </a:ext>
+          </a:extLst>
+        </p:spPr>
+      </p:pic>
+    </p:spTree>
+    <p:extLst>
+      <p:ext uri="{BB962C8B-B14F-4D97-AF65-F5344CB8AC3E}">
+        <p14:creationId xmlns:p14="http://schemas.microsoft.com/office/powerpoint/2010/main" val="204998552"/>
+      </p:ext>
+    </p:extLst>
+  </p:cSld>
+  <p:clrMapOvr>
+    <a:masterClrMapping/>
+  </p:clrMapOvr>
+</p:sld>
+</file>
+
+<file path=ppt/slides/slide21.xml><?xml version="1.0" encoding="utf-8"?>
+<p:sld xmlns:a="http://schemas.openxmlformats.org/drawingml/2006/main" xmlns:r="http://schemas.openxmlformats.org/officeDocument/2006/relationships" xmlns:p="http://schemas.openxmlformats.org/presentationml/2006/main">
+  <p:cSld>
+    <p:spTree>
+      <p:nvGrpSpPr>
+        <p:cNvPr id="1" name=""/>
+        <p:cNvGrpSpPr/>
+        <p:nvPr/>
+      </p:nvGrpSpPr>
+      <p:grpSpPr>
+        <a:xfrm>
+          <a:off x="0" y="0"/>
+          <a:ext cx="0" cy="0"/>
+          <a:chOff x="0" y="0"/>
+          <a:chExt cx="0" cy="0"/>
+        </a:xfrm>
+      </p:grpSpPr>
+      <p:sp>
+        <p:nvSpPr>
+          <p:cNvPr id="2" name="Title 1">
+            <a:extLst>
+              <a:ext uri="{FF2B5EF4-FFF2-40B4-BE49-F238E27FC236}">
+                <a16:creationId xmlns:a16="http://schemas.microsoft.com/office/drawing/2014/main" id="{ADE3F7F6-D3D7-4557-8B6A-21FC5F3CE99A}"/>
+              </a:ext>
+            </a:extLst>
+          </p:cNvPr>
+          <p:cNvSpPr>
+            <a:spLocks noGrp="1"/>
+          </p:cNvSpPr>
+          <p:nvPr>
+            <p:ph type="title"/>
+          </p:nvPr>
+        </p:nvSpPr>
+        <p:spPr/>
+        <p:txBody>
+          <a:bodyPr/>
+          <a:lstStyle/>
+          <a:p>
+            <a:r>
+              <a:rPr lang="ko-KR" altLang="en-US" dirty="0"/>
+              <a:t>적분</a:t>
+            </a:r>
+            <a:r>
+              <a:rPr lang="en-US" altLang="ko-KR" dirty="0"/>
+              <a:t>(Integration)</a:t>
+            </a:r>
+            <a:endParaRPr lang="en-US" dirty="0"/>
+          </a:p>
+        </p:txBody>
+      </p:sp>
+      <p:sp>
+        <p:nvSpPr>
+          <p:cNvPr id="3" name="Content Placeholder 2">
+            <a:extLst>
+              <a:ext uri="{FF2B5EF4-FFF2-40B4-BE49-F238E27FC236}">
+                <a16:creationId xmlns:a16="http://schemas.microsoft.com/office/drawing/2014/main" id="{6C8BF33D-0A38-446F-9901-08AEA2855BDE}"/>
+              </a:ext>
+            </a:extLst>
+          </p:cNvPr>
+          <p:cNvSpPr>
+            <a:spLocks noGrp="1"/>
+          </p:cNvSpPr>
+          <p:nvPr>
+            <p:ph idx="1"/>
+          </p:nvPr>
+        </p:nvSpPr>
+        <p:spPr>
+          <a:xfrm>
+            <a:off x="681038" y="1255271"/>
+            <a:ext cx="8543925" cy="942645"/>
+          </a:xfrm>
+        </p:spPr>
+        <p:txBody>
+          <a:bodyPr/>
+          <a:lstStyle/>
+          <a:p>
+            <a:r>
+              <a:rPr lang="ko-KR" altLang="en-US" dirty="0"/>
+              <a:t>적분은 함수의 순간 변화량의 합이다</a:t>
+            </a:r>
+            <a:r>
+              <a:rPr lang="en-US" altLang="ko-KR" dirty="0"/>
+              <a:t>.</a:t>
+            </a:r>
+            <a:endParaRPr lang="en-US" dirty="0"/>
+          </a:p>
+        </p:txBody>
+      </p:sp>
+      <p:sp>
+        <p:nvSpPr>
+          <p:cNvPr id="4" name="Date Placeholder 3">
+            <a:extLst>
+              <a:ext uri="{FF2B5EF4-FFF2-40B4-BE49-F238E27FC236}">
+                <a16:creationId xmlns:a16="http://schemas.microsoft.com/office/drawing/2014/main" id="{A01B882B-31B3-41FD-A0B1-81B1BD354E49}"/>
+              </a:ext>
+            </a:extLst>
+          </p:cNvPr>
+          <p:cNvSpPr>
+            <a:spLocks noGrp="1"/>
+          </p:cNvSpPr>
+          <p:nvPr>
+            <p:ph type="dt" sz="half" idx="10"/>
+          </p:nvPr>
+        </p:nvSpPr>
+        <p:spPr/>
+        <p:txBody>
+          <a:bodyPr/>
+          <a:lstStyle/>
+          <a:p>
+            <a:fld id="{BE0357B1-0FDD-482C-A9DC-A4587093D4A9}" type="datetime1">
+              <a:rPr lang="ko-KR" altLang="en-US" smtClean="0"/>
+              <a:t>2019-07-13</a:t>
+            </a:fld>
+            <a:endParaRPr lang="en-US"/>
+          </a:p>
+        </p:txBody>
+      </p:sp>
+      <p:sp>
+        <p:nvSpPr>
+          <p:cNvPr id="5" name="Footer Placeholder 4">
+            <a:extLst>
+              <a:ext uri="{FF2B5EF4-FFF2-40B4-BE49-F238E27FC236}">
+                <a16:creationId xmlns:a16="http://schemas.microsoft.com/office/drawing/2014/main" id="{176DBC95-329B-48BD-B6DF-E6690449B739}"/>
+              </a:ext>
+            </a:extLst>
+          </p:cNvPr>
+          <p:cNvSpPr>
+            <a:spLocks noGrp="1"/>
+          </p:cNvSpPr>
+          <p:nvPr>
+            <p:ph type="ftr" sz="quarter" idx="11"/>
+          </p:nvPr>
+        </p:nvSpPr>
+        <p:spPr/>
+        <p:txBody>
+          <a:bodyPr/>
+          <a:lstStyle/>
+          <a:p>
+            <a:r>
+              <a:rPr lang="ko-KR" altLang="en-US"/>
+              <a:t>드론 멘토링 </a:t>
+            </a:r>
+            <a:r>
+              <a:rPr lang="en-US" altLang="ko-KR"/>
+              <a:t>(2019</a:t>
+            </a:r>
+            <a:r>
+              <a:rPr lang="ko-KR" altLang="en-US"/>
+              <a:t>년 여름</a:t>
+            </a:r>
+            <a:r>
+              <a:rPr lang="en-US" altLang="ko-KR"/>
+              <a:t>)</a:t>
+            </a:r>
+            <a:endParaRPr lang="en-US"/>
+          </a:p>
+        </p:txBody>
+      </p:sp>
+      <p:sp>
+        <p:nvSpPr>
+          <p:cNvPr id="6" name="Slide Number Placeholder 5">
+            <a:extLst>
+              <a:ext uri="{FF2B5EF4-FFF2-40B4-BE49-F238E27FC236}">
+                <a16:creationId xmlns:a16="http://schemas.microsoft.com/office/drawing/2014/main" id="{7D945D2D-00BC-4D99-BCDC-C1208656B4FD}"/>
+              </a:ext>
+            </a:extLst>
+          </p:cNvPr>
+          <p:cNvSpPr>
+            <a:spLocks noGrp="1"/>
+          </p:cNvSpPr>
+          <p:nvPr>
+            <p:ph type="sldNum" sz="quarter" idx="12"/>
+          </p:nvPr>
+        </p:nvSpPr>
+        <p:spPr/>
+        <p:txBody>
+          <a:bodyPr/>
+          <a:lstStyle/>
+          <a:p>
+            <a:fld id="{AA0EB1BB-D2B3-481B-A5E1-F093F8D3CD29}" type="slidenum">
+              <a:rPr lang="en-US" smtClean="0"/>
+              <a:t>21</a:t>
+            </a:fld>
+            <a:endParaRPr lang="en-US"/>
+          </a:p>
+        </p:txBody>
+      </p:sp>
+      <p:pic>
+        <p:nvPicPr>
+          <p:cNvPr id="7" name="Picture 6">
+            <a:extLst>
+              <a:ext uri="{FF2B5EF4-FFF2-40B4-BE49-F238E27FC236}">
+                <a16:creationId xmlns:a16="http://schemas.microsoft.com/office/drawing/2014/main" id="{CD29B23A-9D43-4B68-9AC2-E432CBEC1544}"/>
+              </a:ext>
+            </a:extLst>
+          </p:cNvPr>
+          <p:cNvPicPr>
+            <a:picLocks noChangeAspect="1"/>
+          </p:cNvPicPr>
+          <p:nvPr/>
+        </p:nvPicPr>
+        <p:blipFill>
+          <a:blip r:embed="rId2"/>
+          <a:stretch>
+            <a:fillRect/>
+          </a:stretch>
+        </p:blipFill>
+        <p:spPr>
+          <a:xfrm>
+            <a:off x="1518758" y="2030187"/>
+            <a:ext cx="6868484" cy="762106"/>
+          </a:xfrm>
+          <a:prstGeom prst="rect">
+            <a:avLst/>
+          </a:prstGeom>
+        </p:spPr>
+      </p:pic>
+      <p:pic>
+        <p:nvPicPr>
+          <p:cNvPr id="2050" name="Picture 2" descr="https://upload.wikimedia.org/wikipedia/commons/thumb/9/91/Integral_approximations.svg/1024px-Integral_approximations.svg.png">
+            <a:extLst>
+              <a:ext uri="{FF2B5EF4-FFF2-40B4-BE49-F238E27FC236}">
+                <a16:creationId xmlns:a16="http://schemas.microsoft.com/office/drawing/2014/main" id="{40CDC9BB-0E75-478E-B9AD-A7031B78DBF7}"/>
+              </a:ext>
+            </a:extLst>
+          </p:cNvPr>
+          <p:cNvPicPr>
+            <a:picLocks noChangeAspect="1" noChangeArrowheads="1"/>
+          </p:cNvPicPr>
+          <p:nvPr/>
+        </p:nvPicPr>
+        <p:blipFill>
+          <a:blip r:embed="rId3" cstate="print">
+            <a:extLst>
+              <a:ext uri="{28A0092B-C50C-407E-A947-70E740481C1C}">
+                <a14:useLocalDpi xmlns:a14="http://schemas.microsoft.com/office/drawing/2010/main" val="0"/>
+              </a:ext>
+            </a:extLst>
+          </a:blip>
+          <a:srcRect/>
+          <a:stretch>
+            <a:fillRect/>
+          </a:stretch>
+        </p:blipFill>
+        <p:spPr bwMode="auto">
+          <a:xfrm>
+            <a:off x="2874123" y="3140561"/>
+            <a:ext cx="3105218" cy="3105218"/>
+          </a:xfrm>
+          <a:prstGeom prst="rect">
+            <a:avLst/>
+          </a:prstGeom>
+          <a:noFill/>
+          <a:extLst>
+            <a:ext uri="{909E8E84-426E-40DD-AFC4-6F175D3DCCD1}">
+              <a14:hiddenFill xmlns:a14="http://schemas.microsoft.com/office/drawing/2010/main">
+                <a:solidFill>
+                  <a:srgbClr val="FFFFFF"/>
+                </a:solidFill>
+              </a14:hiddenFill>
+            </a:ext>
+          </a:extLst>
+        </p:spPr>
+      </p:pic>
+    </p:spTree>
+    <p:extLst>
+      <p:ext uri="{BB962C8B-B14F-4D97-AF65-F5344CB8AC3E}">
+        <p14:creationId xmlns:p14="http://schemas.microsoft.com/office/powerpoint/2010/main" val="1574216104"/>
+      </p:ext>
+    </p:extLst>
+  </p:cSld>
+  <p:clrMapOvr>
+    <a:masterClrMapping/>
+  </p:clrMapOvr>
+</p:sld>
+</file>
+
+<file path=ppt/slides/slide22.xml><?xml version="1.0" encoding="utf-8"?>
+<p:sld xmlns:a="http://schemas.openxmlformats.org/drawingml/2006/main" xmlns:r="http://schemas.openxmlformats.org/officeDocument/2006/relationships" xmlns:p="http://schemas.openxmlformats.org/presentationml/2006/main">
+  <p:cSld>
+    <p:spTree>
+      <p:nvGrpSpPr>
+        <p:cNvPr id="1" name=""/>
+        <p:cNvGrpSpPr/>
+        <p:nvPr/>
+      </p:nvGrpSpPr>
+      <p:grpSpPr>
+        <a:xfrm>
+          <a:off x="0" y="0"/>
+          <a:ext cx="0" cy="0"/>
+          <a:chOff x="0" y="0"/>
+          <a:chExt cx="0" cy="0"/>
+        </a:xfrm>
+      </p:grpSpPr>
+      <p:sp>
+        <p:nvSpPr>
+          <p:cNvPr id="2" name="Title 1">
+            <a:extLst>
+              <a:ext uri="{FF2B5EF4-FFF2-40B4-BE49-F238E27FC236}">
+                <a16:creationId xmlns:a16="http://schemas.microsoft.com/office/drawing/2014/main" id="{8ABC7A6D-5CD0-477D-A918-23A60A83B0D0}"/>
+              </a:ext>
+            </a:extLst>
+          </p:cNvPr>
+          <p:cNvSpPr>
+            <a:spLocks noGrp="1"/>
+          </p:cNvSpPr>
+          <p:nvPr>
+            <p:ph type="title"/>
+          </p:nvPr>
+        </p:nvSpPr>
+        <p:spPr/>
+        <p:txBody>
+          <a:bodyPr/>
+          <a:lstStyle/>
+          <a:p>
+            <a:r>
+              <a:rPr lang="ko-KR" altLang="en-US" dirty="0"/>
+              <a:t>과제</a:t>
+            </a:r>
+            <a:endParaRPr lang="en-US" dirty="0"/>
+          </a:p>
+        </p:txBody>
+      </p:sp>
+      <mc:AlternateContent xmlns:mc="http://schemas.openxmlformats.org/markup-compatibility/2006">
+        <mc:Choice xmlns:a14="http://schemas.microsoft.com/office/drawing/2010/main" Requires="a14">
+          <p:sp>
+            <p:nvSpPr>
+              <p:cNvPr id="3" name="Content Placeholder 2">
+                <a:extLst>
+                  <a:ext uri="{FF2B5EF4-FFF2-40B4-BE49-F238E27FC236}">
+                    <a16:creationId xmlns:a16="http://schemas.microsoft.com/office/drawing/2014/main" id="{9A0A40D5-2502-4004-BC4E-89E1892F04E3}"/>
+                  </a:ext>
+                </a:extLst>
+              </p:cNvPr>
+              <p:cNvSpPr>
+                <a:spLocks noGrp="1"/>
+              </p:cNvSpPr>
+              <p:nvPr>
+                <p:ph idx="1"/>
+              </p:nvPr>
+            </p:nvSpPr>
+            <p:spPr>
+              <a:xfrm>
+                <a:off x="681038" y="1255271"/>
+                <a:ext cx="8543925" cy="1378872"/>
+              </a:xfrm>
+            </p:spPr>
+            <p:txBody>
+              <a:bodyPr>
+                <a:normAutofit/>
+              </a:bodyPr>
+              <a:lstStyle/>
+              <a:p>
+                <a:r>
+                  <a:rPr lang="ko-KR" altLang="en-US" dirty="0"/>
+                  <a:t>반지름이 </a:t>
+                </a:r>
+                <a14:m>
+                  <m:oMath xmlns:m="http://schemas.openxmlformats.org/officeDocument/2006/math">
+                    <m:r>
+                      <a:rPr lang="en-US" i="1">
+                        <a:latin typeface="Cambria Math" panose="02040503050406030204" pitchFamily="18" charset="0"/>
+                      </a:rPr>
+                      <m:t>𝑟</m:t>
+                    </m:r>
+                  </m:oMath>
+                </a14:m>
+                <a:r>
+                  <a:rPr lang="ko-KR" altLang="en-US" dirty="0"/>
+                  <a:t>인 원의 면적이 </a:t>
+                </a:r>
+                <a14:m>
+                  <m:oMath xmlns:m="http://schemas.openxmlformats.org/officeDocument/2006/math">
+                    <m:r>
+                      <a:rPr lang="el-GR" i="1">
+                        <a:latin typeface="Cambria Math" panose="02040503050406030204" pitchFamily="18" charset="0"/>
+                      </a:rPr>
+                      <m:t>𝜋</m:t>
+                    </m:r>
+                    <m:sSup>
+                      <m:sSupPr>
+                        <m:ctrlPr>
+                          <a:rPr lang="en-US" i="1">
+                            <a:latin typeface="Cambria Math" panose="02040503050406030204" pitchFamily="18" charset="0"/>
+                          </a:rPr>
+                        </m:ctrlPr>
+                      </m:sSupPr>
+                      <m:e>
+                        <m:r>
+                          <a:rPr lang="en-US" i="1">
+                            <a:latin typeface="Cambria Math" panose="02040503050406030204" pitchFamily="18" charset="0"/>
+                          </a:rPr>
+                          <m:t>𝑟</m:t>
+                        </m:r>
+                      </m:e>
+                      <m:sup>
+                        <m:r>
+                          <a:rPr lang="en-US" i="1">
+                            <a:latin typeface="Cambria Math" panose="02040503050406030204" pitchFamily="18" charset="0"/>
+                          </a:rPr>
+                          <m:t>2</m:t>
+                        </m:r>
+                      </m:sup>
+                    </m:sSup>
+                    <m:r>
+                      <a:rPr lang="en-US" i="1">
+                        <a:latin typeface="Cambria Math" panose="02040503050406030204" pitchFamily="18" charset="0"/>
+                      </a:rPr>
+                      <m:t> </m:t>
+                    </m:r>
+                  </m:oMath>
+                </a14:m>
+                <a:r>
+                  <a:rPr lang="ko-KR" altLang="en-US" dirty="0"/>
+                  <a:t>일때</a:t>
+                </a:r>
+                <a:r>
+                  <a:rPr lang="en-US" altLang="ko-KR" dirty="0"/>
+                  <a:t>, </a:t>
+                </a:r>
+                <a:r>
+                  <a:rPr lang="ko-KR" altLang="en-US" dirty="0"/>
+                  <a:t>구의 표면적은 </a:t>
+                </a:r>
+                <a14:m>
+                  <m:oMath xmlns:m="http://schemas.openxmlformats.org/officeDocument/2006/math">
+                    <m:r>
+                      <a:rPr lang="en-US" i="1">
+                        <a:latin typeface="Cambria Math" panose="02040503050406030204" pitchFamily="18" charset="0"/>
+                      </a:rPr>
+                      <m:t>4</m:t>
+                    </m:r>
+                    <m:r>
+                      <a:rPr lang="el-GR" i="1">
+                        <a:latin typeface="Cambria Math" panose="02040503050406030204" pitchFamily="18" charset="0"/>
+                      </a:rPr>
+                      <m:t>𝜋</m:t>
+                    </m:r>
+                    <m:sSup>
+                      <m:sSupPr>
+                        <m:ctrlPr>
+                          <a:rPr lang="en-US" i="1">
+                            <a:latin typeface="Cambria Math" panose="02040503050406030204" pitchFamily="18" charset="0"/>
+                          </a:rPr>
+                        </m:ctrlPr>
+                      </m:sSupPr>
+                      <m:e>
+                        <m:r>
+                          <a:rPr lang="en-US" i="1">
+                            <a:latin typeface="Cambria Math" panose="02040503050406030204" pitchFamily="18" charset="0"/>
+                          </a:rPr>
+                          <m:t>𝑟</m:t>
+                        </m:r>
+                      </m:e>
+                      <m:sup>
+                        <m:r>
+                          <a:rPr lang="en-US" i="1">
+                            <a:latin typeface="Cambria Math" panose="02040503050406030204" pitchFamily="18" charset="0"/>
+                          </a:rPr>
+                          <m:t>2</m:t>
+                        </m:r>
+                      </m:sup>
+                    </m:sSup>
+                  </m:oMath>
+                </a14:m>
+                <a:r>
+                  <a:rPr lang="ko-KR" altLang="en-US" dirty="0"/>
+                  <a:t> 임을 </a:t>
+                </a:r>
+                <a:r>
+                  <a:rPr lang="en-US" dirty="0"/>
+                  <a:t>Cartesian </a:t>
+                </a:r>
+                <a:r>
+                  <a:rPr lang="ko-KR" altLang="en-US" dirty="0"/>
+                  <a:t>좌표계를 이용하여 증명하세요</a:t>
+                </a:r>
+                <a:r>
+                  <a:rPr lang="en-US" altLang="ko-KR" dirty="0"/>
+                  <a:t>.</a:t>
+                </a:r>
+                <a:endParaRPr lang="en-US" dirty="0"/>
+              </a:p>
+            </p:txBody>
+          </p:sp>
+        </mc:Choice>
+        <mc:Fallback>
+          <p:sp>
+            <p:nvSpPr>
+              <p:cNvPr id="3" name="Content Placeholder 2">
+                <a:extLst>
+                  <a:ext uri="{FF2B5EF4-FFF2-40B4-BE49-F238E27FC236}">
+                    <a16:creationId xmlns:a16="http://schemas.microsoft.com/office/drawing/2014/main" id="{9A0A40D5-2502-4004-BC4E-89E1892F04E3}"/>
+                  </a:ext>
+                </a:extLst>
+              </p:cNvPr>
+              <p:cNvSpPr>
+                <a:spLocks noGrp="1" noRot="1" noChangeAspect="1" noMove="1" noResize="1" noEditPoints="1" noAdjustHandles="1" noChangeArrowheads="1" noChangeShapeType="1" noTextEdit="1"/>
+              </p:cNvSpPr>
+              <p:nvPr>
+                <p:ph idx="1"/>
+              </p:nvPr>
+            </p:nvSpPr>
+            <p:spPr>
+              <a:xfrm>
+                <a:off x="681038" y="1255271"/>
+                <a:ext cx="8543925" cy="1378872"/>
+              </a:xfrm>
+              <a:blipFill>
+                <a:blip r:embed="rId2"/>
+                <a:stretch>
+                  <a:fillRect l="-1285" t="-6195" b="-12389"/>
+                </a:stretch>
+              </a:blipFill>
+            </p:spPr>
+            <p:txBody>
+              <a:bodyPr/>
+              <a:lstStyle/>
+              <a:p>
+                <a:r>
+                  <a:rPr lang="en-US">
+                    <a:noFill/>
+                  </a:rPr>
+                  <a:t> </a:t>
+                </a:r>
+              </a:p>
+            </p:txBody>
+          </p:sp>
+        </mc:Fallback>
+      </mc:AlternateContent>
+      <p:sp>
+        <p:nvSpPr>
+          <p:cNvPr id="4" name="Date Placeholder 3">
+            <a:extLst>
+              <a:ext uri="{FF2B5EF4-FFF2-40B4-BE49-F238E27FC236}">
+                <a16:creationId xmlns:a16="http://schemas.microsoft.com/office/drawing/2014/main" id="{BF8DC4EC-4D43-4276-8794-CE92F45D123F}"/>
+              </a:ext>
+            </a:extLst>
+          </p:cNvPr>
+          <p:cNvSpPr>
+            <a:spLocks noGrp="1"/>
+          </p:cNvSpPr>
+          <p:nvPr>
+            <p:ph type="dt" sz="half" idx="10"/>
+          </p:nvPr>
+        </p:nvSpPr>
+        <p:spPr/>
+        <p:txBody>
+          <a:bodyPr/>
+          <a:lstStyle/>
+          <a:p>
+            <a:fld id="{BE0357B1-0FDD-482C-A9DC-A4587093D4A9}" type="datetime1">
+              <a:rPr lang="ko-KR" altLang="en-US" smtClean="0"/>
+              <a:t>2019-07-13</a:t>
+            </a:fld>
+            <a:endParaRPr lang="en-US"/>
+          </a:p>
+        </p:txBody>
+      </p:sp>
+      <p:sp>
+        <p:nvSpPr>
+          <p:cNvPr id="5" name="Footer Placeholder 4">
+            <a:extLst>
+              <a:ext uri="{FF2B5EF4-FFF2-40B4-BE49-F238E27FC236}">
+                <a16:creationId xmlns:a16="http://schemas.microsoft.com/office/drawing/2014/main" id="{8FE40EBB-C701-47E5-9ACB-3193EF214117}"/>
+              </a:ext>
+            </a:extLst>
+          </p:cNvPr>
+          <p:cNvSpPr>
+            <a:spLocks noGrp="1"/>
+          </p:cNvSpPr>
+          <p:nvPr>
+            <p:ph type="ftr" sz="quarter" idx="11"/>
+          </p:nvPr>
+        </p:nvSpPr>
+        <p:spPr/>
+        <p:txBody>
+          <a:bodyPr/>
+          <a:lstStyle/>
+          <a:p>
+            <a:r>
+              <a:rPr lang="ko-KR" altLang="en-US"/>
+              <a:t>드론 멘토링 </a:t>
+            </a:r>
+            <a:r>
+              <a:rPr lang="en-US" altLang="ko-KR"/>
+              <a:t>(2019</a:t>
+            </a:r>
+            <a:r>
+              <a:rPr lang="ko-KR" altLang="en-US"/>
+              <a:t>년 여름</a:t>
+            </a:r>
+            <a:r>
+              <a:rPr lang="en-US" altLang="ko-KR"/>
+              <a:t>)</a:t>
+            </a:r>
+            <a:endParaRPr lang="en-US"/>
+          </a:p>
+        </p:txBody>
+      </p:sp>
+      <p:sp>
+        <p:nvSpPr>
+          <p:cNvPr id="6" name="Slide Number Placeholder 5">
+            <a:extLst>
+              <a:ext uri="{FF2B5EF4-FFF2-40B4-BE49-F238E27FC236}">
+                <a16:creationId xmlns:a16="http://schemas.microsoft.com/office/drawing/2014/main" id="{2B707D68-9FCF-442F-8B38-4635C15CF042}"/>
+              </a:ext>
+            </a:extLst>
+          </p:cNvPr>
+          <p:cNvSpPr>
+            <a:spLocks noGrp="1"/>
+          </p:cNvSpPr>
+          <p:nvPr>
+            <p:ph type="sldNum" sz="quarter" idx="12"/>
+          </p:nvPr>
+        </p:nvSpPr>
+        <p:spPr/>
+        <p:txBody>
+          <a:bodyPr/>
+          <a:lstStyle/>
+          <a:p>
+            <a:fld id="{AA0EB1BB-D2B3-481B-A5E1-F093F8D3CD29}" type="slidenum">
+              <a:rPr lang="en-US" smtClean="0"/>
+              <a:t>22</a:t>
+            </a:fld>
+            <a:endParaRPr lang="en-US"/>
+          </a:p>
+        </p:txBody>
+      </p:sp>
+      <p:pic>
+        <p:nvPicPr>
+          <p:cNvPr id="1026" name="Picture 2" descr="https://ds055uzetaobb.cloudfront.net/brioche/uploads/Fv9rxkzWWN-90675.svg?width=350">
+            <a:extLst>
+              <a:ext uri="{FF2B5EF4-FFF2-40B4-BE49-F238E27FC236}">
+                <a16:creationId xmlns:a16="http://schemas.microsoft.com/office/drawing/2014/main" id="{2DCA2CAF-ACFB-4F76-8A5A-BF9592DF1C3F}"/>
+              </a:ext>
+            </a:extLst>
+          </p:cNvPr>
+          <p:cNvPicPr>
+            <a:picLocks noChangeAspect="1" noChangeArrowheads="1"/>
+          </p:cNvPicPr>
+          <p:nvPr/>
+        </p:nvPicPr>
+        <p:blipFill>
+          <a:blip r:embed="rId3">
+            <a:extLst>
+              <a:ext uri="{28A0092B-C50C-407E-A947-70E740481C1C}">
+                <a14:useLocalDpi xmlns:a14="http://schemas.microsoft.com/office/drawing/2010/main" val="0"/>
+              </a:ext>
+            </a:extLst>
+          </a:blip>
+          <a:srcRect/>
+          <a:stretch>
+            <a:fillRect/>
+          </a:stretch>
+        </p:blipFill>
+        <p:spPr bwMode="auto">
+          <a:xfrm>
+            <a:off x="2461924" y="3207980"/>
+            <a:ext cx="4982151" cy="2394749"/>
+          </a:xfrm>
+          <a:prstGeom prst="rect">
+            <a:avLst/>
+          </a:prstGeom>
+          <a:noFill/>
+          <a:extLst>
+            <a:ext uri="{909E8E84-426E-40DD-AFC4-6F175D3DCCD1}">
+              <a14:hiddenFill xmlns:a14="http://schemas.microsoft.com/office/drawing/2010/main">
+                <a:solidFill>
+                  <a:srgbClr val="FFFFFF"/>
+                </a:solidFill>
+              </a14:hiddenFill>
+            </a:ext>
+          </a:extLst>
+        </p:spPr>
+      </p:pic>
+    </p:spTree>
+    <p:extLst>
+      <p:ext uri="{BB962C8B-B14F-4D97-AF65-F5344CB8AC3E}">
+        <p14:creationId xmlns:p14="http://schemas.microsoft.com/office/powerpoint/2010/main" val="3214951240"/>
+      </p:ext>
+    </p:extLst>
+  </p:cSld>
+  <p:clrMapOvr>
+    <a:masterClrMapping/>
+  </p:clrMapOvr>
+</p:sld>
+</file>
+
+<file path=ppt/slides/slide23.xml><?xml version="1.0" encoding="utf-8"?>
+<p:sld xmlns:a="http://schemas.openxmlformats.org/drawingml/2006/main" xmlns:r="http://schemas.openxmlformats.org/officeDocument/2006/relationships" xmlns:p="http://schemas.openxmlformats.org/presentationml/2006/main">
+  <p:cSld>
+    <p:spTree>
+      <p:nvGrpSpPr>
+        <p:cNvPr id="1" name=""/>
+        <p:cNvGrpSpPr/>
+        <p:nvPr/>
+      </p:nvGrpSpPr>
+      <p:grpSpPr>
+        <a:xfrm>
+          <a:off x="0" y="0"/>
+          <a:ext cx="0" cy="0"/>
+          <a:chOff x="0" y="0"/>
+          <a:chExt cx="0" cy="0"/>
+        </a:xfrm>
+      </p:grpSpPr>
+      <p:sp>
+        <p:nvSpPr>
+          <p:cNvPr id="2" name="Title 1">
+            <a:extLst>
+              <a:ext uri="{FF2B5EF4-FFF2-40B4-BE49-F238E27FC236}">
+                <a16:creationId xmlns:a16="http://schemas.microsoft.com/office/drawing/2014/main" id="{393249EE-95AA-4AFB-851E-EE38A2C9D5D4}"/>
+              </a:ext>
+            </a:extLst>
+          </p:cNvPr>
+          <p:cNvSpPr>
+            <a:spLocks noGrp="1"/>
+          </p:cNvSpPr>
+          <p:nvPr>
+            <p:ph type="title"/>
+          </p:nvPr>
+        </p:nvSpPr>
+        <p:spPr/>
+        <p:txBody>
+          <a:bodyPr/>
+          <a:lstStyle/>
+          <a:p>
+            <a:r>
+              <a:rPr lang="ko-KR" altLang="en-US" dirty="0"/>
+              <a:t>집합</a:t>
+            </a:r>
+            <a:endParaRPr lang="en-US" dirty="0"/>
+          </a:p>
+        </p:txBody>
+      </p:sp>
+      <p:sp>
+        <p:nvSpPr>
+          <p:cNvPr id="3" name="Text Placeholder 2">
+            <a:extLst>
+              <a:ext uri="{FF2B5EF4-FFF2-40B4-BE49-F238E27FC236}">
+                <a16:creationId xmlns:a16="http://schemas.microsoft.com/office/drawing/2014/main" id="{3F659062-26D5-4B21-919A-9E8A461782FB}"/>
+              </a:ext>
+            </a:extLst>
+          </p:cNvPr>
+          <p:cNvSpPr>
+            <a:spLocks noGrp="1"/>
+          </p:cNvSpPr>
+          <p:nvPr>
+            <p:ph type="body" idx="1"/>
+          </p:nvPr>
+        </p:nvSpPr>
+        <p:spPr/>
+        <p:txBody>
+          <a:bodyPr/>
+          <a:lstStyle/>
+          <a:p>
+            <a:r>
+              <a:rPr lang="ko-KR" altLang="en-US" dirty="0"/>
+              <a:t>집합의 정의</a:t>
+            </a:r>
+            <a:endParaRPr lang="en-US" altLang="ko-KR" dirty="0"/>
+          </a:p>
+          <a:p>
+            <a:r>
+              <a:rPr lang="ko-KR" altLang="en-US" dirty="0"/>
+              <a:t>집합의 예</a:t>
+            </a:r>
+            <a:endParaRPr lang="en-US" dirty="0"/>
+          </a:p>
+        </p:txBody>
+      </p:sp>
+      <p:sp>
+        <p:nvSpPr>
+          <p:cNvPr id="4" name="Date Placeholder 3">
+            <a:extLst>
+              <a:ext uri="{FF2B5EF4-FFF2-40B4-BE49-F238E27FC236}">
+                <a16:creationId xmlns:a16="http://schemas.microsoft.com/office/drawing/2014/main" id="{250FEFD7-DCD5-4612-8A1B-A31D6C9006BF}"/>
+              </a:ext>
+            </a:extLst>
+          </p:cNvPr>
+          <p:cNvSpPr>
+            <a:spLocks noGrp="1"/>
+          </p:cNvSpPr>
+          <p:nvPr>
+            <p:ph type="dt" sz="half" idx="10"/>
+          </p:nvPr>
+        </p:nvSpPr>
+        <p:spPr/>
+        <p:txBody>
+          <a:bodyPr/>
+          <a:lstStyle/>
+          <a:p>
+            <a:fld id="{4CC14437-CE76-4CAA-B57D-74630AAA1A81}" type="datetime1">
+              <a:rPr lang="ko-KR" altLang="en-US" smtClean="0"/>
+              <a:t>2019-07-13</a:t>
+            </a:fld>
+            <a:endParaRPr lang="en-US"/>
+          </a:p>
+        </p:txBody>
+      </p:sp>
+      <p:sp>
+        <p:nvSpPr>
+          <p:cNvPr id="5" name="Footer Placeholder 4">
+            <a:extLst>
+              <a:ext uri="{FF2B5EF4-FFF2-40B4-BE49-F238E27FC236}">
+                <a16:creationId xmlns:a16="http://schemas.microsoft.com/office/drawing/2014/main" id="{3EB50AAF-E685-4235-B6EE-2D1682BAAD17}"/>
+              </a:ext>
+            </a:extLst>
+          </p:cNvPr>
+          <p:cNvSpPr>
+            <a:spLocks noGrp="1"/>
+          </p:cNvSpPr>
+          <p:nvPr>
+            <p:ph type="ftr" sz="quarter" idx="11"/>
+          </p:nvPr>
+        </p:nvSpPr>
+        <p:spPr/>
+        <p:txBody>
+          <a:bodyPr/>
+          <a:lstStyle/>
+          <a:p>
+            <a:r>
+              <a:rPr lang="ko-KR" altLang="en-US"/>
+              <a:t>드론 멘토링 </a:t>
+            </a:r>
+            <a:r>
+              <a:rPr lang="en-US" altLang="ko-KR"/>
+              <a:t>(2019</a:t>
+            </a:r>
+            <a:r>
+              <a:rPr lang="ko-KR" altLang="en-US"/>
+              <a:t>년 여름</a:t>
+            </a:r>
+            <a:r>
+              <a:rPr lang="en-US" altLang="ko-KR"/>
+              <a:t>)</a:t>
+            </a:r>
+            <a:endParaRPr lang="en-US"/>
+          </a:p>
+        </p:txBody>
+      </p:sp>
+      <p:sp>
+        <p:nvSpPr>
+          <p:cNvPr id="6" name="Slide Number Placeholder 5">
+            <a:extLst>
+              <a:ext uri="{FF2B5EF4-FFF2-40B4-BE49-F238E27FC236}">
+                <a16:creationId xmlns:a16="http://schemas.microsoft.com/office/drawing/2014/main" id="{209F8DEC-CCDD-402E-9A3B-C2DA0699B321}"/>
+              </a:ext>
+            </a:extLst>
+          </p:cNvPr>
+          <p:cNvSpPr>
+            <a:spLocks noGrp="1"/>
+          </p:cNvSpPr>
+          <p:nvPr>
+            <p:ph type="sldNum" sz="quarter" idx="12"/>
+          </p:nvPr>
+        </p:nvSpPr>
+        <p:spPr/>
+        <p:txBody>
+          <a:bodyPr/>
+          <a:lstStyle/>
+          <a:p>
+            <a:fld id="{AA0EB1BB-D2B3-481B-A5E1-F093F8D3CD29}" type="slidenum">
+              <a:rPr lang="en-US" smtClean="0"/>
+              <a:t>23</a:t>
+            </a:fld>
+            <a:endParaRPr lang="en-US"/>
+          </a:p>
+        </p:txBody>
+      </p:sp>
+    </p:spTree>
+    <p:extLst>
+      <p:ext uri="{BB962C8B-B14F-4D97-AF65-F5344CB8AC3E}">
+        <p14:creationId xmlns:p14="http://schemas.microsoft.com/office/powerpoint/2010/main" val="2286047944"/>
+      </p:ext>
+    </p:extLst>
+  </p:cSld>
+  <p:clrMapOvr>
+    <a:masterClrMapping/>
+  </p:clrMapOvr>
+</p:sld>
+</file>
+
+<file path=ppt/slides/slide24.xml><?xml version="1.0" encoding="utf-8"?>
+<p:sld xmlns:a="http://schemas.openxmlformats.org/drawingml/2006/main" xmlns:r="http://schemas.openxmlformats.org/officeDocument/2006/relationships" xmlns:p="http://schemas.openxmlformats.org/presentationml/2006/main">
+  <p:cSld>
+    <p:spTree>
+      <p:nvGrpSpPr>
+        <p:cNvPr id="1" name=""/>
+        <p:cNvGrpSpPr/>
+        <p:nvPr/>
+      </p:nvGrpSpPr>
+      <p:grpSpPr>
+        <a:xfrm>
+          <a:off x="0" y="0"/>
+          <a:ext cx="0" cy="0"/>
+          <a:chOff x="0" y="0"/>
+          <a:chExt cx="0" cy="0"/>
+        </a:xfrm>
+      </p:grpSpPr>
+      <p:sp>
+        <p:nvSpPr>
+          <p:cNvPr id="2" name="Title 1">
+            <a:extLst>
+              <a:ext uri="{FF2B5EF4-FFF2-40B4-BE49-F238E27FC236}">
+                <a16:creationId xmlns:a16="http://schemas.microsoft.com/office/drawing/2014/main" id="{53C0F32E-985E-4D82-AB74-27B3E4D80D5C}"/>
+              </a:ext>
+            </a:extLst>
+          </p:cNvPr>
+          <p:cNvSpPr>
+            <a:spLocks noGrp="1"/>
+          </p:cNvSpPr>
+          <p:nvPr>
+            <p:ph type="title"/>
+          </p:nvPr>
+        </p:nvSpPr>
+        <p:spPr/>
+        <p:txBody>
+          <a:bodyPr/>
+          <a:lstStyle/>
+          <a:p>
+            <a:r>
+              <a:rPr lang="ko-KR" altLang="en-US" dirty="0"/>
+              <a:t>집합</a:t>
+            </a:r>
+            <a:r>
+              <a:rPr lang="en-US" altLang="ko-KR" dirty="0"/>
+              <a:t>(Set)</a:t>
+            </a:r>
+            <a:endParaRPr lang="en-US" dirty="0"/>
+          </a:p>
+        </p:txBody>
+      </p:sp>
+      <mc:AlternateContent xmlns:mc="http://schemas.openxmlformats.org/markup-compatibility/2006" xmlns:a14="http://schemas.microsoft.com/office/drawing/2010/main">
+        <mc:Choice Requires="a14">
+          <p:sp>
+            <p:nvSpPr>
+              <p:cNvPr id="3" name="Content Placeholder 2">
+                <a:extLst>
+                  <a:ext uri="{FF2B5EF4-FFF2-40B4-BE49-F238E27FC236}">
+                    <a16:creationId xmlns:a16="http://schemas.microsoft.com/office/drawing/2014/main" id="{142C53F1-135D-42A7-8B7D-4E61C0440F68}"/>
+                  </a:ext>
+                </a:extLst>
+              </p:cNvPr>
+              <p:cNvSpPr>
+                <a:spLocks noGrp="1"/>
+              </p:cNvSpPr>
+              <p:nvPr>
+                <p:ph idx="1"/>
+              </p:nvPr>
+            </p:nvSpPr>
+            <p:spPr>
+              <a:xfrm>
+                <a:off x="681038" y="1255271"/>
+                <a:ext cx="8543925" cy="2981169"/>
+              </a:xfrm>
+            </p:spPr>
+            <p:txBody>
+              <a:bodyPr>
+                <a:normAutofit fontScale="70000" lnSpcReduction="20000"/>
+              </a:bodyPr>
+              <a:lstStyle/>
+              <a:p>
+                <a:pPr>
+                  <a:lnSpc>
+                    <a:spcPct val="120000"/>
+                  </a:lnSpc>
+                </a:pPr>
+                <a:r>
+                  <a:rPr lang="ko-KR" altLang="en-US" dirty="0"/>
+                  <a:t>집합은 수학에서 가장 기본적인 개념이다</a:t>
+                </a:r>
+                <a:r>
+                  <a:rPr lang="en-US" altLang="ko-KR" dirty="0"/>
+                  <a:t>.</a:t>
+                </a:r>
+              </a:p>
+              <a:p>
+                <a:pPr>
+                  <a:lnSpc>
+                    <a:spcPct val="120000"/>
+                  </a:lnSpc>
+                </a:pPr>
+                <a:r>
+                  <a:rPr lang="ko-KR" altLang="en-US" dirty="0"/>
+                  <a:t>집합</a:t>
+                </a:r>
+                <a:r>
+                  <a:rPr lang="en-US" altLang="ko-KR" dirty="0"/>
+                  <a:t>(</a:t>
+                </a:r>
+                <a:r>
+                  <a:rPr lang="ko-KR" altLang="en-US" dirty="0"/>
+                  <a:t>集合</a:t>
+                </a:r>
+                <a:r>
+                  <a:rPr lang="en-US" altLang="ko-KR" dirty="0"/>
+                  <a:t>, set)</a:t>
+                </a:r>
+                <a:r>
+                  <a:rPr lang="ko-KR" altLang="en-US" dirty="0"/>
+                  <a:t>은 명확한 기준에 의하여 주어진 서로 다른 원소</a:t>
+                </a:r>
+                <a:r>
+                  <a:rPr lang="en-US" altLang="ko-KR" dirty="0"/>
+                  <a:t>(element)</a:t>
+                </a:r>
+                <a:r>
+                  <a:rPr lang="ko-KR" altLang="en-US" dirty="0"/>
+                  <a:t>들이 모여 이루는 새로운 대상이다</a:t>
+                </a:r>
+                <a:r>
+                  <a:rPr lang="en-US" altLang="ko-KR" dirty="0"/>
+                  <a:t>.</a:t>
+                </a:r>
+              </a:p>
+              <a:p>
+                <a:pPr>
+                  <a:lnSpc>
+                    <a:spcPct val="120000"/>
+                  </a:lnSpc>
+                </a:pPr>
+                <a:r>
+                  <a:rPr lang="ko-KR" altLang="en-US" dirty="0"/>
+                  <a:t>어떤 원소들이 집합에 속하는지 여부는 명확해야 한다</a:t>
+                </a:r>
+                <a:r>
+                  <a:rPr lang="en-US" altLang="ko-KR" dirty="0"/>
+                  <a:t>.</a:t>
+                </a:r>
+              </a:p>
+              <a:p>
+                <a:pPr>
+                  <a:lnSpc>
+                    <a:spcPct val="120000"/>
+                  </a:lnSpc>
+                </a:pPr>
+                <a:r>
+                  <a:rPr lang="ko-KR" altLang="en-US" dirty="0"/>
+                  <a:t>원소들의 순서나 연산등이 정의되지 않는다</a:t>
+                </a:r>
+                <a:r>
+                  <a:rPr lang="en-US" altLang="ko-KR" dirty="0"/>
+                  <a:t>. </a:t>
+                </a:r>
+                <a:endParaRPr lang="en-US" dirty="0"/>
+              </a:p>
+              <a:p>
+                <a:pPr>
+                  <a:lnSpc>
+                    <a:spcPct val="120000"/>
+                  </a:lnSpc>
+                </a:pPr>
+                <a:r>
+                  <a:rPr lang="en-US" dirty="0"/>
+                  <a:t>a </a:t>
+                </a:r>
+                <a14:m>
+                  <m:oMath xmlns:m="http://schemas.openxmlformats.org/officeDocument/2006/math">
+                    <m:r>
+                      <a:rPr lang="en-US" b="0" i="1" smtClean="0">
+                        <a:latin typeface="Cambria Math" panose="02040503050406030204" pitchFamily="18" charset="0"/>
+                        <a:ea typeface="Cambria Math" panose="02040503050406030204" pitchFamily="18" charset="0"/>
+                      </a:rPr>
+                      <m:t>∈</m:t>
+                    </m:r>
+                  </m:oMath>
+                </a14:m>
+                <a:r>
+                  <a:rPr lang="en-US" dirty="0"/>
+                  <a:t> A </a:t>
+                </a:r>
+              </a:p>
+              <a:p>
+                <a:pPr lvl="1">
+                  <a:lnSpc>
+                    <a:spcPct val="120000"/>
+                  </a:lnSpc>
+                </a:pPr>
+                <a:r>
+                  <a:rPr lang="en-US" altLang="ko-KR" dirty="0"/>
+                  <a:t>a </a:t>
+                </a:r>
+                <a:r>
+                  <a:rPr lang="ko-KR" altLang="en-US" dirty="0"/>
+                  <a:t>원소가 집합 </a:t>
+                </a:r>
+                <a:r>
+                  <a:rPr lang="en-US" altLang="ko-KR" dirty="0"/>
+                  <a:t>A</a:t>
+                </a:r>
+                <a:r>
+                  <a:rPr lang="ko-KR" altLang="en-US" dirty="0"/>
+                  <a:t>에 속하는 것을 나타낸다</a:t>
+                </a:r>
+                <a:r>
+                  <a:rPr lang="en-US" altLang="ko-KR" dirty="0"/>
+                  <a:t>.</a:t>
+                </a:r>
+                <a:endParaRPr lang="en-US" dirty="0"/>
+              </a:p>
+            </p:txBody>
+          </p:sp>
+        </mc:Choice>
+        <mc:Fallback xmlns="">
+          <p:sp>
+            <p:nvSpPr>
+              <p:cNvPr id="3" name="Content Placeholder 2">
+                <a:extLst>
+                  <a:ext uri="{FF2B5EF4-FFF2-40B4-BE49-F238E27FC236}">
+                    <a16:creationId xmlns:a16="http://schemas.microsoft.com/office/drawing/2014/main" id="{142C53F1-135D-42A7-8B7D-4E61C0440F68}"/>
+                  </a:ext>
+                </a:extLst>
+              </p:cNvPr>
+              <p:cNvSpPr>
+                <a:spLocks noGrp="1" noRot="1" noChangeAspect="1" noMove="1" noResize="1" noEditPoints="1" noAdjustHandles="1" noChangeArrowheads="1" noChangeShapeType="1" noTextEdit="1"/>
+              </p:cNvSpPr>
+              <p:nvPr>
+                <p:ph idx="1"/>
+              </p:nvPr>
+            </p:nvSpPr>
+            <p:spPr>
+              <a:xfrm>
+                <a:off x="681038" y="1255271"/>
+                <a:ext cx="8543925" cy="2981169"/>
+              </a:xfrm>
+              <a:blipFill>
+                <a:blip r:embed="rId2"/>
+                <a:stretch>
+                  <a:fillRect l="-642" t="-1636"/>
+                </a:stretch>
+              </a:blipFill>
+            </p:spPr>
+            <p:txBody>
+              <a:bodyPr/>
+              <a:lstStyle/>
+              <a:p>
+                <a:r>
+                  <a:rPr lang="en-US">
+                    <a:noFill/>
+                  </a:rPr>
+                  <a:t> </a:t>
+                </a:r>
+              </a:p>
+            </p:txBody>
+          </p:sp>
+        </mc:Fallback>
+      </mc:AlternateContent>
+      <p:sp>
+        <p:nvSpPr>
+          <p:cNvPr id="4" name="Date Placeholder 3">
+            <a:extLst>
+              <a:ext uri="{FF2B5EF4-FFF2-40B4-BE49-F238E27FC236}">
+                <a16:creationId xmlns:a16="http://schemas.microsoft.com/office/drawing/2014/main" id="{463FCE72-B3DB-48A3-BE73-8690209E1888}"/>
+              </a:ext>
+            </a:extLst>
+          </p:cNvPr>
+          <p:cNvSpPr>
+            <a:spLocks noGrp="1"/>
+          </p:cNvSpPr>
+          <p:nvPr>
+            <p:ph type="dt" sz="half" idx="10"/>
+          </p:nvPr>
+        </p:nvSpPr>
+        <p:spPr/>
+        <p:txBody>
+          <a:bodyPr/>
+          <a:lstStyle/>
+          <a:p>
+            <a:fld id="{BE0357B1-0FDD-482C-A9DC-A4587093D4A9}" type="datetime1">
+              <a:rPr lang="ko-KR" altLang="en-US" smtClean="0"/>
+              <a:t>2019-07-13</a:t>
+            </a:fld>
+            <a:endParaRPr lang="en-US"/>
+          </a:p>
+        </p:txBody>
+      </p:sp>
+      <p:sp>
+        <p:nvSpPr>
+          <p:cNvPr id="5" name="Footer Placeholder 4">
+            <a:extLst>
+              <a:ext uri="{FF2B5EF4-FFF2-40B4-BE49-F238E27FC236}">
+                <a16:creationId xmlns:a16="http://schemas.microsoft.com/office/drawing/2014/main" id="{6985E460-6F0D-44D2-8180-7950ECD1D67D}"/>
+              </a:ext>
+            </a:extLst>
+          </p:cNvPr>
+          <p:cNvSpPr>
+            <a:spLocks noGrp="1"/>
+          </p:cNvSpPr>
+          <p:nvPr>
+            <p:ph type="ftr" sz="quarter" idx="11"/>
+          </p:nvPr>
+        </p:nvSpPr>
+        <p:spPr/>
+        <p:txBody>
+          <a:bodyPr/>
+          <a:lstStyle/>
+          <a:p>
+            <a:r>
+              <a:rPr lang="ko-KR" altLang="en-US"/>
+              <a:t>드론 멘토링 </a:t>
+            </a:r>
+            <a:r>
+              <a:rPr lang="en-US" altLang="ko-KR"/>
+              <a:t>(2019</a:t>
+            </a:r>
+            <a:r>
+              <a:rPr lang="ko-KR" altLang="en-US"/>
+              <a:t>년 여름</a:t>
+            </a:r>
+            <a:r>
+              <a:rPr lang="en-US" altLang="ko-KR"/>
+              <a:t>)</a:t>
+            </a:r>
+            <a:endParaRPr lang="en-US"/>
+          </a:p>
+        </p:txBody>
+      </p:sp>
+      <p:sp>
+        <p:nvSpPr>
+          <p:cNvPr id="6" name="Slide Number Placeholder 5">
+            <a:extLst>
+              <a:ext uri="{FF2B5EF4-FFF2-40B4-BE49-F238E27FC236}">
+                <a16:creationId xmlns:a16="http://schemas.microsoft.com/office/drawing/2014/main" id="{30934FF4-EA8D-49CE-A02E-40BD38D1965C}"/>
+              </a:ext>
+            </a:extLst>
+          </p:cNvPr>
+          <p:cNvSpPr>
+            <a:spLocks noGrp="1"/>
+          </p:cNvSpPr>
+          <p:nvPr>
+            <p:ph type="sldNum" sz="quarter" idx="12"/>
+          </p:nvPr>
+        </p:nvSpPr>
+        <p:spPr/>
+        <p:txBody>
+          <a:bodyPr/>
+          <a:lstStyle/>
+          <a:p>
+            <a:fld id="{AA0EB1BB-D2B3-481B-A5E1-F093F8D3CD29}" type="slidenum">
+              <a:rPr lang="en-US" smtClean="0"/>
+              <a:t>24</a:t>
+            </a:fld>
+            <a:endParaRPr lang="en-US"/>
+          </a:p>
+        </p:txBody>
+      </p:sp>
+      <p:pic>
+        <p:nvPicPr>
+          <p:cNvPr id="1036" name="Picture 12" descr="https://upload.wikimedia.org/wikipedia/commons/thumb/3/37/Example_of_a_set.svg/220px-Example_of_a_set.svg.png">
+            <a:extLst>
+              <a:ext uri="{FF2B5EF4-FFF2-40B4-BE49-F238E27FC236}">
+                <a16:creationId xmlns:a16="http://schemas.microsoft.com/office/drawing/2014/main" id="{CDB09573-E2DA-41CD-ACC9-F679278C1D99}"/>
+              </a:ext>
+            </a:extLst>
+          </p:cNvPr>
+          <p:cNvPicPr>
+            <a:picLocks noChangeAspect="1" noChangeArrowheads="1"/>
+          </p:cNvPicPr>
+          <p:nvPr/>
+        </p:nvPicPr>
+        <p:blipFill>
+          <a:blip r:embed="rId3">
+            <a:extLst>
+              <a:ext uri="{28A0092B-C50C-407E-A947-70E740481C1C}">
+                <a14:useLocalDpi xmlns:a14="http://schemas.microsoft.com/office/drawing/2010/main" val="0"/>
+              </a:ext>
+            </a:extLst>
+          </a:blip>
+          <a:srcRect/>
+          <a:stretch>
+            <a:fillRect/>
+          </a:stretch>
+        </p:blipFill>
+        <p:spPr bwMode="auto">
+          <a:xfrm>
+            <a:off x="6620427" y="3940079"/>
+            <a:ext cx="2789111" cy="2383422"/>
+          </a:xfrm>
+          <a:prstGeom prst="rect">
+            <a:avLst/>
+          </a:prstGeom>
+          <a:noFill/>
+          <a:extLst>
+            <a:ext uri="{909E8E84-426E-40DD-AFC4-6F175D3DCCD1}">
+              <a14:hiddenFill xmlns:a14="http://schemas.microsoft.com/office/drawing/2010/main">
+                <a:solidFill>
+                  <a:srgbClr val="FFFFFF"/>
+                </a:solidFill>
+              </a14:hiddenFill>
+            </a:ext>
+          </a:extLst>
+        </p:spPr>
+      </p:pic>
+    </p:spTree>
+    <p:extLst>
+      <p:ext uri="{BB962C8B-B14F-4D97-AF65-F5344CB8AC3E}">
+        <p14:creationId xmlns:p14="http://schemas.microsoft.com/office/powerpoint/2010/main" val="3512828340"/>
+      </p:ext>
+    </p:extLst>
+  </p:cSld>
+  <p:clrMapOvr>
+    <a:masterClrMapping/>
+  </p:clrMapOvr>
+</p:sld>
+</file>
+
+<file path=ppt/slides/slide25.xml><?xml version="1.0" encoding="utf-8"?>
+<p:sld xmlns:a="http://schemas.openxmlformats.org/drawingml/2006/main" xmlns:r="http://schemas.openxmlformats.org/officeDocument/2006/relationships" xmlns:p="http://schemas.openxmlformats.org/presentationml/2006/main">
+  <p:cSld>
+    <p:spTree>
+      <p:nvGrpSpPr>
+        <p:cNvPr id="1" name=""/>
+        <p:cNvGrpSpPr/>
+        <p:nvPr/>
+      </p:nvGrpSpPr>
+      <p:grpSpPr>
+        <a:xfrm>
+          <a:off x="0" y="0"/>
+          <a:ext cx="0" cy="0"/>
+          <a:chOff x="0" y="0"/>
+          <a:chExt cx="0" cy="0"/>
+        </a:xfrm>
+      </p:grpSpPr>
+      <p:sp>
+        <p:nvSpPr>
+          <p:cNvPr id="2" name="Title 1">
+            <a:extLst>
+              <a:ext uri="{FF2B5EF4-FFF2-40B4-BE49-F238E27FC236}">
+                <a16:creationId xmlns:a16="http://schemas.microsoft.com/office/drawing/2014/main" id="{9E4B3138-DD0B-4691-AF8C-27E4BB55A0CC}"/>
+              </a:ext>
+            </a:extLst>
+          </p:cNvPr>
+          <p:cNvSpPr>
+            <a:spLocks noGrp="1"/>
+          </p:cNvSpPr>
+          <p:nvPr>
+            <p:ph type="title"/>
+          </p:nvPr>
+        </p:nvSpPr>
+        <p:spPr/>
+        <p:txBody>
+          <a:bodyPr/>
+          <a:lstStyle/>
+          <a:p>
+            <a:r>
+              <a:rPr lang="ko-KR" altLang="en-US" dirty="0"/>
+              <a:t>집합의 예</a:t>
+            </a:r>
+            <a:endParaRPr lang="en-US" dirty="0"/>
+          </a:p>
+        </p:txBody>
+      </p:sp>
+      <mc:AlternateContent xmlns:mc="http://schemas.openxmlformats.org/markup-compatibility/2006" xmlns:a14="http://schemas.microsoft.com/office/drawing/2010/main">
+        <mc:Choice Requires="a14">
+          <p:sp>
+            <p:nvSpPr>
+              <p:cNvPr id="3" name="Content Placeholder 2">
+                <a:extLst>
+                  <a:ext uri="{FF2B5EF4-FFF2-40B4-BE49-F238E27FC236}">
+                    <a16:creationId xmlns:a16="http://schemas.microsoft.com/office/drawing/2014/main" id="{E52234AD-249F-4CB0-905C-1D2F93CAAEE6}"/>
+                  </a:ext>
+                </a:extLst>
+              </p:cNvPr>
+              <p:cNvSpPr>
+                <a:spLocks noGrp="1"/>
+              </p:cNvSpPr>
+              <p:nvPr>
+                <p:ph idx="1"/>
+              </p:nvPr>
+            </p:nvSpPr>
+            <p:spPr/>
+            <p:txBody>
+              <a:bodyPr>
+                <a:normAutofit fontScale="62500" lnSpcReduction="20000"/>
+              </a:bodyPr>
+              <a:lstStyle/>
+              <a:p>
+                <a:pPr>
+                  <a:lnSpc>
+                    <a:spcPct val="120000"/>
+                  </a:lnSpc>
+                </a:pPr>
+                <a:r>
+                  <a:rPr lang="en-US" dirty="0"/>
+                  <a:t> </a:t>
+                </a:r>
+                <a:r>
+                  <a:rPr lang="en-US" dirty="0">
+                    <a:latin typeface="Castellar" panose="020A0402060406010301" pitchFamily="18" charset="0"/>
+                  </a:rPr>
+                  <a:t>N</a:t>
+                </a:r>
+                <a:r>
+                  <a:rPr lang="en-US" dirty="0"/>
+                  <a:t> </a:t>
+                </a:r>
+              </a:p>
+              <a:p>
+                <a:pPr lvl="1">
+                  <a:lnSpc>
+                    <a:spcPct val="120000"/>
+                  </a:lnSpc>
+                </a:pPr>
+                <a:r>
+                  <a:rPr lang="ko-KR" altLang="en-US" dirty="0"/>
+                  <a:t>자연수의 집합</a:t>
+                </a:r>
+                <a:endParaRPr lang="en-US" altLang="ko-KR" dirty="0"/>
+              </a:p>
+              <a:p>
+                <a:pPr lvl="1">
+                  <a:lnSpc>
+                    <a:spcPct val="120000"/>
+                  </a:lnSpc>
+                </a:pPr>
+                <a:r>
+                  <a:rPr lang="ko-KR" altLang="en-US" dirty="0"/>
+                  <a:t>문맥에 따라 </a:t>
+                </a:r>
+                <a:r>
+                  <a:rPr lang="en-US" altLang="ko-KR" dirty="0"/>
+                  <a:t>0</a:t>
+                </a:r>
+                <a:r>
+                  <a:rPr lang="ko-KR" altLang="en-US" dirty="0"/>
+                  <a:t>부터 시작할 수도 있고</a:t>
+                </a:r>
+                <a:r>
+                  <a:rPr lang="en-US" altLang="ko-KR" dirty="0"/>
+                  <a:t>, 1</a:t>
+                </a:r>
+                <a:r>
+                  <a:rPr lang="ko-KR" altLang="en-US" dirty="0"/>
+                  <a:t>부터 시작할 수도 있다</a:t>
+                </a:r>
+                <a:r>
+                  <a:rPr lang="en-US" altLang="ko-KR" dirty="0"/>
+                  <a:t>.</a:t>
+                </a:r>
+              </a:p>
+              <a:p>
+                <a:pPr>
+                  <a:lnSpc>
+                    <a:spcPct val="120000"/>
+                  </a:lnSpc>
+                </a:pPr>
+                <a:r>
+                  <a:rPr lang="en-US" dirty="0"/>
+                  <a:t> </a:t>
+                </a:r>
+                <a:r>
+                  <a:rPr lang="en-US" dirty="0">
+                    <a:latin typeface="Castellar" panose="020A0402060406010301" pitchFamily="18" charset="0"/>
+                  </a:rPr>
+                  <a:t>Z</a:t>
+                </a:r>
+                <a:r>
+                  <a:rPr lang="en-US" dirty="0"/>
+                  <a:t> = { …, -2, -1, 0, 1, 2, …}</a:t>
+                </a:r>
+              </a:p>
+              <a:p>
+                <a:pPr lvl="1">
+                  <a:lnSpc>
+                    <a:spcPct val="120000"/>
+                  </a:lnSpc>
+                </a:pPr>
+                <a:r>
+                  <a:rPr lang="ko-KR" altLang="en-US" dirty="0"/>
+                  <a:t>정수의 집합</a:t>
+                </a:r>
+                <a:endParaRPr lang="en-US" dirty="0"/>
+              </a:p>
+              <a:p>
+                <a:pPr>
+                  <a:lnSpc>
+                    <a:spcPct val="120000"/>
+                  </a:lnSpc>
+                </a:pPr>
+                <a:r>
+                  <a:rPr lang="en-US" dirty="0"/>
+                  <a:t> </a:t>
+                </a:r>
+                <a:r>
+                  <a:rPr lang="en-US" dirty="0">
+                    <a:latin typeface="Castellar" panose="020A0402060406010301" pitchFamily="18" charset="0"/>
+                  </a:rPr>
+                  <a:t>Q</a:t>
+                </a:r>
+                <a:r>
+                  <a:rPr lang="en-US" dirty="0"/>
+                  <a:t> = { m/n : m, n </a:t>
+                </a:r>
+                <a14:m>
+                  <m:oMath xmlns:m="http://schemas.openxmlformats.org/officeDocument/2006/math">
+                    <m:r>
+                      <a:rPr lang="en-US" b="0" i="0">
+                        <a:latin typeface="Cambria Math" panose="02040503050406030204" pitchFamily="18" charset="0"/>
+                        <a:ea typeface="Cambria Math" panose="02040503050406030204" pitchFamily="18" charset="0"/>
+                      </a:rPr>
+                      <m:t>∈</m:t>
+                    </m:r>
+                  </m:oMath>
+                </a14:m>
+                <a:r>
+                  <a:rPr lang="en-US" dirty="0"/>
+                  <a:t> </a:t>
+                </a:r>
+                <a:r>
+                  <a:rPr lang="en-US" dirty="0">
+                    <a:latin typeface="Castellar" panose="020A0402060406010301" pitchFamily="18" charset="0"/>
+                  </a:rPr>
+                  <a:t>Z</a:t>
+                </a:r>
+                <a:r>
+                  <a:rPr lang="en-US" dirty="0"/>
+                  <a:t>, n ≠ 0 }</a:t>
+                </a:r>
+              </a:p>
+              <a:p>
+                <a:pPr lvl="1">
+                  <a:lnSpc>
+                    <a:spcPct val="120000"/>
+                  </a:lnSpc>
+                </a:pPr>
+                <a:r>
+                  <a:rPr lang="ko-KR" altLang="en-US" dirty="0"/>
+                  <a:t>유리수의 집합</a:t>
+                </a:r>
+                <a:endParaRPr lang="en-US" dirty="0"/>
+              </a:p>
+              <a:p>
+                <a:pPr>
+                  <a:lnSpc>
+                    <a:spcPct val="120000"/>
+                  </a:lnSpc>
+                </a:pPr>
+                <a:r>
+                  <a:rPr lang="en-US" dirty="0"/>
+                  <a:t> </a:t>
+                </a:r>
+                <a:r>
+                  <a:rPr lang="en-US" dirty="0">
+                    <a:latin typeface="Castellar" panose="020A0402060406010301" pitchFamily="18" charset="0"/>
+                  </a:rPr>
+                  <a:t>R</a:t>
+                </a:r>
+              </a:p>
+              <a:p>
+                <a:pPr lvl="1">
+                  <a:lnSpc>
+                    <a:spcPct val="120000"/>
+                  </a:lnSpc>
+                </a:pPr>
+                <a:r>
+                  <a:rPr lang="ko-KR" altLang="en-US" dirty="0"/>
+                  <a:t>실수의 집합</a:t>
+                </a:r>
+                <a:endParaRPr lang="en-US" altLang="ko-KR" dirty="0"/>
+              </a:p>
+              <a:p>
+                <a:pPr>
+                  <a:lnSpc>
+                    <a:spcPct val="120000"/>
+                  </a:lnSpc>
+                </a:pPr>
+                <a:r>
+                  <a:rPr lang="en-US" dirty="0"/>
+                  <a:t> </a:t>
+                </a:r>
+                <a:r>
+                  <a:rPr lang="en-US" dirty="0">
+                    <a:latin typeface="Castellar" panose="020A0402060406010301" pitchFamily="18" charset="0"/>
+                  </a:rPr>
+                  <a:t>C</a:t>
+                </a:r>
+                <a:r>
+                  <a:rPr lang="en-US" dirty="0"/>
+                  <a:t> = { a + b</a:t>
+                </a:r>
+                <a:r>
+                  <a:rPr lang="en-US" i="1" dirty="0"/>
+                  <a:t>i</a:t>
+                </a:r>
+                <a:r>
+                  <a:rPr lang="en-US" dirty="0"/>
+                  <a:t> : a, b </a:t>
+                </a:r>
+                <a14:m>
+                  <m:oMath xmlns:m="http://schemas.openxmlformats.org/officeDocument/2006/math">
+                    <m:r>
+                      <a:rPr lang="en-US">
+                        <a:latin typeface="Cambria Math" panose="02040503050406030204" pitchFamily="18" charset="0"/>
+                        <a:ea typeface="Cambria Math" panose="02040503050406030204" pitchFamily="18" charset="0"/>
+                      </a:rPr>
+                      <m:t>∈</m:t>
+                    </m:r>
+                  </m:oMath>
+                </a14:m>
+                <a:r>
+                  <a:rPr lang="en-US" dirty="0"/>
+                  <a:t> </a:t>
+                </a:r>
+                <a:r>
+                  <a:rPr lang="en-US" dirty="0">
+                    <a:latin typeface="Castellar" panose="020A0402060406010301" pitchFamily="18" charset="0"/>
+                  </a:rPr>
+                  <a:t>R</a:t>
+                </a:r>
+                <a:r>
+                  <a:rPr lang="en-US" dirty="0"/>
+                  <a:t>}</a:t>
+                </a:r>
+              </a:p>
+              <a:p>
+                <a:pPr lvl="1">
+                  <a:lnSpc>
+                    <a:spcPct val="120000"/>
+                  </a:lnSpc>
+                </a:pPr>
+                <a:r>
+                  <a:rPr lang="ko-KR" altLang="en-US" dirty="0"/>
+                  <a:t>복소수의 집합</a:t>
+                </a:r>
+                <a:endParaRPr lang="en-US" altLang="ko-KR" dirty="0"/>
+              </a:p>
+              <a:p>
+                <a:pPr>
+                  <a:lnSpc>
+                    <a:spcPct val="120000"/>
+                  </a:lnSpc>
+                </a:pPr>
+                <a:r>
+                  <a:rPr lang="en-US" dirty="0"/>
+                  <a:t> </a:t>
+                </a:r>
+                <a:r>
+                  <a:rPr lang="en-US" dirty="0">
+                    <a:latin typeface="Castellar" panose="020A0402060406010301" pitchFamily="18" charset="0"/>
+                  </a:rPr>
+                  <a:t>H</a:t>
+                </a:r>
+                <a:r>
+                  <a:rPr lang="en-US" dirty="0"/>
+                  <a:t> = { a + b</a:t>
+                </a:r>
+                <a:r>
+                  <a:rPr lang="en-US" i="1" dirty="0"/>
+                  <a:t>i</a:t>
+                </a:r>
+                <a:r>
+                  <a:rPr lang="en-US" dirty="0"/>
+                  <a:t> + </a:t>
+                </a:r>
+                <a:r>
+                  <a:rPr lang="en-US" dirty="0" err="1"/>
+                  <a:t>c</a:t>
+                </a:r>
+                <a:r>
+                  <a:rPr lang="en-US" i="1" dirty="0" err="1"/>
+                  <a:t>j</a:t>
+                </a:r>
+                <a:r>
+                  <a:rPr lang="en-US" dirty="0"/>
+                  <a:t> + d</a:t>
+                </a:r>
+                <a:r>
+                  <a:rPr lang="en-US" i="1" dirty="0"/>
+                  <a:t>k</a:t>
+                </a:r>
+                <a:r>
+                  <a:rPr lang="en-US" dirty="0"/>
+                  <a:t> : a, b, c, d </a:t>
+                </a:r>
+                <a14:m>
+                  <m:oMath xmlns:m="http://schemas.openxmlformats.org/officeDocument/2006/math">
+                    <m:r>
+                      <a:rPr lang="en-US">
+                        <a:latin typeface="Cambria Math" panose="02040503050406030204" pitchFamily="18" charset="0"/>
+                        <a:ea typeface="Cambria Math" panose="02040503050406030204" pitchFamily="18" charset="0"/>
+                      </a:rPr>
+                      <m:t>∈</m:t>
+                    </m:r>
+                  </m:oMath>
+                </a14:m>
+                <a:r>
+                  <a:rPr lang="en-US" dirty="0"/>
+                  <a:t> </a:t>
+                </a:r>
+                <a:r>
+                  <a:rPr lang="en-US" dirty="0">
+                    <a:latin typeface="Castellar" panose="020A0402060406010301" pitchFamily="18" charset="0"/>
+                  </a:rPr>
+                  <a:t>R</a:t>
+                </a:r>
+                <a:r>
+                  <a:rPr lang="en-US" dirty="0"/>
+                  <a:t>}</a:t>
+                </a:r>
+              </a:p>
+              <a:p>
+                <a:pPr lvl="1">
+                  <a:lnSpc>
+                    <a:spcPct val="120000"/>
+                  </a:lnSpc>
+                </a:pPr>
+                <a:r>
+                  <a:rPr lang="ko-KR" altLang="en-US" dirty="0"/>
+                  <a:t>사원수의 집합</a:t>
+                </a:r>
+                <a:endParaRPr lang="en-US" altLang="ko-KR" dirty="0"/>
+              </a:p>
+              <a:p>
+                <a:pPr>
+                  <a:lnSpc>
+                    <a:spcPct val="120000"/>
+                  </a:lnSpc>
+                </a:pPr>
+                <a:endParaRPr lang="en-US" dirty="0"/>
+              </a:p>
+              <a:p>
+                <a:pPr>
+                  <a:lnSpc>
+                    <a:spcPct val="120000"/>
+                  </a:lnSpc>
+                </a:pPr>
+                <a:endParaRPr lang="en-US" dirty="0"/>
+              </a:p>
+              <a:p>
+                <a:pPr>
+                  <a:lnSpc>
+                    <a:spcPct val="120000"/>
+                  </a:lnSpc>
+                </a:pPr>
+                <a:endParaRPr lang="en-US" dirty="0"/>
+              </a:p>
+            </p:txBody>
+          </p:sp>
+        </mc:Choice>
+        <mc:Fallback xmlns="">
+          <p:sp>
+            <p:nvSpPr>
+              <p:cNvPr id="3" name="Content Placeholder 2">
+                <a:extLst>
+                  <a:ext uri="{FF2B5EF4-FFF2-40B4-BE49-F238E27FC236}">
+                    <a16:creationId xmlns:a16="http://schemas.microsoft.com/office/drawing/2014/main" id="{E52234AD-249F-4CB0-905C-1D2F93CAAEE6}"/>
+                  </a:ext>
+                </a:extLst>
+              </p:cNvPr>
+              <p:cNvSpPr>
+                <a:spLocks noGrp="1" noRot="1" noChangeAspect="1" noMove="1" noResize="1" noEditPoints="1" noAdjustHandles="1" noChangeArrowheads="1" noChangeShapeType="1" noTextEdit="1"/>
+              </p:cNvSpPr>
+              <p:nvPr>
+                <p:ph idx="1"/>
+              </p:nvPr>
+            </p:nvSpPr>
+            <p:spPr>
+              <a:blipFill>
+                <a:blip r:embed="rId2"/>
+                <a:stretch>
+                  <a:fillRect l="-500" t="-620"/>
+                </a:stretch>
+              </a:blipFill>
+            </p:spPr>
+            <p:txBody>
+              <a:bodyPr/>
+              <a:lstStyle/>
+              <a:p>
+                <a:r>
+                  <a:rPr lang="en-US">
+                    <a:noFill/>
+                  </a:rPr>
+                  <a:t> </a:t>
+                </a:r>
+              </a:p>
+            </p:txBody>
+          </p:sp>
+        </mc:Fallback>
+      </mc:AlternateContent>
+      <p:sp>
+        <p:nvSpPr>
+          <p:cNvPr id="4" name="Date Placeholder 3">
+            <a:extLst>
+              <a:ext uri="{FF2B5EF4-FFF2-40B4-BE49-F238E27FC236}">
+                <a16:creationId xmlns:a16="http://schemas.microsoft.com/office/drawing/2014/main" id="{09882E9A-CFE0-4592-A15E-C3B86309E6A2}"/>
+              </a:ext>
+            </a:extLst>
+          </p:cNvPr>
+          <p:cNvSpPr>
+            <a:spLocks noGrp="1"/>
+          </p:cNvSpPr>
+          <p:nvPr>
+            <p:ph type="dt" sz="half" idx="10"/>
+          </p:nvPr>
+        </p:nvSpPr>
+        <p:spPr/>
+        <p:txBody>
+          <a:bodyPr/>
+          <a:lstStyle/>
+          <a:p>
+            <a:fld id="{BE0357B1-0FDD-482C-A9DC-A4587093D4A9}" type="datetime1">
+              <a:rPr lang="ko-KR" altLang="en-US" smtClean="0"/>
+              <a:t>2019-07-13</a:t>
+            </a:fld>
+            <a:endParaRPr lang="en-US"/>
+          </a:p>
+        </p:txBody>
+      </p:sp>
+      <p:sp>
+        <p:nvSpPr>
+          <p:cNvPr id="5" name="Footer Placeholder 4">
+            <a:extLst>
+              <a:ext uri="{FF2B5EF4-FFF2-40B4-BE49-F238E27FC236}">
+                <a16:creationId xmlns:a16="http://schemas.microsoft.com/office/drawing/2014/main" id="{7D774A9D-7C27-4A88-A527-78005C9D394A}"/>
+              </a:ext>
+            </a:extLst>
+          </p:cNvPr>
+          <p:cNvSpPr>
+            <a:spLocks noGrp="1"/>
+          </p:cNvSpPr>
+          <p:nvPr>
+            <p:ph type="ftr" sz="quarter" idx="11"/>
+          </p:nvPr>
+        </p:nvSpPr>
+        <p:spPr/>
+        <p:txBody>
+          <a:bodyPr/>
+          <a:lstStyle/>
+          <a:p>
+            <a:r>
+              <a:rPr lang="ko-KR" altLang="en-US"/>
+              <a:t>드론 멘토링 </a:t>
+            </a:r>
+            <a:r>
+              <a:rPr lang="en-US" altLang="ko-KR"/>
+              <a:t>(2019</a:t>
+            </a:r>
+            <a:r>
+              <a:rPr lang="ko-KR" altLang="en-US"/>
+              <a:t>년 여름</a:t>
+            </a:r>
+            <a:r>
+              <a:rPr lang="en-US" altLang="ko-KR"/>
+              <a:t>)</a:t>
+            </a:r>
+            <a:endParaRPr lang="en-US"/>
+          </a:p>
+        </p:txBody>
+      </p:sp>
+      <p:sp>
+        <p:nvSpPr>
+          <p:cNvPr id="6" name="Slide Number Placeholder 5">
+            <a:extLst>
+              <a:ext uri="{FF2B5EF4-FFF2-40B4-BE49-F238E27FC236}">
+                <a16:creationId xmlns:a16="http://schemas.microsoft.com/office/drawing/2014/main" id="{59E11EF8-516C-43B8-8425-D6D379FC9F54}"/>
+              </a:ext>
+            </a:extLst>
+          </p:cNvPr>
+          <p:cNvSpPr>
+            <a:spLocks noGrp="1"/>
+          </p:cNvSpPr>
+          <p:nvPr>
+            <p:ph type="sldNum" sz="quarter" idx="12"/>
+          </p:nvPr>
+        </p:nvSpPr>
+        <p:spPr/>
+        <p:txBody>
+          <a:bodyPr/>
+          <a:lstStyle/>
+          <a:p>
+            <a:fld id="{AA0EB1BB-D2B3-481B-A5E1-F093F8D3CD29}" type="slidenum">
+              <a:rPr lang="en-US" smtClean="0"/>
+              <a:t>25</a:t>
+            </a:fld>
+            <a:endParaRPr lang="en-US"/>
+          </a:p>
+        </p:txBody>
+      </p:sp>
+    </p:spTree>
+    <p:extLst>
+      <p:ext uri="{BB962C8B-B14F-4D97-AF65-F5344CB8AC3E}">
+        <p14:creationId xmlns:p14="http://schemas.microsoft.com/office/powerpoint/2010/main" val="2428909718"/>
+      </p:ext>
+    </p:extLst>
+  </p:cSld>
+  <p:clrMapOvr>
+    <a:masterClrMapping/>
+  </p:clrMapOvr>
+</p:sld>
+</file>
+
+<file path=ppt/slides/slide26.xml><?xml version="1.0" encoding="utf-8"?>
+<p:sld xmlns:a="http://schemas.openxmlformats.org/drawingml/2006/main" xmlns:r="http://schemas.openxmlformats.org/officeDocument/2006/relationships" xmlns:p="http://schemas.openxmlformats.org/presentationml/2006/main">
+  <p:cSld>
+    <p:spTree>
+      <p:nvGrpSpPr>
+        <p:cNvPr id="1" name=""/>
+        <p:cNvGrpSpPr/>
+        <p:nvPr/>
+      </p:nvGrpSpPr>
+      <p:grpSpPr>
+        <a:xfrm>
+          <a:off x="0" y="0"/>
+          <a:ext cx="0" cy="0"/>
+          <a:chOff x="0" y="0"/>
+          <a:chExt cx="0" cy="0"/>
+        </a:xfrm>
+      </p:grpSpPr>
+      <p:sp>
+        <p:nvSpPr>
+          <p:cNvPr id="2" name="Title 1">
+            <a:extLst>
+              <a:ext uri="{FF2B5EF4-FFF2-40B4-BE49-F238E27FC236}">
+                <a16:creationId xmlns:a16="http://schemas.microsoft.com/office/drawing/2014/main" id="{C687C71E-1F44-418D-9DBB-5CADCADF663F}"/>
+              </a:ext>
+            </a:extLst>
+          </p:cNvPr>
+          <p:cNvSpPr>
+            <a:spLocks noGrp="1"/>
+          </p:cNvSpPr>
+          <p:nvPr>
+            <p:ph type="title"/>
+          </p:nvPr>
+        </p:nvSpPr>
+        <p:spPr/>
+        <p:txBody>
+          <a:bodyPr/>
+          <a:lstStyle/>
+          <a:p>
+            <a:r>
+              <a:rPr lang="ko-KR" altLang="en-US" dirty="0"/>
+              <a:t>스칼라</a:t>
+            </a:r>
+            <a:r>
+              <a:rPr lang="en-US" altLang="ko-KR" dirty="0"/>
+              <a:t>, </a:t>
+            </a:r>
+            <a:r>
+              <a:rPr lang="ko-KR" altLang="en-US" dirty="0"/>
+              <a:t>벡터</a:t>
+            </a:r>
+            <a:r>
+              <a:rPr lang="en-US" altLang="ko-KR" dirty="0"/>
+              <a:t>, </a:t>
+            </a:r>
+            <a:r>
+              <a:rPr lang="ko-KR" altLang="en-US" dirty="0"/>
+              <a:t>행렬</a:t>
+            </a:r>
+            <a:r>
+              <a:rPr lang="en-US" altLang="ko-KR" dirty="0"/>
+              <a:t>, </a:t>
+            </a:r>
+            <a:r>
+              <a:rPr lang="ko-KR" altLang="en-US" dirty="0"/>
+              <a:t>텐서</a:t>
+            </a:r>
+            <a:endParaRPr lang="en-US" dirty="0"/>
+          </a:p>
+        </p:txBody>
+      </p:sp>
+      <p:sp>
+        <p:nvSpPr>
+          <p:cNvPr id="3" name="Text Placeholder 2">
+            <a:extLst>
+              <a:ext uri="{FF2B5EF4-FFF2-40B4-BE49-F238E27FC236}">
+                <a16:creationId xmlns:a16="http://schemas.microsoft.com/office/drawing/2014/main" id="{C92AEC43-4A28-474A-8BED-EC9D5672C2C6}"/>
+              </a:ext>
+            </a:extLst>
+          </p:cNvPr>
+          <p:cNvSpPr>
+            <a:spLocks noGrp="1"/>
+          </p:cNvSpPr>
+          <p:nvPr>
+            <p:ph type="body" idx="1"/>
+          </p:nvPr>
+        </p:nvSpPr>
+        <p:spPr/>
+        <p:txBody>
+          <a:bodyPr/>
+          <a:lstStyle/>
+          <a:p>
+            <a:endParaRPr lang="en-US"/>
+          </a:p>
+        </p:txBody>
+      </p:sp>
+      <p:sp>
+        <p:nvSpPr>
+          <p:cNvPr id="4" name="Date Placeholder 3">
+            <a:extLst>
+              <a:ext uri="{FF2B5EF4-FFF2-40B4-BE49-F238E27FC236}">
+                <a16:creationId xmlns:a16="http://schemas.microsoft.com/office/drawing/2014/main" id="{208291A8-24E7-4DA0-A946-F6C400302B5A}"/>
+              </a:ext>
+            </a:extLst>
+          </p:cNvPr>
+          <p:cNvSpPr>
+            <a:spLocks noGrp="1"/>
+          </p:cNvSpPr>
+          <p:nvPr>
+            <p:ph type="dt" sz="half" idx="10"/>
+          </p:nvPr>
+        </p:nvSpPr>
+        <p:spPr/>
+        <p:txBody>
+          <a:bodyPr/>
+          <a:lstStyle/>
+          <a:p>
+            <a:fld id="{4CC14437-CE76-4CAA-B57D-74630AAA1A81}" type="datetime1">
+              <a:rPr lang="ko-KR" altLang="en-US" smtClean="0"/>
+              <a:t>2019-07-13</a:t>
+            </a:fld>
+            <a:endParaRPr lang="en-US"/>
+          </a:p>
+        </p:txBody>
+      </p:sp>
+      <p:sp>
+        <p:nvSpPr>
+          <p:cNvPr id="5" name="Footer Placeholder 4">
+            <a:extLst>
+              <a:ext uri="{FF2B5EF4-FFF2-40B4-BE49-F238E27FC236}">
+                <a16:creationId xmlns:a16="http://schemas.microsoft.com/office/drawing/2014/main" id="{95EF84A0-0DE7-4521-8991-2A3395472B2A}"/>
+              </a:ext>
+            </a:extLst>
+          </p:cNvPr>
+          <p:cNvSpPr>
+            <a:spLocks noGrp="1"/>
+          </p:cNvSpPr>
+          <p:nvPr>
+            <p:ph type="ftr" sz="quarter" idx="11"/>
+          </p:nvPr>
+        </p:nvSpPr>
+        <p:spPr/>
+        <p:txBody>
+          <a:bodyPr/>
+          <a:lstStyle/>
+          <a:p>
+            <a:r>
+              <a:rPr lang="ko-KR" altLang="en-US"/>
+              <a:t>드론 멘토링 </a:t>
+            </a:r>
+            <a:r>
+              <a:rPr lang="en-US" altLang="ko-KR"/>
+              <a:t>(2019</a:t>
+            </a:r>
+            <a:r>
+              <a:rPr lang="ko-KR" altLang="en-US"/>
+              <a:t>년 여름</a:t>
+            </a:r>
+            <a:r>
+              <a:rPr lang="en-US" altLang="ko-KR"/>
+              <a:t>)</a:t>
+            </a:r>
+            <a:endParaRPr lang="en-US"/>
+          </a:p>
+        </p:txBody>
+      </p:sp>
+      <p:sp>
+        <p:nvSpPr>
+          <p:cNvPr id="6" name="Slide Number Placeholder 5">
+            <a:extLst>
+              <a:ext uri="{FF2B5EF4-FFF2-40B4-BE49-F238E27FC236}">
+                <a16:creationId xmlns:a16="http://schemas.microsoft.com/office/drawing/2014/main" id="{9DBC39E8-4C7A-477B-AD3D-86CB78549397}"/>
+              </a:ext>
+            </a:extLst>
+          </p:cNvPr>
+          <p:cNvSpPr>
+            <a:spLocks noGrp="1"/>
+          </p:cNvSpPr>
+          <p:nvPr>
+            <p:ph type="sldNum" sz="quarter" idx="12"/>
+          </p:nvPr>
+        </p:nvSpPr>
+        <p:spPr/>
+        <p:txBody>
+          <a:bodyPr/>
+          <a:lstStyle/>
+          <a:p>
+            <a:fld id="{AA0EB1BB-D2B3-481B-A5E1-F093F8D3CD29}" type="slidenum">
+              <a:rPr lang="en-US" smtClean="0"/>
+              <a:t>26</a:t>
+            </a:fld>
+            <a:endParaRPr lang="en-US"/>
+          </a:p>
+        </p:txBody>
+      </p:sp>
+    </p:spTree>
+    <p:extLst>
+      <p:ext uri="{BB962C8B-B14F-4D97-AF65-F5344CB8AC3E}">
+        <p14:creationId xmlns:p14="http://schemas.microsoft.com/office/powerpoint/2010/main" val="868155928"/>
+      </p:ext>
+    </p:extLst>
+  </p:cSld>
+  <p:clrMapOvr>
+    <a:masterClrMapping/>
+  </p:clrMapOvr>
+</p:sld>
+</file>
+
+<file path=ppt/slides/slide27.xml><?xml version="1.0" encoding="utf-8"?>
+<p:sld xmlns:a="http://schemas.openxmlformats.org/drawingml/2006/main" xmlns:r="http://schemas.openxmlformats.org/officeDocument/2006/relationships" xmlns:p="http://schemas.openxmlformats.org/presentationml/2006/main">
+  <p:cSld>
+    <p:spTree>
+      <p:nvGrpSpPr>
+        <p:cNvPr id="1" name=""/>
+        <p:cNvGrpSpPr/>
+        <p:nvPr/>
+      </p:nvGrpSpPr>
+      <p:grpSpPr>
+        <a:xfrm>
+          <a:off x="0" y="0"/>
+          <a:ext cx="0" cy="0"/>
+          <a:chOff x="0" y="0"/>
+          <a:chExt cx="0" cy="0"/>
+        </a:xfrm>
+      </p:grpSpPr>
+      <p:sp>
+        <p:nvSpPr>
+          <p:cNvPr id="2" name="Title 1">
+            <a:extLst>
+              <a:ext uri="{FF2B5EF4-FFF2-40B4-BE49-F238E27FC236}">
+                <a16:creationId xmlns:a16="http://schemas.microsoft.com/office/drawing/2014/main" id="{04F9ACF7-80D4-49A7-8B5E-C8F068666AD0}"/>
+              </a:ext>
+            </a:extLst>
+          </p:cNvPr>
+          <p:cNvSpPr>
+            <a:spLocks noGrp="1"/>
+          </p:cNvSpPr>
+          <p:nvPr>
+            <p:ph type="title"/>
+          </p:nvPr>
+        </p:nvSpPr>
+        <p:spPr/>
+        <p:txBody>
+          <a:bodyPr/>
+          <a:lstStyle/>
+          <a:p>
+            <a:r>
+              <a:rPr lang="ko-KR" altLang="en-US" dirty="0"/>
+              <a:t>스칼라</a:t>
+            </a:r>
+            <a:r>
+              <a:rPr lang="en-US" altLang="ko-KR" dirty="0"/>
+              <a:t>, </a:t>
+            </a:r>
+            <a:r>
+              <a:rPr lang="ko-KR" altLang="en-US" dirty="0"/>
+              <a:t>벡터</a:t>
+            </a:r>
+            <a:r>
+              <a:rPr lang="en-US" altLang="ko-KR" dirty="0"/>
+              <a:t>, </a:t>
+            </a:r>
+            <a:r>
+              <a:rPr lang="ko-KR" altLang="en-US" dirty="0"/>
+              <a:t>행렬</a:t>
+            </a:r>
+            <a:r>
+              <a:rPr lang="en-US" altLang="ko-KR" dirty="0"/>
+              <a:t>, </a:t>
+            </a:r>
+            <a:r>
+              <a:rPr lang="ko-KR" altLang="en-US" dirty="0"/>
+              <a:t>텐서</a:t>
+            </a:r>
+            <a:endParaRPr lang="en-US" dirty="0"/>
+          </a:p>
+        </p:txBody>
+      </p:sp>
+      <p:sp>
+        <p:nvSpPr>
+          <p:cNvPr id="4" name="Date Placeholder 3">
+            <a:extLst>
+              <a:ext uri="{FF2B5EF4-FFF2-40B4-BE49-F238E27FC236}">
+                <a16:creationId xmlns:a16="http://schemas.microsoft.com/office/drawing/2014/main" id="{D9E22F15-9C78-470A-BE89-DA7C1DFB87EC}"/>
+              </a:ext>
+            </a:extLst>
+          </p:cNvPr>
+          <p:cNvSpPr>
+            <a:spLocks noGrp="1"/>
+          </p:cNvSpPr>
+          <p:nvPr>
+            <p:ph type="dt" sz="half" idx="10"/>
+          </p:nvPr>
+        </p:nvSpPr>
+        <p:spPr/>
+        <p:txBody>
+          <a:bodyPr/>
+          <a:lstStyle/>
+          <a:p>
+            <a:fld id="{BE0357B1-0FDD-482C-A9DC-A4587093D4A9}" type="datetime1">
+              <a:rPr lang="ko-KR" altLang="en-US" smtClean="0"/>
+              <a:t>2019-07-13</a:t>
+            </a:fld>
+            <a:endParaRPr lang="en-US"/>
+          </a:p>
+        </p:txBody>
+      </p:sp>
+      <p:sp>
+        <p:nvSpPr>
+          <p:cNvPr id="5" name="Footer Placeholder 4">
+            <a:extLst>
+              <a:ext uri="{FF2B5EF4-FFF2-40B4-BE49-F238E27FC236}">
+                <a16:creationId xmlns:a16="http://schemas.microsoft.com/office/drawing/2014/main" id="{FD10682C-6F11-437C-8CA0-F24C45F97210}"/>
+              </a:ext>
+            </a:extLst>
+          </p:cNvPr>
+          <p:cNvSpPr>
+            <a:spLocks noGrp="1"/>
+          </p:cNvSpPr>
+          <p:nvPr>
+            <p:ph type="ftr" sz="quarter" idx="11"/>
+          </p:nvPr>
+        </p:nvSpPr>
+        <p:spPr/>
+        <p:txBody>
+          <a:bodyPr/>
+          <a:lstStyle/>
+          <a:p>
+            <a:r>
+              <a:rPr lang="ko-KR" altLang="en-US"/>
+              <a:t>드론 멘토링 </a:t>
+            </a:r>
+            <a:r>
+              <a:rPr lang="en-US" altLang="ko-KR"/>
+              <a:t>(2019</a:t>
+            </a:r>
+            <a:r>
+              <a:rPr lang="ko-KR" altLang="en-US"/>
+              <a:t>년 여름</a:t>
+            </a:r>
+            <a:r>
+              <a:rPr lang="en-US" altLang="ko-KR"/>
+              <a:t>)</a:t>
+            </a:r>
+            <a:endParaRPr lang="en-US"/>
+          </a:p>
+        </p:txBody>
+      </p:sp>
+      <p:sp>
+        <p:nvSpPr>
+          <p:cNvPr id="6" name="Slide Number Placeholder 5">
+            <a:extLst>
+              <a:ext uri="{FF2B5EF4-FFF2-40B4-BE49-F238E27FC236}">
+                <a16:creationId xmlns:a16="http://schemas.microsoft.com/office/drawing/2014/main" id="{53F57DB9-67A4-433F-996E-DF94E0B2095F}"/>
+              </a:ext>
+            </a:extLst>
+          </p:cNvPr>
+          <p:cNvSpPr>
+            <a:spLocks noGrp="1"/>
+          </p:cNvSpPr>
+          <p:nvPr>
+            <p:ph type="sldNum" sz="quarter" idx="12"/>
+          </p:nvPr>
+        </p:nvSpPr>
+        <p:spPr/>
+        <p:txBody>
+          <a:bodyPr/>
+          <a:lstStyle/>
+          <a:p>
+            <a:fld id="{AA0EB1BB-D2B3-481B-A5E1-F093F8D3CD29}" type="slidenum">
+              <a:rPr lang="en-US" smtClean="0"/>
+              <a:t>27</a:t>
+            </a:fld>
+            <a:endParaRPr lang="en-US"/>
+          </a:p>
+        </p:txBody>
+      </p:sp>
+      <p:pic>
+        <p:nvPicPr>
+          <p:cNvPr id="4104" name="Picture 8" descr="Image result for scalar, vector, matrix, tensor">
+            <a:extLst>
+              <a:ext uri="{FF2B5EF4-FFF2-40B4-BE49-F238E27FC236}">
+                <a16:creationId xmlns:a16="http://schemas.microsoft.com/office/drawing/2014/main" id="{B9CCB65B-9992-455E-8076-7D4B57AD4A4A}"/>
+              </a:ext>
+            </a:extLst>
+          </p:cNvPr>
+          <p:cNvPicPr>
+            <a:picLocks noGrp="1" noChangeAspect="1" noChangeArrowheads="1"/>
+          </p:cNvPicPr>
+          <p:nvPr>
+            <p:ph idx="1"/>
+          </p:nvPr>
+        </p:nvPicPr>
+        <p:blipFill>
+          <a:blip r:embed="rId2">
+            <a:extLst>
+              <a:ext uri="{28A0092B-C50C-407E-A947-70E740481C1C}">
+                <a14:useLocalDpi xmlns:a14="http://schemas.microsoft.com/office/drawing/2010/main" val="0"/>
+              </a:ext>
+            </a:extLst>
+          </a:blip>
+          <a:srcRect/>
+          <a:stretch>
+            <a:fillRect/>
+          </a:stretch>
+        </p:blipFill>
+        <p:spPr bwMode="auto">
+          <a:xfrm>
+            <a:off x="1143000" y="2301439"/>
+            <a:ext cx="7620000" cy="2695575"/>
+          </a:xfrm>
+          <a:prstGeom prst="rect">
+            <a:avLst/>
+          </a:prstGeom>
+          <a:noFill/>
+          <a:extLst>
+            <a:ext uri="{909E8E84-426E-40DD-AFC4-6F175D3DCCD1}">
+              <a14:hiddenFill xmlns:a14="http://schemas.microsoft.com/office/drawing/2010/main">
+                <a:solidFill>
+                  <a:srgbClr val="FFFFFF"/>
+                </a:solidFill>
+              </a14:hiddenFill>
+            </a:ext>
+          </a:extLst>
+        </p:spPr>
+      </p:pic>
+    </p:spTree>
+    <p:extLst>
+      <p:ext uri="{BB962C8B-B14F-4D97-AF65-F5344CB8AC3E}">
+        <p14:creationId xmlns:p14="http://schemas.microsoft.com/office/powerpoint/2010/main" val="2255491069"/>
+      </p:ext>
+    </p:extLst>
+  </p:cSld>
+  <p:clrMapOvr>
+    <a:masterClrMapping/>
+  </p:clrMapOvr>
+</p:sld>
+</file>
+
+<file path=ppt/slides/slide28.xml><?xml version="1.0" encoding="utf-8"?>
+<p:sld xmlns:a="http://schemas.openxmlformats.org/drawingml/2006/main" xmlns:r="http://schemas.openxmlformats.org/officeDocument/2006/relationships" xmlns:p="http://schemas.openxmlformats.org/presentationml/2006/main">
+  <p:cSld>
+    <p:spTree>
+      <p:nvGrpSpPr>
+        <p:cNvPr id="1" name=""/>
+        <p:cNvGrpSpPr/>
+        <p:nvPr/>
+      </p:nvGrpSpPr>
+      <p:grpSpPr>
+        <a:xfrm>
+          <a:off x="0" y="0"/>
+          <a:ext cx="0" cy="0"/>
+          <a:chOff x="0" y="0"/>
+          <a:chExt cx="0" cy="0"/>
+        </a:xfrm>
+      </p:grpSpPr>
+      <p:sp>
+        <p:nvSpPr>
+          <p:cNvPr id="2" name="Title 1">
+            <a:extLst>
+              <a:ext uri="{FF2B5EF4-FFF2-40B4-BE49-F238E27FC236}">
+                <a16:creationId xmlns:a16="http://schemas.microsoft.com/office/drawing/2014/main" id="{79F67495-F4EF-48DF-9F00-6E3C34BF0311}"/>
+              </a:ext>
+            </a:extLst>
+          </p:cNvPr>
+          <p:cNvSpPr>
+            <a:spLocks noGrp="1"/>
+          </p:cNvSpPr>
+          <p:nvPr>
+            <p:ph type="title"/>
+          </p:nvPr>
+        </p:nvSpPr>
+        <p:spPr/>
+        <p:txBody>
+          <a:bodyPr/>
+          <a:lstStyle/>
+          <a:p>
+            <a:r>
+              <a:rPr lang="ko-KR" altLang="en-US" dirty="0"/>
+              <a:t>스칼라</a:t>
+            </a:r>
+            <a:r>
+              <a:rPr lang="en-US" altLang="ko-KR" dirty="0"/>
+              <a:t>(</a:t>
+            </a:r>
+            <a:r>
+              <a:rPr lang="en-US" dirty="0"/>
+              <a:t>Scalar)</a:t>
+            </a:r>
+          </a:p>
+        </p:txBody>
+      </p:sp>
+      <p:sp>
+        <p:nvSpPr>
+          <p:cNvPr id="3" name="Content Placeholder 2">
+            <a:extLst>
+              <a:ext uri="{FF2B5EF4-FFF2-40B4-BE49-F238E27FC236}">
+                <a16:creationId xmlns:a16="http://schemas.microsoft.com/office/drawing/2014/main" id="{0F584E97-3709-4F75-8975-A1057A55FFB3}"/>
+              </a:ext>
+            </a:extLst>
+          </p:cNvPr>
+          <p:cNvSpPr>
+            <a:spLocks noGrp="1"/>
+          </p:cNvSpPr>
+          <p:nvPr>
+            <p:ph idx="1"/>
+          </p:nvPr>
+        </p:nvSpPr>
+        <p:spPr>
+          <a:xfrm>
+            <a:off x="681038" y="1255271"/>
+            <a:ext cx="8543925" cy="3467731"/>
+          </a:xfrm>
+        </p:spPr>
+        <p:txBody>
+          <a:bodyPr>
+            <a:normAutofit lnSpcReduction="10000"/>
+          </a:bodyPr>
+          <a:lstStyle/>
+          <a:p>
+            <a:r>
+              <a:rPr lang="ko-KR" altLang="en-US" sz="2400" dirty="0"/>
+              <a:t>정의</a:t>
+            </a:r>
+            <a:endParaRPr lang="en-US" altLang="ko-KR" sz="2400" dirty="0"/>
+          </a:p>
+          <a:p>
+            <a:pPr lvl="1"/>
+            <a:r>
+              <a:rPr lang="ko-KR" altLang="en-US" sz="2400" dirty="0"/>
+              <a:t>하나의 숫자로만 표시되는 양</a:t>
+            </a:r>
+            <a:endParaRPr lang="en-US" altLang="ko-KR" sz="2400" dirty="0"/>
+          </a:p>
+          <a:p>
+            <a:pPr lvl="1"/>
+            <a:r>
+              <a:rPr lang="ko-KR" altLang="en-US" sz="2400" dirty="0"/>
+              <a:t>단지 크기만 있는 물리량</a:t>
+            </a:r>
+            <a:endParaRPr lang="en-US" altLang="ko-KR" sz="2400" dirty="0"/>
+          </a:p>
+          <a:p>
+            <a:r>
+              <a:rPr lang="ko-KR" altLang="en-US" sz="2400" dirty="0"/>
+              <a:t>벡터 공간에서 벡터를 곱할 수 있는 양</a:t>
+            </a:r>
+            <a:endParaRPr lang="en-US" altLang="ko-KR" sz="2400" dirty="0"/>
+          </a:p>
+          <a:p>
+            <a:r>
+              <a:rPr lang="ko-KR" altLang="en-US" sz="2400" dirty="0"/>
+              <a:t>그리스 알파벳 소문자로 표기한다</a:t>
+            </a:r>
+            <a:r>
+              <a:rPr lang="en-US" altLang="ko-KR" sz="2400" dirty="0"/>
+              <a:t>.</a:t>
+            </a:r>
+          </a:p>
+          <a:p>
+            <a:r>
+              <a:rPr lang="ko-KR" altLang="en-US" sz="2400" dirty="0"/>
+              <a:t>예</a:t>
+            </a:r>
+            <a:r>
+              <a:rPr lang="en-US" altLang="ko-KR" sz="2400" dirty="0"/>
+              <a:t>)</a:t>
+            </a:r>
+          </a:p>
+          <a:p>
+            <a:pPr lvl="1"/>
+            <a:r>
+              <a:rPr lang="en-US" altLang="ko-KR" sz="2400" dirty="0"/>
+              <a:t>1 m</a:t>
+            </a:r>
+          </a:p>
+          <a:p>
+            <a:pPr lvl="1"/>
+            <a:r>
+              <a:rPr lang="en-US" altLang="ko-KR" sz="2400" dirty="0"/>
+              <a:t>59.9 Kg</a:t>
+            </a:r>
+          </a:p>
+          <a:p>
+            <a:endParaRPr lang="en-US" sz="2400" dirty="0"/>
+          </a:p>
+        </p:txBody>
+      </p:sp>
+      <p:sp>
+        <p:nvSpPr>
+          <p:cNvPr id="4" name="Date Placeholder 3">
+            <a:extLst>
+              <a:ext uri="{FF2B5EF4-FFF2-40B4-BE49-F238E27FC236}">
+                <a16:creationId xmlns:a16="http://schemas.microsoft.com/office/drawing/2014/main" id="{F69BBFEB-41E9-400B-8FAE-9A9E1C8AF89E}"/>
+              </a:ext>
+            </a:extLst>
+          </p:cNvPr>
+          <p:cNvSpPr>
+            <a:spLocks noGrp="1"/>
+          </p:cNvSpPr>
+          <p:nvPr>
+            <p:ph type="dt" sz="half" idx="10"/>
+          </p:nvPr>
+        </p:nvSpPr>
+        <p:spPr/>
+        <p:txBody>
+          <a:bodyPr/>
+          <a:lstStyle/>
+          <a:p>
+            <a:fld id="{BE0357B1-0FDD-482C-A9DC-A4587093D4A9}" type="datetime1">
+              <a:rPr lang="ko-KR" altLang="en-US" smtClean="0"/>
+              <a:t>2019-07-13</a:t>
+            </a:fld>
+            <a:endParaRPr lang="en-US"/>
+          </a:p>
+        </p:txBody>
+      </p:sp>
+      <p:sp>
+        <p:nvSpPr>
+          <p:cNvPr id="5" name="Footer Placeholder 4">
+            <a:extLst>
+              <a:ext uri="{FF2B5EF4-FFF2-40B4-BE49-F238E27FC236}">
+                <a16:creationId xmlns:a16="http://schemas.microsoft.com/office/drawing/2014/main" id="{15959425-0A86-4F96-A11B-60594996951F}"/>
+              </a:ext>
+            </a:extLst>
+          </p:cNvPr>
+          <p:cNvSpPr>
+            <a:spLocks noGrp="1"/>
+          </p:cNvSpPr>
+          <p:nvPr>
+            <p:ph type="ftr" sz="quarter" idx="11"/>
+          </p:nvPr>
+        </p:nvSpPr>
+        <p:spPr/>
+        <p:txBody>
+          <a:bodyPr/>
+          <a:lstStyle/>
+          <a:p>
+            <a:r>
+              <a:rPr lang="ko-KR" altLang="en-US"/>
+              <a:t>드론 멘토링 </a:t>
+            </a:r>
+            <a:r>
+              <a:rPr lang="en-US" altLang="ko-KR"/>
+              <a:t>(2019</a:t>
+            </a:r>
+            <a:r>
+              <a:rPr lang="ko-KR" altLang="en-US"/>
+              <a:t>년 여름</a:t>
+            </a:r>
+            <a:r>
+              <a:rPr lang="en-US" altLang="ko-KR"/>
+              <a:t>)</a:t>
+            </a:r>
+            <a:endParaRPr lang="en-US"/>
+          </a:p>
+        </p:txBody>
+      </p:sp>
+      <p:sp>
+        <p:nvSpPr>
+          <p:cNvPr id="6" name="Slide Number Placeholder 5">
+            <a:extLst>
+              <a:ext uri="{FF2B5EF4-FFF2-40B4-BE49-F238E27FC236}">
+                <a16:creationId xmlns:a16="http://schemas.microsoft.com/office/drawing/2014/main" id="{1E54B664-D838-42A6-919E-E605AC407A5B}"/>
+              </a:ext>
+            </a:extLst>
+          </p:cNvPr>
+          <p:cNvSpPr>
+            <a:spLocks noGrp="1"/>
+          </p:cNvSpPr>
+          <p:nvPr>
+            <p:ph type="sldNum" sz="quarter" idx="12"/>
+          </p:nvPr>
+        </p:nvSpPr>
+        <p:spPr/>
+        <p:txBody>
+          <a:bodyPr/>
+          <a:lstStyle/>
+          <a:p>
+            <a:fld id="{AA0EB1BB-D2B3-481B-A5E1-F093F8D3CD29}" type="slidenum">
+              <a:rPr lang="en-US" smtClean="0"/>
+              <a:t>28</a:t>
+            </a:fld>
+            <a:endParaRPr lang="en-US"/>
+          </a:p>
+        </p:txBody>
+      </p:sp>
+      <p:pic>
+        <p:nvPicPr>
+          <p:cNvPr id="5122" name="Picture 2" descr="https://mblogthumb-phinf.pstatic.net/MjAxNzAxMDRfMjgz/MDAxNDgzNTEzNjUxMjg2.pWjid8AwGEBxnPpSIuk4X5xbUG4SGxSLzu3luq8HLNgg.0oelBJIpMWp0StUWLvT7l2Lt-bUsYf8PSheX4PRenzMg.JPEG.chu9940/%EC%82%AC%EB%B3%B8_-mmmm.jpg?type=w2">
+            <a:extLst>
+              <a:ext uri="{FF2B5EF4-FFF2-40B4-BE49-F238E27FC236}">
+                <a16:creationId xmlns:a16="http://schemas.microsoft.com/office/drawing/2014/main" id="{2EC049E3-A2FE-455A-ACCB-586D6564A9F3}"/>
+              </a:ext>
+            </a:extLst>
+          </p:cNvPr>
+          <p:cNvPicPr>
+            <a:picLocks noChangeAspect="1" noChangeArrowheads="1"/>
+          </p:cNvPicPr>
+          <p:nvPr/>
+        </p:nvPicPr>
+        <p:blipFill>
+          <a:blip r:embed="rId2">
+            <a:extLst>
+              <a:ext uri="{28A0092B-C50C-407E-A947-70E740481C1C}">
+                <a14:useLocalDpi xmlns:a14="http://schemas.microsoft.com/office/drawing/2010/main" val="0"/>
+              </a:ext>
+            </a:extLst>
+          </a:blip>
+          <a:srcRect/>
+          <a:stretch>
+            <a:fillRect/>
+          </a:stretch>
+        </p:blipFill>
+        <p:spPr bwMode="auto">
+          <a:xfrm>
+            <a:off x="5388680" y="3292480"/>
+            <a:ext cx="4266152" cy="3063872"/>
+          </a:xfrm>
+          <a:prstGeom prst="rect">
+            <a:avLst/>
+          </a:prstGeom>
+          <a:noFill/>
+          <a:extLst>
+            <a:ext uri="{909E8E84-426E-40DD-AFC4-6F175D3DCCD1}">
+              <a14:hiddenFill xmlns:a14="http://schemas.microsoft.com/office/drawing/2010/main">
+                <a:solidFill>
+                  <a:srgbClr val="FFFFFF"/>
+                </a:solidFill>
+              </a14:hiddenFill>
+            </a:ext>
+          </a:extLst>
+        </p:spPr>
+      </p:pic>
+    </p:spTree>
+    <p:extLst>
+      <p:ext uri="{BB962C8B-B14F-4D97-AF65-F5344CB8AC3E}">
+        <p14:creationId xmlns:p14="http://schemas.microsoft.com/office/powerpoint/2010/main" val="2028767200"/>
+      </p:ext>
+    </p:extLst>
+  </p:cSld>
+  <p:clrMapOvr>
+    <a:masterClrMapping/>
+  </p:clrMapOvr>
+</p:sld>
+</file>
+
+<file path=ppt/slides/slide29.xml><?xml version="1.0" encoding="utf-8"?>
+<p:sld xmlns:a="http://schemas.openxmlformats.org/drawingml/2006/main" xmlns:r="http://schemas.openxmlformats.org/officeDocument/2006/relationships" xmlns:p="http://schemas.openxmlformats.org/presentationml/2006/main">
+  <p:cSld>
+    <p:spTree>
+      <p:nvGrpSpPr>
+        <p:cNvPr id="1" name=""/>
+        <p:cNvGrpSpPr/>
+        <p:nvPr/>
+      </p:nvGrpSpPr>
+      <p:grpSpPr>
+        <a:xfrm>
+          <a:off x="0" y="0"/>
+          <a:ext cx="0" cy="0"/>
+          <a:chOff x="0" y="0"/>
+          <a:chExt cx="0" cy="0"/>
+        </a:xfrm>
+      </p:grpSpPr>
+      <p:sp>
+        <p:nvSpPr>
+          <p:cNvPr id="2" name="제목 1"/>
+          <p:cNvSpPr>
+            <a:spLocks noGrp="1"/>
+          </p:cNvSpPr>
+          <p:nvPr>
+            <p:ph type="title"/>
+          </p:nvPr>
+        </p:nvSpPr>
+        <p:spPr>
+          <a:xfrm>
+            <a:off x="681038" y="2343397"/>
+            <a:ext cx="8543925" cy="1325563"/>
+          </a:xfrm>
+        </p:spPr>
+        <p:txBody>
+          <a:bodyPr/>
+          <a:lstStyle/>
+          <a:p>
+            <a:pPr algn="ctr"/>
+            <a:r>
+              <a:rPr lang="ko-KR" altLang="en-US" dirty="0"/>
+              <a:t>끝</a:t>
+            </a:r>
+            <a:r>
+              <a:rPr lang="en-US" altLang="ko-KR" dirty="0"/>
+              <a:t>.</a:t>
+            </a:r>
+            <a:endParaRPr lang="en-US" dirty="0"/>
+          </a:p>
+        </p:txBody>
+      </p:sp>
+      <p:sp>
+        <p:nvSpPr>
+          <p:cNvPr id="5" name="슬라이드 번호 개체 틀 4"/>
+          <p:cNvSpPr>
+            <a:spLocks noGrp="1"/>
+          </p:cNvSpPr>
+          <p:nvPr>
+            <p:ph type="sldNum" sz="quarter" idx="12"/>
+          </p:nvPr>
+        </p:nvSpPr>
+        <p:spPr/>
+        <p:txBody>
+          <a:bodyPr/>
+          <a:lstStyle/>
+          <a:p>
+            <a:fld id="{AA0EB1BB-D2B3-481B-A5E1-F093F8D3CD29}" type="slidenum">
+              <a:rPr lang="en-US" smtClean="0"/>
+              <a:t>29</a:t>
+            </a:fld>
+            <a:endParaRPr lang="en-US"/>
+          </a:p>
+        </p:txBody>
+      </p:sp>
+      <p:sp>
+        <p:nvSpPr>
+          <p:cNvPr id="6" name="날짜 개체 틀 5"/>
+          <p:cNvSpPr>
+            <a:spLocks noGrp="1"/>
+          </p:cNvSpPr>
+          <p:nvPr>
+            <p:ph type="dt" sz="half" idx="10"/>
+          </p:nvPr>
+        </p:nvSpPr>
+        <p:spPr/>
+        <p:txBody>
+          <a:bodyPr/>
+          <a:lstStyle/>
+          <a:p>
+            <a:fld id="{6B29AF39-0B45-4EC4-A5E8-3B3BED10E749}" type="datetime1">
+              <a:rPr lang="ko-KR" altLang="en-US" smtClean="0"/>
+              <a:t>2019-07-13</a:t>
+            </a:fld>
+            <a:endParaRPr lang="en-US"/>
+          </a:p>
+        </p:txBody>
+      </p:sp>
+      <p:sp>
+        <p:nvSpPr>
+          <p:cNvPr id="3" name="바닥글 개체 틀 2"/>
+          <p:cNvSpPr>
+            <a:spLocks noGrp="1"/>
+          </p:cNvSpPr>
+          <p:nvPr>
+            <p:ph type="ftr" sz="quarter" idx="11"/>
+          </p:nvPr>
+        </p:nvSpPr>
+        <p:spPr/>
+        <p:txBody>
+          <a:bodyPr/>
+          <a:lstStyle/>
+          <a:p>
+            <a:r>
+              <a:rPr lang="ko-KR" altLang="en-US"/>
+              <a:t>드론 멘토링 </a:t>
+            </a:r>
+            <a:r>
+              <a:rPr lang="en-US" altLang="ko-KR"/>
+              <a:t>(2019</a:t>
+            </a:r>
+            <a:r>
+              <a:rPr lang="ko-KR" altLang="en-US"/>
+              <a:t>년 여름</a:t>
+            </a:r>
+            <a:r>
+              <a:rPr lang="en-US" altLang="ko-KR"/>
+              <a:t>)</a:t>
+            </a:r>
+            <a:endParaRPr lang="en-US"/>
+          </a:p>
+        </p:txBody>
+      </p:sp>
+    </p:spTree>
+    <p:extLst>
+      <p:ext uri="{BB962C8B-B14F-4D97-AF65-F5344CB8AC3E}">
+        <p14:creationId xmlns:p14="http://schemas.microsoft.com/office/powerpoint/2010/main" val="781218299"/>
+      </p:ext>
+    </p:extLst>
+  </p:cSld>
+  <p:clrMapOvr>
+    <a:masterClrMapping/>
+  </p:clrMapOvr>
+  <mc:AlternateContent xmlns:mc="http://schemas.openxmlformats.org/markup-compatibility/2006" xmlns:p15="http://schemas.microsoft.com/office/powerpoint/2012/main">
+    <mc:Choice Requires="p15">
+      <p:transition xmlns:p14="http://schemas.microsoft.com/office/powerpoint/2010/main" spd="slow" p14:dur="1250">
+        <p15:prstTrans prst="pageCurlDouble"/>
+      </p:transition>
+    </mc:Choice>
+    <mc:Fallback xmlns="">
+      <p:transition spd="slow">
+        <p:fade/>
+      </p:transition>
+    </mc:Fallback>
+  </mc:AlternateContent>
 </p:sld>
 </file>
 
@@ -14134,7 +20118,7 @@
           <a:p>
             <a:fld id="{BE0357B1-0FDD-482C-A9DC-A4587093D4A9}" type="datetime1">
               <a:rPr lang="ko-KR" altLang="en-US" smtClean="0"/>
-              <a:t>2019-07-11</a:t>
+              <a:t>2019-07-13</a:t>
             </a:fld>
             <a:endParaRPr lang="en-US"/>
           </a:p>
@@ -14396,6 +20380,495 @@
 </p:sld>
 </file>
 
+<file path=ppt/slides/slide30.xml><?xml version="1.0" encoding="utf-8"?>
+<p:sld xmlns:a="http://schemas.openxmlformats.org/drawingml/2006/main" xmlns:r="http://schemas.openxmlformats.org/officeDocument/2006/relationships" xmlns:p="http://schemas.openxmlformats.org/presentationml/2006/main">
+  <p:cSld>
+    <p:spTree>
+      <p:nvGrpSpPr>
+        <p:cNvPr id="1" name=""/>
+        <p:cNvGrpSpPr/>
+        <p:nvPr/>
+      </p:nvGrpSpPr>
+      <p:grpSpPr>
+        <a:xfrm>
+          <a:off x="0" y="0"/>
+          <a:ext cx="0" cy="0"/>
+          <a:chOff x="0" y="0"/>
+          <a:chExt cx="0" cy="0"/>
+        </a:xfrm>
+      </p:grpSpPr>
+      <p:sp>
+        <p:nvSpPr>
+          <p:cNvPr id="2" name="제목 1"/>
+          <p:cNvSpPr>
+            <a:spLocks noGrp="1"/>
+          </p:cNvSpPr>
+          <p:nvPr>
+            <p:ph type="title"/>
+          </p:nvPr>
+        </p:nvSpPr>
+        <p:spPr/>
+        <p:txBody>
+          <a:bodyPr/>
+          <a:lstStyle/>
+          <a:p>
+            <a:r>
+              <a:rPr lang="ko-KR" altLang="en-US"/>
+              <a:t>드론 물리학</a:t>
+            </a:r>
+            <a:endParaRPr lang="en-US"/>
+          </a:p>
+        </p:txBody>
+      </p:sp>
+      <p:sp>
+        <p:nvSpPr>
+          <p:cNvPr id="3" name="텍스트 개체 틀 2"/>
+          <p:cNvSpPr>
+            <a:spLocks noGrp="1"/>
+          </p:cNvSpPr>
+          <p:nvPr>
+            <p:ph type="body" idx="1"/>
+          </p:nvPr>
+        </p:nvSpPr>
+        <p:spPr/>
+        <p:txBody>
+          <a:bodyPr/>
+          <a:lstStyle/>
+          <a:p>
+            <a:endParaRPr lang="en-US"/>
+          </a:p>
+        </p:txBody>
+      </p:sp>
+      <p:sp>
+        <p:nvSpPr>
+          <p:cNvPr id="4" name="날짜 개체 틀 3"/>
+          <p:cNvSpPr>
+            <a:spLocks noGrp="1"/>
+          </p:cNvSpPr>
+          <p:nvPr>
+            <p:ph type="dt" sz="half" idx="10"/>
+          </p:nvPr>
+        </p:nvSpPr>
+        <p:spPr/>
+        <p:txBody>
+          <a:bodyPr/>
+          <a:lstStyle/>
+          <a:p>
+            <a:fld id="{4CC14437-CE76-4CAA-B57D-74630AAA1A81}" type="datetime1">
+              <a:rPr lang="ko-KR" altLang="en-US" smtClean="0"/>
+              <a:t>2019-07-13</a:t>
+            </a:fld>
+            <a:endParaRPr lang="en-US"/>
+          </a:p>
+        </p:txBody>
+      </p:sp>
+      <p:sp>
+        <p:nvSpPr>
+          <p:cNvPr id="5" name="바닥글 개체 틀 4"/>
+          <p:cNvSpPr>
+            <a:spLocks noGrp="1"/>
+          </p:cNvSpPr>
+          <p:nvPr>
+            <p:ph type="ftr" sz="quarter" idx="11"/>
+          </p:nvPr>
+        </p:nvSpPr>
+        <p:spPr/>
+        <p:txBody>
+          <a:bodyPr/>
+          <a:lstStyle/>
+          <a:p>
+            <a:r>
+              <a:rPr lang="ko-KR" altLang="en-US"/>
+              <a:t>드론 멘토링 </a:t>
+            </a:r>
+            <a:r>
+              <a:rPr lang="en-US" altLang="ko-KR"/>
+              <a:t>(2019</a:t>
+            </a:r>
+            <a:r>
+              <a:rPr lang="ko-KR" altLang="en-US"/>
+              <a:t>년 여름</a:t>
+            </a:r>
+            <a:r>
+              <a:rPr lang="en-US" altLang="ko-KR"/>
+              <a:t>)</a:t>
+            </a:r>
+            <a:endParaRPr lang="en-US"/>
+          </a:p>
+        </p:txBody>
+      </p:sp>
+      <p:sp>
+        <p:nvSpPr>
+          <p:cNvPr id="6" name="슬라이드 번호 개체 틀 5"/>
+          <p:cNvSpPr>
+            <a:spLocks noGrp="1"/>
+          </p:cNvSpPr>
+          <p:nvPr>
+            <p:ph type="sldNum" sz="quarter" idx="12"/>
+          </p:nvPr>
+        </p:nvSpPr>
+        <p:spPr/>
+        <p:txBody>
+          <a:bodyPr/>
+          <a:lstStyle/>
+          <a:p>
+            <a:fld id="{AA0EB1BB-D2B3-481B-A5E1-F093F8D3CD29}" type="slidenum">
+              <a:rPr lang="en-US" smtClean="0"/>
+              <a:t>30</a:t>
+            </a:fld>
+            <a:endParaRPr lang="en-US"/>
+          </a:p>
+        </p:txBody>
+      </p:sp>
+    </p:spTree>
+    <p:extLst>
+      <p:ext uri="{BB962C8B-B14F-4D97-AF65-F5344CB8AC3E}">
+        <p14:creationId xmlns:p14="http://schemas.microsoft.com/office/powerpoint/2010/main" val="3781277454"/>
+      </p:ext>
+    </p:extLst>
+  </p:cSld>
+  <p:clrMapOvr>
+    <a:masterClrMapping/>
+  </p:clrMapOvr>
+</p:sld>
+</file>
+
+<file path=ppt/slides/slide31.xml><?xml version="1.0" encoding="utf-8"?>
+<p:sld xmlns:a="http://schemas.openxmlformats.org/drawingml/2006/main" xmlns:r="http://schemas.openxmlformats.org/officeDocument/2006/relationships" xmlns:p="http://schemas.openxmlformats.org/presentationml/2006/main">
+  <p:cSld>
+    <p:spTree>
+      <p:nvGrpSpPr>
+        <p:cNvPr id="1" name=""/>
+        <p:cNvGrpSpPr/>
+        <p:nvPr/>
+      </p:nvGrpSpPr>
+      <p:grpSpPr>
+        <a:xfrm>
+          <a:off x="0" y="0"/>
+          <a:ext cx="0" cy="0"/>
+          <a:chOff x="0" y="0"/>
+          <a:chExt cx="0" cy="0"/>
+        </a:xfrm>
+      </p:grpSpPr>
+      <p:sp>
+        <p:nvSpPr>
+          <p:cNvPr id="2" name="제목 1"/>
+          <p:cNvSpPr>
+            <a:spLocks noGrp="1"/>
+          </p:cNvSpPr>
+          <p:nvPr>
+            <p:ph type="title"/>
+          </p:nvPr>
+        </p:nvSpPr>
+        <p:spPr/>
+        <p:txBody>
+          <a:bodyPr/>
+          <a:lstStyle/>
+          <a:p>
+            <a:r>
+              <a:rPr lang="ko-KR" altLang="en-US"/>
+              <a:t>드론 항공 역학</a:t>
+            </a:r>
+            <a:endParaRPr lang="en-US"/>
+          </a:p>
+        </p:txBody>
+      </p:sp>
+      <p:sp>
+        <p:nvSpPr>
+          <p:cNvPr id="3" name="텍스트 개체 틀 2"/>
+          <p:cNvSpPr>
+            <a:spLocks noGrp="1"/>
+          </p:cNvSpPr>
+          <p:nvPr>
+            <p:ph type="body" idx="1"/>
+          </p:nvPr>
+        </p:nvSpPr>
+        <p:spPr/>
+        <p:txBody>
+          <a:bodyPr/>
+          <a:lstStyle/>
+          <a:p>
+            <a:endParaRPr lang="en-US"/>
+          </a:p>
+        </p:txBody>
+      </p:sp>
+      <p:sp>
+        <p:nvSpPr>
+          <p:cNvPr id="4" name="날짜 개체 틀 3"/>
+          <p:cNvSpPr>
+            <a:spLocks noGrp="1"/>
+          </p:cNvSpPr>
+          <p:nvPr>
+            <p:ph type="dt" sz="half" idx="10"/>
+          </p:nvPr>
+        </p:nvSpPr>
+        <p:spPr/>
+        <p:txBody>
+          <a:bodyPr/>
+          <a:lstStyle/>
+          <a:p>
+            <a:fld id="{4CC14437-CE76-4CAA-B57D-74630AAA1A81}" type="datetime1">
+              <a:rPr lang="ko-KR" altLang="en-US" smtClean="0"/>
+              <a:t>2019-07-13</a:t>
+            </a:fld>
+            <a:endParaRPr lang="en-US"/>
+          </a:p>
+        </p:txBody>
+      </p:sp>
+      <p:sp>
+        <p:nvSpPr>
+          <p:cNvPr id="5" name="바닥글 개체 틀 4"/>
+          <p:cNvSpPr>
+            <a:spLocks noGrp="1"/>
+          </p:cNvSpPr>
+          <p:nvPr>
+            <p:ph type="ftr" sz="quarter" idx="11"/>
+          </p:nvPr>
+        </p:nvSpPr>
+        <p:spPr/>
+        <p:txBody>
+          <a:bodyPr/>
+          <a:lstStyle/>
+          <a:p>
+            <a:r>
+              <a:rPr lang="ko-KR" altLang="en-US"/>
+              <a:t>드론 멘토링 </a:t>
+            </a:r>
+            <a:r>
+              <a:rPr lang="en-US" altLang="ko-KR"/>
+              <a:t>(2019</a:t>
+            </a:r>
+            <a:r>
+              <a:rPr lang="ko-KR" altLang="en-US"/>
+              <a:t>년 여름</a:t>
+            </a:r>
+            <a:r>
+              <a:rPr lang="en-US" altLang="ko-KR"/>
+              <a:t>)</a:t>
+            </a:r>
+            <a:endParaRPr lang="en-US"/>
+          </a:p>
+        </p:txBody>
+      </p:sp>
+      <p:sp>
+        <p:nvSpPr>
+          <p:cNvPr id="6" name="슬라이드 번호 개체 틀 5"/>
+          <p:cNvSpPr>
+            <a:spLocks noGrp="1"/>
+          </p:cNvSpPr>
+          <p:nvPr>
+            <p:ph type="sldNum" sz="quarter" idx="12"/>
+          </p:nvPr>
+        </p:nvSpPr>
+        <p:spPr/>
+        <p:txBody>
+          <a:bodyPr/>
+          <a:lstStyle/>
+          <a:p>
+            <a:fld id="{AA0EB1BB-D2B3-481B-A5E1-F093F8D3CD29}" type="slidenum">
+              <a:rPr lang="en-US" smtClean="0"/>
+              <a:t>31</a:t>
+            </a:fld>
+            <a:endParaRPr lang="en-US"/>
+          </a:p>
+        </p:txBody>
+      </p:sp>
+    </p:spTree>
+    <p:extLst>
+      <p:ext uri="{BB962C8B-B14F-4D97-AF65-F5344CB8AC3E}">
+        <p14:creationId xmlns:p14="http://schemas.microsoft.com/office/powerpoint/2010/main" val="2941434546"/>
+      </p:ext>
+    </p:extLst>
+  </p:cSld>
+  <p:clrMapOvr>
+    <a:masterClrMapping/>
+  </p:clrMapOvr>
+</p:sld>
+</file>
+
+<file path=ppt/slides/slide32.xml><?xml version="1.0" encoding="utf-8"?>
+<p:sld xmlns:a="http://schemas.openxmlformats.org/drawingml/2006/main" xmlns:r="http://schemas.openxmlformats.org/officeDocument/2006/relationships" xmlns:p="http://schemas.openxmlformats.org/presentationml/2006/main">
+  <p:cSld>
+    <p:spTree>
+      <p:nvGrpSpPr>
+        <p:cNvPr id="1" name=""/>
+        <p:cNvGrpSpPr/>
+        <p:nvPr/>
+      </p:nvGrpSpPr>
+      <p:grpSpPr>
+        <a:xfrm>
+          <a:off x="0" y="0"/>
+          <a:ext cx="0" cy="0"/>
+          <a:chOff x="0" y="0"/>
+          <a:chExt cx="0" cy="0"/>
+        </a:xfrm>
+      </p:grpSpPr>
+      <p:sp>
+        <p:nvSpPr>
+          <p:cNvPr id="2" name="Title 1">
+            <a:extLst>
+              <a:ext uri="{FF2B5EF4-FFF2-40B4-BE49-F238E27FC236}">
+                <a16:creationId xmlns:a16="http://schemas.microsoft.com/office/drawing/2014/main" id="{E9B19681-CC44-4D40-A65D-788E1F366A30}"/>
+              </a:ext>
+            </a:extLst>
+          </p:cNvPr>
+          <p:cNvSpPr>
+            <a:spLocks noGrp="1"/>
+          </p:cNvSpPr>
+          <p:nvPr>
+            <p:ph type="title"/>
+          </p:nvPr>
+        </p:nvSpPr>
+        <p:spPr/>
+        <p:txBody>
+          <a:bodyPr/>
+          <a:lstStyle/>
+          <a:p>
+            <a:r>
+              <a:rPr lang="ko-KR" altLang="en-US" dirty="0"/>
+              <a:t>벡터</a:t>
+            </a:r>
+            <a:endParaRPr lang="en-US" dirty="0"/>
+          </a:p>
+        </p:txBody>
+      </p:sp>
+      <p:sp>
+        <p:nvSpPr>
+          <p:cNvPr id="3" name="Content Placeholder 2">
+            <a:extLst>
+              <a:ext uri="{FF2B5EF4-FFF2-40B4-BE49-F238E27FC236}">
+                <a16:creationId xmlns:a16="http://schemas.microsoft.com/office/drawing/2014/main" id="{9121D069-08E2-4DCD-809B-2992123C277E}"/>
+              </a:ext>
+            </a:extLst>
+          </p:cNvPr>
+          <p:cNvSpPr>
+            <a:spLocks noGrp="1"/>
+          </p:cNvSpPr>
+          <p:nvPr>
+            <p:ph idx="1"/>
+          </p:nvPr>
+        </p:nvSpPr>
+        <p:spPr/>
+        <p:txBody>
+          <a:bodyPr/>
+          <a:lstStyle/>
+          <a:p>
+            <a:endParaRPr lang="en-US"/>
+          </a:p>
+        </p:txBody>
+      </p:sp>
+      <p:sp>
+        <p:nvSpPr>
+          <p:cNvPr id="4" name="Date Placeholder 3">
+            <a:extLst>
+              <a:ext uri="{FF2B5EF4-FFF2-40B4-BE49-F238E27FC236}">
+                <a16:creationId xmlns:a16="http://schemas.microsoft.com/office/drawing/2014/main" id="{6E82555F-432D-487A-A4BF-A7B6FC4172D1}"/>
+              </a:ext>
+            </a:extLst>
+          </p:cNvPr>
+          <p:cNvSpPr>
+            <a:spLocks noGrp="1"/>
+          </p:cNvSpPr>
+          <p:nvPr>
+            <p:ph type="dt" sz="half" idx="10"/>
+          </p:nvPr>
+        </p:nvSpPr>
+        <p:spPr/>
+        <p:txBody>
+          <a:bodyPr/>
+          <a:lstStyle/>
+          <a:p>
+            <a:fld id="{BE0357B1-0FDD-482C-A9DC-A4587093D4A9}" type="datetime1">
+              <a:rPr lang="ko-KR" altLang="en-US" smtClean="0"/>
+              <a:t>2019-07-13</a:t>
+            </a:fld>
+            <a:endParaRPr lang="en-US"/>
+          </a:p>
+        </p:txBody>
+      </p:sp>
+      <p:sp>
+        <p:nvSpPr>
+          <p:cNvPr id="5" name="Footer Placeholder 4">
+            <a:extLst>
+              <a:ext uri="{FF2B5EF4-FFF2-40B4-BE49-F238E27FC236}">
+                <a16:creationId xmlns:a16="http://schemas.microsoft.com/office/drawing/2014/main" id="{EDA1002B-F230-4595-B69C-BB4D5981EE14}"/>
+              </a:ext>
+            </a:extLst>
+          </p:cNvPr>
+          <p:cNvSpPr>
+            <a:spLocks noGrp="1"/>
+          </p:cNvSpPr>
+          <p:nvPr>
+            <p:ph type="ftr" sz="quarter" idx="11"/>
+          </p:nvPr>
+        </p:nvSpPr>
+        <p:spPr/>
+        <p:txBody>
+          <a:bodyPr/>
+          <a:lstStyle/>
+          <a:p>
+            <a:r>
+              <a:rPr lang="ko-KR" altLang="en-US"/>
+              <a:t>드론 멘토링 </a:t>
+            </a:r>
+            <a:r>
+              <a:rPr lang="en-US" altLang="ko-KR"/>
+              <a:t>(2019</a:t>
+            </a:r>
+            <a:r>
+              <a:rPr lang="ko-KR" altLang="en-US"/>
+              <a:t>년 여름</a:t>
+            </a:r>
+            <a:r>
+              <a:rPr lang="en-US" altLang="ko-KR"/>
+              <a:t>)</a:t>
+            </a:r>
+            <a:endParaRPr lang="en-US"/>
+          </a:p>
+        </p:txBody>
+      </p:sp>
+      <p:sp>
+        <p:nvSpPr>
+          <p:cNvPr id="6" name="Slide Number Placeholder 5">
+            <a:extLst>
+              <a:ext uri="{FF2B5EF4-FFF2-40B4-BE49-F238E27FC236}">
+                <a16:creationId xmlns:a16="http://schemas.microsoft.com/office/drawing/2014/main" id="{6DDDAC26-9147-4598-B04B-C97B777EFB2A}"/>
+              </a:ext>
+            </a:extLst>
+          </p:cNvPr>
+          <p:cNvSpPr>
+            <a:spLocks noGrp="1"/>
+          </p:cNvSpPr>
+          <p:nvPr>
+            <p:ph type="sldNum" sz="quarter" idx="12"/>
+          </p:nvPr>
+        </p:nvSpPr>
+        <p:spPr/>
+        <p:txBody>
+          <a:bodyPr/>
+          <a:lstStyle/>
+          <a:p>
+            <a:fld id="{AA0EB1BB-D2B3-481B-A5E1-F093F8D3CD29}" type="slidenum">
+              <a:rPr lang="en-US" smtClean="0"/>
+              <a:t>32</a:t>
+            </a:fld>
+            <a:endParaRPr lang="en-US"/>
+          </a:p>
+        </p:txBody>
+      </p:sp>
+    </p:spTree>
+    <p:extLst>
+      <p:ext uri="{BB962C8B-B14F-4D97-AF65-F5344CB8AC3E}">
+        <p14:creationId xmlns:p14="http://schemas.microsoft.com/office/powerpoint/2010/main" val="2859592884"/>
+      </p:ext>
+    </p:extLst>
+  </p:cSld>
+  <p:clrMapOvr>
+    <a:masterClrMapping/>
+  </p:clrMapOvr>
+</p:sld>
+</file>
+
 <file path=ppt/slides/slide4.xml><?xml version="1.0" encoding="utf-8"?>
 <p:sld xmlns:a="http://schemas.openxmlformats.org/drawingml/2006/main" xmlns:r="http://schemas.openxmlformats.org/officeDocument/2006/relationships" xmlns:p="http://schemas.openxmlformats.org/presentationml/2006/main">
   <p:cSld>
@@ -14504,7 +20977,7 @@
           <a:p>
             <a:fld id="{BE0357B1-0FDD-482C-A9DC-A4587093D4A9}" type="datetime1">
               <a:rPr lang="ko-KR" altLang="en-US" smtClean="0"/>
-              <a:t>2019-07-11</a:t>
+              <a:t>2019-07-13</a:t>
             </a:fld>
             <a:endParaRPr lang="en-US"/>
           </a:p>
@@ -14869,7 +21342,7 @@
           <a:p>
             <a:fld id="{BE0357B1-0FDD-482C-A9DC-A4587093D4A9}" type="datetime1">
               <a:rPr lang="ko-KR" altLang="en-US" smtClean="0"/>
-              <a:t>2019-07-11</a:t>
+              <a:t>2019-07-13</a:t>
             </a:fld>
             <a:endParaRPr lang="en-US"/>
           </a:p>
@@ -15234,7 +21707,7 @@
           <a:p>
             <a:fld id="{BE0357B1-0FDD-482C-A9DC-A4587093D4A9}" type="datetime1">
               <a:rPr lang="ko-KR" altLang="en-US" smtClean="0"/>
-              <a:t>2019-07-11</a:t>
+              <a:t>2019-07-13</a:t>
             </a:fld>
             <a:endParaRPr lang="en-US"/>
           </a:p>
@@ -15564,7 +22037,7 @@
           <a:p>
             <a:fld id="{BE0357B1-0FDD-482C-A9DC-A4587093D4A9}" type="datetime1">
               <a:rPr lang="ko-KR" altLang="en-US" smtClean="0"/>
-              <a:t>2019-07-11</a:t>
+              <a:t>2019-07-13</a:t>
             </a:fld>
             <a:endParaRPr lang="en-US"/>
           </a:p>
@@ -15775,7 +22248,7 @@
           <a:p>
             <a:fld id="{BE0357B1-0FDD-482C-A9DC-A4587093D4A9}" type="datetime1">
               <a:rPr lang="ko-KR" altLang="en-US" smtClean="0"/>
-              <a:t>2019-07-11</a:t>
+              <a:t>2019-07-13</a:t>
             </a:fld>
             <a:endParaRPr lang="en-US"/>
           </a:p>
@@ -16214,7 +22687,7 @@
           <a:p>
             <a:fld id="{BE0357B1-0FDD-482C-A9DC-A4587093D4A9}" type="datetime1">
               <a:rPr lang="ko-KR" altLang="en-US" smtClean="0"/>
-              <a:t>2019-07-11</a:t>
+              <a:t>2019-07-13</a:t>
             </a:fld>
             <a:endParaRPr lang="en-US"/>
           </a:p>

--- a/200 드론 멘토링 자율 비행 이론 V1.1.pptx
+++ b/200 드론 멘토링 자율 비행 이론 V1.1.pptx
@@ -5,7 +5,7 @@
     <p:sldMasterId id="2147483660" r:id="rId1"/>
   </p:sldMasterIdLst>
   <p:notesMasterIdLst>
-    <p:notesMasterId r:id="rId34"/>
+    <p:notesMasterId r:id="rId37"/>
   </p:notesMasterIdLst>
   <p:sldIdLst>
     <p:sldId id="256" r:id="rId2"/>
@@ -38,8 +38,11 @@
     <p:sldId id="280" r:id="rId29"/>
     <p:sldId id="259" r:id="rId30"/>
     <p:sldId id="266" r:id="rId31"/>
-    <p:sldId id="267" r:id="rId32"/>
-    <p:sldId id="288" r:id="rId33"/>
+    <p:sldId id="293" r:id="rId32"/>
+    <p:sldId id="294" r:id="rId33"/>
+    <p:sldId id="295" r:id="rId34"/>
+    <p:sldId id="267" r:id="rId35"/>
+    <p:sldId id="288" r:id="rId36"/>
   </p:sldIdLst>
   <p:sldSz cx="9906000" cy="6858000" type="A4"/>
   <p:notesSz cx="6858000" cy="9144000"/>
@@ -7994,7 +7997,7 @@
           <a:p>
             <a:fld id="{60456C2F-1F67-44A5-80B0-9C3A6CA33C82}" type="datetimeFigureOut">
               <a:rPr lang="en-US" smtClean="0"/>
-              <a:t>7/13/2019</a:t>
+              <a:t>7/14/2019</a:t>
             </a:fld>
             <a:endParaRPr lang="en-US"/>
           </a:p>
@@ -8393,7 +8396,7 @@
           <a:p>
             <a:fld id="{319B1230-C6B6-4309-80C9-CAB93D465649}" type="datetime1">
               <a:rPr lang="ko-KR" altLang="en-US" smtClean="0"/>
-              <a:t>2019-07-13</a:t>
+              <a:t>2019-07-14</a:t>
             </a:fld>
             <a:endParaRPr lang="en-US"/>
           </a:p>
@@ -8527,7 +8530,7 @@
           <a:p>
             <a:fld id="{FED29414-8F33-4E3F-A952-9544504CA7EE}" type="datetime1">
               <a:rPr lang="ko-KR" altLang="en-US" smtClean="0"/>
-              <a:t>2019-07-13</a:t>
+              <a:t>2019-07-14</a:t>
             </a:fld>
             <a:endParaRPr lang="en-US"/>
           </a:p>
@@ -8686,7 +8689,7 @@
           <a:p>
             <a:fld id="{924A5E96-5228-467F-80D0-2ECBCC17D15E}" type="datetime1">
               <a:rPr lang="ko-KR" altLang="en-US" smtClean="0"/>
-              <a:t>2019-07-13</a:t>
+              <a:t>2019-07-14</a:t>
             </a:fld>
             <a:endParaRPr lang="en-US"/>
           </a:p>
@@ -8872,7 +8875,7 @@
           <a:p>
             <a:fld id="{BE0357B1-0FDD-482C-A9DC-A4587093D4A9}" type="datetime1">
               <a:rPr lang="ko-KR" altLang="en-US" smtClean="0"/>
-              <a:t>2019-07-13</a:t>
+              <a:t>2019-07-14</a:t>
             </a:fld>
             <a:endParaRPr lang="en-US"/>
           </a:p>
@@ -9135,7 +9138,7 @@
           <a:p>
             <a:fld id="{0D94B2E5-B4C8-4FE9-8181-FA32C14418EE}" type="datetime1">
               <a:rPr lang="ko-KR" altLang="en-US" smtClean="0"/>
-              <a:t>2019-07-13</a:t>
+              <a:t>2019-07-14</a:t>
             </a:fld>
             <a:endParaRPr lang="en-US"/>
           </a:p>
@@ -9463,7 +9466,7 @@
           <a:p>
             <a:fld id="{8F5C8F60-763C-4F84-8F24-DD737445852F}" type="datetime1">
               <a:rPr lang="ko-KR" altLang="en-US" smtClean="0"/>
-              <a:t>2019-07-13</a:t>
+              <a:t>2019-07-14</a:t>
             </a:fld>
             <a:endParaRPr lang="en-US"/>
           </a:p>
@@ -9811,7 +9814,7 @@
           <a:p>
             <a:fld id="{4CC14437-CE76-4CAA-B57D-74630AAA1A81}" type="datetime1">
               <a:rPr lang="ko-KR" altLang="en-US" smtClean="0"/>
-              <a:t>2019-07-13</a:t>
+              <a:t>2019-07-14</a:t>
             </a:fld>
             <a:endParaRPr lang="en-US"/>
           </a:p>
@@ -10164,7 +10167,7 @@
           <a:p>
             <a:fld id="{4CC14437-CE76-4CAA-B57D-74630AAA1A81}" type="datetime1">
               <a:rPr lang="ko-KR" altLang="en-US" smtClean="0"/>
-              <a:t>2019-07-13</a:t>
+              <a:t>2019-07-14</a:t>
             </a:fld>
             <a:endParaRPr lang="en-US"/>
           </a:p>
@@ -10455,7 +10458,7 @@
           <a:p>
             <a:fld id="{834AA384-6E8E-4FED-B7E7-E5A1E24200AC}" type="datetime1">
               <a:rPr lang="ko-KR" altLang="en-US" smtClean="0"/>
-              <a:t>2019-07-13</a:t>
+              <a:t>2019-07-14</a:t>
             </a:fld>
             <a:endParaRPr lang="en-US"/>
           </a:p>
@@ -10783,7 +10786,7 @@
           <a:p>
             <a:fld id="{7917DF62-74E6-4230-B273-D0D3CCDE7E84}" type="datetime1">
               <a:rPr lang="ko-KR" altLang="en-US" smtClean="0"/>
-              <a:t>2019-07-13</a:t>
+              <a:t>2019-07-14</a:t>
             </a:fld>
             <a:endParaRPr lang="en-US"/>
           </a:p>
@@ -11209,7 +11212,7 @@
           <a:p>
             <a:fld id="{6B67E599-38F1-4810-B40C-4564238E6F55}" type="datetime1">
               <a:rPr lang="ko-KR" altLang="en-US" smtClean="0"/>
-              <a:t>2019-07-13</a:t>
+              <a:t>2019-07-14</a:t>
             </a:fld>
             <a:endParaRPr lang="en-US"/>
           </a:p>
@@ -11440,7 +11443,7 @@
           <a:p>
             <a:fld id="{2605756E-71AC-4422-8513-6CA67E389392}" type="datetime1">
               <a:rPr lang="ko-KR" altLang="en-US" smtClean="0"/>
-              <a:t>2019-07-13</a:t>
+              <a:t>2019-07-14</a:t>
             </a:fld>
             <a:endParaRPr lang="en-US"/>
           </a:p>
@@ -12214,7 +12217,7 @@
           <a:p>
             <a:fld id="{BE0357B1-0FDD-482C-A9DC-A4587093D4A9}" type="datetime1">
               <a:rPr lang="ko-KR" altLang="en-US" smtClean="0"/>
-              <a:t>2019-07-13</a:t>
+              <a:t>2019-07-14</a:t>
             </a:fld>
             <a:endParaRPr lang="en-US"/>
           </a:p>
@@ -12422,7 +12425,7 @@
           <a:p>
             <a:fld id="{BE0357B1-0FDD-482C-A9DC-A4587093D4A9}" type="datetime1">
               <a:rPr lang="ko-KR" altLang="en-US" smtClean="0"/>
-              <a:t>2019-07-13</a:t>
+              <a:t>2019-07-14</a:t>
             </a:fld>
             <a:endParaRPr lang="en-US"/>
           </a:p>
@@ -12622,7 +12625,7 @@
           <a:p>
             <a:fld id="{BE0357B1-0FDD-482C-A9DC-A4587093D4A9}" type="datetime1">
               <a:rPr lang="ko-KR" altLang="en-US" smtClean="0"/>
-              <a:t>2019-07-13</a:t>
+              <a:t>2019-07-14</a:t>
             </a:fld>
             <a:endParaRPr lang="en-US"/>
           </a:p>
@@ -12882,7 +12885,7 @@
           <a:p>
             <a:fld id="{BE0357B1-0FDD-482C-A9DC-A4587093D4A9}" type="datetime1">
               <a:rPr lang="ko-KR" altLang="en-US" smtClean="0"/>
-              <a:t>2019-07-13</a:t>
+              <a:t>2019-07-14</a:t>
             </a:fld>
             <a:endParaRPr lang="en-US"/>
           </a:p>
@@ -13151,7 +13154,7 @@
           <a:p>
             <a:fld id="{4CC14437-CE76-4CAA-B57D-74630AAA1A81}" type="datetime1">
               <a:rPr lang="ko-KR" altLang="en-US" smtClean="0"/>
-              <a:t>2019-07-13</a:t>
+              <a:t>2019-07-14</a:t>
             </a:fld>
             <a:endParaRPr lang="en-US"/>
           </a:p>
@@ -13495,7 +13498,7 @@
           <a:p>
             <a:fld id="{BE0357B1-0FDD-482C-A9DC-A4587093D4A9}" type="datetime1">
               <a:rPr lang="ko-KR" altLang="en-US" smtClean="0"/>
-              <a:t>2019-07-13</a:t>
+              <a:t>2019-07-14</a:t>
             </a:fld>
             <a:endParaRPr lang="en-US"/>
           </a:p>
@@ -14247,7 +14250,7 @@
           <a:p>
             <a:fld id="{BE0357B1-0FDD-482C-A9DC-A4587093D4A9}" type="datetime1">
               <a:rPr lang="ko-KR" altLang="en-US" smtClean="0"/>
-              <a:t>2019-07-13</a:t>
+              <a:t>2019-07-14</a:t>
             </a:fld>
             <a:endParaRPr lang="en-US"/>
           </a:p>
@@ -14514,7 +14517,7 @@
           <a:p>
             <a:fld id="{BE0357B1-0FDD-482C-A9DC-A4587093D4A9}" type="datetime1">
               <a:rPr lang="ko-KR" altLang="en-US" smtClean="0"/>
-              <a:t>2019-07-13</a:t>
+              <a:t>2019-07-14</a:t>
             </a:fld>
             <a:endParaRPr lang="en-US"/>
           </a:p>
@@ -14761,7 +14764,7 @@
           <a:p>
             <a:fld id="{BE0357B1-0FDD-482C-A9DC-A4587093D4A9}" type="datetime1">
               <a:rPr lang="ko-KR" altLang="en-US" smtClean="0"/>
-              <a:t>2019-07-13</a:t>
+              <a:t>2019-07-14</a:t>
             </a:fld>
             <a:endParaRPr lang="en-US"/>
           </a:p>
@@ -14851,8 +14854,8 @@
         </p:nvGrpSpPr>
         <p:grpSpPr>
           <a:xfrm>
-            <a:off x="7631656" y="136523"/>
-            <a:ext cx="2069797" cy="1694689"/>
+            <a:off x="7633982" y="136523"/>
+            <a:ext cx="2067471" cy="1767778"/>
             <a:chOff x="4866689" y="2291842"/>
             <a:chExt cx="5614434" cy="4434868"/>
           </a:xfrm>
@@ -16557,7 +16560,7 @@
           <a:p>
             <a:fld id="{4CC14437-CE76-4CAA-B57D-74630AAA1A81}" type="datetime1">
               <a:rPr lang="ko-KR" altLang="en-US" smtClean="0"/>
-              <a:t>2019-07-13</a:t>
+              <a:t>2019-07-14</a:t>
             </a:fld>
             <a:endParaRPr lang="en-US"/>
           </a:p>
@@ -16771,7 +16774,7 @@
           <a:p>
             <a:fld id="{4CC14437-CE76-4CAA-B57D-74630AAA1A81}" type="datetime1">
               <a:rPr lang="ko-KR" altLang="en-US" smtClean="0"/>
-              <a:t>2019-07-13</a:t>
+              <a:t>2019-07-14</a:t>
             </a:fld>
             <a:endParaRPr lang="en-US"/>
           </a:p>
@@ -16971,7 +16974,7 @@
           <a:p>
             <a:fld id="{BE0357B1-0FDD-482C-A9DC-A4587093D4A9}" type="datetime1">
               <a:rPr lang="ko-KR" altLang="en-US" smtClean="0"/>
-              <a:t>2019-07-13</a:t>
+              <a:t>2019-07-14</a:t>
             </a:fld>
             <a:endParaRPr lang="en-US"/>
           </a:p>
@@ -17249,7 +17252,7 @@
           <a:p>
             <a:fld id="{BE0357B1-0FDD-482C-A9DC-A4587093D4A9}" type="datetime1">
               <a:rPr lang="ko-KR" altLang="en-US" smtClean="0"/>
-              <a:t>2019-07-13</a:t>
+              <a:t>2019-07-14</a:t>
             </a:fld>
             <a:endParaRPr lang="en-US"/>
           </a:p>
@@ -17461,8 +17464,8 @@
           </a:p>
         </p:txBody>
       </p:sp>
-      <mc:AlternateContent xmlns:mc="http://schemas.openxmlformats.org/markup-compatibility/2006">
-        <mc:Choice xmlns:a14="http://schemas.microsoft.com/office/drawing/2010/main" Requires="a14">
+      <mc:AlternateContent xmlns:mc="http://schemas.openxmlformats.org/markup-compatibility/2006" xmlns:a14="http://schemas.microsoft.com/office/drawing/2010/main">
+        <mc:Choice Requires="a14">
           <p:sp>
             <p:nvSpPr>
               <p:cNvPr id="3" name="Content Placeholder 2">
@@ -17624,7 +17627,7 @@
             </p:txBody>
           </p:sp>
         </mc:Choice>
-        <mc:Fallback>
+        <mc:Fallback xmlns="">
           <p:sp>
             <p:nvSpPr>
               <p:cNvPr id="3" name="Content Placeholder 2">
@@ -17691,7 +17694,7 @@
           <a:p>
             <a:fld id="{BE0357B1-0FDD-482C-A9DC-A4587093D4A9}" type="datetime1">
               <a:rPr lang="ko-KR" altLang="en-US" smtClean="0"/>
-              <a:t>2019-07-13</a:t>
+              <a:t>2019-07-14</a:t>
             </a:fld>
             <a:endParaRPr lang="en-US"/>
           </a:p>
@@ -17932,7 +17935,7 @@
           <a:p>
             <a:fld id="{4CC14437-CE76-4CAA-B57D-74630AAA1A81}" type="datetime1">
               <a:rPr lang="ko-KR" altLang="en-US" smtClean="0"/>
-              <a:t>2019-07-13</a:t>
+              <a:t>2019-07-14</a:t>
             </a:fld>
             <a:endParaRPr lang="en-US"/>
           </a:p>
@@ -18309,7 +18312,7 @@
           <a:p>
             <a:fld id="{BE0357B1-0FDD-482C-A9DC-A4587093D4A9}" type="datetime1">
               <a:rPr lang="ko-KR" altLang="en-US" smtClean="0"/>
-              <a:t>2019-07-13</a:t>
+              <a:t>2019-07-14</a:t>
             </a:fld>
             <a:endParaRPr lang="en-US"/>
           </a:p>
@@ -18941,7 +18944,7 @@
           <a:p>
             <a:fld id="{BE0357B1-0FDD-482C-A9DC-A4587093D4A9}" type="datetime1">
               <a:rPr lang="ko-KR" altLang="en-US" smtClean="0"/>
-              <a:t>2019-07-13</a:t>
+              <a:t>2019-07-14</a:t>
             </a:fld>
             <a:endParaRPr lang="en-US"/>
           </a:p>
@@ -19148,7 +19151,7 @@
           <a:p>
             <a:fld id="{4CC14437-CE76-4CAA-B57D-74630AAA1A81}" type="datetime1">
               <a:rPr lang="ko-KR" altLang="en-US" smtClean="0"/>
-              <a:t>2019-07-13</a:t>
+              <a:t>2019-07-14</a:t>
             </a:fld>
             <a:endParaRPr lang="en-US"/>
           </a:p>
@@ -19330,7 +19333,7 @@
           <a:p>
             <a:fld id="{BE0357B1-0FDD-482C-A9DC-A4587093D4A9}" type="datetime1">
               <a:rPr lang="ko-KR" altLang="en-US" smtClean="0"/>
-              <a:t>2019-07-13</a:t>
+              <a:t>2019-07-14</a:t>
             </a:fld>
             <a:endParaRPr lang="en-US"/>
           </a:p>
@@ -19408,51 +19411,34 @@
       </p:sp>
       <p:pic>
         <p:nvPicPr>
-          <p:cNvPr id="4104" name="Picture 8" descr="Image result for scalar, vector, matrix, tensor">
+          <p:cNvPr id="8" name="Content Placeholder 7">
             <a:extLst>
               <a:ext uri="{FF2B5EF4-FFF2-40B4-BE49-F238E27FC236}">
-                <a16:creationId xmlns:a16="http://schemas.microsoft.com/office/drawing/2014/main" id="{B9CCB65B-9992-455E-8076-7D4B57AD4A4A}"/>
+                <a16:creationId xmlns:a16="http://schemas.microsoft.com/office/drawing/2014/main" id="{E3316651-9273-4CC5-8806-E2D5C5E8DC48}"/>
               </a:ext>
             </a:extLst>
           </p:cNvPr>
           <p:cNvPicPr>
-            <a:picLocks noGrp="1" noChangeAspect="1" noChangeArrowheads="1"/>
+            <a:picLocks noGrp="1" noChangeAspect="1"/>
           </p:cNvPicPr>
           <p:nvPr>
             <p:ph idx="1"/>
           </p:nvPr>
         </p:nvPicPr>
         <p:blipFill>
-          <a:blip r:embed="rId2">
-            <a:extLst>
-              <a:ext uri="{28A0092B-C50C-407E-A947-70E740481C1C}">
-                <a14:useLocalDpi xmlns:a14="http://schemas.microsoft.com/office/drawing/2010/main" val="0"/>
-              </a:ext>
-            </a:extLst>
-          </a:blip>
-          <a:srcRect/>
+          <a:blip r:embed="rId2"/>
           <a:stretch>
             <a:fillRect/>
           </a:stretch>
         </p:blipFill>
-        <p:spPr bwMode="auto">
+        <p:spPr>
           <a:xfrm>
-            <a:off x="1143000" y="2301439"/>
-            <a:ext cx="7620000" cy="2695575"/>
+            <a:off x="681038" y="2119078"/>
+            <a:ext cx="8543925" cy="3194520"/>
           </a:xfrm>
           <a:prstGeom prst="rect">
             <a:avLst/>
           </a:prstGeom>
-          <a:noFill/>
-          <a:extLst>
-            <a:ext uri="{909E8E84-426E-40DD-AFC4-6F175D3DCCD1}">
-              <a14:hiddenFill xmlns:a14="http://schemas.microsoft.com/office/drawing/2010/main">
-                <a:solidFill>
-                  <a:srgbClr val="FFFFFF"/>
-                </a:solidFill>
-              </a14:hiddenFill>
-            </a:ext>
-          </a:extLst>
         </p:spPr>
       </p:pic>
     </p:spTree>
@@ -19640,7 +19626,7 @@
           <a:p>
             <a:fld id="{BE0357B1-0FDD-482C-A9DC-A4587093D4A9}" type="datetime1">
               <a:rPr lang="ko-KR" altLang="en-US" smtClean="0"/>
-              <a:t>2019-07-13</a:t>
+              <a:t>2019-07-14</a:t>
             </a:fld>
             <a:endParaRPr lang="en-US"/>
           </a:p>
@@ -19866,7 +19852,7 @@
           <a:p>
             <a:fld id="{6B29AF39-0B45-4EC4-A5E8-3B3BED10E749}" type="datetime1">
               <a:rPr lang="ko-KR" altLang="en-US" smtClean="0"/>
-              <a:t>2019-07-13</a:t>
+              <a:t>2019-07-14</a:t>
             </a:fld>
             <a:endParaRPr lang="en-US"/>
           </a:p>
@@ -20118,7 +20104,7 @@
           <a:p>
             <a:fld id="{BE0357B1-0FDD-482C-A9DC-A4587093D4A9}" type="datetime1">
               <a:rPr lang="ko-KR" altLang="en-US" smtClean="0"/>
-              <a:t>2019-07-13</a:t>
+              <a:t>2019-07-14</a:t>
             </a:fld>
             <a:endParaRPr lang="en-US"/>
           </a:p>
@@ -20456,7 +20442,7 @@
           <a:p>
             <a:fld id="{4CC14437-CE76-4CAA-B57D-74630AAA1A81}" type="datetime1">
               <a:rPr lang="ko-KR" altLang="en-US" smtClean="0"/>
-              <a:t>2019-07-13</a:t>
+              <a:t>2019-07-14</a:t>
             </a:fld>
             <a:endParaRPr lang="en-US"/>
           </a:p>
@@ -20552,6 +20538,685 @@
       </p:grpSpPr>
       <p:sp>
         <p:nvSpPr>
+          <p:cNvPr id="2" name="Title 1">
+            <a:extLst>
+              <a:ext uri="{FF2B5EF4-FFF2-40B4-BE49-F238E27FC236}">
+                <a16:creationId xmlns:a16="http://schemas.microsoft.com/office/drawing/2014/main" id="{E41BA776-8904-4476-8648-227D12E1B6D2}"/>
+              </a:ext>
+            </a:extLst>
+          </p:cNvPr>
+          <p:cNvSpPr>
+            <a:spLocks noGrp="1"/>
+          </p:cNvSpPr>
+          <p:nvPr>
+            <p:ph type="title"/>
+          </p:nvPr>
+        </p:nvSpPr>
+        <p:spPr/>
+        <p:txBody>
+          <a:bodyPr/>
+          <a:lstStyle/>
+          <a:p>
+            <a:r>
+              <a:rPr lang="ko-KR" altLang="en-US" dirty="0"/>
+              <a:t>전기</a:t>
+            </a:r>
+            <a:endParaRPr lang="en-US" dirty="0"/>
+          </a:p>
+        </p:txBody>
+      </p:sp>
+      <p:sp>
+        <p:nvSpPr>
+          <p:cNvPr id="3" name="Text Placeholder 2">
+            <a:extLst>
+              <a:ext uri="{FF2B5EF4-FFF2-40B4-BE49-F238E27FC236}">
+                <a16:creationId xmlns:a16="http://schemas.microsoft.com/office/drawing/2014/main" id="{5E5FF923-34E1-4287-963B-BC19F59928D6}"/>
+              </a:ext>
+            </a:extLst>
+          </p:cNvPr>
+          <p:cNvSpPr>
+            <a:spLocks noGrp="1"/>
+          </p:cNvSpPr>
+          <p:nvPr>
+            <p:ph type="body" idx="1"/>
+          </p:nvPr>
+        </p:nvSpPr>
+        <p:spPr/>
+        <p:txBody>
+          <a:bodyPr/>
+          <a:lstStyle/>
+          <a:p>
+            <a:endParaRPr lang="en-US"/>
+          </a:p>
+        </p:txBody>
+      </p:sp>
+      <p:sp>
+        <p:nvSpPr>
+          <p:cNvPr id="4" name="Date Placeholder 3">
+            <a:extLst>
+              <a:ext uri="{FF2B5EF4-FFF2-40B4-BE49-F238E27FC236}">
+                <a16:creationId xmlns:a16="http://schemas.microsoft.com/office/drawing/2014/main" id="{250228AE-9975-46B2-A4FF-AB088AFA5AA4}"/>
+              </a:ext>
+            </a:extLst>
+          </p:cNvPr>
+          <p:cNvSpPr>
+            <a:spLocks noGrp="1"/>
+          </p:cNvSpPr>
+          <p:nvPr>
+            <p:ph type="dt" sz="half" idx="10"/>
+          </p:nvPr>
+        </p:nvSpPr>
+        <p:spPr/>
+        <p:txBody>
+          <a:bodyPr/>
+          <a:lstStyle/>
+          <a:p>
+            <a:fld id="{4CC14437-CE76-4CAA-B57D-74630AAA1A81}" type="datetime1">
+              <a:rPr lang="ko-KR" altLang="en-US" smtClean="0"/>
+              <a:t>2019-07-14</a:t>
+            </a:fld>
+            <a:endParaRPr lang="en-US"/>
+          </a:p>
+        </p:txBody>
+      </p:sp>
+      <p:sp>
+        <p:nvSpPr>
+          <p:cNvPr id="5" name="Footer Placeholder 4">
+            <a:extLst>
+              <a:ext uri="{FF2B5EF4-FFF2-40B4-BE49-F238E27FC236}">
+                <a16:creationId xmlns:a16="http://schemas.microsoft.com/office/drawing/2014/main" id="{724E155F-93E0-4A3E-880A-179F7297E537}"/>
+              </a:ext>
+            </a:extLst>
+          </p:cNvPr>
+          <p:cNvSpPr>
+            <a:spLocks noGrp="1"/>
+          </p:cNvSpPr>
+          <p:nvPr>
+            <p:ph type="ftr" sz="quarter" idx="11"/>
+          </p:nvPr>
+        </p:nvSpPr>
+        <p:spPr/>
+        <p:txBody>
+          <a:bodyPr/>
+          <a:lstStyle/>
+          <a:p>
+            <a:r>
+              <a:rPr lang="ko-KR" altLang="en-US"/>
+              <a:t>드론 멘토링 </a:t>
+            </a:r>
+            <a:r>
+              <a:rPr lang="en-US" altLang="ko-KR"/>
+              <a:t>(2019</a:t>
+            </a:r>
+            <a:r>
+              <a:rPr lang="ko-KR" altLang="en-US"/>
+              <a:t>년 여름</a:t>
+            </a:r>
+            <a:r>
+              <a:rPr lang="en-US" altLang="ko-KR"/>
+              <a:t>)</a:t>
+            </a:r>
+            <a:endParaRPr lang="en-US"/>
+          </a:p>
+        </p:txBody>
+      </p:sp>
+      <p:sp>
+        <p:nvSpPr>
+          <p:cNvPr id="6" name="Slide Number Placeholder 5">
+            <a:extLst>
+              <a:ext uri="{FF2B5EF4-FFF2-40B4-BE49-F238E27FC236}">
+                <a16:creationId xmlns:a16="http://schemas.microsoft.com/office/drawing/2014/main" id="{8C1CC699-072F-4F27-AE31-C62EF2720B88}"/>
+              </a:ext>
+            </a:extLst>
+          </p:cNvPr>
+          <p:cNvSpPr>
+            <a:spLocks noGrp="1"/>
+          </p:cNvSpPr>
+          <p:nvPr>
+            <p:ph type="sldNum" sz="quarter" idx="12"/>
+          </p:nvPr>
+        </p:nvSpPr>
+        <p:spPr/>
+        <p:txBody>
+          <a:bodyPr/>
+          <a:lstStyle/>
+          <a:p>
+            <a:fld id="{AA0EB1BB-D2B3-481B-A5E1-F093F8D3CD29}" type="slidenum">
+              <a:rPr lang="en-US" smtClean="0"/>
+              <a:t>31</a:t>
+            </a:fld>
+            <a:endParaRPr lang="en-US"/>
+          </a:p>
+        </p:txBody>
+      </p:sp>
+    </p:spTree>
+    <p:extLst>
+      <p:ext uri="{BB962C8B-B14F-4D97-AF65-F5344CB8AC3E}">
+        <p14:creationId xmlns:p14="http://schemas.microsoft.com/office/powerpoint/2010/main" val="3045029315"/>
+      </p:ext>
+    </p:extLst>
+  </p:cSld>
+  <p:clrMapOvr>
+    <a:masterClrMapping/>
+  </p:clrMapOvr>
+</p:sld>
+</file>
+
+<file path=ppt/slides/slide32.xml><?xml version="1.0" encoding="utf-8"?>
+<p:sld xmlns:a="http://schemas.openxmlformats.org/drawingml/2006/main" xmlns:r="http://schemas.openxmlformats.org/officeDocument/2006/relationships" xmlns:p="http://schemas.openxmlformats.org/presentationml/2006/main">
+  <p:cSld>
+    <p:spTree>
+      <p:nvGrpSpPr>
+        <p:cNvPr id="1" name=""/>
+        <p:cNvGrpSpPr/>
+        <p:nvPr/>
+      </p:nvGrpSpPr>
+      <p:grpSpPr>
+        <a:xfrm>
+          <a:off x="0" y="0"/>
+          <a:ext cx="0" cy="0"/>
+          <a:chOff x="0" y="0"/>
+          <a:chExt cx="0" cy="0"/>
+        </a:xfrm>
+      </p:grpSpPr>
+      <p:sp>
+        <p:nvSpPr>
+          <p:cNvPr id="2" name="Title 1">
+            <a:extLst>
+              <a:ext uri="{FF2B5EF4-FFF2-40B4-BE49-F238E27FC236}">
+                <a16:creationId xmlns:a16="http://schemas.microsoft.com/office/drawing/2014/main" id="{CE4BD63E-7941-4C8E-93B8-E0390AF30D59}"/>
+              </a:ext>
+            </a:extLst>
+          </p:cNvPr>
+          <p:cNvSpPr>
+            <a:spLocks noGrp="1"/>
+          </p:cNvSpPr>
+          <p:nvPr>
+            <p:ph type="title"/>
+          </p:nvPr>
+        </p:nvSpPr>
+        <p:spPr/>
+        <p:txBody>
+          <a:bodyPr/>
+          <a:lstStyle/>
+          <a:p>
+            <a:r>
+              <a:rPr lang="ko-KR" altLang="en-US" dirty="0"/>
+              <a:t>전원 직렬 연결</a:t>
+            </a:r>
+            <a:endParaRPr lang="en-US" dirty="0"/>
+          </a:p>
+        </p:txBody>
+      </p:sp>
+      <p:sp>
+        <p:nvSpPr>
+          <p:cNvPr id="3" name="Content Placeholder 2">
+            <a:extLst>
+              <a:ext uri="{FF2B5EF4-FFF2-40B4-BE49-F238E27FC236}">
+                <a16:creationId xmlns:a16="http://schemas.microsoft.com/office/drawing/2014/main" id="{DCE2C03C-6960-446C-8E85-143A32360213}"/>
+              </a:ext>
+            </a:extLst>
+          </p:cNvPr>
+          <p:cNvSpPr>
+            <a:spLocks noGrp="1"/>
+          </p:cNvSpPr>
+          <p:nvPr>
+            <p:ph idx="1"/>
+          </p:nvPr>
+        </p:nvSpPr>
+        <p:spPr>
+          <a:xfrm>
+            <a:off x="681038" y="1255271"/>
+            <a:ext cx="8543925" cy="2335217"/>
+          </a:xfrm>
+        </p:spPr>
+        <p:txBody>
+          <a:bodyPr/>
+          <a:lstStyle/>
+          <a:p>
+            <a:endParaRPr lang="en-US"/>
+          </a:p>
+        </p:txBody>
+      </p:sp>
+      <p:sp>
+        <p:nvSpPr>
+          <p:cNvPr id="4" name="Date Placeholder 3">
+            <a:extLst>
+              <a:ext uri="{FF2B5EF4-FFF2-40B4-BE49-F238E27FC236}">
+                <a16:creationId xmlns:a16="http://schemas.microsoft.com/office/drawing/2014/main" id="{6BFC1F43-1052-45B1-9997-A0CFBB7ABFFE}"/>
+              </a:ext>
+            </a:extLst>
+          </p:cNvPr>
+          <p:cNvSpPr>
+            <a:spLocks noGrp="1"/>
+          </p:cNvSpPr>
+          <p:nvPr>
+            <p:ph type="dt" sz="half" idx="10"/>
+          </p:nvPr>
+        </p:nvSpPr>
+        <p:spPr/>
+        <p:txBody>
+          <a:bodyPr/>
+          <a:lstStyle/>
+          <a:p>
+            <a:fld id="{BE0357B1-0FDD-482C-A9DC-A4587093D4A9}" type="datetime1">
+              <a:rPr lang="ko-KR" altLang="en-US" smtClean="0"/>
+              <a:t>2019-07-14</a:t>
+            </a:fld>
+            <a:endParaRPr lang="en-US"/>
+          </a:p>
+        </p:txBody>
+      </p:sp>
+      <p:sp>
+        <p:nvSpPr>
+          <p:cNvPr id="5" name="Footer Placeholder 4">
+            <a:extLst>
+              <a:ext uri="{FF2B5EF4-FFF2-40B4-BE49-F238E27FC236}">
+                <a16:creationId xmlns:a16="http://schemas.microsoft.com/office/drawing/2014/main" id="{3CB698E8-92A7-44C2-BDA9-252A557BEDC3}"/>
+              </a:ext>
+            </a:extLst>
+          </p:cNvPr>
+          <p:cNvSpPr>
+            <a:spLocks noGrp="1"/>
+          </p:cNvSpPr>
+          <p:nvPr>
+            <p:ph type="ftr" sz="quarter" idx="11"/>
+          </p:nvPr>
+        </p:nvSpPr>
+        <p:spPr/>
+        <p:txBody>
+          <a:bodyPr/>
+          <a:lstStyle/>
+          <a:p>
+            <a:r>
+              <a:rPr lang="ko-KR" altLang="en-US"/>
+              <a:t>드론 멘토링 </a:t>
+            </a:r>
+            <a:r>
+              <a:rPr lang="en-US" altLang="ko-KR"/>
+              <a:t>(2019</a:t>
+            </a:r>
+            <a:r>
+              <a:rPr lang="ko-KR" altLang="en-US"/>
+              <a:t>년 여름</a:t>
+            </a:r>
+            <a:r>
+              <a:rPr lang="en-US" altLang="ko-KR"/>
+              <a:t>)</a:t>
+            </a:r>
+            <a:endParaRPr lang="en-US"/>
+          </a:p>
+        </p:txBody>
+      </p:sp>
+      <p:sp>
+        <p:nvSpPr>
+          <p:cNvPr id="6" name="Slide Number Placeholder 5">
+            <a:extLst>
+              <a:ext uri="{FF2B5EF4-FFF2-40B4-BE49-F238E27FC236}">
+                <a16:creationId xmlns:a16="http://schemas.microsoft.com/office/drawing/2014/main" id="{83285ADE-DCEF-4F3B-B5A8-A86C228CFAF4}"/>
+              </a:ext>
+            </a:extLst>
+          </p:cNvPr>
+          <p:cNvSpPr>
+            <a:spLocks noGrp="1"/>
+          </p:cNvSpPr>
+          <p:nvPr>
+            <p:ph type="sldNum" sz="quarter" idx="12"/>
+          </p:nvPr>
+        </p:nvSpPr>
+        <p:spPr/>
+        <p:txBody>
+          <a:bodyPr/>
+          <a:lstStyle/>
+          <a:p>
+            <a:fld id="{AA0EB1BB-D2B3-481B-A5E1-F093F8D3CD29}" type="slidenum">
+              <a:rPr lang="en-US" smtClean="0"/>
+              <a:t>32</a:t>
+            </a:fld>
+            <a:endParaRPr lang="en-US"/>
+          </a:p>
+        </p:txBody>
+      </p:sp>
+      <p:pic>
+        <p:nvPicPr>
+          <p:cNvPr id="7" name="Picture 6">
+            <a:extLst>
+              <a:ext uri="{FF2B5EF4-FFF2-40B4-BE49-F238E27FC236}">
+                <a16:creationId xmlns:a16="http://schemas.microsoft.com/office/drawing/2014/main" id="{49B80007-3C25-4234-96C5-8B559D6C457F}"/>
+              </a:ext>
+            </a:extLst>
+          </p:cNvPr>
+          <p:cNvPicPr>
+            <a:picLocks noChangeAspect="1"/>
+          </p:cNvPicPr>
+          <p:nvPr/>
+        </p:nvPicPr>
+        <p:blipFill>
+          <a:blip r:embed="rId2"/>
+          <a:stretch>
+            <a:fillRect/>
+          </a:stretch>
+        </p:blipFill>
+        <p:spPr>
+          <a:xfrm>
+            <a:off x="752691" y="2594131"/>
+            <a:ext cx="2181529" cy="3019846"/>
+          </a:xfrm>
+          <a:prstGeom prst="rect">
+            <a:avLst/>
+          </a:prstGeom>
+        </p:spPr>
+      </p:pic>
+      <p:pic>
+        <p:nvPicPr>
+          <p:cNvPr id="8" name="Picture 7">
+            <a:extLst>
+              <a:ext uri="{FF2B5EF4-FFF2-40B4-BE49-F238E27FC236}">
+                <a16:creationId xmlns:a16="http://schemas.microsoft.com/office/drawing/2014/main" id="{918AF5FC-19BF-4E31-AFC6-777E249960D0}"/>
+              </a:ext>
+            </a:extLst>
+          </p:cNvPr>
+          <p:cNvPicPr>
+            <a:picLocks noChangeAspect="1"/>
+          </p:cNvPicPr>
+          <p:nvPr/>
+        </p:nvPicPr>
+        <p:blipFill>
+          <a:blip r:embed="rId3"/>
+          <a:stretch>
+            <a:fillRect/>
+          </a:stretch>
+        </p:blipFill>
+        <p:spPr>
+          <a:xfrm>
+            <a:off x="4358314" y="4697728"/>
+            <a:ext cx="1038370" cy="905001"/>
+          </a:xfrm>
+          <a:prstGeom prst="rect">
+            <a:avLst/>
+          </a:prstGeom>
+        </p:spPr>
+      </p:pic>
+    </p:spTree>
+    <p:extLst>
+      <p:ext uri="{BB962C8B-B14F-4D97-AF65-F5344CB8AC3E}">
+        <p14:creationId xmlns:p14="http://schemas.microsoft.com/office/powerpoint/2010/main" val="3957948958"/>
+      </p:ext>
+    </p:extLst>
+  </p:cSld>
+  <p:clrMapOvr>
+    <a:masterClrMapping/>
+  </p:clrMapOvr>
+</p:sld>
+</file>
+
+<file path=ppt/slides/slide33.xml><?xml version="1.0" encoding="utf-8"?>
+<p:sld xmlns:a="http://schemas.openxmlformats.org/drawingml/2006/main" xmlns:r="http://schemas.openxmlformats.org/officeDocument/2006/relationships" xmlns:p="http://schemas.openxmlformats.org/presentationml/2006/main">
+  <p:cSld>
+    <p:spTree>
+      <p:nvGrpSpPr>
+        <p:cNvPr id="1" name=""/>
+        <p:cNvGrpSpPr/>
+        <p:nvPr/>
+      </p:nvGrpSpPr>
+      <p:grpSpPr>
+        <a:xfrm>
+          <a:off x="0" y="0"/>
+          <a:ext cx="0" cy="0"/>
+          <a:chOff x="0" y="0"/>
+          <a:chExt cx="0" cy="0"/>
+        </a:xfrm>
+      </p:grpSpPr>
+      <p:sp>
+        <p:nvSpPr>
+          <p:cNvPr id="2" name="Title 1">
+            <a:extLst>
+              <a:ext uri="{FF2B5EF4-FFF2-40B4-BE49-F238E27FC236}">
+                <a16:creationId xmlns:a16="http://schemas.microsoft.com/office/drawing/2014/main" id="{350A5D87-CF7F-46E3-9064-54D94B385ED6}"/>
+              </a:ext>
+            </a:extLst>
+          </p:cNvPr>
+          <p:cNvSpPr>
+            <a:spLocks noGrp="1"/>
+          </p:cNvSpPr>
+          <p:nvPr>
+            <p:ph type="title"/>
+          </p:nvPr>
+        </p:nvSpPr>
+        <p:spPr/>
+        <p:txBody>
+          <a:bodyPr/>
+          <a:lstStyle/>
+          <a:p>
+            <a:r>
+              <a:rPr lang="ko-KR" altLang="en-US" dirty="0"/>
+              <a:t>전원 병렬 연결</a:t>
+            </a:r>
+            <a:endParaRPr lang="en-US" dirty="0"/>
+          </a:p>
+        </p:txBody>
+      </p:sp>
+      <p:sp>
+        <p:nvSpPr>
+          <p:cNvPr id="3" name="Content Placeholder 2">
+            <a:extLst>
+              <a:ext uri="{FF2B5EF4-FFF2-40B4-BE49-F238E27FC236}">
+                <a16:creationId xmlns:a16="http://schemas.microsoft.com/office/drawing/2014/main" id="{D78B23BA-70A7-4C97-817E-4F7A53D1194C}"/>
+              </a:ext>
+            </a:extLst>
+          </p:cNvPr>
+          <p:cNvSpPr>
+            <a:spLocks noGrp="1"/>
+          </p:cNvSpPr>
+          <p:nvPr>
+            <p:ph idx="1"/>
+          </p:nvPr>
+        </p:nvSpPr>
+        <p:spPr>
+          <a:xfrm>
+            <a:off x="681038" y="1255271"/>
+            <a:ext cx="8543925" cy="2721111"/>
+          </a:xfrm>
+        </p:spPr>
+        <p:txBody>
+          <a:bodyPr/>
+          <a:lstStyle/>
+          <a:p>
+            <a:endParaRPr lang="en-US"/>
+          </a:p>
+        </p:txBody>
+      </p:sp>
+      <p:sp>
+        <p:nvSpPr>
+          <p:cNvPr id="4" name="Date Placeholder 3">
+            <a:extLst>
+              <a:ext uri="{FF2B5EF4-FFF2-40B4-BE49-F238E27FC236}">
+                <a16:creationId xmlns:a16="http://schemas.microsoft.com/office/drawing/2014/main" id="{E6414B29-4BE8-42EE-9C06-0127AE4CB764}"/>
+              </a:ext>
+            </a:extLst>
+          </p:cNvPr>
+          <p:cNvSpPr>
+            <a:spLocks noGrp="1"/>
+          </p:cNvSpPr>
+          <p:nvPr>
+            <p:ph type="dt" sz="half" idx="10"/>
+          </p:nvPr>
+        </p:nvSpPr>
+        <p:spPr/>
+        <p:txBody>
+          <a:bodyPr/>
+          <a:lstStyle/>
+          <a:p>
+            <a:fld id="{BE0357B1-0FDD-482C-A9DC-A4587093D4A9}" type="datetime1">
+              <a:rPr lang="ko-KR" altLang="en-US" smtClean="0"/>
+              <a:t>2019-07-14</a:t>
+            </a:fld>
+            <a:endParaRPr lang="en-US"/>
+          </a:p>
+        </p:txBody>
+      </p:sp>
+      <p:sp>
+        <p:nvSpPr>
+          <p:cNvPr id="5" name="Footer Placeholder 4">
+            <a:extLst>
+              <a:ext uri="{FF2B5EF4-FFF2-40B4-BE49-F238E27FC236}">
+                <a16:creationId xmlns:a16="http://schemas.microsoft.com/office/drawing/2014/main" id="{21E17C17-3948-49E0-ABEC-26FD79799C7F}"/>
+              </a:ext>
+            </a:extLst>
+          </p:cNvPr>
+          <p:cNvSpPr>
+            <a:spLocks noGrp="1"/>
+          </p:cNvSpPr>
+          <p:nvPr>
+            <p:ph type="ftr" sz="quarter" idx="11"/>
+          </p:nvPr>
+        </p:nvSpPr>
+        <p:spPr/>
+        <p:txBody>
+          <a:bodyPr/>
+          <a:lstStyle/>
+          <a:p>
+            <a:r>
+              <a:rPr lang="ko-KR" altLang="en-US"/>
+              <a:t>드론 멘토링 </a:t>
+            </a:r>
+            <a:r>
+              <a:rPr lang="en-US" altLang="ko-KR"/>
+              <a:t>(2019</a:t>
+            </a:r>
+            <a:r>
+              <a:rPr lang="ko-KR" altLang="en-US"/>
+              <a:t>년 여름</a:t>
+            </a:r>
+            <a:r>
+              <a:rPr lang="en-US" altLang="ko-KR"/>
+              <a:t>)</a:t>
+            </a:r>
+            <a:endParaRPr lang="en-US"/>
+          </a:p>
+        </p:txBody>
+      </p:sp>
+      <p:sp>
+        <p:nvSpPr>
+          <p:cNvPr id="6" name="Slide Number Placeholder 5">
+            <a:extLst>
+              <a:ext uri="{FF2B5EF4-FFF2-40B4-BE49-F238E27FC236}">
+                <a16:creationId xmlns:a16="http://schemas.microsoft.com/office/drawing/2014/main" id="{C1C82FF2-E13A-4B36-823B-EAEEA6C062CF}"/>
+              </a:ext>
+            </a:extLst>
+          </p:cNvPr>
+          <p:cNvSpPr>
+            <a:spLocks noGrp="1"/>
+          </p:cNvSpPr>
+          <p:nvPr>
+            <p:ph type="sldNum" sz="quarter" idx="12"/>
+          </p:nvPr>
+        </p:nvSpPr>
+        <p:spPr/>
+        <p:txBody>
+          <a:bodyPr/>
+          <a:lstStyle/>
+          <a:p>
+            <a:fld id="{AA0EB1BB-D2B3-481B-A5E1-F093F8D3CD29}" type="slidenum">
+              <a:rPr lang="en-US" smtClean="0"/>
+              <a:t>33</a:t>
+            </a:fld>
+            <a:endParaRPr lang="en-US"/>
+          </a:p>
+        </p:txBody>
+      </p:sp>
+      <p:pic>
+        <p:nvPicPr>
+          <p:cNvPr id="7" name="Picture 6">
+            <a:extLst>
+              <a:ext uri="{FF2B5EF4-FFF2-40B4-BE49-F238E27FC236}">
+                <a16:creationId xmlns:a16="http://schemas.microsoft.com/office/drawing/2014/main" id="{CDDD036A-55B3-44FA-8AA7-4D4A754283BF}"/>
+              </a:ext>
+            </a:extLst>
+          </p:cNvPr>
+          <p:cNvPicPr>
+            <a:picLocks noChangeAspect="1"/>
+          </p:cNvPicPr>
+          <p:nvPr/>
+        </p:nvPicPr>
+        <p:blipFill>
+          <a:blip r:embed="rId2"/>
+          <a:stretch>
+            <a:fillRect/>
+          </a:stretch>
+        </p:blipFill>
+        <p:spPr>
+          <a:xfrm>
+            <a:off x="5490827" y="4899064"/>
+            <a:ext cx="1038370" cy="905001"/>
+          </a:xfrm>
+          <a:prstGeom prst="rect">
+            <a:avLst/>
+          </a:prstGeom>
+        </p:spPr>
+      </p:pic>
+      <p:pic>
+        <p:nvPicPr>
+          <p:cNvPr id="8" name="Picture 7">
+            <a:extLst>
+              <a:ext uri="{FF2B5EF4-FFF2-40B4-BE49-F238E27FC236}">
+                <a16:creationId xmlns:a16="http://schemas.microsoft.com/office/drawing/2014/main" id="{25159FCE-6C49-4BBC-91D8-C758FEA5919E}"/>
+              </a:ext>
+            </a:extLst>
+          </p:cNvPr>
+          <p:cNvPicPr>
+            <a:picLocks noChangeAspect="1"/>
+          </p:cNvPicPr>
+          <p:nvPr/>
+        </p:nvPicPr>
+        <p:blipFill>
+          <a:blip r:embed="rId3"/>
+          <a:stretch>
+            <a:fillRect/>
+          </a:stretch>
+        </p:blipFill>
+        <p:spPr>
+          <a:xfrm>
+            <a:off x="1023801" y="2947538"/>
+            <a:ext cx="3391373" cy="2057687"/>
+          </a:xfrm>
+          <a:prstGeom prst="rect">
+            <a:avLst/>
+          </a:prstGeom>
+        </p:spPr>
+      </p:pic>
+    </p:spTree>
+    <p:extLst>
+      <p:ext uri="{BB962C8B-B14F-4D97-AF65-F5344CB8AC3E}">
+        <p14:creationId xmlns:p14="http://schemas.microsoft.com/office/powerpoint/2010/main" val="2734477472"/>
+      </p:ext>
+    </p:extLst>
+  </p:cSld>
+  <p:clrMapOvr>
+    <a:masterClrMapping/>
+  </p:clrMapOvr>
+</p:sld>
+</file>
+
+<file path=ppt/slides/slide34.xml><?xml version="1.0" encoding="utf-8"?>
+<p:sld xmlns:a="http://schemas.openxmlformats.org/drawingml/2006/main" xmlns:r="http://schemas.openxmlformats.org/officeDocument/2006/relationships" xmlns:p="http://schemas.openxmlformats.org/presentationml/2006/main">
+  <p:cSld>
+    <p:spTree>
+      <p:nvGrpSpPr>
+        <p:cNvPr id="1" name=""/>
+        <p:cNvGrpSpPr/>
+        <p:nvPr/>
+      </p:nvGrpSpPr>
+      <p:grpSpPr>
+        <a:xfrm>
+          <a:off x="0" y="0"/>
+          <a:ext cx="0" cy="0"/>
+          <a:chOff x="0" y="0"/>
+          <a:chExt cx="0" cy="0"/>
+        </a:xfrm>
+      </p:grpSpPr>
+      <p:sp>
+        <p:nvSpPr>
           <p:cNvPr id="2" name="제목 1"/>
           <p:cNvSpPr>
             <a:spLocks noGrp="1"/>
@@ -20609,7 +21274,7 @@
           <a:p>
             <a:fld id="{4CC14437-CE76-4CAA-B57D-74630AAA1A81}" type="datetime1">
               <a:rPr lang="ko-KR" altLang="en-US" smtClean="0"/>
-              <a:t>2019-07-13</a:t>
+              <a:t>2019-07-14</a:t>
             </a:fld>
             <a:endParaRPr lang="en-US"/>
           </a:p>
@@ -20667,7 +21332,7 @@
           <a:p>
             <a:fld id="{AA0EB1BB-D2B3-481B-A5E1-F093F8D3CD29}" type="slidenum">
               <a:rPr lang="en-US" smtClean="0"/>
-              <a:t>31</a:t>
+              <a:t>34</a:t>
             </a:fld>
             <a:endParaRPr lang="en-US"/>
           </a:p>
@@ -20686,7 +21351,7 @@
 </p:sld>
 </file>
 
-<file path=ppt/slides/slide32.xml><?xml version="1.0" encoding="utf-8"?>
+<file path=ppt/slides/slide35.xml><?xml version="1.0" encoding="utf-8"?>
 <p:sld xmlns:a="http://schemas.openxmlformats.org/drawingml/2006/main" xmlns:r="http://schemas.openxmlformats.org/officeDocument/2006/relationships" xmlns:p="http://schemas.openxmlformats.org/presentationml/2006/main">
   <p:cSld>
     <p:spTree>
@@ -20780,7 +21445,7 @@
           <a:p>
             <a:fld id="{BE0357B1-0FDD-482C-A9DC-A4587093D4A9}" type="datetime1">
               <a:rPr lang="ko-KR" altLang="en-US" smtClean="0"/>
-              <a:t>2019-07-13</a:t>
+              <a:t>2019-07-14</a:t>
             </a:fld>
             <a:endParaRPr lang="en-US"/>
           </a:p>
@@ -20850,7 +21515,7 @@
           <a:p>
             <a:fld id="{AA0EB1BB-D2B3-481B-A5E1-F093F8D3CD29}" type="slidenum">
               <a:rPr lang="en-US" smtClean="0"/>
-              <a:t>32</a:t>
+              <a:t>35</a:t>
             </a:fld>
             <a:endParaRPr lang="en-US"/>
           </a:p>
@@ -20977,7 +21642,7 @@
           <a:p>
             <a:fld id="{BE0357B1-0FDD-482C-A9DC-A4587093D4A9}" type="datetime1">
               <a:rPr lang="ko-KR" altLang="en-US" smtClean="0"/>
-              <a:t>2019-07-13</a:t>
+              <a:t>2019-07-14</a:t>
             </a:fld>
             <a:endParaRPr lang="en-US"/>
           </a:p>
@@ -21342,7 +22007,7 @@
           <a:p>
             <a:fld id="{BE0357B1-0FDD-482C-A9DC-A4587093D4A9}" type="datetime1">
               <a:rPr lang="ko-KR" altLang="en-US" smtClean="0"/>
-              <a:t>2019-07-13</a:t>
+              <a:t>2019-07-14</a:t>
             </a:fld>
             <a:endParaRPr lang="en-US"/>
           </a:p>
@@ -21707,7 +22372,7 @@
           <a:p>
             <a:fld id="{BE0357B1-0FDD-482C-A9DC-A4587093D4A9}" type="datetime1">
               <a:rPr lang="ko-KR" altLang="en-US" smtClean="0"/>
-              <a:t>2019-07-13</a:t>
+              <a:t>2019-07-14</a:t>
             </a:fld>
             <a:endParaRPr lang="en-US"/>
           </a:p>
@@ -22037,7 +22702,7 @@
           <a:p>
             <a:fld id="{BE0357B1-0FDD-482C-A9DC-A4587093D4A9}" type="datetime1">
               <a:rPr lang="ko-KR" altLang="en-US" smtClean="0"/>
-              <a:t>2019-07-13</a:t>
+              <a:t>2019-07-14</a:t>
             </a:fld>
             <a:endParaRPr lang="en-US"/>
           </a:p>
@@ -22248,7 +22913,7 @@
           <a:p>
             <a:fld id="{BE0357B1-0FDD-482C-A9DC-A4587093D4A9}" type="datetime1">
               <a:rPr lang="ko-KR" altLang="en-US" smtClean="0"/>
-              <a:t>2019-07-13</a:t>
+              <a:t>2019-07-14</a:t>
             </a:fld>
             <a:endParaRPr lang="en-US"/>
           </a:p>
@@ -22687,7 +23352,7 @@
           <a:p>
             <a:fld id="{BE0357B1-0FDD-482C-A9DC-A4587093D4A9}" type="datetime1">
               <a:rPr lang="ko-KR" altLang="en-US" smtClean="0"/>
-              <a:t>2019-07-13</a:t>
+              <a:t>2019-07-14</a:t>
             </a:fld>
             <a:endParaRPr lang="en-US"/>
           </a:p>
